--- a/G3_eggshell/G3_Presentation.pptx
+++ b/G3_eggshell/G3_Presentation.pptx
@@ -1,30 +1,38 @@
 
 <file path=ppt/presentation.xml><?xml version="1.0" encoding="utf-8"?>
-<p:presentation xmlns:a="http://schemas.openxmlformats.org/drawingml/2006/main" xmlns:r="http://schemas.openxmlformats.org/officeDocument/2006/relationships" xmlns:mc="http://schemas.openxmlformats.org/markup-compatibility/2006" xmlns:mv="urn:schemas-microsoft-com:mac:vml" xmlns:p="http://schemas.openxmlformats.org/presentationml/2006/main" xmlns:c="http://schemas.openxmlformats.org/drawingml/2006/chart" xmlns:dgm="http://schemas.openxmlformats.org/drawingml/2006/diagram" xmlns:o="urn:schemas-microsoft-com:office:office" xmlns:v="urn:schemas-microsoft-com:vml" xmlns:pvml="urn:schemas-microsoft-com:office:powerpoint" xmlns:com="http://schemas.openxmlformats.org/drawingml/2006/compatibility" xmlns:p14="http://schemas.microsoft.com/office/powerpoint/2010/main" saveSubsetFonts="1" autoCompressPictures="0" mc:PreserveAttributes="mv:*" mc:Ignorable="mv">
+<p:presentation xmlns:a="http://schemas.openxmlformats.org/drawingml/2006/main" xmlns:r="http://schemas.openxmlformats.org/officeDocument/2006/relationships" xmlns:p="http://schemas.openxmlformats.org/presentationml/2006/main" saveSubsetFonts="1" autoCompressPictures="0">
   <p:sldMasterIdLst>
-    <p:sldMasterId id="2147483654" r:id="rId4"/>
+    <p:sldMasterId id="2147483654" r:id="rId1"/>
   </p:sldMasterIdLst>
   <p:notesMasterIdLst>
-    <p:notesMasterId r:id="rId5"/>
+    <p:notesMasterId r:id="rId22"/>
   </p:notesMasterIdLst>
   <p:sldIdLst>
-    <p:sldId id="256" r:id="rId6"/>
-    <p:sldId id="257" r:id="rId7"/>
-    <p:sldId id="258" r:id="rId8"/>
-    <p:sldId id="259" r:id="rId9"/>
-    <p:sldId id="260" r:id="rId10"/>
-    <p:sldId id="261" r:id="rId11"/>
-    <p:sldId id="262" r:id="rId12"/>
-    <p:sldId id="263" r:id="rId13"/>
-    <p:sldId id="264" r:id="rId14"/>
-    <p:sldId id="265" r:id="rId15"/>
-    <p:sldId id="266" r:id="rId16"/>
-    <p:sldId id="267" r:id="rId17"/>
+    <p:sldId id="256" r:id="rId2"/>
+    <p:sldId id="257" r:id="rId3"/>
+    <p:sldId id="258" r:id="rId4"/>
+    <p:sldId id="259" r:id="rId5"/>
+    <p:sldId id="260" r:id="rId6"/>
+    <p:sldId id="261" r:id="rId7"/>
+    <p:sldId id="262" r:id="rId8"/>
+    <p:sldId id="263" r:id="rId9"/>
+    <p:sldId id="264" r:id="rId10"/>
+    <p:sldId id="265" r:id="rId11"/>
+    <p:sldId id="266" r:id="rId12"/>
+    <p:sldId id="267" r:id="rId13"/>
+    <p:sldId id="268" r:id="rId14"/>
+    <p:sldId id="269" r:id="rId15"/>
+    <p:sldId id="270" r:id="rId16"/>
+    <p:sldId id="271" r:id="rId17"/>
+    <p:sldId id="272" r:id="rId18"/>
+    <p:sldId id="273" r:id="rId19"/>
+    <p:sldId id="274" r:id="rId20"/>
+    <p:sldId id="275" r:id="rId21"/>
   </p:sldIdLst>
-  <p:sldSz cy="5143500" cx="9144000"/>
-  <p:notesSz cy="9144000" cx="6858000"/>
+  <p:sldSz cx="9144000" cy="5143500" type="screen16x9"/>
+  <p:notesSz cx="6858000" cy="9144000"/>
   <p:defaultTextStyle>
-    <a:defPPr algn="l" rtl="0" marR="0">
+    <a:defPPr marR="0" algn="l" rtl="0">
       <a:lnSpc>
         <a:spcPct val="100000"/>
       </a:lnSpc>
@@ -35,7 +43,7 @@
         <a:spcPts val="0"/>
       </a:spcAft>
     </a:defPPr>
-    <a:lvl1pPr algn="l" rtl="0" marR="0">
+    <a:lvl1pPr marR="0" algn="l" rtl="0">
       <a:lnSpc>
         <a:spcPct val="100000"/>
       </a:lnSpc>
@@ -46,7 +54,7 @@
         <a:spcPts val="0"/>
       </a:spcAft>
       <a:buNone/>
-      <a:defRPr strike="noStrike" u="none" b="0" cap="none" baseline="0" sz="1400" i="0">
+      <a:defRPr sz="1400" b="0" i="0" u="none" strike="noStrike" cap="none" baseline="0">
         <a:solidFill>
           <a:srgbClr val="000000"/>
         </a:solidFill>
@@ -57,7 +65,7 @@
         <a:rtl val="0"/>
       </a:defRPr>
     </a:lvl1pPr>
-    <a:lvl2pPr algn="l" rtl="0" marR="0">
+    <a:lvl2pPr marR="0" algn="l" rtl="0">
       <a:lnSpc>
         <a:spcPct val="100000"/>
       </a:lnSpc>
@@ -68,7 +76,7 @@
         <a:spcPts val="0"/>
       </a:spcAft>
       <a:buNone/>
-      <a:defRPr strike="noStrike" u="none" b="0" cap="none" baseline="0" sz="1400" i="0">
+      <a:defRPr sz="1400" b="0" i="0" u="none" strike="noStrike" cap="none" baseline="0">
         <a:solidFill>
           <a:srgbClr val="000000"/>
         </a:solidFill>
@@ -79,7 +87,7 @@
         <a:rtl val="0"/>
       </a:defRPr>
     </a:lvl2pPr>
-    <a:lvl3pPr algn="l" rtl="0" marR="0">
+    <a:lvl3pPr marR="0" algn="l" rtl="0">
       <a:lnSpc>
         <a:spcPct val="100000"/>
       </a:lnSpc>
@@ -90,7 +98,7 @@
         <a:spcPts val="0"/>
       </a:spcAft>
       <a:buNone/>
-      <a:defRPr strike="noStrike" u="none" b="0" cap="none" baseline="0" sz="1400" i="0">
+      <a:defRPr sz="1400" b="0" i="0" u="none" strike="noStrike" cap="none" baseline="0">
         <a:solidFill>
           <a:srgbClr val="000000"/>
         </a:solidFill>
@@ -101,7 +109,7 @@
         <a:rtl val="0"/>
       </a:defRPr>
     </a:lvl3pPr>
-    <a:lvl4pPr algn="l" rtl="0" marR="0">
+    <a:lvl4pPr marR="0" algn="l" rtl="0">
       <a:lnSpc>
         <a:spcPct val="100000"/>
       </a:lnSpc>
@@ -112,7 +120,7 @@
         <a:spcPts val="0"/>
       </a:spcAft>
       <a:buNone/>
-      <a:defRPr strike="noStrike" u="none" b="0" cap="none" baseline="0" sz="1400" i="0">
+      <a:defRPr sz="1400" b="0" i="0" u="none" strike="noStrike" cap="none" baseline="0">
         <a:solidFill>
           <a:srgbClr val="000000"/>
         </a:solidFill>
@@ -123,7 +131,7 @@
         <a:rtl val="0"/>
       </a:defRPr>
     </a:lvl4pPr>
-    <a:lvl5pPr algn="l" rtl="0" marR="0">
+    <a:lvl5pPr marR="0" algn="l" rtl="0">
       <a:lnSpc>
         <a:spcPct val="100000"/>
       </a:lnSpc>
@@ -134,7 +142,7 @@
         <a:spcPts val="0"/>
       </a:spcAft>
       <a:buNone/>
-      <a:defRPr strike="noStrike" u="none" b="0" cap="none" baseline="0" sz="1400" i="0">
+      <a:defRPr sz="1400" b="0" i="0" u="none" strike="noStrike" cap="none" baseline="0">
         <a:solidFill>
           <a:srgbClr val="000000"/>
         </a:solidFill>
@@ -145,7 +153,7 @@
         <a:rtl val="0"/>
       </a:defRPr>
     </a:lvl5pPr>
-    <a:lvl6pPr algn="l" rtl="0" marR="0">
+    <a:lvl6pPr marR="0" algn="l" rtl="0">
       <a:lnSpc>
         <a:spcPct val="100000"/>
       </a:lnSpc>
@@ -156,7 +164,7 @@
         <a:spcPts val="0"/>
       </a:spcAft>
       <a:buNone/>
-      <a:defRPr strike="noStrike" u="none" b="0" cap="none" baseline="0" sz="1400" i="0">
+      <a:defRPr sz="1400" b="0" i="0" u="none" strike="noStrike" cap="none" baseline="0">
         <a:solidFill>
           <a:srgbClr val="000000"/>
         </a:solidFill>
@@ -167,7 +175,7 @@
         <a:rtl val="0"/>
       </a:defRPr>
     </a:lvl6pPr>
-    <a:lvl7pPr algn="l" rtl="0" marR="0">
+    <a:lvl7pPr marR="0" algn="l" rtl="0">
       <a:lnSpc>
         <a:spcPct val="100000"/>
       </a:lnSpc>
@@ -178,7 +186,7 @@
         <a:spcPts val="0"/>
       </a:spcAft>
       <a:buNone/>
-      <a:defRPr strike="noStrike" u="none" b="0" cap="none" baseline="0" sz="1400" i="0">
+      <a:defRPr sz="1400" b="0" i="0" u="none" strike="noStrike" cap="none" baseline="0">
         <a:solidFill>
           <a:srgbClr val="000000"/>
         </a:solidFill>
@@ -189,7 +197,7 @@
         <a:rtl val="0"/>
       </a:defRPr>
     </a:lvl7pPr>
-    <a:lvl8pPr algn="l" rtl="0" marR="0">
+    <a:lvl8pPr marR="0" algn="l" rtl="0">
       <a:lnSpc>
         <a:spcPct val="100000"/>
       </a:lnSpc>
@@ -200,7 +208,7 @@
         <a:spcPts val="0"/>
       </a:spcAft>
       <a:buNone/>
-      <a:defRPr strike="noStrike" u="none" b="0" cap="none" baseline="0" sz="1400" i="0">
+      <a:defRPr sz="1400" b="0" i="0" u="none" strike="noStrike" cap="none" baseline="0">
         <a:solidFill>
           <a:srgbClr val="000000"/>
         </a:solidFill>
@@ -211,7 +219,7 @@
         <a:rtl val="0"/>
       </a:defRPr>
     </a:lvl8pPr>
-    <a:lvl9pPr algn="l" rtl="0" marR="0">
+    <a:lvl9pPr marR="0" algn="l" rtl="0">
       <a:lnSpc>
         <a:spcPct val="100000"/>
       </a:lnSpc>
@@ -222,7 +230,7 @@
         <a:spcPts val="0"/>
       </a:spcAft>
       <a:buNone/>
-      <a:defRPr strike="noStrike" u="none" b="0" cap="none" baseline="0" sz="1400" i="0">
+      <a:defRPr sz="1400" b="0" i="0" u="none" strike="noStrike" cap="none" baseline="0">
         <a:solidFill>
           <a:srgbClr val="000000"/>
         </a:solidFill>
@@ -238,8 +246,13 @@
 </file>
 
 <file path=ppt/notesMasters/notesMaster1.xml><?xml version="1.0" encoding="utf-8"?>
-<p:notesMaster xmlns:a="http://schemas.openxmlformats.org/drawingml/2006/main" xmlns:r="http://schemas.openxmlformats.org/officeDocument/2006/relationships" xmlns:mc="http://schemas.openxmlformats.org/markup-compatibility/2006" xmlns:mv="urn:schemas-microsoft-com:mac:vml" xmlns:p="http://schemas.openxmlformats.org/presentationml/2006/main" xmlns:c="http://schemas.openxmlformats.org/drawingml/2006/chart" xmlns:dgm="http://schemas.openxmlformats.org/drawingml/2006/diagram" xmlns:o="urn:schemas-microsoft-com:office:office" xmlns:v="urn:schemas-microsoft-com:vml" xmlns:pvml="urn:schemas-microsoft-com:office:powerpoint" xmlns:com="http://schemas.openxmlformats.org/drawingml/2006/compatibility" xmlns:p14="http://schemas.microsoft.com/office/powerpoint/2010/main">
+<p:notesMaster xmlns:a="http://schemas.openxmlformats.org/drawingml/2006/main" xmlns:r="http://schemas.openxmlformats.org/officeDocument/2006/relationships" xmlns:p="http://schemas.openxmlformats.org/presentationml/2006/main">
   <p:cSld>
+    <p:bg>
+      <p:bgRef idx="1001">
+        <a:schemeClr val="bg1"/>
+      </p:bgRef>
+    </p:bg>
     <p:spTree>
       <p:nvGrpSpPr>
         <p:cNvPr id="1" name="Shape 1"/>
@@ -248,39 +261,46 @@
       </p:nvGrpSpPr>
       <p:grpSpPr>
         <a:xfrm>
-          <a:off y="0" x="0"/>
-          <a:ext cy="0" cx="0"/>
-          <a:chOff y="0" x="0"/>
-          <a:chExt cy="0" cx="0"/>
+          <a:off x="0" y="0"/>
+          <a:ext cx="0" cy="0"/>
+          <a:chOff x="0" y="0"/>
+          <a:chExt cx="0" cy="0"/>
         </a:xfrm>
       </p:grpSpPr>
       <p:sp>
         <p:nvSpPr>
           <p:cNvPr id="2" name="Shape 2"/>
-          <p:cNvSpPr/>
+          <p:cNvSpPr>
+            <a:spLocks noGrp="1" noRot="1" noChangeAspect="1"/>
+          </p:cNvSpPr>
           <p:nvPr>
-            <p:ph idx="2" type="sldImg"/>
+            <p:ph type="sldImg" idx="2"/>
           </p:nvPr>
         </p:nvSpPr>
         <p:spPr>
           <a:xfrm>
-            <a:off y="685800" x="1143225"/>
-            <a:ext cy="3429000" cx="4572225"/>
+            <a:off x="1143225" y="685800"/>
+            <a:ext cx="4572225" cy="3429000"/>
           </a:xfrm>
           <a:custGeom>
+            <a:avLst/>
+            <a:gdLst/>
+            <a:ahLst/>
+            <a:cxnLst/>
+            <a:rect l="0" t="0" r="0" b="0"/>
             <a:pathLst>
-              <a:path w="120000" extrusionOk="0" h="120000">
+              <a:path w="120000" h="120000" extrusionOk="0">
                 <a:moveTo>
-                  <a:pt y="0" x="0"/>
+                  <a:pt x="0" y="0"/>
                 </a:moveTo>
                 <a:lnTo>
-                  <a:pt y="0" x="120000"/>
+                  <a:pt x="120000" y="0"/>
                 </a:lnTo>
                 <a:lnTo>
-                  <a:pt y="120000" x="120000"/>
+                  <a:pt x="120000" y="120000"/>
                 </a:lnTo>
                 <a:lnTo>
-                  <a:pt y="120000" x="0"/>
+                  <a:pt x="0" y="120000"/>
                 </a:lnTo>
                 <a:close/>
               </a:path>
@@ -291,22 +311,24 @@
       <p:sp>
         <p:nvSpPr>
           <p:cNvPr id="3" name="Shape 3"/>
-          <p:cNvSpPr txBox="1"/>
+          <p:cNvSpPr txBox="1">
+            <a:spLocks noGrp="1"/>
+          </p:cNvSpPr>
           <p:nvPr>
-            <p:ph idx="1" type="body"/>
+            <p:ph type="body" idx="1"/>
           </p:nvPr>
         </p:nvSpPr>
         <p:spPr>
           <a:xfrm>
-            <a:off y="4343400" x="685800"/>
-            <a:ext cy="4114800" cx="5486399"/>
-          </a:xfrm>
-          <a:prstGeom prst="rect">
-            <a:avLst/>
-          </a:prstGeom>
-        </p:spPr>
-        <p:txBody>
-          <a:bodyPr bIns="91425" rIns="91425" lIns="91425" tIns="91425" anchor="t" anchorCtr="0"/>
+            <a:off x="685800" y="4343400"/>
+            <a:ext cx="5486399" cy="4114800"/>
+          </a:xfrm>
+          <a:prstGeom prst="rect">
+            <a:avLst/>
+          </a:prstGeom>
+        </p:spPr>
+        <p:txBody>
+          <a:bodyPr lIns="91425" tIns="91425" rIns="91425" bIns="91425" anchor="t" anchorCtr="0"/>
           <a:lstStyle>
             <a:lvl1pPr>
               <a:defRPr sz="1100"/>
@@ -336,59 +358,165 @@
               <a:defRPr sz="1100"/>
             </a:lvl9pPr>
           </a:lstStyle>
-          <a:p/>
+          <a:p>
+            <a:endParaRPr/>
+          </a:p>
         </p:txBody>
       </p:sp>
     </p:spTree>
+    <p:extLst>
+      <p:ext uri="{BB962C8B-B14F-4D97-AF65-F5344CB8AC3E}">
+        <p14:creationId xmlns:p14="http://schemas.microsoft.com/office/powerpoint/2010/main" val="1002152054"/>
+      </p:ext>
+    </p:extLst>
   </p:cSld>
-  <p:clrMap accent2="accent2" accent3="accent3" accent4="accent4" accent5="accent5" accent6="accent6" hlink="hlink" tx2="lt2" tx1="dk1" bg2="dk2" bg1="lt1" folHlink="folHlink" accent1="accent1"/>
+  <p:clrMap bg1="lt1" tx1="dk1" bg2="dk2" tx2="lt2" accent1="accent1" accent2="accent2" accent3="accent3" accent4="accent4" accent5="accent5" accent6="accent6" hlink="hlink" folHlink="folHlink"/>
+  <p:notesStyle>
+    <a:lvl1pPr marL="0" algn="l" defTabSz="457200" rtl="0" eaLnBrk="1" latinLnBrk="0" hangingPunct="1">
+      <a:defRPr sz="1200" kern="1200">
+        <a:solidFill>
+          <a:schemeClr val="tx1"/>
+        </a:solidFill>
+        <a:latin typeface="+mn-lt"/>
+        <a:ea typeface="+mn-ea"/>
+        <a:cs typeface="+mn-cs"/>
+      </a:defRPr>
+    </a:lvl1pPr>
+    <a:lvl2pPr marL="457200" algn="l" defTabSz="457200" rtl="0" eaLnBrk="1" latinLnBrk="0" hangingPunct="1">
+      <a:defRPr sz="1200" kern="1200">
+        <a:solidFill>
+          <a:schemeClr val="tx1"/>
+        </a:solidFill>
+        <a:latin typeface="+mn-lt"/>
+        <a:ea typeface="+mn-ea"/>
+        <a:cs typeface="+mn-cs"/>
+      </a:defRPr>
+    </a:lvl2pPr>
+    <a:lvl3pPr marL="914400" algn="l" defTabSz="457200" rtl="0" eaLnBrk="1" latinLnBrk="0" hangingPunct="1">
+      <a:defRPr sz="1200" kern="1200">
+        <a:solidFill>
+          <a:schemeClr val="tx1"/>
+        </a:solidFill>
+        <a:latin typeface="+mn-lt"/>
+        <a:ea typeface="+mn-ea"/>
+        <a:cs typeface="+mn-cs"/>
+      </a:defRPr>
+    </a:lvl3pPr>
+    <a:lvl4pPr marL="1371600" algn="l" defTabSz="457200" rtl="0" eaLnBrk="1" latinLnBrk="0" hangingPunct="1">
+      <a:defRPr sz="1200" kern="1200">
+        <a:solidFill>
+          <a:schemeClr val="tx1"/>
+        </a:solidFill>
+        <a:latin typeface="+mn-lt"/>
+        <a:ea typeface="+mn-ea"/>
+        <a:cs typeface="+mn-cs"/>
+      </a:defRPr>
+    </a:lvl4pPr>
+    <a:lvl5pPr marL="1828800" algn="l" defTabSz="457200" rtl="0" eaLnBrk="1" latinLnBrk="0" hangingPunct="1">
+      <a:defRPr sz="1200" kern="1200">
+        <a:solidFill>
+          <a:schemeClr val="tx1"/>
+        </a:solidFill>
+        <a:latin typeface="+mn-lt"/>
+        <a:ea typeface="+mn-ea"/>
+        <a:cs typeface="+mn-cs"/>
+      </a:defRPr>
+    </a:lvl5pPr>
+    <a:lvl6pPr marL="2286000" algn="l" defTabSz="457200" rtl="0" eaLnBrk="1" latinLnBrk="0" hangingPunct="1">
+      <a:defRPr sz="1200" kern="1200">
+        <a:solidFill>
+          <a:schemeClr val="tx1"/>
+        </a:solidFill>
+        <a:latin typeface="+mn-lt"/>
+        <a:ea typeface="+mn-ea"/>
+        <a:cs typeface="+mn-cs"/>
+      </a:defRPr>
+    </a:lvl6pPr>
+    <a:lvl7pPr marL="2743200" algn="l" defTabSz="457200" rtl="0" eaLnBrk="1" latinLnBrk="0" hangingPunct="1">
+      <a:defRPr sz="1200" kern="1200">
+        <a:solidFill>
+          <a:schemeClr val="tx1"/>
+        </a:solidFill>
+        <a:latin typeface="+mn-lt"/>
+        <a:ea typeface="+mn-ea"/>
+        <a:cs typeface="+mn-cs"/>
+      </a:defRPr>
+    </a:lvl7pPr>
+    <a:lvl8pPr marL="3200400" algn="l" defTabSz="457200" rtl="0" eaLnBrk="1" latinLnBrk="0" hangingPunct="1">
+      <a:defRPr sz="1200" kern="1200">
+        <a:solidFill>
+          <a:schemeClr val="tx1"/>
+        </a:solidFill>
+        <a:latin typeface="+mn-lt"/>
+        <a:ea typeface="+mn-ea"/>
+        <a:cs typeface="+mn-cs"/>
+      </a:defRPr>
+    </a:lvl8pPr>
+    <a:lvl9pPr marL="3657600" algn="l" defTabSz="457200" rtl="0" eaLnBrk="1" latinLnBrk="0" hangingPunct="1">
+      <a:defRPr sz="1200" kern="1200">
+        <a:solidFill>
+          <a:schemeClr val="tx1"/>
+        </a:solidFill>
+        <a:latin typeface="+mn-lt"/>
+        <a:ea typeface="+mn-ea"/>
+        <a:cs typeface="+mn-cs"/>
+      </a:defRPr>
+    </a:lvl9pPr>
+  </p:notesStyle>
 </p:notesMaster>
 </file>
 
 <file path=ppt/notesSlides/notesSlide1.xml><?xml version="1.0" encoding="utf-8"?>
-<p:notes xmlns:a="http://schemas.openxmlformats.org/drawingml/2006/main" xmlns:r="http://schemas.openxmlformats.org/officeDocument/2006/relationships" xmlns:mc="http://schemas.openxmlformats.org/markup-compatibility/2006" xmlns:mv="urn:schemas-microsoft-com:mac:vml" xmlns:p="http://schemas.openxmlformats.org/presentationml/2006/main" xmlns:c="http://schemas.openxmlformats.org/drawingml/2006/chart" xmlns:dgm="http://schemas.openxmlformats.org/drawingml/2006/diagram" xmlns:o="urn:schemas-microsoft-com:office:office" xmlns:v="urn:schemas-microsoft-com:vml" xmlns:pvml="urn:schemas-microsoft-com:office:powerpoint" xmlns:com="http://schemas.openxmlformats.org/drawingml/2006/compatibility" xmlns:p14="http://schemas.microsoft.com/office/powerpoint/2010/main" showMasterSp="0" showMasterPhAnim="0">
+<p:notes xmlns:a="http://schemas.openxmlformats.org/drawingml/2006/main" xmlns:r="http://schemas.openxmlformats.org/officeDocument/2006/relationships" xmlns:p="http://schemas.openxmlformats.org/presentationml/2006/main" showMasterSp="0" showMasterPhAnim="0">
   <p:cSld>
     <p:spTree>
       <p:nvGrpSpPr>
-        <p:cNvPr id="25" name="Shape 25"/>
+        <p:cNvPr id="1" name="Shape 25"/>
         <p:cNvGrpSpPr/>
         <p:nvPr/>
       </p:nvGrpSpPr>
       <p:grpSpPr>
         <a:xfrm>
-          <a:off y="0" x="0"/>
-          <a:ext cy="0" cx="0"/>
-          <a:chOff y="0" x="0"/>
-          <a:chExt cy="0" cx="0"/>
+          <a:off x="0" y="0"/>
+          <a:ext cx="0" cy="0"/>
+          <a:chOff x="0" y="0"/>
+          <a:chExt cx="0" cy="0"/>
         </a:xfrm>
       </p:grpSpPr>
       <p:sp>
         <p:nvSpPr>
           <p:cNvPr id="26" name="Shape 26"/>
-          <p:cNvSpPr/>
+          <p:cNvSpPr>
+            <a:spLocks noGrp="1" noRot="1" noChangeAspect="1"/>
+          </p:cNvSpPr>
           <p:nvPr>
-            <p:ph idx="2" type="sldImg"/>
+            <p:ph type="sldImg" idx="2"/>
           </p:nvPr>
         </p:nvSpPr>
         <p:spPr>
           <a:xfrm>
-            <a:off y="685800" x="1143225"/>
-            <a:ext cy="3429000" cx="4572225"/>
+            <a:off x="1143225" y="685800"/>
+            <a:ext cx="4572225" cy="3429000"/>
           </a:xfrm>
           <a:custGeom>
+            <a:avLst/>
+            <a:gdLst/>
+            <a:ahLst/>
+            <a:cxnLst/>
+            <a:rect l="0" t="0" r="0" b="0"/>
             <a:pathLst>
-              <a:path w="120000" extrusionOk="0" h="120000">
+              <a:path w="120000" h="120000" extrusionOk="0">
                 <a:moveTo>
-                  <a:pt y="0" x="0"/>
+                  <a:pt x="0" y="0"/>
                 </a:moveTo>
                 <a:lnTo>
-                  <a:pt y="0" x="120000"/>
+                  <a:pt x="120000" y="0"/>
                 </a:lnTo>
                 <a:lnTo>
-                  <a:pt y="120000" x="120000"/>
+                  <a:pt x="120000" y="120000"/>
                 </a:lnTo>
                 <a:lnTo>
-                  <a:pt y="120000" x="0"/>
+                  <a:pt x="0" y="120000"/>
                 </a:lnTo>
                 <a:close/>
               </a:path>
@@ -399,26 +527,30 @@
       <p:sp>
         <p:nvSpPr>
           <p:cNvPr id="27" name="Shape 27"/>
-          <p:cNvSpPr txBox="1"/>
+          <p:cNvSpPr txBox="1">
+            <a:spLocks noGrp="1"/>
+          </p:cNvSpPr>
           <p:nvPr>
-            <p:ph idx="1" type="body"/>
+            <p:ph type="body" idx="1"/>
           </p:nvPr>
         </p:nvSpPr>
         <p:spPr>
           <a:xfrm>
-            <a:off y="4343400" x="685800"/>
-            <a:ext cy="4114800" cx="5486399"/>
-          </a:xfrm>
-          <a:prstGeom prst="rect">
-            <a:avLst/>
-          </a:prstGeom>
-        </p:spPr>
-        <p:txBody>
-          <a:bodyPr bIns="91425" rIns="91425" lIns="91425" tIns="91425" anchor="t" anchorCtr="0">
-            <a:noAutofit/>
-          </a:bodyPr>
-          <a:lstStyle/>
-          <a:p/>
+            <a:off x="685800" y="4343400"/>
+            <a:ext cx="5486399" cy="4114800"/>
+          </a:xfrm>
+          <a:prstGeom prst="rect">
+            <a:avLst/>
+          </a:prstGeom>
+        </p:spPr>
+        <p:txBody>
+          <a:bodyPr lIns="91425" tIns="91425" rIns="91425" bIns="91425" anchor="t" anchorCtr="0">
+            <a:noAutofit/>
+          </a:bodyPr>
+          <a:lstStyle/>
+          <a:p>
+            <a:endParaRPr/>
+          </a:p>
         </p:txBody>
       </p:sp>
     </p:spTree>
@@ -430,49 +562,56 @@
 </file>
 
 <file path=ppt/notesSlides/notesSlide10.xml><?xml version="1.0" encoding="utf-8"?>
-<p:notes xmlns:a="http://schemas.openxmlformats.org/drawingml/2006/main" xmlns:r="http://schemas.openxmlformats.org/officeDocument/2006/relationships" xmlns:mc="http://schemas.openxmlformats.org/markup-compatibility/2006" xmlns:mv="urn:schemas-microsoft-com:mac:vml" xmlns:p="http://schemas.openxmlformats.org/presentationml/2006/main" xmlns:c="http://schemas.openxmlformats.org/drawingml/2006/chart" xmlns:dgm="http://schemas.openxmlformats.org/drawingml/2006/diagram" xmlns:o="urn:schemas-microsoft-com:office:office" xmlns:v="urn:schemas-microsoft-com:vml" xmlns:pvml="urn:schemas-microsoft-com:office:powerpoint" xmlns:com="http://schemas.openxmlformats.org/drawingml/2006/compatibility" xmlns:p14="http://schemas.microsoft.com/office/powerpoint/2010/main" showMasterSp="0" showMasterPhAnim="0">
+<p:notes xmlns:a="http://schemas.openxmlformats.org/drawingml/2006/main" xmlns:r="http://schemas.openxmlformats.org/officeDocument/2006/relationships" xmlns:p="http://schemas.openxmlformats.org/presentationml/2006/main" showMasterSp="0" showMasterPhAnim="0">
   <p:cSld>
     <p:spTree>
       <p:nvGrpSpPr>
-        <p:cNvPr id="121" name="Shape 121"/>
+        <p:cNvPr id="1" name="Shape 122"/>
         <p:cNvGrpSpPr/>
         <p:nvPr/>
       </p:nvGrpSpPr>
       <p:grpSpPr>
         <a:xfrm>
-          <a:off y="0" x="0"/>
-          <a:ext cy="0" cx="0"/>
-          <a:chOff y="0" x="0"/>
-          <a:chExt cy="0" cx="0"/>
+          <a:off x="0" y="0"/>
+          <a:ext cx="0" cy="0"/>
+          <a:chOff x="0" y="0"/>
+          <a:chExt cx="0" cy="0"/>
         </a:xfrm>
       </p:grpSpPr>
       <p:sp>
         <p:nvSpPr>
-          <p:cNvPr id="122" name="Shape 122"/>
-          <p:cNvSpPr/>
+          <p:cNvPr id="123" name="Shape 123"/>
+          <p:cNvSpPr>
+            <a:spLocks noGrp="1" noRot="1" noChangeAspect="1"/>
+          </p:cNvSpPr>
           <p:nvPr>
-            <p:ph idx="2" type="sldImg"/>
+            <p:ph type="sldImg" idx="2"/>
           </p:nvPr>
         </p:nvSpPr>
         <p:spPr>
           <a:xfrm>
-            <a:off y="685800" x="1143225"/>
-            <a:ext cy="3429000" cx="4572299"/>
+            <a:off x="1143225" y="685800"/>
+            <a:ext cx="4572299" cy="3429000"/>
           </a:xfrm>
           <a:custGeom>
+            <a:avLst/>
+            <a:gdLst/>
+            <a:ahLst/>
+            <a:cxnLst/>
+            <a:rect l="0" t="0" r="0" b="0"/>
             <a:pathLst>
-              <a:path w="120000" extrusionOk="0" h="120000">
+              <a:path w="120000" h="120000" extrusionOk="0">
                 <a:moveTo>
-                  <a:pt y="0" x="0"/>
+                  <a:pt x="0" y="0"/>
                 </a:moveTo>
                 <a:lnTo>
-                  <a:pt y="0" x="120000"/>
+                  <a:pt x="120000" y="0"/>
                 </a:lnTo>
                 <a:lnTo>
-                  <a:pt y="120000" x="120000"/>
+                  <a:pt x="120000" y="120000"/>
                 </a:lnTo>
                 <a:lnTo>
-                  <a:pt y="120000" x="0"/>
+                  <a:pt x="0" y="120000"/>
                 </a:lnTo>
                 <a:close/>
               </a:path>
@@ -482,27 +621,31 @@
       </p:sp>
       <p:sp>
         <p:nvSpPr>
-          <p:cNvPr id="123" name="Shape 123"/>
-          <p:cNvSpPr txBox="1"/>
+          <p:cNvPr id="124" name="Shape 124"/>
+          <p:cNvSpPr txBox="1">
+            <a:spLocks noGrp="1"/>
+          </p:cNvSpPr>
           <p:nvPr>
-            <p:ph idx="1" type="body"/>
+            <p:ph type="body" idx="1"/>
           </p:nvPr>
         </p:nvSpPr>
         <p:spPr>
           <a:xfrm>
-            <a:off y="4343400" x="685800"/>
-            <a:ext cy="4114800" cx="5486399"/>
-          </a:xfrm>
-          <a:prstGeom prst="rect">
-            <a:avLst/>
-          </a:prstGeom>
-        </p:spPr>
-        <p:txBody>
-          <a:bodyPr bIns="91425" rIns="91425" lIns="91425" tIns="91425" anchor="t" anchorCtr="0">
-            <a:noAutofit/>
-          </a:bodyPr>
-          <a:lstStyle/>
-          <a:p/>
+            <a:off x="685800" y="4343400"/>
+            <a:ext cx="5486399" cy="4114800"/>
+          </a:xfrm>
+          <a:prstGeom prst="rect">
+            <a:avLst/>
+          </a:prstGeom>
+        </p:spPr>
+        <p:txBody>
+          <a:bodyPr lIns="91425" tIns="91425" rIns="91425" bIns="91425" anchor="t" anchorCtr="0">
+            <a:noAutofit/>
+          </a:bodyPr>
+          <a:lstStyle/>
+          <a:p>
+            <a:endParaRPr/>
+          </a:p>
         </p:txBody>
       </p:sp>
     </p:spTree>
@@ -514,49 +657,56 @@
 </file>
 
 <file path=ppt/notesSlides/notesSlide11.xml><?xml version="1.0" encoding="utf-8"?>
-<p:notes xmlns:a="http://schemas.openxmlformats.org/drawingml/2006/main" xmlns:r="http://schemas.openxmlformats.org/officeDocument/2006/relationships" xmlns:mc="http://schemas.openxmlformats.org/markup-compatibility/2006" xmlns:mv="urn:schemas-microsoft-com:mac:vml" xmlns:p="http://schemas.openxmlformats.org/presentationml/2006/main" xmlns:c="http://schemas.openxmlformats.org/drawingml/2006/chart" xmlns:dgm="http://schemas.openxmlformats.org/drawingml/2006/diagram" xmlns:o="urn:schemas-microsoft-com:office:office" xmlns:v="urn:schemas-microsoft-com:vml" xmlns:pvml="urn:schemas-microsoft-com:office:powerpoint" xmlns:com="http://schemas.openxmlformats.org/drawingml/2006/compatibility" xmlns:p14="http://schemas.microsoft.com/office/powerpoint/2010/main" showMasterSp="0" showMasterPhAnim="0">
+<p:notes xmlns:a="http://schemas.openxmlformats.org/drawingml/2006/main" xmlns:r="http://schemas.openxmlformats.org/officeDocument/2006/relationships" xmlns:p="http://schemas.openxmlformats.org/presentationml/2006/main" showMasterSp="0" showMasterPhAnim="0">
   <p:cSld>
     <p:spTree>
       <p:nvGrpSpPr>
-        <p:cNvPr id="128" name="Shape 128"/>
+        <p:cNvPr id="1" name="Shape 130"/>
         <p:cNvGrpSpPr/>
         <p:nvPr/>
       </p:nvGrpSpPr>
       <p:grpSpPr>
         <a:xfrm>
-          <a:off y="0" x="0"/>
-          <a:ext cy="0" cx="0"/>
-          <a:chOff y="0" x="0"/>
-          <a:chExt cy="0" cx="0"/>
+          <a:off x="0" y="0"/>
+          <a:ext cx="0" cy="0"/>
+          <a:chOff x="0" y="0"/>
+          <a:chExt cx="0" cy="0"/>
         </a:xfrm>
       </p:grpSpPr>
       <p:sp>
         <p:nvSpPr>
-          <p:cNvPr id="129" name="Shape 129"/>
-          <p:cNvSpPr/>
+          <p:cNvPr id="131" name="Shape 131"/>
+          <p:cNvSpPr>
+            <a:spLocks noGrp="1" noRot="1" noChangeAspect="1"/>
+          </p:cNvSpPr>
           <p:nvPr>
-            <p:ph idx="2" type="sldImg"/>
+            <p:ph type="sldImg" idx="2"/>
           </p:nvPr>
         </p:nvSpPr>
         <p:spPr>
           <a:xfrm>
-            <a:off y="685800" x="1143225"/>
-            <a:ext cy="3429000" cx="4572299"/>
+            <a:off x="1143225" y="685800"/>
+            <a:ext cx="4572299" cy="3429000"/>
           </a:xfrm>
           <a:custGeom>
+            <a:avLst/>
+            <a:gdLst/>
+            <a:ahLst/>
+            <a:cxnLst/>
+            <a:rect l="0" t="0" r="0" b="0"/>
             <a:pathLst>
-              <a:path w="120000" extrusionOk="0" h="120000">
+              <a:path w="120000" h="120000" extrusionOk="0">
                 <a:moveTo>
-                  <a:pt y="0" x="0"/>
+                  <a:pt x="0" y="0"/>
                 </a:moveTo>
                 <a:lnTo>
-                  <a:pt y="0" x="120000"/>
+                  <a:pt x="120000" y="0"/>
                 </a:lnTo>
                 <a:lnTo>
-                  <a:pt y="120000" x="120000"/>
+                  <a:pt x="120000" y="120000"/>
                 </a:lnTo>
                 <a:lnTo>
-                  <a:pt y="120000" x="0"/>
+                  <a:pt x="0" y="120000"/>
                 </a:lnTo>
                 <a:close/>
               </a:path>
@@ -566,27 +716,31 @@
       </p:sp>
       <p:sp>
         <p:nvSpPr>
-          <p:cNvPr id="130" name="Shape 130"/>
-          <p:cNvSpPr txBox="1"/>
+          <p:cNvPr id="132" name="Shape 132"/>
+          <p:cNvSpPr txBox="1">
+            <a:spLocks noGrp="1"/>
+          </p:cNvSpPr>
           <p:nvPr>
-            <p:ph idx="1" type="body"/>
+            <p:ph type="body" idx="1"/>
           </p:nvPr>
         </p:nvSpPr>
         <p:spPr>
           <a:xfrm>
-            <a:off y="4343400" x="685800"/>
-            <a:ext cy="4114800" cx="5486399"/>
-          </a:xfrm>
-          <a:prstGeom prst="rect">
-            <a:avLst/>
-          </a:prstGeom>
-        </p:spPr>
-        <p:txBody>
-          <a:bodyPr bIns="91425" rIns="91425" lIns="91425" tIns="91425" anchor="t" anchorCtr="0">
-            <a:noAutofit/>
-          </a:bodyPr>
-          <a:lstStyle/>
-          <a:p/>
+            <a:off x="685800" y="4343400"/>
+            <a:ext cx="5486399" cy="4114800"/>
+          </a:xfrm>
+          <a:prstGeom prst="rect">
+            <a:avLst/>
+          </a:prstGeom>
+        </p:spPr>
+        <p:txBody>
+          <a:bodyPr lIns="91425" tIns="91425" rIns="91425" bIns="91425" anchor="t" anchorCtr="0">
+            <a:noAutofit/>
+          </a:bodyPr>
+          <a:lstStyle/>
+          <a:p>
+            <a:endParaRPr/>
+          </a:p>
         </p:txBody>
       </p:sp>
     </p:spTree>
@@ -598,49 +752,56 @@
 </file>
 
 <file path=ppt/notesSlides/notesSlide12.xml><?xml version="1.0" encoding="utf-8"?>
-<p:notes xmlns:a="http://schemas.openxmlformats.org/drawingml/2006/main" xmlns:r="http://schemas.openxmlformats.org/officeDocument/2006/relationships" xmlns:mc="http://schemas.openxmlformats.org/markup-compatibility/2006" xmlns:mv="urn:schemas-microsoft-com:mac:vml" xmlns:p="http://schemas.openxmlformats.org/presentationml/2006/main" xmlns:c="http://schemas.openxmlformats.org/drawingml/2006/chart" xmlns:dgm="http://schemas.openxmlformats.org/drawingml/2006/diagram" xmlns:o="urn:schemas-microsoft-com:office:office" xmlns:v="urn:schemas-microsoft-com:vml" xmlns:pvml="urn:schemas-microsoft-com:office:powerpoint" xmlns:com="http://schemas.openxmlformats.org/drawingml/2006/compatibility" xmlns:p14="http://schemas.microsoft.com/office/powerpoint/2010/main" showMasterSp="0" showMasterPhAnim="0">
+<p:notes xmlns:a="http://schemas.openxmlformats.org/drawingml/2006/main" xmlns:r="http://schemas.openxmlformats.org/officeDocument/2006/relationships" xmlns:p="http://schemas.openxmlformats.org/presentationml/2006/main" showMasterSp="0" showMasterPhAnim="0">
   <p:cSld>
     <p:spTree>
       <p:nvGrpSpPr>
-        <p:cNvPr id="136" name="Shape 136"/>
+        <p:cNvPr id="1" name="Shape 139"/>
         <p:cNvGrpSpPr/>
         <p:nvPr/>
       </p:nvGrpSpPr>
       <p:grpSpPr>
         <a:xfrm>
-          <a:off y="0" x="0"/>
-          <a:ext cy="0" cx="0"/>
-          <a:chOff y="0" x="0"/>
-          <a:chExt cy="0" cx="0"/>
+          <a:off x="0" y="0"/>
+          <a:ext cx="0" cy="0"/>
+          <a:chOff x="0" y="0"/>
+          <a:chExt cx="0" cy="0"/>
         </a:xfrm>
       </p:grpSpPr>
       <p:sp>
         <p:nvSpPr>
-          <p:cNvPr id="137" name="Shape 137"/>
-          <p:cNvSpPr/>
+          <p:cNvPr id="140" name="Shape 140"/>
+          <p:cNvSpPr>
+            <a:spLocks noGrp="1" noRot="1" noChangeAspect="1"/>
+          </p:cNvSpPr>
           <p:nvPr>
-            <p:ph idx="2" type="sldImg"/>
+            <p:ph type="sldImg" idx="2"/>
           </p:nvPr>
         </p:nvSpPr>
         <p:spPr>
           <a:xfrm>
-            <a:off y="685800" x="1143225"/>
-            <a:ext cy="3429000" cx="4572299"/>
+            <a:off x="1143225" y="685800"/>
+            <a:ext cx="4572299" cy="3429000"/>
           </a:xfrm>
           <a:custGeom>
+            <a:avLst/>
+            <a:gdLst/>
+            <a:ahLst/>
+            <a:cxnLst/>
+            <a:rect l="0" t="0" r="0" b="0"/>
             <a:pathLst>
-              <a:path w="120000" extrusionOk="0" h="120000">
+              <a:path w="120000" h="120000" extrusionOk="0">
                 <a:moveTo>
-                  <a:pt y="0" x="0"/>
+                  <a:pt x="0" y="0"/>
                 </a:moveTo>
                 <a:lnTo>
-                  <a:pt y="0" x="120000"/>
+                  <a:pt x="120000" y="0"/>
                 </a:lnTo>
                 <a:lnTo>
-                  <a:pt y="120000" x="120000"/>
+                  <a:pt x="120000" y="120000"/>
                 </a:lnTo>
                 <a:lnTo>
-                  <a:pt y="120000" x="0"/>
+                  <a:pt x="0" y="120000"/>
                 </a:lnTo>
                 <a:close/>
               </a:path>
@@ -650,27 +811,696 @@
       </p:sp>
       <p:sp>
         <p:nvSpPr>
-          <p:cNvPr id="138" name="Shape 138"/>
-          <p:cNvSpPr txBox="1"/>
+          <p:cNvPr id="141" name="Shape 141"/>
+          <p:cNvSpPr txBox="1">
+            <a:spLocks noGrp="1"/>
+          </p:cNvSpPr>
           <p:nvPr>
-            <p:ph idx="1" type="body"/>
+            <p:ph type="body" idx="1"/>
           </p:nvPr>
         </p:nvSpPr>
         <p:spPr>
           <a:xfrm>
-            <a:off y="4343400" x="685800"/>
-            <a:ext cy="4114800" cx="5486399"/>
-          </a:xfrm>
-          <a:prstGeom prst="rect">
-            <a:avLst/>
-          </a:prstGeom>
-        </p:spPr>
-        <p:txBody>
-          <a:bodyPr bIns="91425" rIns="91425" lIns="91425" tIns="91425" anchor="t" anchorCtr="0">
-            <a:noAutofit/>
-          </a:bodyPr>
-          <a:lstStyle/>
-          <a:p/>
+            <a:off x="685800" y="4343400"/>
+            <a:ext cx="5486399" cy="4114800"/>
+          </a:xfrm>
+          <a:prstGeom prst="rect">
+            <a:avLst/>
+          </a:prstGeom>
+        </p:spPr>
+        <p:txBody>
+          <a:bodyPr lIns="91425" tIns="91425" rIns="91425" bIns="91425" anchor="t" anchorCtr="0">
+            <a:noAutofit/>
+          </a:bodyPr>
+          <a:lstStyle/>
+          <a:p>
+            <a:endParaRPr/>
+          </a:p>
+        </p:txBody>
+      </p:sp>
+    </p:spTree>
+  </p:cSld>
+  <p:clrMapOvr>
+    <a:masterClrMapping/>
+  </p:clrMapOvr>
+</p:notes>
+</file>
+
+<file path=ppt/notesSlides/notesSlide13.xml><?xml version="1.0" encoding="utf-8"?>
+<p:notes xmlns:a="http://schemas.openxmlformats.org/drawingml/2006/main" xmlns:r="http://schemas.openxmlformats.org/officeDocument/2006/relationships" xmlns:p="http://schemas.openxmlformats.org/presentationml/2006/main" showMasterSp="0" showMasterPhAnim="0">
+  <p:cSld>
+    <p:spTree>
+      <p:nvGrpSpPr>
+        <p:cNvPr id="1" name="Shape 146"/>
+        <p:cNvGrpSpPr/>
+        <p:nvPr/>
+      </p:nvGrpSpPr>
+      <p:grpSpPr>
+        <a:xfrm>
+          <a:off x="0" y="0"/>
+          <a:ext cx="0" cy="0"/>
+          <a:chOff x="0" y="0"/>
+          <a:chExt cx="0" cy="0"/>
+        </a:xfrm>
+      </p:grpSpPr>
+      <p:sp>
+        <p:nvSpPr>
+          <p:cNvPr id="147" name="Shape 147"/>
+          <p:cNvSpPr>
+            <a:spLocks noGrp="1" noRot="1" noChangeAspect="1"/>
+          </p:cNvSpPr>
+          <p:nvPr>
+            <p:ph type="sldImg" idx="2"/>
+          </p:nvPr>
+        </p:nvSpPr>
+        <p:spPr>
+          <a:xfrm>
+            <a:off x="1143225" y="685800"/>
+            <a:ext cx="4572299" cy="3429000"/>
+          </a:xfrm>
+          <a:custGeom>
+            <a:avLst/>
+            <a:gdLst/>
+            <a:ahLst/>
+            <a:cxnLst/>
+            <a:rect l="0" t="0" r="0" b="0"/>
+            <a:pathLst>
+              <a:path w="120000" h="120000" extrusionOk="0">
+                <a:moveTo>
+                  <a:pt x="0" y="0"/>
+                </a:moveTo>
+                <a:lnTo>
+                  <a:pt x="120000" y="0"/>
+                </a:lnTo>
+                <a:lnTo>
+                  <a:pt x="120000" y="120000"/>
+                </a:lnTo>
+                <a:lnTo>
+                  <a:pt x="0" y="120000"/>
+                </a:lnTo>
+                <a:close/>
+              </a:path>
+            </a:pathLst>
+          </a:custGeom>
+        </p:spPr>
+      </p:sp>
+      <p:sp>
+        <p:nvSpPr>
+          <p:cNvPr id="148" name="Shape 148"/>
+          <p:cNvSpPr txBox="1">
+            <a:spLocks noGrp="1"/>
+          </p:cNvSpPr>
+          <p:nvPr>
+            <p:ph type="body" idx="1"/>
+          </p:nvPr>
+        </p:nvSpPr>
+        <p:spPr>
+          <a:xfrm>
+            <a:off x="685800" y="4343400"/>
+            <a:ext cx="5486399" cy="4114800"/>
+          </a:xfrm>
+          <a:prstGeom prst="rect">
+            <a:avLst/>
+          </a:prstGeom>
+        </p:spPr>
+        <p:txBody>
+          <a:bodyPr lIns="91425" tIns="91425" rIns="91425" bIns="91425" anchor="t" anchorCtr="0">
+            <a:noAutofit/>
+          </a:bodyPr>
+          <a:lstStyle/>
+          <a:p>
+            <a:endParaRPr/>
+          </a:p>
+        </p:txBody>
+      </p:sp>
+    </p:spTree>
+  </p:cSld>
+  <p:clrMapOvr>
+    <a:masterClrMapping/>
+  </p:clrMapOvr>
+</p:notes>
+</file>
+
+<file path=ppt/notesSlides/notesSlide14.xml><?xml version="1.0" encoding="utf-8"?>
+<p:notes xmlns:a="http://schemas.openxmlformats.org/drawingml/2006/main" xmlns:r="http://schemas.openxmlformats.org/officeDocument/2006/relationships" xmlns:p="http://schemas.openxmlformats.org/presentationml/2006/main" showMasterSp="0" showMasterPhAnim="0">
+  <p:cSld>
+    <p:spTree>
+      <p:nvGrpSpPr>
+        <p:cNvPr id="1" name="Shape 151"/>
+        <p:cNvGrpSpPr/>
+        <p:nvPr/>
+      </p:nvGrpSpPr>
+      <p:grpSpPr>
+        <a:xfrm>
+          <a:off x="0" y="0"/>
+          <a:ext cx="0" cy="0"/>
+          <a:chOff x="0" y="0"/>
+          <a:chExt cx="0" cy="0"/>
+        </a:xfrm>
+      </p:grpSpPr>
+      <p:sp>
+        <p:nvSpPr>
+          <p:cNvPr id="152" name="Shape 152"/>
+          <p:cNvSpPr>
+            <a:spLocks noGrp="1" noRot="1" noChangeAspect="1"/>
+          </p:cNvSpPr>
+          <p:nvPr>
+            <p:ph type="sldImg" idx="2"/>
+          </p:nvPr>
+        </p:nvSpPr>
+        <p:spPr>
+          <a:xfrm>
+            <a:off x="1143225" y="685800"/>
+            <a:ext cx="4572299" cy="3429000"/>
+          </a:xfrm>
+          <a:custGeom>
+            <a:avLst/>
+            <a:gdLst/>
+            <a:ahLst/>
+            <a:cxnLst/>
+            <a:rect l="0" t="0" r="0" b="0"/>
+            <a:pathLst>
+              <a:path w="120000" h="120000" extrusionOk="0">
+                <a:moveTo>
+                  <a:pt x="0" y="0"/>
+                </a:moveTo>
+                <a:lnTo>
+                  <a:pt x="120000" y="0"/>
+                </a:lnTo>
+                <a:lnTo>
+                  <a:pt x="120000" y="120000"/>
+                </a:lnTo>
+                <a:lnTo>
+                  <a:pt x="0" y="120000"/>
+                </a:lnTo>
+                <a:close/>
+              </a:path>
+            </a:pathLst>
+          </a:custGeom>
+        </p:spPr>
+      </p:sp>
+      <p:sp>
+        <p:nvSpPr>
+          <p:cNvPr id="153" name="Shape 153"/>
+          <p:cNvSpPr txBox="1">
+            <a:spLocks noGrp="1"/>
+          </p:cNvSpPr>
+          <p:nvPr>
+            <p:ph type="body" idx="1"/>
+          </p:nvPr>
+        </p:nvSpPr>
+        <p:spPr>
+          <a:xfrm>
+            <a:off x="685800" y="4343400"/>
+            <a:ext cx="5486399" cy="4114800"/>
+          </a:xfrm>
+          <a:prstGeom prst="rect">
+            <a:avLst/>
+          </a:prstGeom>
+        </p:spPr>
+        <p:txBody>
+          <a:bodyPr lIns="91425" tIns="91425" rIns="91425" bIns="91425" anchor="t" anchorCtr="0">
+            <a:noAutofit/>
+          </a:bodyPr>
+          <a:lstStyle/>
+          <a:p>
+            <a:endParaRPr/>
+          </a:p>
+        </p:txBody>
+      </p:sp>
+    </p:spTree>
+  </p:cSld>
+  <p:clrMapOvr>
+    <a:masterClrMapping/>
+  </p:clrMapOvr>
+</p:notes>
+</file>
+
+<file path=ppt/notesSlides/notesSlide15.xml><?xml version="1.0" encoding="utf-8"?>
+<p:notes xmlns:a="http://schemas.openxmlformats.org/drawingml/2006/main" xmlns:r="http://schemas.openxmlformats.org/officeDocument/2006/relationships" xmlns:p="http://schemas.openxmlformats.org/presentationml/2006/main" showMasterSp="0" showMasterPhAnim="0">
+  <p:cSld>
+    <p:spTree>
+      <p:nvGrpSpPr>
+        <p:cNvPr id="1" name="Shape 159"/>
+        <p:cNvGrpSpPr/>
+        <p:nvPr/>
+      </p:nvGrpSpPr>
+      <p:grpSpPr>
+        <a:xfrm>
+          <a:off x="0" y="0"/>
+          <a:ext cx="0" cy="0"/>
+          <a:chOff x="0" y="0"/>
+          <a:chExt cx="0" cy="0"/>
+        </a:xfrm>
+      </p:grpSpPr>
+      <p:sp>
+        <p:nvSpPr>
+          <p:cNvPr id="160" name="Shape 160"/>
+          <p:cNvSpPr>
+            <a:spLocks noGrp="1" noRot="1" noChangeAspect="1"/>
+          </p:cNvSpPr>
+          <p:nvPr>
+            <p:ph type="sldImg" idx="2"/>
+          </p:nvPr>
+        </p:nvSpPr>
+        <p:spPr>
+          <a:xfrm>
+            <a:off x="1143225" y="685800"/>
+            <a:ext cx="4572299" cy="3429000"/>
+          </a:xfrm>
+          <a:custGeom>
+            <a:avLst/>
+            <a:gdLst/>
+            <a:ahLst/>
+            <a:cxnLst/>
+            <a:rect l="0" t="0" r="0" b="0"/>
+            <a:pathLst>
+              <a:path w="120000" h="120000" extrusionOk="0">
+                <a:moveTo>
+                  <a:pt x="0" y="0"/>
+                </a:moveTo>
+                <a:lnTo>
+                  <a:pt x="120000" y="0"/>
+                </a:lnTo>
+                <a:lnTo>
+                  <a:pt x="120000" y="120000"/>
+                </a:lnTo>
+                <a:lnTo>
+                  <a:pt x="0" y="120000"/>
+                </a:lnTo>
+                <a:close/>
+              </a:path>
+            </a:pathLst>
+          </a:custGeom>
+        </p:spPr>
+      </p:sp>
+      <p:sp>
+        <p:nvSpPr>
+          <p:cNvPr id="161" name="Shape 161"/>
+          <p:cNvSpPr txBox="1">
+            <a:spLocks noGrp="1"/>
+          </p:cNvSpPr>
+          <p:nvPr>
+            <p:ph type="body" idx="1"/>
+          </p:nvPr>
+        </p:nvSpPr>
+        <p:spPr>
+          <a:xfrm>
+            <a:off x="685800" y="4343400"/>
+            <a:ext cx="5486399" cy="4114800"/>
+          </a:xfrm>
+          <a:prstGeom prst="rect">
+            <a:avLst/>
+          </a:prstGeom>
+        </p:spPr>
+        <p:txBody>
+          <a:bodyPr lIns="91425" tIns="91425" rIns="91425" bIns="91425" anchor="t" anchorCtr="0">
+            <a:noAutofit/>
+          </a:bodyPr>
+          <a:lstStyle/>
+          <a:p>
+            <a:endParaRPr/>
+          </a:p>
+        </p:txBody>
+      </p:sp>
+    </p:spTree>
+  </p:cSld>
+  <p:clrMapOvr>
+    <a:masterClrMapping/>
+  </p:clrMapOvr>
+</p:notes>
+</file>
+
+<file path=ppt/notesSlides/notesSlide16.xml><?xml version="1.0" encoding="utf-8"?>
+<p:notes xmlns:a="http://schemas.openxmlformats.org/drawingml/2006/main" xmlns:r="http://schemas.openxmlformats.org/officeDocument/2006/relationships" xmlns:p="http://schemas.openxmlformats.org/presentationml/2006/main" showMasterSp="0" showMasterPhAnim="0">
+  <p:cSld>
+    <p:spTree>
+      <p:nvGrpSpPr>
+        <p:cNvPr id="1" name="Shape 167"/>
+        <p:cNvGrpSpPr/>
+        <p:nvPr/>
+      </p:nvGrpSpPr>
+      <p:grpSpPr>
+        <a:xfrm>
+          <a:off x="0" y="0"/>
+          <a:ext cx="0" cy="0"/>
+          <a:chOff x="0" y="0"/>
+          <a:chExt cx="0" cy="0"/>
+        </a:xfrm>
+      </p:grpSpPr>
+      <p:sp>
+        <p:nvSpPr>
+          <p:cNvPr id="168" name="Shape 168"/>
+          <p:cNvSpPr>
+            <a:spLocks noGrp="1" noRot="1" noChangeAspect="1"/>
+          </p:cNvSpPr>
+          <p:nvPr>
+            <p:ph type="sldImg" idx="2"/>
+          </p:nvPr>
+        </p:nvSpPr>
+        <p:spPr>
+          <a:xfrm>
+            <a:off x="1143225" y="685800"/>
+            <a:ext cx="4572299" cy="3429000"/>
+          </a:xfrm>
+          <a:custGeom>
+            <a:avLst/>
+            <a:gdLst/>
+            <a:ahLst/>
+            <a:cxnLst/>
+            <a:rect l="0" t="0" r="0" b="0"/>
+            <a:pathLst>
+              <a:path w="120000" h="120000" extrusionOk="0">
+                <a:moveTo>
+                  <a:pt x="0" y="0"/>
+                </a:moveTo>
+                <a:lnTo>
+                  <a:pt x="120000" y="0"/>
+                </a:lnTo>
+                <a:lnTo>
+                  <a:pt x="120000" y="120000"/>
+                </a:lnTo>
+                <a:lnTo>
+                  <a:pt x="0" y="120000"/>
+                </a:lnTo>
+                <a:close/>
+              </a:path>
+            </a:pathLst>
+          </a:custGeom>
+        </p:spPr>
+      </p:sp>
+      <p:sp>
+        <p:nvSpPr>
+          <p:cNvPr id="169" name="Shape 169"/>
+          <p:cNvSpPr txBox="1">
+            <a:spLocks noGrp="1"/>
+          </p:cNvSpPr>
+          <p:nvPr>
+            <p:ph type="body" idx="1"/>
+          </p:nvPr>
+        </p:nvSpPr>
+        <p:spPr>
+          <a:xfrm>
+            <a:off x="685800" y="4343400"/>
+            <a:ext cx="5486399" cy="4114800"/>
+          </a:xfrm>
+          <a:prstGeom prst="rect">
+            <a:avLst/>
+          </a:prstGeom>
+        </p:spPr>
+        <p:txBody>
+          <a:bodyPr lIns="91425" tIns="91425" rIns="91425" bIns="91425" anchor="t" anchorCtr="0">
+            <a:noAutofit/>
+          </a:bodyPr>
+          <a:lstStyle/>
+          <a:p>
+            <a:endParaRPr/>
+          </a:p>
+        </p:txBody>
+      </p:sp>
+    </p:spTree>
+  </p:cSld>
+  <p:clrMapOvr>
+    <a:masterClrMapping/>
+  </p:clrMapOvr>
+</p:notes>
+</file>
+
+<file path=ppt/notesSlides/notesSlide17.xml><?xml version="1.0" encoding="utf-8"?>
+<p:notes xmlns:a="http://schemas.openxmlformats.org/drawingml/2006/main" xmlns:r="http://schemas.openxmlformats.org/officeDocument/2006/relationships" xmlns:p="http://schemas.openxmlformats.org/presentationml/2006/main" showMasterSp="0" showMasterPhAnim="0">
+  <p:cSld>
+    <p:spTree>
+      <p:nvGrpSpPr>
+        <p:cNvPr id="1" name="Shape 174"/>
+        <p:cNvGrpSpPr/>
+        <p:nvPr/>
+      </p:nvGrpSpPr>
+      <p:grpSpPr>
+        <a:xfrm>
+          <a:off x="0" y="0"/>
+          <a:ext cx="0" cy="0"/>
+          <a:chOff x="0" y="0"/>
+          <a:chExt cx="0" cy="0"/>
+        </a:xfrm>
+      </p:grpSpPr>
+      <p:sp>
+        <p:nvSpPr>
+          <p:cNvPr id="175" name="Shape 175"/>
+          <p:cNvSpPr>
+            <a:spLocks noGrp="1" noRot="1" noChangeAspect="1"/>
+          </p:cNvSpPr>
+          <p:nvPr>
+            <p:ph type="sldImg" idx="2"/>
+          </p:nvPr>
+        </p:nvSpPr>
+        <p:spPr>
+          <a:xfrm>
+            <a:off x="1143225" y="685800"/>
+            <a:ext cx="4572299" cy="3429000"/>
+          </a:xfrm>
+          <a:custGeom>
+            <a:avLst/>
+            <a:gdLst/>
+            <a:ahLst/>
+            <a:cxnLst/>
+            <a:rect l="0" t="0" r="0" b="0"/>
+            <a:pathLst>
+              <a:path w="120000" h="120000" extrusionOk="0">
+                <a:moveTo>
+                  <a:pt x="0" y="0"/>
+                </a:moveTo>
+                <a:lnTo>
+                  <a:pt x="120000" y="0"/>
+                </a:lnTo>
+                <a:lnTo>
+                  <a:pt x="120000" y="120000"/>
+                </a:lnTo>
+                <a:lnTo>
+                  <a:pt x="0" y="120000"/>
+                </a:lnTo>
+                <a:close/>
+              </a:path>
+            </a:pathLst>
+          </a:custGeom>
+        </p:spPr>
+      </p:sp>
+      <p:sp>
+        <p:nvSpPr>
+          <p:cNvPr id="176" name="Shape 176"/>
+          <p:cNvSpPr txBox="1">
+            <a:spLocks noGrp="1"/>
+          </p:cNvSpPr>
+          <p:nvPr>
+            <p:ph type="body" idx="1"/>
+          </p:nvPr>
+        </p:nvSpPr>
+        <p:spPr>
+          <a:xfrm>
+            <a:off x="685800" y="4343400"/>
+            <a:ext cx="5486399" cy="4114800"/>
+          </a:xfrm>
+          <a:prstGeom prst="rect">
+            <a:avLst/>
+          </a:prstGeom>
+        </p:spPr>
+        <p:txBody>
+          <a:bodyPr lIns="91425" tIns="91425" rIns="91425" bIns="91425" anchor="t" anchorCtr="0">
+            <a:noAutofit/>
+          </a:bodyPr>
+          <a:lstStyle/>
+          <a:p>
+            <a:endParaRPr/>
+          </a:p>
+        </p:txBody>
+      </p:sp>
+    </p:spTree>
+  </p:cSld>
+  <p:clrMapOvr>
+    <a:masterClrMapping/>
+  </p:clrMapOvr>
+</p:notes>
+</file>
+
+<file path=ppt/notesSlides/notesSlide18.xml><?xml version="1.0" encoding="utf-8"?>
+<p:notes xmlns:a="http://schemas.openxmlformats.org/drawingml/2006/main" xmlns:r="http://schemas.openxmlformats.org/officeDocument/2006/relationships" xmlns:p="http://schemas.openxmlformats.org/presentationml/2006/main" showMasterSp="0" showMasterPhAnim="0">
+  <p:cSld>
+    <p:spTree>
+      <p:nvGrpSpPr>
+        <p:cNvPr id="1" name="Shape 181"/>
+        <p:cNvGrpSpPr/>
+        <p:nvPr/>
+      </p:nvGrpSpPr>
+      <p:grpSpPr>
+        <a:xfrm>
+          <a:off x="0" y="0"/>
+          <a:ext cx="0" cy="0"/>
+          <a:chOff x="0" y="0"/>
+          <a:chExt cx="0" cy="0"/>
+        </a:xfrm>
+      </p:grpSpPr>
+      <p:sp>
+        <p:nvSpPr>
+          <p:cNvPr id="182" name="Shape 182"/>
+          <p:cNvSpPr>
+            <a:spLocks noGrp="1" noRot="1" noChangeAspect="1"/>
+          </p:cNvSpPr>
+          <p:nvPr>
+            <p:ph type="sldImg" idx="2"/>
+          </p:nvPr>
+        </p:nvSpPr>
+        <p:spPr>
+          <a:xfrm>
+            <a:off x="1143225" y="685800"/>
+            <a:ext cx="4572299" cy="3429000"/>
+          </a:xfrm>
+          <a:custGeom>
+            <a:avLst/>
+            <a:gdLst/>
+            <a:ahLst/>
+            <a:cxnLst/>
+            <a:rect l="0" t="0" r="0" b="0"/>
+            <a:pathLst>
+              <a:path w="120000" h="120000" extrusionOk="0">
+                <a:moveTo>
+                  <a:pt x="0" y="0"/>
+                </a:moveTo>
+                <a:lnTo>
+                  <a:pt x="120000" y="0"/>
+                </a:lnTo>
+                <a:lnTo>
+                  <a:pt x="120000" y="120000"/>
+                </a:lnTo>
+                <a:lnTo>
+                  <a:pt x="0" y="120000"/>
+                </a:lnTo>
+                <a:close/>
+              </a:path>
+            </a:pathLst>
+          </a:custGeom>
+        </p:spPr>
+      </p:sp>
+      <p:sp>
+        <p:nvSpPr>
+          <p:cNvPr id="183" name="Shape 183"/>
+          <p:cNvSpPr txBox="1">
+            <a:spLocks noGrp="1"/>
+          </p:cNvSpPr>
+          <p:nvPr>
+            <p:ph type="body" idx="1"/>
+          </p:nvPr>
+        </p:nvSpPr>
+        <p:spPr>
+          <a:xfrm>
+            <a:off x="685800" y="4343400"/>
+            <a:ext cx="5486399" cy="4114800"/>
+          </a:xfrm>
+          <a:prstGeom prst="rect">
+            <a:avLst/>
+          </a:prstGeom>
+        </p:spPr>
+        <p:txBody>
+          <a:bodyPr lIns="91425" tIns="91425" rIns="91425" bIns="91425" anchor="t" anchorCtr="0">
+            <a:noAutofit/>
+          </a:bodyPr>
+          <a:lstStyle/>
+          <a:p>
+            <a:endParaRPr/>
+          </a:p>
+        </p:txBody>
+      </p:sp>
+    </p:spTree>
+  </p:cSld>
+  <p:clrMapOvr>
+    <a:masterClrMapping/>
+  </p:clrMapOvr>
+</p:notes>
+</file>
+
+<file path=ppt/notesSlides/notesSlide19.xml><?xml version="1.0" encoding="utf-8"?>
+<p:notes xmlns:a="http://schemas.openxmlformats.org/drawingml/2006/main" xmlns:r="http://schemas.openxmlformats.org/officeDocument/2006/relationships" xmlns:p="http://schemas.openxmlformats.org/presentationml/2006/main" showMasterSp="0" showMasterPhAnim="0">
+  <p:cSld>
+    <p:spTree>
+      <p:nvGrpSpPr>
+        <p:cNvPr id="1" name="Shape 188"/>
+        <p:cNvGrpSpPr/>
+        <p:nvPr/>
+      </p:nvGrpSpPr>
+      <p:grpSpPr>
+        <a:xfrm>
+          <a:off x="0" y="0"/>
+          <a:ext cx="0" cy="0"/>
+          <a:chOff x="0" y="0"/>
+          <a:chExt cx="0" cy="0"/>
+        </a:xfrm>
+      </p:grpSpPr>
+      <p:sp>
+        <p:nvSpPr>
+          <p:cNvPr id="189" name="Shape 189"/>
+          <p:cNvSpPr>
+            <a:spLocks noGrp="1" noRot="1" noChangeAspect="1"/>
+          </p:cNvSpPr>
+          <p:nvPr>
+            <p:ph type="sldImg" idx="2"/>
+          </p:nvPr>
+        </p:nvSpPr>
+        <p:spPr>
+          <a:xfrm>
+            <a:off x="1143225" y="685800"/>
+            <a:ext cx="4572299" cy="3429000"/>
+          </a:xfrm>
+          <a:custGeom>
+            <a:avLst/>
+            <a:gdLst/>
+            <a:ahLst/>
+            <a:cxnLst/>
+            <a:rect l="0" t="0" r="0" b="0"/>
+            <a:pathLst>
+              <a:path w="120000" h="120000" extrusionOk="0">
+                <a:moveTo>
+                  <a:pt x="0" y="0"/>
+                </a:moveTo>
+                <a:lnTo>
+                  <a:pt x="120000" y="0"/>
+                </a:lnTo>
+                <a:lnTo>
+                  <a:pt x="120000" y="120000"/>
+                </a:lnTo>
+                <a:lnTo>
+                  <a:pt x="0" y="120000"/>
+                </a:lnTo>
+                <a:close/>
+              </a:path>
+            </a:pathLst>
+          </a:custGeom>
+        </p:spPr>
+      </p:sp>
+      <p:sp>
+        <p:nvSpPr>
+          <p:cNvPr id="190" name="Shape 190"/>
+          <p:cNvSpPr txBox="1">
+            <a:spLocks noGrp="1"/>
+          </p:cNvSpPr>
+          <p:nvPr>
+            <p:ph type="body" idx="1"/>
+          </p:nvPr>
+        </p:nvSpPr>
+        <p:spPr>
+          <a:xfrm>
+            <a:off x="685800" y="4343400"/>
+            <a:ext cx="5486399" cy="4114800"/>
+          </a:xfrm>
+          <a:prstGeom prst="rect">
+            <a:avLst/>
+          </a:prstGeom>
+        </p:spPr>
+        <p:txBody>
+          <a:bodyPr lIns="91425" tIns="91425" rIns="91425" bIns="91425" anchor="t" anchorCtr="0">
+            <a:noAutofit/>
+          </a:bodyPr>
+          <a:lstStyle/>
+          <a:p>
+            <a:endParaRPr/>
+          </a:p>
         </p:txBody>
       </p:sp>
     </p:spTree>
@@ -682,49 +1512,56 @@
 </file>
 
 <file path=ppt/notesSlides/notesSlide2.xml><?xml version="1.0" encoding="utf-8"?>
-<p:notes xmlns:a="http://schemas.openxmlformats.org/drawingml/2006/main" xmlns:r="http://schemas.openxmlformats.org/officeDocument/2006/relationships" xmlns:mc="http://schemas.openxmlformats.org/markup-compatibility/2006" xmlns:mv="urn:schemas-microsoft-com:mac:vml" xmlns:p="http://schemas.openxmlformats.org/presentationml/2006/main" xmlns:c="http://schemas.openxmlformats.org/drawingml/2006/chart" xmlns:dgm="http://schemas.openxmlformats.org/drawingml/2006/diagram" xmlns:o="urn:schemas-microsoft-com:office:office" xmlns:v="urn:schemas-microsoft-com:vml" xmlns:pvml="urn:schemas-microsoft-com:office:powerpoint" xmlns:com="http://schemas.openxmlformats.org/drawingml/2006/compatibility" xmlns:p14="http://schemas.microsoft.com/office/powerpoint/2010/main" showMasterSp="0" showMasterPhAnim="0">
+<p:notes xmlns:a="http://schemas.openxmlformats.org/drawingml/2006/main" xmlns:r="http://schemas.openxmlformats.org/officeDocument/2006/relationships" xmlns:p="http://schemas.openxmlformats.org/presentationml/2006/main" showMasterSp="0" showMasterPhAnim="0">
   <p:cSld>
     <p:spTree>
       <p:nvGrpSpPr>
-        <p:cNvPr id="33" name="Shape 33"/>
+        <p:cNvPr id="1" name="Shape 33"/>
         <p:cNvGrpSpPr/>
         <p:nvPr/>
       </p:nvGrpSpPr>
       <p:grpSpPr>
         <a:xfrm>
-          <a:off y="0" x="0"/>
-          <a:ext cy="0" cx="0"/>
-          <a:chOff y="0" x="0"/>
-          <a:chExt cy="0" cx="0"/>
+          <a:off x="0" y="0"/>
+          <a:ext cx="0" cy="0"/>
+          <a:chOff x="0" y="0"/>
+          <a:chExt cx="0" cy="0"/>
         </a:xfrm>
       </p:grpSpPr>
       <p:sp>
         <p:nvSpPr>
           <p:cNvPr id="34" name="Shape 34"/>
-          <p:cNvSpPr/>
+          <p:cNvSpPr>
+            <a:spLocks noGrp="1" noRot="1" noChangeAspect="1"/>
+          </p:cNvSpPr>
           <p:nvPr>
-            <p:ph idx="2" type="sldImg"/>
+            <p:ph type="sldImg" idx="2"/>
           </p:nvPr>
         </p:nvSpPr>
         <p:spPr>
           <a:xfrm>
-            <a:off y="685800" x="1143225"/>
-            <a:ext cy="3429000" cx="4572299"/>
+            <a:off x="381000" y="685800"/>
+            <a:ext cx="6096000" cy="3429000"/>
           </a:xfrm>
           <a:custGeom>
+            <a:avLst/>
+            <a:gdLst/>
+            <a:ahLst/>
+            <a:cxnLst/>
+            <a:rect l="0" t="0" r="0" b="0"/>
             <a:pathLst>
-              <a:path w="120000" extrusionOk="0" h="120000">
+              <a:path w="120000" h="120000" extrusionOk="0">
                 <a:moveTo>
-                  <a:pt y="0" x="0"/>
+                  <a:pt x="0" y="0"/>
                 </a:moveTo>
                 <a:lnTo>
-                  <a:pt y="0" x="120000"/>
+                  <a:pt x="120000" y="0"/>
                 </a:lnTo>
                 <a:lnTo>
-                  <a:pt y="120000" x="120000"/>
+                  <a:pt x="120000" y="120000"/>
                 </a:lnTo>
                 <a:lnTo>
-                  <a:pt y="120000" x="0"/>
+                  <a:pt x="0" y="120000"/>
                 </a:lnTo>
                 <a:close/>
               </a:path>
@@ -735,26 +1572,125 @@
       <p:sp>
         <p:nvSpPr>
           <p:cNvPr id="35" name="Shape 35"/>
-          <p:cNvSpPr txBox="1"/>
+          <p:cNvSpPr txBox="1">
+            <a:spLocks noGrp="1"/>
+          </p:cNvSpPr>
           <p:nvPr>
-            <p:ph idx="1" type="body"/>
+            <p:ph type="body" idx="1"/>
           </p:nvPr>
         </p:nvSpPr>
         <p:spPr>
           <a:xfrm>
-            <a:off y="4343400" x="685800"/>
-            <a:ext cy="4114800" cx="5486399"/>
-          </a:xfrm>
-          <a:prstGeom prst="rect">
-            <a:avLst/>
-          </a:prstGeom>
-        </p:spPr>
-        <p:txBody>
-          <a:bodyPr bIns="91425" rIns="91425" lIns="91425" tIns="91425" anchor="t" anchorCtr="0">
-            <a:noAutofit/>
-          </a:bodyPr>
-          <a:lstStyle/>
-          <a:p/>
+            <a:off x="685800" y="4343400"/>
+            <a:ext cx="5486399" cy="4114800"/>
+          </a:xfrm>
+          <a:prstGeom prst="rect">
+            <a:avLst/>
+          </a:prstGeom>
+        </p:spPr>
+        <p:txBody>
+          <a:bodyPr lIns="91425" tIns="91425" rIns="91425" bIns="91425" anchor="t" anchorCtr="0">
+            <a:noAutofit/>
+          </a:bodyPr>
+          <a:lstStyle/>
+          <a:p>
+            <a:endParaRPr/>
+          </a:p>
+        </p:txBody>
+      </p:sp>
+    </p:spTree>
+  </p:cSld>
+  <p:clrMapOvr>
+    <a:masterClrMapping/>
+  </p:clrMapOvr>
+</p:notes>
+</file>
+
+<file path=ppt/notesSlides/notesSlide20.xml><?xml version="1.0" encoding="utf-8"?>
+<p:notes xmlns:a="http://schemas.openxmlformats.org/drawingml/2006/main" xmlns:r="http://schemas.openxmlformats.org/officeDocument/2006/relationships" xmlns:p="http://schemas.openxmlformats.org/presentationml/2006/main" showMasterSp="0" showMasterPhAnim="0">
+  <p:cSld>
+    <p:spTree>
+      <p:nvGrpSpPr>
+        <p:cNvPr id="1" name="Shape 194"/>
+        <p:cNvGrpSpPr/>
+        <p:nvPr/>
+      </p:nvGrpSpPr>
+      <p:grpSpPr>
+        <a:xfrm>
+          <a:off x="0" y="0"/>
+          <a:ext cx="0" cy="0"/>
+          <a:chOff x="0" y="0"/>
+          <a:chExt cx="0" cy="0"/>
+        </a:xfrm>
+      </p:grpSpPr>
+      <p:sp>
+        <p:nvSpPr>
+          <p:cNvPr id="195" name="Shape 195"/>
+          <p:cNvSpPr>
+            <a:spLocks noGrp="1" noRot="1" noChangeAspect="1"/>
+          </p:cNvSpPr>
+          <p:nvPr>
+            <p:ph type="sldImg" idx="2"/>
+          </p:nvPr>
+        </p:nvSpPr>
+        <p:spPr>
+          <a:xfrm>
+            <a:off x="1143225" y="685800"/>
+            <a:ext cx="4572299" cy="3429000"/>
+          </a:xfrm>
+          <a:custGeom>
+            <a:avLst/>
+            <a:gdLst/>
+            <a:ahLst/>
+            <a:cxnLst/>
+            <a:rect l="0" t="0" r="0" b="0"/>
+            <a:pathLst>
+              <a:path w="120000" h="120000" extrusionOk="0">
+                <a:moveTo>
+                  <a:pt x="0" y="0"/>
+                </a:moveTo>
+                <a:lnTo>
+                  <a:pt x="120000" y="0"/>
+                </a:lnTo>
+                <a:lnTo>
+                  <a:pt x="120000" y="120000"/>
+                </a:lnTo>
+                <a:lnTo>
+                  <a:pt x="0" y="120000"/>
+                </a:lnTo>
+                <a:close/>
+              </a:path>
+            </a:pathLst>
+          </a:custGeom>
+        </p:spPr>
+      </p:sp>
+      <p:sp>
+        <p:nvSpPr>
+          <p:cNvPr id="196" name="Shape 196"/>
+          <p:cNvSpPr txBox="1">
+            <a:spLocks noGrp="1"/>
+          </p:cNvSpPr>
+          <p:nvPr>
+            <p:ph type="body" idx="1"/>
+          </p:nvPr>
+        </p:nvSpPr>
+        <p:spPr>
+          <a:xfrm>
+            <a:off x="685800" y="4343400"/>
+            <a:ext cx="5486399" cy="4114800"/>
+          </a:xfrm>
+          <a:prstGeom prst="rect">
+            <a:avLst/>
+          </a:prstGeom>
+        </p:spPr>
+        <p:txBody>
+          <a:bodyPr lIns="91425" tIns="91425" rIns="91425" bIns="91425" anchor="t" anchorCtr="0">
+            <a:noAutofit/>
+          </a:bodyPr>
+          <a:lstStyle/>
+          <a:p>
+            <a:endParaRPr/>
+          </a:p>
         </p:txBody>
       </p:sp>
     </p:spTree>
@@ -766,49 +1702,56 @@
 </file>
 
 <file path=ppt/notesSlides/notesSlide3.xml><?xml version="1.0" encoding="utf-8"?>
-<p:notes xmlns:a="http://schemas.openxmlformats.org/drawingml/2006/main" xmlns:r="http://schemas.openxmlformats.org/officeDocument/2006/relationships" xmlns:mc="http://schemas.openxmlformats.org/markup-compatibility/2006" xmlns:mv="urn:schemas-microsoft-com:mac:vml" xmlns:p="http://schemas.openxmlformats.org/presentationml/2006/main" xmlns:c="http://schemas.openxmlformats.org/drawingml/2006/chart" xmlns:dgm="http://schemas.openxmlformats.org/drawingml/2006/diagram" xmlns:o="urn:schemas-microsoft-com:office:office" xmlns:v="urn:schemas-microsoft-com:vml" xmlns:pvml="urn:schemas-microsoft-com:office:powerpoint" xmlns:com="http://schemas.openxmlformats.org/drawingml/2006/compatibility" xmlns:p14="http://schemas.microsoft.com/office/powerpoint/2010/main" showMasterSp="0" showMasterPhAnim="0">
+<p:notes xmlns:a="http://schemas.openxmlformats.org/drawingml/2006/main" xmlns:r="http://schemas.openxmlformats.org/officeDocument/2006/relationships" xmlns:p="http://schemas.openxmlformats.org/presentationml/2006/main" showMasterSp="0" showMasterPhAnim="0">
   <p:cSld>
     <p:spTree>
       <p:nvGrpSpPr>
-        <p:cNvPr id="39" name="Shape 39"/>
+        <p:cNvPr id="1" name="Shape 39"/>
         <p:cNvGrpSpPr/>
         <p:nvPr/>
       </p:nvGrpSpPr>
       <p:grpSpPr>
         <a:xfrm>
-          <a:off y="0" x="0"/>
-          <a:ext cy="0" cx="0"/>
-          <a:chOff y="0" x="0"/>
-          <a:chExt cy="0" cx="0"/>
+          <a:off x="0" y="0"/>
+          <a:ext cx="0" cy="0"/>
+          <a:chOff x="0" y="0"/>
+          <a:chExt cx="0" cy="0"/>
         </a:xfrm>
       </p:grpSpPr>
       <p:sp>
         <p:nvSpPr>
           <p:cNvPr id="40" name="Shape 40"/>
-          <p:cNvSpPr/>
+          <p:cNvSpPr>
+            <a:spLocks noGrp="1" noRot="1" noChangeAspect="1"/>
+          </p:cNvSpPr>
           <p:nvPr>
-            <p:ph idx="2" type="sldImg"/>
+            <p:ph type="sldImg" idx="2"/>
           </p:nvPr>
         </p:nvSpPr>
         <p:spPr>
           <a:xfrm>
-            <a:off y="685800" x="1143225"/>
-            <a:ext cy="3429000" cx="4572299"/>
+            <a:off x="1143225" y="685800"/>
+            <a:ext cx="4572299" cy="3429000"/>
           </a:xfrm>
           <a:custGeom>
+            <a:avLst/>
+            <a:gdLst/>
+            <a:ahLst/>
+            <a:cxnLst/>
+            <a:rect l="0" t="0" r="0" b="0"/>
             <a:pathLst>
-              <a:path w="120000" extrusionOk="0" h="120000">
+              <a:path w="120000" h="120000" extrusionOk="0">
                 <a:moveTo>
-                  <a:pt y="0" x="0"/>
+                  <a:pt x="0" y="0"/>
                 </a:moveTo>
                 <a:lnTo>
-                  <a:pt y="0" x="120000"/>
+                  <a:pt x="120000" y="0"/>
                 </a:lnTo>
                 <a:lnTo>
-                  <a:pt y="120000" x="120000"/>
+                  <a:pt x="120000" y="120000"/>
                 </a:lnTo>
                 <a:lnTo>
-                  <a:pt y="120000" x="0"/>
+                  <a:pt x="0" y="120000"/>
                 </a:lnTo>
                 <a:close/>
               </a:path>
@@ -819,26 +1762,30 @@
       <p:sp>
         <p:nvSpPr>
           <p:cNvPr id="41" name="Shape 41"/>
-          <p:cNvSpPr txBox="1"/>
+          <p:cNvSpPr txBox="1">
+            <a:spLocks noGrp="1"/>
+          </p:cNvSpPr>
           <p:nvPr>
-            <p:ph idx="1" type="body"/>
+            <p:ph type="body" idx="1"/>
           </p:nvPr>
         </p:nvSpPr>
         <p:spPr>
           <a:xfrm>
-            <a:off y="4343400" x="685800"/>
-            <a:ext cy="4114800" cx="5486399"/>
-          </a:xfrm>
-          <a:prstGeom prst="rect">
-            <a:avLst/>
-          </a:prstGeom>
-        </p:spPr>
-        <p:txBody>
-          <a:bodyPr bIns="91425" rIns="91425" lIns="91425" tIns="91425" anchor="t" anchorCtr="0">
-            <a:noAutofit/>
-          </a:bodyPr>
-          <a:lstStyle/>
-          <a:p/>
+            <a:off x="685800" y="4343400"/>
+            <a:ext cx="5486399" cy="4114800"/>
+          </a:xfrm>
+          <a:prstGeom prst="rect">
+            <a:avLst/>
+          </a:prstGeom>
+        </p:spPr>
+        <p:txBody>
+          <a:bodyPr lIns="91425" tIns="91425" rIns="91425" bIns="91425" anchor="t" anchorCtr="0">
+            <a:noAutofit/>
+          </a:bodyPr>
+          <a:lstStyle/>
+          <a:p>
+            <a:endParaRPr/>
+          </a:p>
         </p:txBody>
       </p:sp>
     </p:spTree>
@@ -850,49 +1797,56 @@
 </file>
 
 <file path=ppt/notesSlides/notesSlide4.xml><?xml version="1.0" encoding="utf-8"?>
-<p:notes xmlns:a="http://schemas.openxmlformats.org/drawingml/2006/main" xmlns:r="http://schemas.openxmlformats.org/officeDocument/2006/relationships" xmlns:mc="http://schemas.openxmlformats.org/markup-compatibility/2006" xmlns:mv="urn:schemas-microsoft-com:mac:vml" xmlns:p="http://schemas.openxmlformats.org/presentationml/2006/main" xmlns:c="http://schemas.openxmlformats.org/drawingml/2006/chart" xmlns:dgm="http://schemas.openxmlformats.org/drawingml/2006/diagram" xmlns:o="urn:schemas-microsoft-com:office:office" xmlns:v="urn:schemas-microsoft-com:vml" xmlns:pvml="urn:schemas-microsoft-com:office:powerpoint" xmlns:com="http://schemas.openxmlformats.org/drawingml/2006/compatibility" xmlns:p14="http://schemas.microsoft.com/office/powerpoint/2010/main" showMasterSp="0" showMasterPhAnim="0">
+<p:notes xmlns:a="http://schemas.openxmlformats.org/drawingml/2006/main" xmlns:r="http://schemas.openxmlformats.org/officeDocument/2006/relationships" xmlns:p="http://schemas.openxmlformats.org/presentationml/2006/main" showMasterSp="0" showMasterPhAnim="0">
   <p:cSld>
     <p:spTree>
       <p:nvGrpSpPr>
-        <p:cNvPr id="44" name="Shape 44"/>
+        <p:cNvPr id="1" name="Shape 44"/>
         <p:cNvGrpSpPr/>
         <p:nvPr/>
       </p:nvGrpSpPr>
       <p:grpSpPr>
         <a:xfrm>
-          <a:off y="0" x="0"/>
-          <a:ext cy="0" cx="0"/>
-          <a:chOff y="0" x="0"/>
-          <a:chExt cy="0" cx="0"/>
+          <a:off x="0" y="0"/>
+          <a:ext cx="0" cy="0"/>
+          <a:chOff x="0" y="0"/>
+          <a:chExt cx="0" cy="0"/>
         </a:xfrm>
       </p:grpSpPr>
       <p:sp>
         <p:nvSpPr>
           <p:cNvPr id="45" name="Shape 45"/>
-          <p:cNvSpPr/>
+          <p:cNvSpPr>
+            <a:spLocks noGrp="1" noRot="1" noChangeAspect="1"/>
+          </p:cNvSpPr>
           <p:nvPr>
-            <p:ph idx="2" type="sldImg"/>
+            <p:ph type="sldImg" idx="2"/>
           </p:nvPr>
         </p:nvSpPr>
         <p:spPr>
           <a:xfrm>
-            <a:off y="685800" x="1143225"/>
-            <a:ext cy="3429000" cx="4572299"/>
+            <a:off x="1143225" y="685800"/>
+            <a:ext cx="4572299" cy="3429000"/>
           </a:xfrm>
           <a:custGeom>
+            <a:avLst/>
+            <a:gdLst/>
+            <a:ahLst/>
+            <a:cxnLst/>
+            <a:rect l="0" t="0" r="0" b="0"/>
             <a:pathLst>
-              <a:path w="120000" extrusionOk="0" h="120000">
+              <a:path w="120000" h="120000" extrusionOk="0">
                 <a:moveTo>
-                  <a:pt y="0" x="0"/>
+                  <a:pt x="0" y="0"/>
                 </a:moveTo>
                 <a:lnTo>
-                  <a:pt y="0" x="120000"/>
+                  <a:pt x="120000" y="0"/>
                 </a:lnTo>
                 <a:lnTo>
-                  <a:pt y="120000" x="120000"/>
+                  <a:pt x="120000" y="120000"/>
                 </a:lnTo>
                 <a:lnTo>
-                  <a:pt y="120000" x="0"/>
+                  <a:pt x="0" y="120000"/>
                 </a:lnTo>
                 <a:close/>
               </a:path>
@@ -903,26 +1857,30 @@
       <p:sp>
         <p:nvSpPr>
           <p:cNvPr id="46" name="Shape 46"/>
-          <p:cNvSpPr txBox="1"/>
+          <p:cNvSpPr txBox="1">
+            <a:spLocks noGrp="1"/>
+          </p:cNvSpPr>
           <p:nvPr>
-            <p:ph idx="1" type="body"/>
+            <p:ph type="body" idx="1"/>
           </p:nvPr>
         </p:nvSpPr>
         <p:spPr>
           <a:xfrm>
-            <a:off y="4343400" x="685800"/>
-            <a:ext cy="4114800" cx="5486399"/>
-          </a:xfrm>
-          <a:prstGeom prst="rect">
-            <a:avLst/>
-          </a:prstGeom>
-        </p:spPr>
-        <p:txBody>
-          <a:bodyPr bIns="91425" rIns="91425" lIns="91425" tIns="91425" anchor="t" anchorCtr="0">
-            <a:noAutofit/>
-          </a:bodyPr>
-          <a:lstStyle/>
-          <a:p/>
+            <a:off x="685800" y="4343400"/>
+            <a:ext cx="5486399" cy="4114800"/>
+          </a:xfrm>
+          <a:prstGeom prst="rect">
+            <a:avLst/>
+          </a:prstGeom>
+        </p:spPr>
+        <p:txBody>
+          <a:bodyPr lIns="91425" tIns="91425" rIns="91425" bIns="91425" anchor="t" anchorCtr="0">
+            <a:noAutofit/>
+          </a:bodyPr>
+          <a:lstStyle/>
+          <a:p>
+            <a:endParaRPr/>
+          </a:p>
         </p:txBody>
       </p:sp>
     </p:spTree>
@@ -934,49 +1892,56 @@
 </file>
 
 <file path=ppt/notesSlides/notesSlide5.xml><?xml version="1.0" encoding="utf-8"?>
-<p:notes xmlns:a="http://schemas.openxmlformats.org/drawingml/2006/main" xmlns:r="http://schemas.openxmlformats.org/officeDocument/2006/relationships" xmlns:mc="http://schemas.openxmlformats.org/markup-compatibility/2006" xmlns:mv="urn:schemas-microsoft-com:mac:vml" xmlns:p="http://schemas.openxmlformats.org/presentationml/2006/main" xmlns:c="http://schemas.openxmlformats.org/drawingml/2006/chart" xmlns:dgm="http://schemas.openxmlformats.org/drawingml/2006/diagram" xmlns:o="urn:schemas-microsoft-com:office:office" xmlns:v="urn:schemas-microsoft-com:vml" xmlns:pvml="urn:schemas-microsoft-com:office:powerpoint" xmlns:com="http://schemas.openxmlformats.org/drawingml/2006/compatibility" xmlns:p14="http://schemas.microsoft.com/office/powerpoint/2010/main" showMasterSp="0" showMasterPhAnim="0">
+<p:notes xmlns:a="http://schemas.openxmlformats.org/drawingml/2006/main" xmlns:r="http://schemas.openxmlformats.org/officeDocument/2006/relationships" xmlns:p="http://schemas.openxmlformats.org/presentationml/2006/main" showMasterSp="0" showMasterPhAnim="0">
   <p:cSld>
     <p:spTree>
       <p:nvGrpSpPr>
-        <p:cNvPr id="56" name="Shape 56"/>
+        <p:cNvPr id="1" name="Shape 56"/>
         <p:cNvGrpSpPr/>
         <p:nvPr/>
       </p:nvGrpSpPr>
       <p:grpSpPr>
         <a:xfrm>
-          <a:off y="0" x="0"/>
-          <a:ext cy="0" cx="0"/>
-          <a:chOff y="0" x="0"/>
-          <a:chExt cy="0" cx="0"/>
+          <a:off x="0" y="0"/>
+          <a:ext cx="0" cy="0"/>
+          <a:chOff x="0" y="0"/>
+          <a:chExt cx="0" cy="0"/>
         </a:xfrm>
       </p:grpSpPr>
       <p:sp>
         <p:nvSpPr>
           <p:cNvPr id="57" name="Shape 57"/>
-          <p:cNvSpPr/>
+          <p:cNvSpPr>
+            <a:spLocks noGrp="1" noRot="1" noChangeAspect="1"/>
+          </p:cNvSpPr>
           <p:nvPr>
-            <p:ph idx="2" type="sldImg"/>
+            <p:ph type="sldImg" idx="2"/>
           </p:nvPr>
         </p:nvSpPr>
         <p:spPr>
           <a:xfrm>
-            <a:off y="685800" x="1143225"/>
-            <a:ext cy="3429000" cx="4572299"/>
+            <a:off x="1143225" y="685800"/>
+            <a:ext cx="4572299" cy="3429000"/>
           </a:xfrm>
           <a:custGeom>
+            <a:avLst/>
+            <a:gdLst/>
+            <a:ahLst/>
+            <a:cxnLst/>
+            <a:rect l="0" t="0" r="0" b="0"/>
             <a:pathLst>
-              <a:path w="120000" extrusionOk="0" h="120000">
+              <a:path w="120000" h="120000" extrusionOk="0">
                 <a:moveTo>
-                  <a:pt y="0" x="0"/>
+                  <a:pt x="0" y="0"/>
                 </a:moveTo>
                 <a:lnTo>
-                  <a:pt y="0" x="120000"/>
+                  <a:pt x="120000" y="0"/>
                 </a:lnTo>
                 <a:lnTo>
-                  <a:pt y="120000" x="120000"/>
+                  <a:pt x="120000" y="120000"/>
                 </a:lnTo>
                 <a:lnTo>
-                  <a:pt y="120000" x="0"/>
+                  <a:pt x="0" y="120000"/>
                 </a:lnTo>
                 <a:close/>
               </a:path>
@@ -987,26 +1952,30 @@
       <p:sp>
         <p:nvSpPr>
           <p:cNvPr id="58" name="Shape 58"/>
-          <p:cNvSpPr txBox="1"/>
+          <p:cNvSpPr txBox="1">
+            <a:spLocks noGrp="1"/>
+          </p:cNvSpPr>
           <p:nvPr>
-            <p:ph idx="1" type="body"/>
+            <p:ph type="body" idx="1"/>
           </p:nvPr>
         </p:nvSpPr>
         <p:spPr>
           <a:xfrm>
-            <a:off y="4343400" x="685800"/>
-            <a:ext cy="4114800" cx="5486399"/>
-          </a:xfrm>
-          <a:prstGeom prst="rect">
-            <a:avLst/>
-          </a:prstGeom>
-        </p:spPr>
-        <p:txBody>
-          <a:bodyPr bIns="91425" rIns="91425" lIns="91425" tIns="91425" anchor="t" anchorCtr="0">
-            <a:noAutofit/>
-          </a:bodyPr>
-          <a:lstStyle/>
-          <a:p/>
+            <a:off x="685800" y="4343400"/>
+            <a:ext cx="5486399" cy="4114800"/>
+          </a:xfrm>
+          <a:prstGeom prst="rect">
+            <a:avLst/>
+          </a:prstGeom>
+        </p:spPr>
+        <p:txBody>
+          <a:bodyPr lIns="91425" tIns="91425" rIns="91425" bIns="91425" anchor="t" anchorCtr="0">
+            <a:noAutofit/>
+          </a:bodyPr>
+          <a:lstStyle/>
+          <a:p>
+            <a:endParaRPr/>
+          </a:p>
         </p:txBody>
       </p:sp>
     </p:spTree>
@@ -1018,49 +1987,56 @@
 </file>
 
 <file path=ppt/notesSlides/notesSlide6.xml><?xml version="1.0" encoding="utf-8"?>
-<p:notes xmlns:a="http://schemas.openxmlformats.org/drawingml/2006/main" xmlns:r="http://schemas.openxmlformats.org/officeDocument/2006/relationships" xmlns:mc="http://schemas.openxmlformats.org/markup-compatibility/2006" xmlns:mv="urn:schemas-microsoft-com:mac:vml" xmlns:p="http://schemas.openxmlformats.org/presentationml/2006/main" xmlns:c="http://schemas.openxmlformats.org/drawingml/2006/chart" xmlns:dgm="http://schemas.openxmlformats.org/drawingml/2006/diagram" xmlns:o="urn:schemas-microsoft-com:office:office" xmlns:v="urn:schemas-microsoft-com:vml" xmlns:pvml="urn:schemas-microsoft-com:office:powerpoint" xmlns:com="http://schemas.openxmlformats.org/drawingml/2006/compatibility" xmlns:p14="http://schemas.microsoft.com/office/powerpoint/2010/main" showMasterSp="0" showMasterPhAnim="0">
+<p:notes xmlns:a="http://schemas.openxmlformats.org/drawingml/2006/main" xmlns:r="http://schemas.openxmlformats.org/officeDocument/2006/relationships" xmlns:p="http://schemas.openxmlformats.org/presentationml/2006/main" showMasterSp="0" showMasterPhAnim="0">
   <p:cSld>
     <p:spTree>
       <p:nvGrpSpPr>
-        <p:cNvPr id="72" name="Shape 72"/>
+        <p:cNvPr id="1" name="Shape 72"/>
         <p:cNvGrpSpPr/>
         <p:nvPr/>
       </p:nvGrpSpPr>
       <p:grpSpPr>
         <a:xfrm>
-          <a:off y="0" x="0"/>
-          <a:ext cy="0" cx="0"/>
-          <a:chOff y="0" x="0"/>
-          <a:chExt cy="0" cx="0"/>
+          <a:off x="0" y="0"/>
+          <a:ext cx="0" cy="0"/>
+          <a:chOff x="0" y="0"/>
+          <a:chExt cx="0" cy="0"/>
         </a:xfrm>
       </p:grpSpPr>
       <p:sp>
         <p:nvSpPr>
           <p:cNvPr id="73" name="Shape 73"/>
-          <p:cNvSpPr/>
+          <p:cNvSpPr>
+            <a:spLocks noGrp="1" noRot="1" noChangeAspect="1"/>
+          </p:cNvSpPr>
           <p:nvPr>
-            <p:ph idx="2" type="sldImg"/>
+            <p:ph type="sldImg" idx="2"/>
           </p:nvPr>
         </p:nvSpPr>
         <p:spPr>
           <a:xfrm>
-            <a:off y="685800" x="1143225"/>
-            <a:ext cy="3429000" cx="4572299"/>
+            <a:off x="1143225" y="685800"/>
+            <a:ext cx="4572299" cy="3429000"/>
           </a:xfrm>
           <a:custGeom>
+            <a:avLst/>
+            <a:gdLst/>
+            <a:ahLst/>
+            <a:cxnLst/>
+            <a:rect l="0" t="0" r="0" b="0"/>
             <a:pathLst>
-              <a:path w="120000" extrusionOk="0" h="120000">
+              <a:path w="120000" h="120000" extrusionOk="0">
                 <a:moveTo>
-                  <a:pt y="0" x="0"/>
+                  <a:pt x="0" y="0"/>
                 </a:moveTo>
                 <a:lnTo>
-                  <a:pt y="0" x="120000"/>
+                  <a:pt x="120000" y="0"/>
                 </a:lnTo>
                 <a:lnTo>
-                  <a:pt y="120000" x="120000"/>
+                  <a:pt x="120000" y="120000"/>
                 </a:lnTo>
                 <a:lnTo>
-                  <a:pt y="120000" x="0"/>
+                  <a:pt x="0" y="120000"/>
                 </a:lnTo>
                 <a:close/>
               </a:path>
@@ -1071,26 +2047,30 @@
       <p:sp>
         <p:nvSpPr>
           <p:cNvPr id="74" name="Shape 74"/>
-          <p:cNvSpPr txBox="1"/>
+          <p:cNvSpPr txBox="1">
+            <a:spLocks noGrp="1"/>
+          </p:cNvSpPr>
           <p:nvPr>
-            <p:ph idx="1" type="body"/>
+            <p:ph type="body" idx="1"/>
           </p:nvPr>
         </p:nvSpPr>
         <p:spPr>
           <a:xfrm>
-            <a:off y="4343400" x="685800"/>
-            <a:ext cy="4114800" cx="5486399"/>
-          </a:xfrm>
-          <a:prstGeom prst="rect">
-            <a:avLst/>
-          </a:prstGeom>
-        </p:spPr>
-        <p:txBody>
-          <a:bodyPr bIns="91425" rIns="91425" lIns="91425" tIns="91425" anchor="t" anchorCtr="0">
-            <a:noAutofit/>
-          </a:bodyPr>
-          <a:lstStyle/>
-          <a:p/>
+            <a:off x="685800" y="4343400"/>
+            <a:ext cx="5486399" cy="4114800"/>
+          </a:xfrm>
+          <a:prstGeom prst="rect">
+            <a:avLst/>
+          </a:prstGeom>
+        </p:spPr>
+        <p:txBody>
+          <a:bodyPr lIns="91425" tIns="91425" rIns="91425" bIns="91425" anchor="t" anchorCtr="0">
+            <a:noAutofit/>
+          </a:bodyPr>
+          <a:lstStyle/>
+          <a:p>
+            <a:endParaRPr/>
+          </a:p>
         </p:txBody>
       </p:sp>
     </p:spTree>
@@ -1102,49 +2082,56 @@
 </file>
 
 <file path=ppt/notesSlides/notesSlide7.xml><?xml version="1.0" encoding="utf-8"?>
-<p:notes xmlns:a="http://schemas.openxmlformats.org/drawingml/2006/main" xmlns:r="http://schemas.openxmlformats.org/officeDocument/2006/relationships" xmlns:mc="http://schemas.openxmlformats.org/markup-compatibility/2006" xmlns:mv="urn:schemas-microsoft-com:mac:vml" xmlns:p="http://schemas.openxmlformats.org/presentationml/2006/main" xmlns:c="http://schemas.openxmlformats.org/drawingml/2006/chart" xmlns:dgm="http://schemas.openxmlformats.org/drawingml/2006/diagram" xmlns:o="urn:schemas-microsoft-com:office:office" xmlns:v="urn:schemas-microsoft-com:vml" xmlns:pvml="urn:schemas-microsoft-com:office:powerpoint" xmlns:com="http://schemas.openxmlformats.org/drawingml/2006/compatibility" xmlns:p14="http://schemas.microsoft.com/office/powerpoint/2010/main" showMasterSp="0" showMasterPhAnim="0">
+<p:notes xmlns:a="http://schemas.openxmlformats.org/drawingml/2006/main" xmlns:r="http://schemas.openxmlformats.org/officeDocument/2006/relationships" xmlns:p="http://schemas.openxmlformats.org/presentationml/2006/main" showMasterSp="0" showMasterPhAnim="0">
   <p:cSld>
     <p:spTree>
       <p:nvGrpSpPr>
-        <p:cNvPr id="95" name="Shape 95"/>
+        <p:cNvPr id="1" name="Shape 95"/>
         <p:cNvGrpSpPr/>
         <p:nvPr/>
       </p:nvGrpSpPr>
       <p:grpSpPr>
         <a:xfrm>
-          <a:off y="0" x="0"/>
-          <a:ext cy="0" cx="0"/>
-          <a:chOff y="0" x="0"/>
-          <a:chExt cy="0" cx="0"/>
+          <a:off x="0" y="0"/>
+          <a:ext cx="0" cy="0"/>
+          <a:chOff x="0" y="0"/>
+          <a:chExt cx="0" cy="0"/>
         </a:xfrm>
       </p:grpSpPr>
       <p:sp>
         <p:nvSpPr>
           <p:cNvPr id="96" name="Shape 96"/>
-          <p:cNvSpPr/>
+          <p:cNvSpPr>
+            <a:spLocks noGrp="1" noRot="1" noChangeAspect="1"/>
+          </p:cNvSpPr>
           <p:nvPr>
-            <p:ph idx="2" type="sldImg"/>
+            <p:ph type="sldImg" idx="2"/>
           </p:nvPr>
         </p:nvSpPr>
         <p:spPr>
           <a:xfrm>
-            <a:off y="685800" x="1143225"/>
-            <a:ext cy="3429000" cx="4572299"/>
+            <a:off x="1143225" y="685800"/>
+            <a:ext cx="4572299" cy="3429000"/>
           </a:xfrm>
           <a:custGeom>
+            <a:avLst/>
+            <a:gdLst/>
+            <a:ahLst/>
+            <a:cxnLst/>
+            <a:rect l="0" t="0" r="0" b="0"/>
             <a:pathLst>
-              <a:path w="120000" extrusionOk="0" h="120000">
+              <a:path w="120000" h="120000" extrusionOk="0">
                 <a:moveTo>
-                  <a:pt y="0" x="0"/>
+                  <a:pt x="0" y="0"/>
                 </a:moveTo>
                 <a:lnTo>
-                  <a:pt y="0" x="120000"/>
+                  <a:pt x="120000" y="0"/>
                 </a:lnTo>
                 <a:lnTo>
-                  <a:pt y="120000" x="120000"/>
+                  <a:pt x="120000" y="120000"/>
                 </a:lnTo>
                 <a:lnTo>
-                  <a:pt y="120000" x="0"/>
+                  <a:pt x="0" y="120000"/>
                 </a:lnTo>
                 <a:close/>
               </a:path>
@@ -1155,26 +2142,30 @@
       <p:sp>
         <p:nvSpPr>
           <p:cNvPr id="97" name="Shape 97"/>
-          <p:cNvSpPr txBox="1"/>
+          <p:cNvSpPr txBox="1">
+            <a:spLocks noGrp="1"/>
+          </p:cNvSpPr>
           <p:nvPr>
-            <p:ph idx="1" type="body"/>
+            <p:ph type="body" idx="1"/>
           </p:nvPr>
         </p:nvSpPr>
         <p:spPr>
           <a:xfrm>
-            <a:off y="4343400" x="685800"/>
-            <a:ext cy="4114800" cx="5486399"/>
-          </a:xfrm>
-          <a:prstGeom prst="rect">
-            <a:avLst/>
-          </a:prstGeom>
-        </p:spPr>
-        <p:txBody>
-          <a:bodyPr bIns="91425" rIns="91425" lIns="91425" tIns="91425" anchor="t" anchorCtr="0">
-            <a:noAutofit/>
-          </a:bodyPr>
-          <a:lstStyle/>
-          <a:p/>
+            <a:off x="685800" y="4343400"/>
+            <a:ext cx="5486399" cy="4114800"/>
+          </a:xfrm>
+          <a:prstGeom prst="rect">
+            <a:avLst/>
+          </a:prstGeom>
+        </p:spPr>
+        <p:txBody>
+          <a:bodyPr lIns="91425" tIns="91425" rIns="91425" bIns="91425" anchor="t" anchorCtr="0">
+            <a:noAutofit/>
+          </a:bodyPr>
+          <a:lstStyle/>
+          <a:p>
+            <a:endParaRPr/>
+          </a:p>
         </p:txBody>
       </p:sp>
     </p:spTree>
@@ -1186,49 +2177,56 @@
 </file>
 
 <file path=ppt/notesSlides/notesSlide8.xml><?xml version="1.0" encoding="utf-8"?>
-<p:notes xmlns:a="http://schemas.openxmlformats.org/drawingml/2006/main" xmlns:r="http://schemas.openxmlformats.org/officeDocument/2006/relationships" xmlns:mc="http://schemas.openxmlformats.org/markup-compatibility/2006" xmlns:mv="urn:schemas-microsoft-com:mac:vml" xmlns:p="http://schemas.openxmlformats.org/presentationml/2006/main" xmlns:c="http://schemas.openxmlformats.org/drawingml/2006/chart" xmlns:dgm="http://schemas.openxmlformats.org/drawingml/2006/diagram" xmlns:o="urn:schemas-microsoft-com:office:office" xmlns:v="urn:schemas-microsoft-com:vml" xmlns:pvml="urn:schemas-microsoft-com:office:powerpoint" xmlns:com="http://schemas.openxmlformats.org/drawingml/2006/compatibility" xmlns:p14="http://schemas.microsoft.com/office/powerpoint/2010/main" showMasterSp="0" showMasterPhAnim="0">
+<p:notes xmlns:a="http://schemas.openxmlformats.org/drawingml/2006/main" xmlns:r="http://schemas.openxmlformats.org/officeDocument/2006/relationships" xmlns:p="http://schemas.openxmlformats.org/presentationml/2006/main" showMasterSp="0" showMasterPhAnim="0">
   <p:cSld>
     <p:spTree>
       <p:nvGrpSpPr>
-        <p:cNvPr id="100" name="Shape 100"/>
+        <p:cNvPr id="1" name="Shape 100"/>
         <p:cNvGrpSpPr/>
         <p:nvPr/>
       </p:nvGrpSpPr>
       <p:grpSpPr>
         <a:xfrm>
-          <a:off y="0" x="0"/>
-          <a:ext cy="0" cx="0"/>
-          <a:chOff y="0" x="0"/>
-          <a:chExt cy="0" cx="0"/>
+          <a:off x="0" y="0"/>
+          <a:ext cx="0" cy="0"/>
+          <a:chOff x="0" y="0"/>
+          <a:chExt cx="0" cy="0"/>
         </a:xfrm>
       </p:grpSpPr>
       <p:sp>
         <p:nvSpPr>
           <p:cNvPr id="101" name="Shape 101"/>
-          <p:cNvSpPr/>
+          <p:cNvSpPr>
+            <a:spLocks noGrp="1" noRot="1" noChangeAspect="1"/>
+          </p:cNvSpPr>
           <p:nvPr>
-            <p:ph idx="2" type="sldImg"/>
+            <p:ph type="sldImg" idx="2"/>
           </p:nvPr>
         </p:nvSpPr>
         <p:spPr>
           <a:xfrm>
-            <a:off y="685800" x="1143225"/>
-            <a:ext cy="3429000" cx="4572299"/>
+            <a:off x="1143225" y="685800"/>
+            <a:ext cx="4572299" cy="3429000"/>
           </a:xfrm>
           <a:custGeom>
+            <a:avLst/>
+            <a:gdLst/>
+            <a:ahLst/>
+            <a:cxnLst/>
+            <a:rect l="0" t="0" r="0" b="0"/>
             <a:pathLst>
-              <a:path w="120000" extrusionOk="0" h="120000">
+              <a:path w="120000" h="120000" extrusionOk="0">
                 <a:moveTo>
-                  <a:pt y="0" x="0"/>
+                  <a:pt x="0" y="0"/>
                 </a:moveTo>
                 <a:lnTo>
-                  <a:pt y="0" x="120000"/>
+                  <a:pt x="120000" y="0"/>
                 </a:lnTo>
                 <a:lnTo>
-                  <a:pt y="120000" x="120000"/>
+                  <a:pt x="120000" y="120000"/>
                 </a:lnTo>
                 <a:lnTo>
-                  <a:pt y="120000" x="0"/>
+                  <a:pt x="0" y="120000"/>
                 </a:lnTo>
                 <a:close/>
               </a:path>
@@ -1239,26 +2237,30 @@
       <p:sp>
         <p:nvSpPr>
           <p:cNvPr id="102" name="Shape 102"/>
-          <p:cNvSpPr txBox="1"/>
+          <p:cNvSpPr txBox="1">
+            <a:spLocks noGrp="1"/>
+          </p:cNvSpPr>
           <p:nvPr>
-            <p:ph idx="1" type="body"/>
+            <p:ph type="body" idx="1"/>
           </p:nvPr>
         </p:nvSpPr>
         <p:spPr>
           <a:xfrm>
-            <a:off y="4343400" x="685800"/>
-            <a:ext cy="4114800" cx="5486399"/>
-          </a:xfrm>
-          <a:prstGeom prst="rect">
-            <a:avLst/>
-          </a:prstGeom>
-        </p:spPr>
-        <p:txBody>
-          <a:bodyPr bIns="91425" rIns="91425" lIns="91425" tIns="91425" anchor="t" anchorCtr="0">
-            <a:noAutofit/>
-          </a:bodyPr>
-          <a:lstStyle/>
-          <a:p/>
+            <a:off x="685800" y="4343400"/>
+            <a:ext cx="5486399" cy="4114800"/>
+          </a:xfrm>
+          <a:prstGeom prst="rect">
+            <a:avLst/>
+          </a:prstGeom>
+        </p:spPr>
+        <p:txBody>
+          <a:bodyPr lIns="91425" tIns="91425" rIns="91425" bIns="91425" anchor="t" anchorCtr="0">
+            <a:noAutofit/>
+          </a:bodyPr>
+          <a:lstStyle/>
+          <a:p>
+            <a:endParaRPr/>
+          </a:p>
         </p:txBody>
       </p:sp>
     </p:spTree>
@@ -1270,49 +2272,56 @@
 </file>
 
 <file path=ppt/notesSlides/notesSlide9.xml><?xml version="1.0" encoding="utf-8"?>
-<p:notes xmlns:a="http://schemas.openxmlformats.org/drawingml/2006/main" xmlns:r="http://schemas.openxmlformats.org/officeDocument/2006/relationships" xmlns:mc="http://schemas.openxmlformats.org/markup-compatibility/2006" xmlns:mv="urn:schemas-microsoft-com:mac:vml" xmlns:p="http://schemas.openxmlformats.org/presentationml/2006/main" xmlns:c="http://schemas.openxmlformats.org/drawingml/2006/chart" xmlns:dgm="http://schemas.openxmlformats.org/drawingml/2006/diagram" xmlns:o="urn:schemas-microsoft-com:office:office" xmlns:v="urn:schemas-microsoft-com:vml" xmlns:pvml="urn:schemas-microsoft-com:office:powerpoint" xmlns:com="http://schemas.openxmlformats.org/drawingml/2006/compatibility" xmlns:p14="http://schemas.microsoft.com/office/powerpoint/2010/main" showMasterSp="0" showMasterPhAnim="0">
+<p:notes xmlns:a="http://schemas.openxmlformats.org/drawingml/2006/main" xmlns:r="http://schemas.openxmlformats.org/officeDocument/2006/relationships" xmlns:p="http://schemas.openxmlformats.org/presentationml/2006/main" showMasterSp="0" showMasterPhAnim="0">
   <p:cSld>
     <p:spTree>
       <p:nvGrpSpPr>
-        <p:cNvPr id="114" name="Shape 114"/>
+        <p:cNvPr id="1" name="Shape 114"/>
         <p:cNvGrpSpPr/>
         <p:nvPr/>
       </p:nvGrpSpPr>
       <p:grpSpPr>
         <a:xfrm>
-          <a:off y="0" x="0"/>
-          <a:ext cy="0" cx="0"/>
-          <a:chOff y="0" x="0"/>
-          <a:chExt cy="0" cx="0"/>
+          <a:off x="0" y="0"/>
+          <a:ext cx="0" cy="0"/>
+          <a:chOff x="0" y="0"/>
+          <a:chExt cx="0" cy="0"/>
         </a:xfrm>
       </p:grpSpPr>
       <p:sp>
         <p:nvSpPr>
           <p:cNvPr id="115" name="Shape 115"/>
-          <p:cNvSpPr/>
+          <p:cNvSpPr>
+            <a:spLocks noGrp="1" noRot="1" noChangeAspect="1"/>
+          </p:cNvSpPr>
           <p:nvPr>
-            <p:ph idx="2" type="sldImg"/>
+            <p:ph type="sldImg" idx="2"/>
           </p:nvPr>
         </p:nvSpPr>
         <p:spPr>
           <a:xfrm>
-            <a:off y="685800" x="1143225"/>
-            <a:ext cy="3429000" cx="4572299"/>
+            <a:off x="1143225" y="685800"/>
+            <a:ext cx="4572299" cy="3429000"/>
           </a:xfrm>
           <a:custGeom>
+            <a:avLst/>
+            <a:gdLst/>
+            <a:ahLst/>
+            <a:cxnLst/>
+            <a:rect l="0" t="0" r="0" b="0"/>
             <a:pathLst>
-              <a:path w="120000" extrusionOk="0" h="120000">
+              <a:path w="120000" h="120000" extrusionOk="0">
                 <a:moveTo>
-                  <a:pt y="0" x="0"/>
+                  <a:pt x="0" y="0"/>
                 </a:moveTo>
                 <a:lnTo>
-                  <a:pt y="0" x="120000"/>
+                  <a:pt x="120000" y="0"/>
                 </a:lnTo>
                 <a:lnTo>
-                  <a:pt y="120000" x="120000"/>
+                  <a:pt x="120000" y="120000"/>
                 </a:lnTo>
                 <a:lnTo>
-                  <a:pt y="120000" x="0"/>
+                  <a:pt x="0" y="120000"/>
                 </a:lnTo>
                 <a:close/>
               </a:path>
@@ -1323,26 +2332,30 @@
       <p:sp>
         <p:nvSpPr>
           <p:cNvPr id="116" name="Shape 116"/>
-          <p:cNvSpPr txBox="1"/>
+          <p:cNvSpPr txBox="1">
+            <a:spLocks noGrp="1"/>
+          </p:cNvSpPr>
           <p:nvPr>
-            <p:ph idx="1" type="body"/>
+            <p:ph type="body" idx="1"/>
           </p:nvPr>
         </p:nvSpPr>
         <p:spPr>
           <a:xfrm>
-            <a:off y="4343400" x="685800"/>
-            <a:ext cy="4114800" cx="5486399"/>
-          </a:xfrm>
-          <a:prstGeom prst="rect">
-            <a:avLst/>
-          </a:prstGeom>
-        </p:spPr>
-        <p:txBody>
-          <a:bodyPr bIns="91425" rIns="91425" lIns="91425" tIns="91425" anchor="t" anchorCtr="0">
-            <a:noAutofit/>
-          </a:bodyPr>
-          <a:lstStyle/>
-          <a:p/>
+            <a:off x="685800" y="4343400"/>
+            <a:ext cx="5486399" cy="4114800"/>
+          </a:xfrm>
+          <a:prstGeom prst="rect">
+            <a:avLst/>
+          </a:prstGeom>
+        </p:spPr>
+        <p:txBody>
+          <a:bodyPr lIns="91425" tIns="91425" rIns="91425" bIns="91425" anchor="t" anchorCtr="0">
+            <a:noAutofit/>
+          </a:bodyPr>
+          <a:lstStyle/>
+          <a:p>
+            <a:endParaRPr/>
+          </a:p>
         </p:txBody>
       </p:sp>
     </p:spTree>
@@ -1354,43 +2367,45 @@
 </file>
 
 <file path=ppt/slideLayouts/slideLayout1.xml><?xml version="1.0" encoding="utf-8"?>
-<p:sldLayout xmlns:a="http://schemas.openxmlformats.org/drawingml/2006/main" xmlns:r="http://schemas.openxmlformats.org/officeDocument/2006/relationships" xmlns:mc="http://schemas.openxmlformats.org/markup-compatibility/2006" xmlns:mv="urn:schemas-microsoft-com:mac:vml" xmlns:p="http://schemas.openxmlformats.org/presentationml/2006/main" xmlns:c="http://schemas.openxmlformats.org/drawingml/2006/chart" xmlns:dgm="http://schemas.openxmlformats.org/drawingml/2006/diagram" xmlns:o="urn:schemas-microsoft-com:office:office" xmlns:v="urn:schemas-microsoft-com:vml" xmlns:pvml="urn:schemas-microsoft-com:office:powerpoint" xmlns:com="http://schemas.openxmlformats.org/drawingml/2006/compatibility" xmlns:p14="http://schemas.microsoft.com/office/powerpoint/2010/main" type="title">
+<p:sldLayout xmlns:a="http://schemas.openxmlformats.org/drawingml/2006/main" xmlns:r="http://schemas.openxmlformats.org/officeDocument/2006/relationships" xmlns:p="http://schemas.openxmlformats.org/presentationml/2006/main" type="title">
   <p:cSld name="Title Slide">
     <p:spTree>
       <p:nvGrpSpPr>
-        <p:cNvPr id="7" name="Shape 7"/>
+        <p:cNvPr id="1" name="Shape 7"/>
         <p:cNvGrpSpPr/>
         <p:nvPr/>
       </p:nvGrpSpPr>
       <p:grpSpPr>
         <a:xfrm>
-          <a:off y="0" x="0"/>
-          <a:ext cy="0" cx="0"/>
-          <a:chOff y="0" x="0"/>
-          <a:chExt cy="0" cx="0"/>
+          <a:off x="0" y="0"/>
+          <a:ext cx="0" cy="0"/>
+          <a:chOff x="0" y="0"/>
+          <a:chExt cx="0" cy="0"/>
         </a:xfrm>
       </p:grpSpPr>
       <p:sp>
         <p:nvSpPr>
           <p:cNvPr id="8" name="Shape 8"/>
-          <p:cNvSpPr txBox="1"/>
+          <p:cNvSpPr txBox="1">
+            <a:spLocks noGrp="1"/>
+          </p:cNvSpPr>
           <p:nvPr>
-            <p:ph idx="1" type="subTitle"/>
+            <p:ph type="subTitle" idx="1"/>
           </p:nvPr>
         </p:nvSpPr>
         <p:spPr>
           <a:xfrm>
-            <a:off y="2840053" x="685800"/>
-            <a:ext cy="784799" cx="7772400"/>
-          </a:xfrm>
-          <a:prstGeom prst="rect">
-            <a:avLst/>
-          </a:prstGeom>
-        </p:spPr>
-        <p:txBody>
-          <a:bodyPr bIns="91425" rIns="91425" lIns="91425" tIns="91425" anchor="t" anchorCtr="0"/>
+            <a:off x="685800" y="2840053"/>
+            <a:ext cx="7772400" cy="784799"/>
+          </a:xfrm>
+          <a:prstGeom prst="rect">
+            <a:avLst/>
+          </a:prstGeom>
+        </p:spPr>
+        <p:txBody>
+          <a:bodyPr lIns="91425" tIns="91425" rIns="91425" bIns="91425" anchor="t" anchorCtr="0"/>
           <a:lstStyle>
-            <a:lvl1pPr algn="ctr" marL="0">
+            <a:lvl1pPr marL="0" algn="ctr">
               <a:spcBef>
                 <a:spcPts val="0"/>
               </a:spcBef>
@@ -1404,7 +2419,7 @@
                 </a:solidFill>
               </a:defRPr>
             </a:lvl1pPr>
-            <a:lvl2pPr algn="ctr" indent="190500" marL="0">
+            <a:lvl2pPr marL="0" indent="190500" algn="ctr">
               <a:spcBef>
                 <a:spcPts val="0"/>
               </a:spcBef>
@@ -1419,7 +2434,7 @@
                 </a:solidFill>
               </a:defRPr>
             </a:lvl2pPr>
-            <a:lvl3pPr algn="ctr" indent="190500" marL="0">
+            <a:lvl3pPr marL="0" indent="190500" algn="ctr">
               <a:spcBef>
                 <a:spcPts val="0"/>
               </a:spcBef>
@@ -1434,7 +2449,7 @@
                 </a:solidFill>
               </a:defRPr>
             </a:lvl3pPr>
-            <a:lvl4pPr algn="ctr" indent="190500" marL="0">
+            <a:lvl4pPr marL="0" indent="190500" algn="ctr">
               <a:spcBef>
                 <a:spcPts val="0"/>
               </a:spcBef>
@@ -1449,7 +2464,7 @@
                 </a:solidFill>
               </a:defRPr>
             </a:lvl4pPr>
-            <a:lvl5pPr algn="ctr" indent="190500" marL="0">
+            <a:lvl5pPr marL="0" indent="190500" algn="ctr">
               <a:spcBef>
                 <a:spcPts val="0"/>
               </a:spcBef>
@@ -1464,7 +2479,7 @@
                 </a:solidFill>
               </a:defRPr>
             </a:lvl5pPr>
-            <a:lvl6pPr algn="ctr" indent="190500" marL="0">
+            <a:lvl6pPr marL="0" indent="190500" algn="ctr">
               <a:spcBef>
                 <a:spcPts val="0"/>
               </a:spcBef>
@@ -1479,7 +2494,7 @@
                 </a:solidFill>
               </a:defRPr>
             </a:lvl6pPr>
-            <a:lvl7pPr algn="ctr" indent="190500" marL="0">
+            <a:lvl7pPr marL="0" indent="190500" algn="ctr">
               <a:spcBef>
                 <a:spcPts val="0"/>
               </a:spcBef>
@@ -1494,7 +2509,7 @@
                 </a:solidFill>
               </a:defRPr>
             </a:lvl7pPr>
-            <a:lvl8pPr algn="ctr" indent="190500" marL="0">
+            <a:lvl8pPr marL="0" indent="190500" algn="ctr">
               <a:spcBef>
                 <a:spcPts val="0"/>
               </a:spcBef>
@@ -1509,7 +2524,7 @@
                 </a:solidFill>
               </a:defRPr>
             </a:lvl8pPr>
-            <a:lvl9pPr algn="ctr" indent="190500" marL="0">
+            <a:lvl9pPr marL="0" indent="190500" algn="ctr">
               <a:spcBef>
                 <a:spcPts val="0"/>
               </a:spcBef>
@@ -1525,67 +2540,73 @@
               </a:defRPr>
             </a:lvl9pPr>
           </a:lstStyle>
-          <a:p/>
+          <a:p>
+            <a:endParaRPr/>
+          </a:p>
         </p:txBody>
       </p:sp>
       <p:sp>
         <p:nvSpPr>
           <p:cNvPr id="9" name="Shape 9"/>
-          <p:cNvSpPr txBox="1"/>
+          <p:cNvSpPr txBox="1">
+            <a:spLocks noGrp="1"/>
+          </p:cNvSpPr>
           <p:nvPr>
             <p:ph type="ctrTitle"/>
           </p:nvPr>
         </p:nvSpPr>
         <p:spPr>
           <a:xfrm>
-            <a:off y="1583342" x="685800"/>
-            <a:ext cy="1159799" cx="7772400"/>
-          </a:xfrm>
-          <a:prstGeom prst="rect">
-            <a:avLst/>
-          </a:prstGeom>
-        </p:spPr>
-        <p:txBody>
-          <a:bodyPr bIns="91425" rIns="91425" lIns="91425" tIns="91425" anchor="b" anchorCtr="0"/>
+            <a:off x="685800" y="1583342"/>
+            <a:ext cx="7772400" cy="1159799"/>
+          </a:xfrm>
+          <a:prstGeom prst="rect">
+            <a:avLst/>
+          </a:prstGeom>
+        </p:spPr>
+        <p:txBody>
+          <a:bodyPr lIns="91425" tIns="91425" rIns="91425" bIns="91425" anchor="b" anchorCtr="0"/>
           <a:lstStyle>
-            <a:lvl1pPr algn="ctr" indent="304800">
+            <a:lvl1pPr indent="304800" algn="ctr">
               <a:buSzPct val="100000"/>
               <a:defRPr sz="4800"/>
             </a:lvl1pPr>
-            <a:lvl2pPr algn="ctr" indent="304800">
+            <a:lvl2pPr indent="304800" algn="ctr">
               <a:buSzPct val="100000"/>
               <a:defRPr sz="4800"/>
             </a:lvl2pPr>
-            <a:lvl3pPr algn="ctr" indent="304800">
+            <a:lvl3pPr indent="304800" algn="ctr">
               <a:buSzPct val="100000"/>
               <a:defRPr sz="4800"/>
             </a:lvl3pPr>
-            <a:lvl4pPr algn="ctr" indent="304800">
+            <a:lvl4pPr indent="304800" algn="ctr">
               <a:buSzPct val="100000"/>
               <a:defRPr sz="4800"/>
             </a:lvl4pPr>
-            <a:lvl5pPr algn="ctr" indent="304800">
+            <a:lvl5pPr indent="304800" algn="ctr">
               <a:buSzPct val="100000"/>
               <a:defRPr sz="4800"/>
             </a:lvl5pPr>
-            <a:lvl6pPr algn="ctr" indent="304800">
+            <a:lvl6pPr indent="304800" algn="ctr">
               <a:buSzPct val="100000"/>
               <a:defRPr sz="4800"/>
             </a:lvl6pPr>
-            <a:lvl7pPr algn="ctr" indent="304800">
+            <a:lvl7pPr indent="304800" algn="ctr">
               <a:buSzPct val="100000"/>
               <a:defRPr sz="4800"/>
             </a:lvl7pPr>
-            <a:lvl8pPr algn="ctr" indent="304800">
+            <a:lvl8pPr indent="304800" algn="ctr">
               <a:buSzPct val="100000"/>
               <a:defRPr sz="4800"/>
             </a:lvl8pPr>
-            <a:lvl9pPr algn="ctr" indent="304800">
+            <a:lvl9pPr indent="304800" algn="ctr">
               <a:buSzPct val="100000"/>
               <a:defRPr sz="4800"/>
             </a:lvl9pPr>
           </a:lstStyle>
-          <a:p/>
+          <a:p>
+            <a:endParaRPr/>
+          </a:p>
         </p:txBody>
       </p:sp>
     </p:spTree>
@@ -1597,41 +2618,43 @@
 </file>
 
 <file path=ppt/slideLayouts/slideLayout2.xml><?xml version="1.0" encoding="utf-8"?>
-<p:sldLayout xmlns:a="http://schemas.openxmlformats.org/drawingml/2006/main" xmlns:r="http://schemas.openxmlformats.org/officeDocument/2006/relationships" xmlns:mc="http://schemas.openxmlformats.org/markup-compatibility/2006" xmlns:mv="urn:schemas-microsoft-com:mac:vml" xmlns:p="http://schemas.openxmlformats.org/presentationml/2006/main" xmlns:c="http://schemas.openxmlformats.org/drawingml/2006/chart" xmlns:dgm="http://schemas.openxmlformats.org/drawingml/2006/diagram" xmlns:o="urn:schemas-microsoft-com:office:office" xmlns:v="urn:schemas-microsoft-com:vml" xmlns:pvml="urn:schemas-microsoft-com:office:powerpoint" xmlns:com="http://schemas.openxmlformats.org/drawingml/2006/compatibility" xmlns:p14="http://schemas.microsoft.com/office/powerpoint/2010/main" type="tx">
+<p:sldLayout xmlns:a="http://schemas.openxmlformats.org/drawingml/2006/main" xmlns:r="http://schemas.openxmlformats.org/officeDocument/2006/relationships" xmlns:p="http://schemas.openxmlformats.org/presentationml/2006/main" type="tx">
   <p:cSld name="Title and Body">
     <p:spTree>
       <p:nvGrpSpPr>
-        <p:cNvPr id="10" name="Shape 10"/>
+        <p:cNvPr id="1" name="Shape 10"/>
         <p:cNvGrpSpPr/>
         <p:nvPr/>
       </p:nvGrpSpPr>
       <p:grpSpPr>
         <a:xfrm>
-          <a:off y="0" x="0"/>
-          <a:ext cy="0" cx="0"/>
-          <a:chOff y="0" x="0"/>
-          <a:chExt cy="0" cx="0"/>
+          <a:off x="0" y="0"/>
+          <a:ext cx="0" cy="0"/>
+          <a:chOff x="0" y="0"/>
+          <a:chExt cx="0" cy="0"/>
         </a:xfrm>
       </p:grpSpPr>
       <p:sp>
         <p:nvSpPr>
           <p:cNvPr id="11" name="Shape 11"/>
-          <p:cNvSpPr txBox="1"/>
+          <p:cNvSpPr txBox="1">
+            <a:spLocks noGrp="1"/>
+          </p:cNvSpPr>
           <p:nvPr>
             <p:ph type="title"/>
           </p:nvPr>
         </p:nvSpPr>
         <p:spPr>
           <a:xfrm>
-            <a:off y="205978" x="457200"/>
-            <a:ext cy="857400" cx="8229600"/>
-          </a:xfrm>
-          <a:prstGeom prst="rect">
-            <a:avLst/>
-          </a:prstGeom>
-        </p:spPr>
-        <p:txBody>
-          <a:bodyPr bIns="91425" rIns="91425" lIns="91425" tIns="91425" anchor="b" anchorCtr="0"/>
+            <a:off x="457200" y="205978"/>
+            <a:ext cx="8229600" cy="857400"/>
+          </a:xfrm>
+          <a:prstGeom prst="rect">
+            <a:avLst/>
+          </a:prstGeom>
+        </p:spPr>
+        <p:txBody>
+          <a:bodyPr lIns="91425" tIns="91425" rIns="91425" bIns="91425" anchor="b" anchorCtr="0"/>
           <a:lstStyle>
             <a:lvl1pPr>
               <a:defRPr/>
@@ -1661,28 +2684,32 @@
               <a:defRPr/>
             </a:lvl9pPr>
           </a:lstStyle>
-          <a:p/>
+          <a:p>
+            <a:endParaRPr/>
+          </a:p>
         </p:txBody>
       </p:sp>
       <p:sp>
         <p:nvSpPr>
           <p:cNvPr id="12" name="Shape 12"/>
-          <p:cNvSpPr txBox="1"/>
+          <p:cNvSpPr txBox="1">
+            <a:spLocks noGrp="1"/>
+          </p:cNvSpPr>
           <p:nvPr>
-            <p:ph idx="1" type="body"/>
+            <p:ph type="body" idx="1"/>
           </p:nvPr>
         </p:nvSpPr>
         <p:spPr>
           <a:xfrm>
-            <a:off y="1200150" x="457200"/>
-            <a:ext cy="3725699" cx="8229600"/>
-          </a:xfrm>
-          <a:prstGeom prst="rect">
-            <a:avLst/>
-          </a:prstGeom>
-        </p:spPr>
-        <p:txBody>
-          <a:bodyPr bIns="91425" rIns="91425" lIns="91425" tIns="91425" anchor="t" anchorCtr="0"/>
+            <a:off x="457200" y="1200150"/>
+            <a:ext cx="8229600" cy="3725699"/>
+          </a:xfrm>
+          <a:prstGeom prst="rect">
+            <a:avLst/>
+          </a:prstGeom>
+        </p:spPr>
+        <p:txBody>
+          <a:bodyPr lIns="91425" tIns="91425" rIns="91425" bIns="91425" anchor="t" anchorCtr="0"/>
           <a:lstStyle>
             <a:lvl1pPr>
               <a:defRPr/>
@@ -1712,7 +2739,9 @@
               <a:defRPr/>
             </a:lvl9pPr>
           </a:lstStyle>
-          <a:p/>
+          <a:p>
+            <a:endParaRPr/>
+          </a:p>
         </p:txBody>
       </p:sp>
     </p:spTree>
@@ -1724,41 +2753,43 @@
 </file>
 
 <file path=ppt/slideLayouts/slideLayout3.xml><?xml version="1.0" encoding="utf-8"?>
-<p:sldLayout xmlns:a="http://schemas.openxmlformats.org/drawingml/2006/main" xmlns:r="http://schemas.openxmlformats.org/officeDocument/2006/relationships" xmlns:mc="http://schemas.openxmlformats.org/markup-compatibility/2006" xmlns:mv="urn:schemas-microsoft-com:mac:vml" xmlns:p="http://schemas.openxmlformats.org/presentationml/2006/main" xmlns:c="http://schemas.openxmlformats.org/drawingml/2006/chart" xmlns:dgm="http://schemas.openxmlformats.org/drawingml/2006/diagram" xmlns:o="urn:schemas-microsoft-com:office:office" xmlns:v="urn:schemas-microsoft-com:vml" xmlns:pvml="urn:schemas-microsoft-com:office:powerpoint" xmlns:com="http://schemas.openxmlformats.org/drawingml/2006/compatibility" xmlns:p14="http://schemas.microsoft.com/office/powerpoint/2010/main" type="twoColTx">
+<p:sldLayout xmlns:a="http://schemas.openxmlformats.org/drawingml/2006/main" xmlns:r="http://schemas.openxmlformats.org/officeDocument/2006/relationships" xmlns:p="http://schemas.openxmlformats.org/presentationml/2006/main" type="twoColTx">
   <p:cSld name="Title and Two Columns">
     <p:spTree>
       <p:nvGrpSpPr>
-        <p:cNvPr id="13" name="Shape 13"/>
+        <p:cNvPr id="1" name="Shape 13"/>
         <p:cNvGrpSpPr/>
         <p:nvPr/>
       </p:nvGrpSpPr>
       <p:grpSpPr>
         <a:xfrm>
-          <a:off y="0" x="0"/>
-          <a:ext cy="0" cx="0"/>
-          <a:chOff y="0" x="0"/>
-          <a:chExt cy="0" cx="0"/>
+          <a:off x="0" y="0"/>
+          <a:ext cx="0" cy="0"/>
+          <a:chOff x="0" y="0"/>
+          <a:chExt cx="0" cy="0"/>
         </a:xfrm>
       </p:grpSpPr>
       <p:sp>
         <p:nvSpPr>
           <p:cNvPr id="14" name="Shape 14"/>
-          <p:cNvSpPr txBox="1"/>
+          <p:cNvSpPr txBox="1">
+            <a:spLocks noGrp="1"/>
+          </p:cNvSpPr>
           <p:nvPr>
             <p:ph type="title"/>
           </p:nvPr>
         </p:nvSpPr>
         <p:spPr>
           <a:xfrm>
-            <a:off y="205978" x="457200"/>
-            <a:ext cy="857400" cx="8229600"/>
-          </a:xfrm>
-          <a:prstGeom prst="rect">
-            <a:avLst/>
-          </a:prstGeom>
-        </p:spPr>
-        <p:txBody>
-          <a:bodyPr bIns="91425" rIns="91425" lIns="91425" tIns="91425" anchor="b" anchorCtr="0"/>
+            <a:off x="457200" y="205978"/>
+            <a:ext cx="8229600" cy="857400"/>
+          </a:xfrm>
+          <a:prstGeom prst="rect">
+            <a:avLst/>
+          </a:prstGeom>
+        </p:spPr>
+        <p:txBody>
+          <a:bodyPr lIns="91425" tIns="91425" rIns="91425" bIns="91425" anchor="b" anchorCtr="0"/>
           <a:lstStyle>
             <a:lvl1pPr>
               <a:defRPr/>
@@ -1788,28 +2819,32 @@
               <a:defRPr/>
             </a:lvl9pPr>
           </a:lstStyle>
-          <a:p/>
+          <a:p>
+            <a:endParaRPr/>
+          </a:p>
         </p:txBody>
       </p:sp>
       <p:sp>
         <p:nvSpPr>
           <p:cNvPr id="15" name="Shape 15"/>
-          <p:cNvSpPr txBox="1"/>
+          <p:cNvSpPr txBox="1">
+            <a:spLocks noGrp="1"/>
+          </p:cNvSpPr>
           <p:nvPr>
-            <p:ph idx="1" type="body"/>
+            <p:ph type="body" idx="1"/>
           </p:nvPr>
         </p:nvSpPr>
         <p:spPr>
           <a:xfrm>
-            <a:off y="1200150" x="457200"/>
-            <a:ext cy="3725699" cx="3994500"/>
-          </a:xfrm>
-          <a:prstGeom prst="rect">
-            <a:avLst/>
-          </a:prstGeom>
-        </p:spPr>
-        <p:txBody>
-          <a:bodyPr bIns="91425" rIns="91425" lIns="91425" tIns="91425" anchor="t" anchorCtr="0"/>
+            <a:off x="457200" y="1200150"/>
+            <a:ext cx="3994500" cy="3725699"/>
+          </a:xfrm>
+          <a:prstGeom prst="rect">
+            <a:avLst/>
+          </a:prstGeom>
+        </p:spPr>
+        <p:txBody>
+          <a:bodyPr lIns="91425" tIns="91425" rIns="91425" bIns="91425" anchor="t" anchorCtr="0"/>
           <a:lstStyle>
             <a:lvl1pPr>
               <a:defRPr/>
@@ -1839,28 +2874,32 @@
               <a:defRPr/>
             </a:lvl9pPr>
           </a:lstStyle>
-          <a:p/>
+          <a:p>
+            <a:endParaRPr/>
+          </a:p>
         </p:txBody>
       </p:sp>
       <p:sp>
         <p:nvSpPr>
           <p:cNvPr id="16" name="Shape 16"/>
-          <p:cNvSpPr txBox="1"/>
+          <p:cNvSpPr txBox="1">
+            <a:spLocks noGrp="1"/>
+          </p:cNvSpPr>
           <p:nvPr>
-            <p:ph idx="2" type="body"/>
+            <p:ph type="body" idx="2"/>
           </p:nvPr>
         </p:nvSpPr>
         <p:spPr>
           <a:xfrm>
-            <a:off y="1200150" x="4692273"/>
-            <a:ext cy="3725699" cx="3994500"/>
-          </a:xfrm>
-          <a:prstGeom prst="rect">
-            <a:avLst/>
-          </a:prstGeom>
-        </p:spPr>
-        <p:txBody>
-          <a:bodyPr bIns="91425" rIns="91425" lIns="91425" tIns="91425" anchor="t" anchorCtr="0"/>
+            <a:off x="4692273" y="1200150"/>
+            <a:ext cx="3994500" cy="3725699"/>
+          </a:xfrm>
+          <a:prstGeom prst="rect">
+            <a:avLst/>
+          </a:prstGeom>
+        </p:spPr>
+        <p:txBody>
+          <a:bodyPr lIns="91425" tIns="91425" rIns="91425" bIns="91425" anchor="t" anchorCtr="0"/>
           <a:lstStyle>
             <a:lvl1pPr>
               <a:defRPr/>
@@ -1890,7 +2929,9 @@
               <a:defRPr/>
             </a:lvl9pPr>
           </a:lstStyle>
-          <a:p/>
+          <a:p>
+            <a:endParaRPr/>
+          </a:p>
         </p:txBody>
       </p:sp>
     </p:spTree>
@@ -1902,41 +2943,43 @@
 </file>
 
 <file path=ppt/slideLayouts/slideLayout4.xml><?xml version="1.0" encoding="utf-8"?>
-<p:sldLayout xmlns:a="http://schemas.openxmlformats.org/drawingml/2006/main" xmlns:r="http://schemas.openxmlformats.org/officeDocument/2006/relationships" xmlns:mc="http://schemas.openxmlformats.org/markup-compatibility/2006" xmlns:mv="urn:schemas-microsoft-com:mac:vml" xmlns:p="http://schemas.openxmlformats.org/presentationml/2006/main" xmlns:c="http://schemas.openxmlformats.org/drawingml/2006/chart" xmlns:dgm="http://schemas.openxmlformats.org/drawingml/2006/diagram" xmlns:o="urn:schemas-microsoft-com:office:office" xmlns:v="urn:schemas-microsoft-com:vml" xmlns:pvml="urn:schemas-microsoft-com:office:powerpoint" xmlns:com="http://schemas.openxmlformats.org/drawingml/2006/compatibility" xmlns:p14="http://schemas.microsoft.com/office/powerpoint/2010/main" type="titleOnly">
+<p:sldLayout xmlns:a="http://schemas.openxmlformats.org/drawingml/2006/main" xmlns:r="http://schemas.openxmlformats.org/officeDocument/2006/relationships" xmlns:p="http://schemas.openxmlformats.org/presentationml/2006/main" type="titleOnly">
   <p:cSld name="Title Only">
     <p:spTree>
       <p:nvGrpSpPr>
-        <p:cNvPr id="17" name="Shape 17"/>
+        <p:cNvPr id="1" name="Shape 17"/>
         <p:cNvGrpSpPr/>
         <p:nvPr/>
       </p:nvGrpSpPr>
       <p:grpSpPr>
         <a:xfrm>
-          <a:off y="0" x="0"/>
-          <a:ext cy="0" cx="0"/>
-          <a:chOff y="0" x="0"/>
-          <a:chExt cy="0" cx="0"/>
+          <a:off x="0" y="0"/>
+          <a:ext cx="0" cy="0"/>
+          <a:chOff x="0" y="0"/>
+          <a:chExt cx="0" cy="0"/>
         </a:xfrm>
       </p:grpSpPr>
       <p:sp>
         <p:nvSpPr>
           <p:cNvPr id="18" name="Shape 18"/>
-          <p:cNvSpPr txBox="1"/>
+          <p:cNvSpPr txBox="1">
+            <a:spLocks noGrp="1"/>
+          </p:cNvSpPr>
           <p:nvPr>
             <p:ph type="title"/>
           </p:nvPr>
         </p:nvSpPr>
         <p:spPr>
           <a:xfrm>
-            <a:off y="205978" x="457200"/>
-            <a:ext cy="857400" cx="8229600"/>
-          </a:xfrm>
-          <a:prstGeom prst="rect">
-            <a:avLst/>
-          </a:prstGeom>
-        </p:spPr>
-        <p:txBody>
-          <a:bodyPr bIns="91425" rIns="91425" lIns="91425" tIns="91425" anchor="b" anchorCtr="0"/>
+            <a:off x="457200" y="205978"/>
+            <a:ext cx="8229600" cy="857400"/>
+          </a:xfrm>
+          <a:prstGeom prst="rect">
+            <a:avLst/>
+          </a:prstGeom>
+        </p:spPr>
+        <p:txBody>
+          <a:bodyPr lIns="91425" tIns="91425" rIns="91425" bIns="91425" anchor="b" anchorCtr="0"/>
           <a:lstStyle>
             <a:lvl1pPr>
               <a:defRPr/>
@@ -1966,7 +3009,9 @@
               <a:defRPr/>
             </a:lvl9pPr>
           </a:lstStyle>
-          <a:p/>
+          <a:p>
+            <a:endParaRPr/>
+          </a:p>
         </p:txBody>
       </p:sp>
     </p:spTree>
@@ -1978,43 +3023,45 @@
 </file>
 
 <file path=ppt/slideLayouts/slideLayout5.xml><?xml version="1.0" encoding="utf-8"?>
-<p:sldLayout xmlns:a="http://schemas.openxmlformats.org/drawingml/2006/main" xmlns:r="http://schemas.openxmlformats.org/officeDocument/2006/relationships" xmlns:mc="http://schemas.openxmlformats.org/markup-compatibility/2006" xmlns:mv="urn:schemas-microsoft-com:mac:vml" xmlns:p="http://schemas.openxmlformats.org/presentationml/2006/main" xmlns:c="http://schemas.openxmlformats.org/drawingml/2006/chart" xmlns:dgm="http://schemas.openxmlformats.org/drawingml/2006/diagram" xmlns:o="urn:schemas-microsoft-com:office:office" xmlns:v="urn:schemas-microsoft-com:vml" xmlns:pvml="urn:schemas-microsoft-com:office:powerpoint" xmlns:com="http://schemas.openxmlformats.org/drawingml/2006/compatibility" xmlns:p14="http://schemas.microsoft.com/office/powerpoint/2010/main">
+<p:sldLayout xmlns:a="http://schemas.openxmlformats.org/drawingml/2006/main" xmlns:r="http://schemas.openxmlformats.org/officeDocument/2006/relationships" xmlns:p="http://schemas.openxmlformats.org/presentationml/2006/main">
   <p:cSld name="Caption">
     <p:spTree>
       <p:nvGrpSpPr>
-        <p:cNvPr id="19" name="Shape 19"/>
+        <p:cNvPr id="1" name="Shape 19"/>
         <p:cNvGrpSpPr/>
         <p:nvPr/>
       </p:nvGrpSpPr>
       <p:grpSpPr>
         <a:xfrm>
-          <a:off y="0" x="0"/>
-          <a:ext cy="0" cx="0"/>
-          <a:chOff y="0" x="0"/>
-          <a:chExt cy="0" cx="0"/>
+          <a:off x="0" y="0"/>
+          <a:ext cx="0" cy="0"/>
+          <a:chOff x="0" y="0"/>
+          <a:chExt cx="0" cy="0"/>
         </a:xfrm>
       </p:grpSpPr>
       <p:sp>
         <p:nvSpPr>
           <p:cNvPr id="20" name="Shape 20"/>
-          <p:cNvSpPr txBox="1"/>
+          <p:cNvSpPr txBox="1">
+            <a:spLocks noGrp="1"/>
+          </p:cNvSpPr>
           <p:nvPr>
-            <p:ph idx="1" type="body"/>
+            <p:ph type="body" idx="1"/>
           </p:nvPr>
         </p:nvSpPr>
         <p:spPr>
           <a:xfrm>
-            <a:off y="4406309" x="457200"/>
-            <a:ext cy="519599" cx="8229600"/>
-          </a:xfrm>
-          <a:prstGeom prst="rect">
-            <a:avLst/>
-          </a:prstGeom>
-        </p:spPr>
-        <p:txBody>
-          <a:bodyPr bIns="91425" rIns="91425" lIns="91425" tIns="91425" anchor="t" anchorCtr="0"/>
+            <a:off x="457200" y="4406309"/>
+            <a:ext cx="8229600" cy="519599"/>
+          </a:xfrm>
+          <a:prstGeom prst="rect">
+            <a:avLst/>
+          </a:prstGeom>
+        </p:spPr>
+        <p:txBody>
+          <a:bodyPr lIns="91425" tIns="91425" rIns="91425" bIns="91425" anchor="t" anchorCtr="0"/>
           <a:lstStyle>
-            <a:lvl1pPr algn="ctr" indent="-171450" marL="285750">
+            <a:lvl1pPr marL="285750" indent="-171450" algn="ctr">
               <a:spcBef>
                 <a:spcPts val="0"/>
               </a:spcBef>
@@ -2030,7 +3077,9 @@
               </a:defRPr>
             </a:lvl1pPr>
           </a:lstStyle>
-          <a:p/>
+          <a:p>
+            <a:endParaRPr/>
+          </a:p>
         </p:txBody>
       </p:sp>
     </p:spTree>
@@ -2042,20 +3091,20 @@
 </file>
 
 <file path=ppt/slideLayouts/slideLayout6.xml><?xml version="1.0" encoding="utf-8"?>
-<p:sldLayout xmlns:a="http://schemas.openxmlformats.org/drawingml/2006/main" xmlns:r="http://schemas.openxmlformats.org/officeDocument/2006/relationships" xmlns:mc="http://schemas.openxmlformats.org/markup-compatibility/2006" xmlns:mv="urn:schemas-microsoft-com:mac:vml" xmlns:p="http://schemas.openxmlformats.org/presentationml/2006/main" xmlns:c="http://schemas.openxmlformats.org/drawingml/2006/chart" xmlns:dgm="http://schemas.openxmlformats.org/drawingml/2006/diagram" xmlns:o="urn:schemas-microsoft-com:office:office" xmlns:v="urn:schemas-microsoft-com:vml" xmlns:pvml="urn:schemas-microsoft-com:office:powerpoint" xmlns:com="http://schemas.openxmlformats.org/drawingml/2006/compatibility" xmlns:p14="http://schemas.microsoft.com/office/powerpoint/2010/main" type="blank">
+<p:sldLayout xmlns:a="http://schemas.openxmlformats.org/drawingml/2006/main" xmlns:r="http://schemas.openxmlformats.org/officeDocument/2006/relationships" xmlns:p="http://schemas.openxmlformats.org/presentationml/2006/main" type="blank">
   <p:cSld name="Blank">
     <p:spTree>
       <p:nvGrpSpPr>
-        <p:cNvPr id="21" name="Shape 21"/>
+        <p:cNvPr id="1" name="Shape 21"/>
         <p:cNvGrpSpPr/>
         <p:nvPr/>
       </p:nvGrpSpPr>
       <p:grpSpPr>
         <a:xfrm>
-          <a:off y="0" x="0"/>
-          <a:ext cy="0" cx="0"/>
-          <a:chOff y="0" x="0"/>
-          <a:chExt cy="0" cx="0"/>
+          <a:off x="0" y="0"/>
+          <a:ext cx="0" cy="0"/>
+          <a:chOff x="0" y="0"/>
+          <a:chExt cx="0" cy="0"/>
         </a:xfrm>
       </p:grpSpPr>
     </p:spTree>
@@ -2067,7 +3116,7 @@
 </file>
 
 <file path=ppt/slideMasters/slideMaster1.xml><?xml version="1.0" encoding="utf-8"?>
-<p:sldMaster xmlns:a="http://schemas.openxmlformats.org/drawingml/2006/main" xmlns:r="http://schemas.openxmlformats.org/officeDocument/2006/relationships" xmlns:mc="http://schemas.openxmlformats.org/markup-compatibility/2006" xmlns:mv="urn:schemas-microsoft-com:mac:vml" xmlns:p="http://schemas.openxmlformats.org/presentationml/2006/main" xmlns:c="http://schemas.openxmlformats.org/drawingml/2006/chart" xmlns:dgm="http://schemas.openxmlformats.org/drawingml/2006/diagram" xmlns:o="urn:schemas-microsoft-com:office:office" xmlns:v="urn:schemas-microsoft-com:vml" xmlns:pvml="urn:schemas-microsoft-com:office:powerpoint" xmlns:com="http://schemas.openxmlformats.org/drawingml/2006/compatibility" xmlns:p14="http://schemas.microsoft.com/office/powerpoint/2010/main">
+<p:sldMaster xmlns:a="http://schemas.openxmlformats.org/drawingml/2006/main" xmlns:r="http://schemas.openxmlformats.org/officeDocument/2006/relationships" xmlns:p="http://schemas.openxmlformats.org/presentationml/2006/main">
   <p:cSld>
     <p:bg>
       <p:bgPr>
@@ -2084,45 +3133,48 @@
             </a:gs>
           </a:gsLst>
           <a:path path="circle">
-            <a:fillToRect t="50%" b="50%" r="50%" l="50%"/>
+            <a:fillToRect l="50000" t="50000" r="50000" b="50000"/>
           </a:path>
           <a:tileRect/>
         </a:gradFill>
+        <a:effectLst/>
       </p:bgPr>
     </p:bg>
     <p:spTree>
       <p:nvGrpSpPr>
-        <p:cNvPr id="4" name="Shape 4"/>
+        <p:cNvPr id="1" name="Shape 4"/>
         <p:cNvGrpSpPr/>
         <p:nvPr/>
       </p:nvGrpSpPr>
       <p:grpSpPr>
         <a:xfrm>
-          <a:off y="0" x="0"/>
-          <a:ext cy="0" cx="0"/>
-          <a:chOff y="0" x="0"/>
-          <a:chExt cy="0" cx="0"/>
+          <a:off x="0" y="0"/>
+          <a:ext cx="0" cy="0"/>
+          <a:chOff x="0" y="0"/>
+          <a:chExt cx="0" cy="0"/>
         </a:xfrm>
       </p:grpSpPr>
       <p:sp>
         <p:nvSpPr>
           <p:cNvPr id="5" name="Shape 5"/>
-          <p:cNvSpPr txBox="1"/>
+          <p:cNvSpPr txBox="1">
+            <a:spLocks noGrp="1"/>
+          </p:cNvSpPr>
           <p:nvPr>
             <p:ph type="title"/>
           </p:nvPr>
         </p:nvSpPr>
         <p:spPr>
           <a:xfrm>
-            <a:off y="205978" x="457200"/>
-            <a:ext cy="857400" cx="8229600"/>
-          </a:xfrm>
-          <a:prstGeom prst="rect">
-            <a:avLst/>
-          </a:prstGeom>
-        </p:spPr>
-        <p:txBody>
-          <a:bodyPr bIns="91425" rIns="91425" lIns="91425" tIns="91425" anchor="b" anchorCtr="0"/>
+            <a:off x="457200" y="205978"/>
+            <a:ext cx="8229600" cy="857400"/>
+          </a:xfrm>
+          <a:prstGeom prst="rect">
+            <a:avLst/>
+          </a:prstGeom>
+        </p:spPr>
+        <p:txBody>
+          <a:bodyPr lIns="91425" tIns="91425" rIns="91425" bIns="91425" anchor="b" anchorCtr="0"/>
           <a:lstStyle>
             <a:lvl1pPr marL="0">
               <a:buClr>
@@ -2130,189 +3182,193 @@
               </a:buClr>
               <a:buSzPct val="100000"/>
               <a:buNone/>
-              <a:defRPr b="1" sz="3600">
+              <a:defRPr sz="3600" b="1">
                 <a:solidFill>
                   <a:schemeClr val="dk1"/>
                 </a:solidFill>
               </a:defRPr>
             </a:lvl1pPr>
-            <a:lvl2pPr indent="228600" marL="0">
+            <a:lvl2pPr marL="0" indent="228600">
               <a:buClr>
                 <a:schemeClr val="dk1"/>
               </a:buClr>
               <a:buSzPct val="100000"/>
               <a:buNone/>
-              <a:defRPr b="1" sz="3600">
+              <a:defRPr sz="3600" b="1">
                 <a:solidFill>
                   <a:schemeClr val="dk1"/>
                 </a:solidFill>
               </a:defRPr>
             </a:lvl2pPr>
-            <a:lvl3pPr indent="228600" marL="0">
+            <a:lvl3pPr marL="0" indent="228600">
               <a:buClr>
                 <a:schemeClr val="dk1"/>
               </a:buClr>
               <a:buSzPct val="100000"/>
               <a:buNone/>
-              <a:defRPr b="1" sz="3600">
+              <a:defRPr sz="3600" b="1">
                 <a:solidFill>
                   <a:schemeClr val="dk1"/>
                 </a:solidFill>
               </a:defRPr>
             </a:lvl3pPr>
-            <a:lvl4pPr indent="228600" marL="0">
+            <a:lvl4pPr marL="0" indent="228600">
               <a:buClr>
                 <a:schemeClr val="dk1"/>
               </a:buClr>
               <a:buSzPct val="100000"/>
               <a:buNone/>
-              <a:defRPr b="1" sz="3600">
+              <a:defRPr sz="3600" b="1">
                 <a:solidFill>
                   <a:schemeClr val="dk1"/>
                 </a:solidFill>
               </a:defRPr>
             </a:lvl4pPr>
-            <a:lvl5pPr indent="228600" marL="0">
+            <a:lvl5pPr marL="0" indent="228600">
               <a:buClr>
                 <a:schemeClr val="dk1"/>
               </a:buClr>
               <a:buSzPct val="100000"/>
               <a:buNone/>
-              <a:defRPr b="1" sz="3600">
+              <a:defRPr sz="3600" b="1">
                 <a:solidFill>
                   <a:schemeClr val="dk1"/>
                 </a:solidFill>
               </a:defRPr>
             </a:lvl5pPr>
-            <a:lvl6pPr indent="228600" marL="0">
+            <a:lvl6pPr marL="0" indent="228600">
               <a:buClr>
                 <a:schemeClr val="dk1"/>
               </a:buClr>
               <a:buSzPct val="100000"/>
               <a:buNone/>
-              <a:defRPr b="1" sz="3600">
+              <a:defRPr sz="3600" b="1">
                 <a:solidFill>
                   <a:schemeClr val="dk1"/>
                 </a:solidFill>
               </a:defRPr>
             </a:lvl6pPr>
-            <a:lvl7pPr indent="228600" marL="0">
+            <a:lvl7pPr marL="0" indent="228600">
               <a:buClr>
                 <a:schemeClr val="dk1"/>
               </a:buClr>
               <a:buSzPct val="100000"/>
               <a:buNone/>
-              <a:defRPr b="1" sz="3600">
+              <a:defRPr sz="3600" b="1">
                 <a:solidFill>
                   <a:schemeClr val="dk1"/>
                 </a:solidFill>
               </a:defRPr>
             </a:lvl7pPr>
-            <a:lvl8pPr indent="228600" marL="0">
+            <a:lvl8pPr marL="0" indent="228600">
               <a:buClr>
                 <a:schemeClr val="dk1"/>
               </a:buClr>
               <a:buSzPct val="100000"/>
               <a:buNone/>
-              <a:defRPr b="1" sz="3600">
+              <a:defRPr sz="3600" b="1">
                 <a:solidFill>
                   <a:schemeClr val="dk1"/>
                 </a:solidFill>
               </a:defRPr>
             </a:lvl8pPr>
-            <a:lvl9pPr indent="228600" marL="0">
+            <a:lvl9pPr marL="0" indent="228600">
               <a:buClr>
                 <a:schemeClr val="dk1"/>
               </a:buClr>
               <a:buSzPct val="100000"/>
               <a:buNone/>
-              <a:defRPr b="1" sz="3600">
+              <a:defRPr sz="3600" b="1">
                 <a:solidFill>
                   <a:schemeClr val="dk1"/>
                 </a:solidFill>
               </a:defRPr>
             </a:lvl9pPr>
           </a:lstStyle>
-          <a:p/>
+          <a:p>
+            <a:endParaRPr/>
+          </a:p>
         </p:txBody>
       </p:sp>
       <p:sp>
         <p:nvSpPr>
           <p:cNvPr id="6" name="Shape 6"/>
-          <p:cNvSpPr txBox="1"/>
+          <p:cNvSpPr txBox="1">
+            <a:spLocks noGrp="1"/>
+          </p:cNvSpPr>
           <p:nvPr>
-            <p:ph idx="1" type="body"/>
+            <p:ph type="body" idx="1"/>
           </p:nvPr>
         </p:nvSpPr>
         <p:spPr>
           <a:xfrm>
-            <a:off y="1200150" x="457200"/>
-            <a:ext cy="3725699" cx="8229600"/>
-          </a:xfrm>
-          <a:prstGeom prst="rect">
-            <a:avLst/>
-          </a:prstGeom>
-        </p:spPr>
-        <p:txBody>
-          <a:bodyPr bIns="91425" rIns="91425" lIns="91425" tIns="91425" anchor="t" anchorCtr="0"/>
+            <a:off x="457200" y="1200150"/>
+            <a:ext cx="8229600" cy="3725699"/>
+          </a:xfrm>
+          <a:prstGeom prst="rect">
+            <a:avLst/>
+          </a:prstGeom>
+        </p:spPr>
+        <p:txBody>
+          <a:bodyPr lIns="91425" tIns="91425" rIns="91425" bIns="91425" anchor="t" anchorCtr="0"/>
           <a:lstStyle>
-            <a:lvl1pPr indent="-152400" marL="342900">
+            <a:lvl1pPr marL="342900" indent="-152400">
               <a:spcBef>
                 <a:spcPts val="600"/>
               </a:spcBef>
               <a:buSzPct val="100000"/>
               <a:defRPr sz="3000"/>
             </a:lvl1pPr>
-            <a:lvl2pPr indent="-133350" marL="742950">
+            <a:lvl2pPr marL="742950" indent="-133350">
               <a:spcBef>
                 <a:spcPts val="480"/>
               </a:spcBef>
               <a:buSzPct val="100000"/>
               <a:defRPr sz="2400"/>
             </a:lvl2pPr>
-            <a:lvl3pPr indent="-76200" marL="1143000">
+            <a:lvl3pPr marL="1143000" indent="-76200">
               <a:spcBef>
                 <a:spcPts val="480"/>
               </a:spcBef>
               <a:buSzPct val="100000"/>
               <a:defRPr sz="2400"/>
             </a:lvl3pPr>
-            <a:lvl4pPr indent="-114300" marL="1600200">
+            <a:lvl4pPr marL="1600200" indent="-114300">
               <a:spcBef>
                 <a:spcPts val="360"/>
               </a:spcBef>
               <a:buSzPct val="100000"/>
               <a:defRPr sz="1800"/>
             </a:lvl4pPr>
-            <a:lvl5pPr indent="-114300" marL="2057400">
+            <a:lvl5pPr marL="2057400" indent="-114300">
               <a:spcBef>
                 <a:spcPts val="360"/>
               </a:spcBef>
               <a:buSzPct val="100000"/>
               <a:defRPr sz="1800"/>
             </a:lvl5pPr>
-            <a:lvl6pPr indent="-114300" marL="2514600">
+            <a:lvl6pPr marL="2514600" indent="-114300">
               <a:spcBef>
                 <a:spcPts val="360"/>
               </a:spcBef>
               <a:buSzPct val="100000"/>
               <a:defRPr sz="1800"/>
             </a:lvl6pPr>
-            <a:lvl7pPr indent="-114300" marL="2971800">
+            <a:lvl7pPr marL="2971800" indent="-114300">
               <a:spcBef>
                 <a:spcPts val="360"/>
               </a:spcBef>
               <a:buSzPct val="100000"/>
               <a:defRPr sz="1800"/>
             </a:lvl7pPr>
-            <a:lvl8pPr indent="-114300" marL="3429000">
+            <a:lvl8pPr marL="3429000" indent="-114300">
               <a:spcBef>
                 <a:spcPts val="360"/>
               </a:spcBef>
               <a:buSzPct val="100000"/>
               <a:defRPr sz="1800"/>
             </a:lvl8pPr>
-            <a:lvl9pPr indent="-114300" marL="3886200">
+            <a:lvl9pPr marL="3886200" indent="-114300">
               <a:spcBef>
                 <a:spcPts val="360"/>
               </a:spcBef>
@@ -2320,12 +3376,14 @@
               <a:defRPr sz="1800"/>
             </a:lvl9pPr>
           </a:lstStyle>
-          <a:p/>
+          <a:p>
+            <a:endParaRPr/>
+          </a:p>
         </p:txBody>
       </p:sp>
     </p:spTree>
   </p:cSld>
-  <p:clrMap accent2="accent2" accent3="accent3" accent4="accent4" accent5="accent5" accent6="accent6" hlink="hlink" tx2="lt2" tx1="dk1" bg2="dk2" bg1="lt1" folHlink="folHlink" accent1="accent1"/>
+  <p:clrMap bg1="lt1" tx1="dk1" bg2="dk2" tx2="lt2" accent1="accent1" accent2="accent2" accent3="accent3" accent4="accent4" accent5="accent5" accent6="accent6" hlink="hlink" folHlink="folHlink"/>
   <p:sldLayoutIdLst>
     <p:sldLayoutId id="2147483648" r:id="rId1"/>
     <p:sldLayoutId id="2147483649" r:id="rId2"/>
@@ -2336,7 +3394,7 @@
   </p:sldLayoutIdLst>
   <p:txStyles>
     <p:titleStyle>
-      <a:defPPr algn="l" rtl="0" marR="0">
+      <a:defPPr marR="0" algn="l" rtl="0">
         <a:lnSpc>
           <a:spcPct val="100000"/>
         </a:lnSpc>
@@ -2347,7 +3405,7 @@
           <a:spcPts val="0"/>
         </a:spcAft>
       </a:defPPr>
-      <a:lvl1pPr algn="l" rtl="0" marR="0">
+      <a:lvl1pPr marR="0" algn="l" rtl="0">
         <a:lnSpc>
           <a:spcPct val="100000"/>
         </a:lnSpc>
@@ -2358,7 +3416,7 @@
           <a:spcPts val="0"/>
         </a:spcAft>
         <a:buNone/>
-        <a:defRPr strike="noStrike" u="none" b="0" cap="none" baseline="0" sz="1400" i="0">
+        <a:defRPr sz="1400" b="0" i="0" u="none" strike="noStrike" cap="none" baseline="0">
           <a:solidFill>
             <a:srgbClr val="000000"/>
           </a:solidFill>
@@ -2369,7 +3427,7 @@
           <a:rtl val="0"/>
         </a:defRPr>
       </a:lvl1pPr>
-      <a:lvl2pPr algn="l" rtl="0" marR="0">
+      <a:lvl2pPr marR="0" algn="l" rtl="0">
         <a:lnSpc>
           <a:spcPct val="100000"/>
         </a:lnSpc>
@@ -2380,7 +3438,7 @@
           <a:spcPts val="0"/>
         </a:spcAft>
         <a:buNone/>
-        <a:defRPr strike="noStrike" u="none" b="0" cap="none" baseline="0" sz="1400" i="0">
+        <a:defRPr sz="1400" b="0" i="0" u="none" strike="noStrike" cap="none" baseline="0">
           <a:solidFill>
             <a:srgbClr val="000000"/>
           </a:solidFill>
@@ -2393,7 +3451,7 @@
       </a:lvl2pPr>
     </p:titleStyle>
     <p:bodyStyle>
-      <a:defPPr algn="l" rtl="0" marR="0">
+      <a:defPPr marR="0" algn="l" rtl="0">
         <a:lnSpc>
           <a:spcPct val="100000"/>
         </a:lnSpc>
@@ -2404,7 +3462,7 @@
           <a:spcPts val="0"/>
         </a:spcAft>
       </a:defPPr>
-      <a:lvl1pPr algn="l" rtl="0" marR="0">
+      <a:lvl1pPr marR="0" algn="l" rtl="0">
         <a:lnSpc>
           <a:spcPct val="100000"/>
         </a:lnSpc>
@@ -2415,7 +3473,7 @@
           <a:spcPts val="0"/>
         </a:spcAft>
         <a:buNone/>
-        <a:defRPr strike="noStrike" u="none" b="0" cap="none" baseline="0" sz="1400" i="0">
+        <a:defRPr sz="1400" b="0" i="0" u="none" strike="noStrike" cap="none" baseline="0">
           <a:solidFill>
             <a:srgbClr val="000000"/>
           </a:solidFill>
@@ -2426,7 +3484,7 @@
           <a:rtl val="0"/>
         </a:defRPr>
       </a:lvl1pPr>
-      <a:lvl2pPr algn="l" rtl="0" marR="0">
+      <a:lvl2pPr marR="0" algn="l" rtl="0">
         <a:lnSpc>
           <a:spcPct val="100000"/>
         </a:lnSpc>
@@ -2437,7 +3495,7 @@
           <a:spcPts val="0"/>
         </a:spcAft>
         <a:buNone/>
-        <a:defRPr strike="noStrike" u="none" b="0" cap="none" baseline="0" sz="1400" i="0">
+        <a:defRPr sz="1400" b="0" i="0" u="none" strike="noStrike" cap="none" baseline="0">
           <a:solidFill>
             <a:srgbClr val="000000"/>
           </a:solidFill>
@@ -2448,7 +3506,7 @@
           <a:rtl val="0"/>
         </a:defRPr>
       </a:lvl2pPr>
-      <a:lvl3pPr algn="l" rtl="0" marR="0">
+      <a:lvl3pPr marR="0" algn="l" rtl="0">
         <a:lnSpc>
           <a:spcPct val="100000"/>
         </a:lnSpc>
@@ -2459,7 +3517,7 @@
           <a:spcPts val="0"/>
         </a:spcAft>
         <a:buNone/>
-        <a:defRPr strike="noStrike" u="none" b="0" cap="none" baseline="0" sz="1400" i="0">
+        <a:defRPr sz="1400" b="0" i="0" u="none" strike="noStrike" cap="none" baseline="0">
           <a:solidFill>
             <a:srgbClr val="000000"/>
           </a:solidFill>
@@ -2470,7 +3528,7 @@
           <a:rtl val="0"/>
         </a:defRPr>
       </a:lvl3pPr>
-      <a:lvl4pPr algn="l" rtl="0" marR="0">
+      <a:lvl4pPr marR="0" algn="l" rtl="0">
         <a:lnSpc>
           <a:spcPct val="100000"/>
         </a:lnSpc>
@@ -2481,7 +3539,7 @@
           <a:spcPts val="0"/>
         </a:spcAft>
         <a:buNone/>
-        <a:defRPr strike="noStrike" u="none" b="0" cap="none" baseline="0" sz="1400" i="0">
+        <a:defRPr sz="1400" b="0" i="0" u="none" strike="noStrike" cap="none" baseline="0">
           <a:solidFill>
             <a:srgbClr val="000000"/>
           </a:solidFill>
@@ -2492,7 +3550,7 @@
           <a:rtl val="0"/>
         </a:defRPr>
       </a:lvl4pPr>
-      <a:lvl5pPr algn="l" rtl="0" marR="0">
+      <a:lvl5pPr marR="0" algn="l" rtl="0">
         <a:lnSpc>
           <a:spcPct val="100000"/>
         </a:lnSpc>
@@ -2503,7 +3561,7 @@
           <a:spcPts val="0"/>
         </a:spcAft>
         <a:buNone/>
-        <a:defRPr strike="noStrike" u="none" b="0" cap="none" baseline="0" sz="1400" i="0">
+        <a:defRPr sz="1400" b="0" i="0" u="none" strike="noStrike" cap="none" baseline="0">
           <a:solidFill>
             <a:srgbClr val="000000"/>
           </a:solidFill>
@@ -2514,7 +3572,7 @@
           <a:rtl val="0"/>
         </a:defRPr>
       </a:lvl5pPr>
-      <a:lvl6pPr algn="l" rtl="0" marR="0">
+      <a:lvl6pPr marR="0" algn="l" rtl="0">
         <a:lnSpc>
           <a:spcPct val="100000"/>
         </a:lnSpc>
@@ -2525,7 +3583,7 @@
           <a:spcPts val="0"/>
         </a:spcAft>
         <a:buNone/>
-        <a:defRPr strike="noStrike" u="none" b="0" cap="none" baseline="0" sz="1400" i="0">
+        <a:defRPr sz="1400" b="0" i="0" u="none" strike="noStrike" cap="none" baseline="0">
           <a:solidFill>
             <a:srgbClr val="000000"/>
           </a:solidFill>
@@ -2536,7 +3594,7 @@
           <a:rtl val="0"/>
         </a:defRPr>
       </a:lvl6pPr>
-      <a:lvl7pPr algn="l" rtl="0" marR="0">
+      <a:lvl7pPr marR="0" algn="l" rtl="0">
         <a:lnSpc>
           <a:spcPct val="100000"/>
         </a:lnSpc>
@@ -2547,7 +3605,7 @@
           <a:spcPts val="0"/>
         </a:spcAft>
         <a:buNone/>
-        <a:defRPr strike="noStrike" u="none" b="0" cap="none" baseline="0" sz="1400" i="0">
+        <a:defRPr sz="1400" b="0" i="0" u="none" strike="noStrike" cap="none" baseline="0">
           <a:solidFill>
             <a:srgbClr val="000000"/>
           </a:solidFill>
@@ -2558,7 +3616,7 @@
           <a:rtl val="0"/>
         </a:defRPr>
       </a:lvl7pPr>
-      <a:lvl8pPr algn="l" rtl="0" marR="0">
+      <a:lvl8pPr marR="0" algn="l" rtl="0">
         <a:lnSpc>
           <a:spcPct val="100000"/>
         </a:lnSpc>
@@ -2569,7 +3627,7 @@
           <a:spcPts val="0"/>
         </a:spcAft>
         <a:buNone/>
-        <a:defRPr strike="noStrike" u="none" b="0" cap="none" baseline="0" sz="1400" i="0">
+        <a:defRPr sz="1400" b="0" i="0" u="none" strike="noStrike" cap="none" baseline="0">
           <a:solidFill>
             <a:srgbClr val="000000"/>
           </a:solidFill>
@@ -2580,7 +3638,7 @@
           <a:rtl val="0"/>
         </a:defRPr>
       </a:lvl8pPr>
-      <a:lvl9pPr algn="l" rtl="0" marR="0">
+      <a:lvl9pPr marR="0" algn="l" rtl="0">
         <a:lnSpc>
           <a:spcPct val="100000"/>
         </a:lnSpc>
@@ -2591,7 +3649,7 @@
           <a:spcPts val="0"/>
         </a:spcAft>
         <a:buNone/>
-        <a:defRPr strike="noStrike" u="none" b="0" cap="none" baseline="0" sz="1400" i="0">
+        <a:defRPr sz="1400" b="0" i="0" u="none" strike="noStrike" cap="none" baseline="0">
           <a:solidFill>
             <a:srgbClr val="000000"/>
           </a:solidFill>
@@ -2604,7 +3662,7 @@
       </a:lvl9pPr>
     </p:bodyStyle>
     <p:otherStyle>
-      <a:defPPr algn="l" rtl="0" marR="0">
+      <a:defPPr marR="0" algn="l" rtl="0">
         <a:lnSpc>
           <a:spcPct val="100000"/>
         </a:lnSpc>
@@ -2615,7 +3673,7 @@
           <a:spcPts val="0"/>
         </a:spcAft>
       </a:defPPr>
-      <a:lvl1pPr algn="l" rtl="0" marR="0">
+      <a:lvl1pPr marR="0" algn="l" rtl="0">
         <a:lnSpc>
           <a:spcPct val="100000"/>
         </a:lnSpc>
@@ -2626,7 +3684,7 @@
           <a:spcPts val="0"/>
         </a:spcAft>
         <a:buNone/>
-        <a:defRPr strike="noStrike" u="none" b="0" cap="none" baseline="0" sz="1400" i="0">
+        <a:defRPr sz="1400" b="0" i="0" u="none" strike="noStrike" cap="none" baseline="0">
           <a:solidFill>
             <a:srgbClr val="000000"/>
           </a:solidFill>
@@ -2637,7 +3695,7 @@
           <a:rtl val="0"/>
         </a:defRPr>
       </a:lvl1pPr>
-      <a:lvl2pPr algn="l" rtl="0" marR="0">
+      <a:lvl2pPr marR="0" algn="l" rtl="0">
         <a:lnSpc>
           <a:spcPct val="100000"/>
         </a:lnSpc>
@@ -2648,7 +3706,7 @@
           <a:spcPts val="0"/>
         </a:spcAft>
         <a:buNone/>
-        <a:defRPr strike="noStrike" u="none" b="0" cap="none" baseline="0" sz="1400" i="0">
+        <a:defRPr sz="1400" b="0" i="0" u="none" strike="noStrike" cap="none" baseline="0">
           <a:solidFill>
             <a:srgbClr val="000000"/>
           </a:solidFill>
@@ -2659,7 +3717,7 @@
           <a:rtl val="0"/>
         </a:defRPr>
       </a:lvl2pPr>
-      <a:lvl3pPr algn="l" rtl="0" marR="0">
+      <a:lvl3pPr marR="0" algn="l" rtl="0">
         <a:lnSpc>
           <a:spcPct val="100000"/>
         </a:lnSpc>
@@ -2670,7 +3728,7 @@
           <a:spcPts val="0"/>
         </a:spcAft>
         <a:buNone/>
-        <a:defRPr strike="noStrike" u="none" b="0" cap="none" baseline="0" sz="1400" i="0">
+        <a:defRPr sz="1400" b="0" i="0" u="none" strike="noStrike" cap="none" baseline="0">
           <a:solidFill>
             <a:srgbClr val="000000"/>
           </a:solidFill>
@@ -2681,7 +3739,7 @@
           <a:rtl val="0"/>
         </a:defRPr>
       </a:lvl3pPr>
-      <a:lvl4pPr algn="l" rtl="0" marR="0">
+      <a:lvl4pPr marR="0" algn="l" rtl="0">
         <a:lnSpc>
           <a:spcPct val="100000"/>
         </a:lnSpc>
@@ -2692,7 +3750,7 @@
           <a:spcPts val="0"/>
         </a:spcAft>
         <a:buNone/>
-        <a:defRPr strike="noStrike" u="none" b="0" cap="none" baseline="0" sz="1400" i="0">
+        <a:defRPr sz="1400" b="0" i="0" u="none" strike="noStrike" cap="none" baseline="0">
           <a:solidFill>
             <a:srgbClr val="000000"/>
           </a:solidFill>
@@ -2703,7 +3761,7 @@
           <a:rtl val="0"/>
         </a:defRPr>
       </a:lvl4pPr>
-      <a:lvl5pPr algn="l" rtl="0" marR="0">
+      <a:lvl5pPr marR="0" algn="l" rtl="0">
         <a:lnSpc>
           <a:spcPct val="100000"/>
         </a:lnSpc>
@@ -2714,7 +3772,7 @@
           <a:spcPts val="0"/>
         </a:spcAft>
         <a:buNone/>
-        <a:defRPr strike="noStrike" u="none" b="0" cap="none" baseline="0" sz="1400" i="0">
+        <a:defRPr sz="1400" b="0" i="0" u="none" strike="noStrike" cap="none" baseline="0">
           <a:solidFill>
             <a:srgbClr val="000000"/>
           </a:solidFill>
@@ -2725,7 +3783,7 @@
           <a:rtl val="0"/>
         </a:defRPr>
       </a:lvl5pPr>
-      <a:lvl6pPr algn="l" rtl="0" marR="0">
+      <a:lvl6pPr marR="0" algn="l" rtl="0">
         <a:lnSpc>
           <a:spcPct val="100000"/>
         </a:lnSpc>
@@ -2736,7 +3794,7 @@
           <a:spcPts val="0"/>
         </a:spcAft>
         <a:buNone/>
-        <a:defRPr strike="noStrike" u="none" b="0" cap="none" baseline="0" sz="1400" i="0">
+        <a:defRPr sz="1400" b="0" i="0" u="none" strike="noStrike" cap="none" baseline="0">
           <a:solidFill>
             <a:srgbClr val="000000"/>
           </a:solidFill>
@@ -2747,7 +3805,7 @@
           <a:rtl val="0"/>
         </a:defRPr>
       </a:lvl6pPr>
-      <a:lvl7pPr algn="l" rtl="0" marR="0">
+      <a:lvl7pPr marR="0" algn="l" rtl="0">
         <a:lnSpc>
           <a:spcPct val="100000"/>
         </a:lnSpc>
@@ -2758,7 +3816,7 @@
           <a:spcPts val="0"/>
         </a:spcAft>
         <a:buNone/>
-        <a:defRPr strike="noStrike" u="none" b="0" cap="none" baseline="0" sz="1400" i="0">
+        <a:defRPr sz="1400" b="0" i="0" u="none" strike="noStrike" cap="none" baseline="0">
           <a:solidFill>
             <a:srgbClr val="000000"/>
           </a:solidFill>
@@ -2769,7 +3827,7 @@
           <a:rtl val="0"/>
         </a:defRPr>
       </a:lvl7pPr>
-      <a:lvl8pPr algn="l" rtl="0" marR="0">
+      <a:lvl8pPr marR="0" algn="l" rtl="0">
         <a:lnSpc>
           <a:spcPct val="100000"/>
         </a:lnSpc>
@@ -2780,7 +3838,7 @@
           <a:spcPts val="0"/>
         </a:spcAft>
         <a:buNone/>
-        <a:defRPr strike="noStrike" u="none" b="0" cap="none" baseline="0" sz="1400" i="0">
+        <a:defRPr sz="1400" b="0" i="0" u="none" strike="noStrike" cap="none" baseline="0">
           <a:solidFill>
             <a:srgbClr val="000000"/>
           </a:solidFill>
@@ -2791,7 +3849,7 @@
           <a:rtl val="0"/>
         </a:defRPr>
       </a:lvl8pPr>
-      <a:lvl9pPr algn="l" rtl="0" marR="0">
+      <a:lvl9pPr marR="0" algn="l" rtl="0">
         <a:lnSpc>
           <a:spcPct val="100000"/>
         </a:lnSpc>
@@ -2802,7 +3860,7 @@
           <a:spcPts val="0"/>
         </a:spcAft>
         <a:buNone/>
-        <a:defRPr strike="noStrike" u="none" b="0" cap="none" baseline="0" sz="1400" i="0">
+        <a:defRPr sz="1400" b="0" i="0" u="none" strike="noStrike" cap="none" baseline="0">
           <a:solidFill>
             <a:srgbClr val="000000"/>
           </a:solidFill>
@@ -2819,46 +3877,48 @@
 </file>
 
 <file path=ppt/slides/slide1.xml><?xml version="1.0" encoding="utf-8"?>
-<p:sld xmlns:a="http://schemas.openxmlformats.org/drawingml/2006/main" xmlns:r="http://schemas.openxmlformats.org/officeDocument/2006/relationships" xmlns:mc="http://schemas.openxmlformats.org/markup-compatibility/2006" xmlns:mv="urn:schemas-microsoft-com:mac:vml" xmlns:p="http://schemas.openxmlformats.org/presentationml/2006/main" xmlns:c="http://schemas.openxmlformats.org/drawingml/2006/chart" xmlns:dgm="http://schemas.openxmlformats.org/drawingml/2006/diagram" xmlns:o="urn:schemas-microsoft-com:office:office" xmlns:v="urn:schemas-microsoft-com:vml" xmlns:pvml="urn:schemas-microsoft-com:office:powerpoint" xmlns:com="http://schemas.openxmlformats.org/drawingml/2006/compatibility" xmlns:p14="http://schemas.microsoft.com/office/powerpoint/2010/main">
+<p:sld xmlns:a="http://schemas.openxmlformats.org/drawingml/2006/main" xmlns:r="http://schemas.openxmlformats.org/officeDocument/2006/relationships" xmlns:p="http://schemas.openxmlformats.org/presentationml/2006/main">
   <p:cSld>
     <p:spTree>
       <p:nvGrpSpPr>
-        <p:cNvPr id="22" name="Shape 22"/>
+        <p:cNvPr id="1" name="Shape 22"/>
         <p:cNvGrpSpPr/>
         <p:nvPr/>
       </p:nvGrpSpPr>
       <p:grpSpPr>
         <a:xfrm>
-          <a:off y="0" x="0"/>
-          <a:ext cy="0" cx="0"/>
-          <a:chOff y="0" x="0"/>
-          <a:chExt cy="0" cx="0"/>
+          <a:off x="0" y="0"/>
+          <a:ext cx="0" cy="0"/>
+          <a:chOff x="0" y="0"/>
+          <a:chExt cx="0" cy="0"/>
         </a:xfrm>
       </p:grpSpPr>
       <p:sp>
         <p:nvSpPr>
           <p:cNvPr id="23" name="Shape 23"/>
-          <p:cNvSpPr txBox="1"/>
+          <p:cNvSpPr txBox="1">
+            <a:spLocks noGrp="1"/>
+          </p:cNvSpPr>
           <p:nvPr>
             <p:ph type="ctrTitle"/>
           </p:nvPr>
         </p:nvSpPr>
         <p:spPr>
           <a:xfrm>
-            <a:off y="1583342" x="685800"/>
-            <a:ext cy="1159856" cx="7772400"/>
-          </a:xfrm>
-          <a:prstGeom prst="rect">
-            <a:avLst/>
-          </a:prstGeom>
-        </p:spPr>
-        <p:txBody>
-          <a:bodyPr bIns="91425" rIns="91425" lIns="91425" tIns="91425" anchor="b" anchorCtr="0">
-            <a:noAutofit/>
-          </a:bodyPr>
-          <a:lstStyle/>
-          <a:p>
-            <a:pPr rtl="0" lvl="0">
+            <a:off x="685800" y="1583342"/>
+            <a:ext cx="7772400" cy="1159856"/>
+          </a:xfrm>
+          <a:prstGeom prst="rect">
+            <a:avLst/>
+          </a:prstGeom>
+        </p:spPr>
+        <p:txBody>
+          <a:bodyPr lIns="91425" tIns="91425" rIns="91425" bIns="91425" anchor="b" anchorCtr="0">
+            <a:noAutofit/>
+          </a:bodyPr>
+          <a:lstStyle/>
+          <a:p>
+            <a:pPr lvl="0" rtl="0">
               <a:buNone/>
             </a:pPr>
             <a:r>
@@ -2871,7 +3931,7 @@
               <a:buNone/>
             </a:pPr>
             <a:r>
-              <a:rPr sz="3000" lang="en" i="1">
+              <a:rPr lang="en" sz="3000" i="1">
                 <a:solidFill>
                   <a:srgbClr val="666666"/>
                 </a:solidFill>
@@ -2884,39 +3944,41 @@
       <p:sp>
         <p:nvSpPr>
           <p:cNvPr id="24" name="Shape 24"/>
-          <p:cNvSpPr txBox="1"/>
+          <p:cNvSpPr txBox="1">
+            <a:spLocks noGrp="1"/>
+          </p:cNvSpPr>
           <p:nvPr>
-            <p:ph idx="1" type="subTitle"/>
+            <p:ph type="subTitle" idx="1"/>
           </p:nvPr>
         </p:nvSpPr>
         <p:spPr>
           <a:xfrm>
-            <a:off y="3255624" x="633625"/>
-            <a:ext cy="1159799" cx="7772400"/>
-          </a:xfrm>
-          <a:prstGeom prst="rect">
-            <a:avLst/>
-          </a:prstGeom>
-        </p:spPr>
-        <p:txBody>
-          <a:bodyPr bIns="91425" rIns="91425" lIns="91425" tIns="91425" anchor="t" anchorCtr="0">
-            <a:noAutofit/>
-          </a:bodyPr>
-          <a:lstStyle/>
-          <a:p>
-            <a:pPr rtl="0" lvl="0">
-              <a:buNone/>
-            </a:pPr>
-            <a:r>
-              <a:rPr u="sng" sz="1800" lang="en">
+            <a:off x="633625" y="3255624"/>
+            <a:ext cx="7772400" cy="1159799"/>
+          </a:xfrm>
+          <a:prstGeom prst="rect">
+            <a:avLst/>
+          </a:prstGeom>
+        </p:spPr>
+        <p:txBody>
+          <a:bodyPr lIns="91425" tIns="91425" rIns="91425" bIns="91425" anchor="t" anchorCtr="0">
+            <a:noAutofit/>
+          </a:bodyPr>
+          <a:lstStyle/>
+          <a:p>
+            <a:pPr lvl="0" rtl="0">
+              <a:buNone/>
+            </a:pPr>
+            <a:r>
+              <a:rPr lang="en" sz="1800" u="sng">
                 <a:solidFill>
                   <a:schemeClr val="dk1"/>
                 </a:solidFill>
               </a:rPr>
-              <a:t>Group 3</a:t>
-            </a:r>
-            <a:r>
-              <a:rPr sz="1800" lang="en">
+              <a:t>Final Project: Group 3</a:t>
+            </a:r>
+            <a:r>
+              <a:rPr lang="en" sz="1800">
                 <a:solidFill>
                   <a:schemeClr val="dk1"/>
                 </a:solidFill>
@@ -2925,11 +3987,11 @@
             </a:r>
           </a:p>
           <a:p>
-            <a:pPr rtl="0" lvl="0">
-              <a:buNone/>
-            </a:pPr>
-            <a:r>
-              <a:rPr sz="1800" lang="en">
+            <a:pPr lvl="0" rtl="0">
+              <a:buNone/>
+            </a:pPr>
+            <a:r>
+              <a:rPr lang="en" sz="1800">
                 <a:solidFill>
                   <a:schemeClr val="dk1"/>
                 </a:solidFill>
@@ -2938,11 +4000,11 @@
             </a:r>
           </a:p>
           <a:p>
-            <a:pPr rtl="0" lvl="0">
-              <a:buNone/>
-            </a:pPr>
-            <a:r>
-              <a:rPr sz="1800" lang="en">
+            <a:pPr lvl="0" rtl="0">
+              <a:buNone/>
+            </a:pPr>
+            <a:r>
+              <a:rPr lang="en" sz="1800">
                 <a:solidFill>
                   <a:schemeClr val="dk1"/>
                 </a:solidFill>
@@ -2951,11 +4013,11 @@
             </a:r>
           </a:p>
           <a:p>
-            <a:pPr rtl="0" lvl="0">
-              <a:buNone/>
-            </a:pPr>
-            <a:r>
-              <a:rPr sz="1800" lang="en">
+            <a:pPr lvl="0" rtl="0">
+              <a:buNone/>
+            </a:pPr>
+            <a:r>
+              <a:rPr lang="en" sz="1800">
                 <a:solidFill>
                   <a:schemeClr val="dk1"/>
                 </a:solidFill>
@@ -2964,11 +4026,11 @@
             </a:r>
           </a:p>
           <a:p>
-            <a:pPr rtl="0" lvl="0">
-              <a:buNone/>
-            </a:pPr>
-            <a:r>
-              <a:rPr sz="1800" lang="en">
+            <a:pPr lvl="0" rtl="0">
+              <a:buNone/>
+            </a:pPr>
+            <a:r>
+              <a:rPr lang="en" sz="1800">
                 <a:solidFill>
                   <a:schemeClr val="dk1"/>
                 </a:solidFill>
@@ -2983,53 +4045,55 @@
   <p:clrMapOvr>
     <a:masterClrMapping/>
   </p:clrMapOvr>
-  <p:transition spd="slow">
+  <p:transition xmlns:p14="http://schemas.microsoft.com/office/powerpoint/2010/main" spd="slow">
     <p:cut/>
   </p:transition>
 </p:sld>
 </file>
 
 <file path=ppt/slides/slide10.xml><?xml version="1.0" encoding="utf-8"?>
-<p:sld xmlns:a="http://schemas.openxmlformats.org/drawingml/2006/main" xmlns:r="http://schemas.openxmlformats.org/officeDocument/2006/relationships" xmlns:mc="http://schemas.openxmlformats.org/markup-compatibility/2006" xmlns:mv="urn:schemas-microsoft-com:mac:vml" xmlns:p="http://schemas.openxmlformats.org/presentationml/2006/main" xmlns:c="http://schemas.openxmlformats.org/drawingml/2006/chart" xmlns:dgm="http://schemas.openxmlformats.org/drawingml/2006/diagram" xmlns:o="urn:schemas-microsoft-com:office:office" xmlns:v="urn:schemas-microsoft-com:vml" xmlns:pvml="urn:schemas-microsoft-com:office:powerpoint" xmlns:com="http://schemas.openxmlformats.org/drawingml/2006/compatibility" xmlns:p14="http://schemas.microsoft.com/office/powerpoint/2010/main">
+<p:sld xmlns:a="http://schemas.openxmlformats.org/drawingml/2006/main" xmlns:r="http://schemas.openxmlformats.org/officeDocument/2006/relationships" xmlns:p="http://schemas.openxmlformats.org/presentationml/2006/main">
   <p:cSld>
     <p:spTree>
       <p:nvGrpSpPr>
-        <p:cNvPr id="117" name="Shape 117"/>
+        <p:cNvPr id="1" name="Shape 117"/>
         <p:cNvGrpSpPr/>
         <p:nvPr/>
       </p:nvGrpSpPr>
       <p:grpSpPr>
         <a:xfrm>
-          <a:off y="0" x="0"/>
-          <a:ext cy="0" cx="0"/>
-          <a:chOff y="0" x="0"/>
-          <a:chExt cy="0" cx="0"/>
+          <a:off x="0" y="0"/>
+          <a:ext cx="0" cy="0"/>
+          <a:chOff x="0" y="0"/>
+          <a:chExt cx="0" cy="0"/>
         </a:xfrm>
       </p:grpSpPr>
       <p:sp>
         <p:nvSpPr>
           <p:cNvPr id="118" name="Shape 118"/>
-          <p:cNvSpPr txBox="1"/>
+          <p:cNvSpPr txBox="1">
+            <a:spLocks noGrp="1"/>
+          </p:cNvSpPr>
           <p:nvPr>
             <p:ph type="title"/>
           </p:nvPr>
         </p:nvSpPr>
         <p:spPr>
           <a:xfrm>
-            <a:off y="205978" x="457200"/>
-            <a:ext cy="857400" cx="8229600"/>
-          </a:xfrm>
-          <a:prstGeom prst="rect">
-            <a:avLst/>
-          </a:prstGeom>
-        </p:spPr>
-        <p:txBody>
-          <a:bodyPr bIns="91425" rIns="91425" lIns="91425" tIns="91425" anchor="b" anchorCtr="0">
-            <a:noAutofit/>
-          </a:bodyPr>
-          <a:lstStyle/>
-          <a:p>
-            <a:pPr rtl="0" lvl="0">
+            <a:off x="457200" y="205978"/>
+            <a:ext cx="8229600" cy="857400"/>
+          </a:xfrm>
+          <a:prstGeom prst="rect">
+            <a:avLst/>
+          </a:prstGeom>
+        </p:spPr>
+        <p:txBody>
+          <a:bodyPr lIns="91425" tIns="91425" rIns="91425" bIns="91425" anchor="b" anchorCtr="0">
+            <a:noAutofit/>
+          </a:bodyPr>
+          <a:lstStyle/>
+          <a:p>
+            <a:pPr lvl="0" rtl="0">
               <a:buNone/>
             </a:pPr>
             <a:r>
@@ -3047,8 +4111,8 @@
         </p:nvSpPr>
         <p:spPr>
           <a:xfrm>
-            <a:off y="1420004" x="1883875"/>
-            <a:ext cy="795300" cx="2707499"/>
+            <a:off x="1731475" y="1420004"/>
+            <a:ext cx="2707499" cy="795300"/>
           </a:xfrm>
           <a:prstGeom prst="rect">
             <a:avLst/>
@@ -3058,16 +4122,16 @@
           </a:solidFill>
         </p:spPr>
         <p:txBody>
-          <a:bodyPr bIns="91425" rIns="91425" lIns="91425" tIns="91425" anchor="ctr" anchorCtr="0">
-            <a:noAutofit/>
-          </a:bodyPr>
-          <a:lstStyle/>
-          <a:p>
-            <a:pPr algn="ctr" rtl="0" lvl="0">
-              <a:buNone/>
-            </a:pPr>
-            <a:r>
-              <a:rPr b="1" lang="en"/>
+          <a:bodyPr lIns="91425" tIns="91425" rIns="91425" bIns="91425" anchor="ctr" anchorCtr="0">
+            <a:noAutofit/>
+          </a:bodyPr>
+          <a:lstStyle/>
+          <a:p>
+            <a:pPr lvl="0" algn="ctr" rtl="0">
+              <a:buNone/>
+            </a:pPr>
+            <a:r>
+              <a:rPr lang="en" b="1"/>
               <a:t>Function: Number of active employees</a:t>
             </a:r>
           </a:p>
@@ -3081,8 +4145,8 @@
         </p:nvSpPr>
         <p:spPr>
           <a:xfrm>
-            <a:off y="1420004" x="4803475"/>
-            <a:ext cy="795300" cx="2707499"/>
+            <a:off x="4651075" y="1420004"/>
+            <a:ext cx="2707499" cy="795300"/>
           </a:xfrm>
           <a:prstGeom prst="rect">
             <a:avLst/>
@@ -3092,17 +4156,60 @@
           </a:solidFill>
         </p:spPr>
         <p:txBody>
-          <a:bodyPr bIns="91425" rIns="91425" lIns="91425" tIns="91425" anchor="ctr" anchorCtr="0">
-            <a:noAutofit/>
-          </a:bodyPr>
-          <a:lstStyle/>
-          <a:p>
-            <a:pPr algn="ctr" rtl="0" lvl="0">
-              <a:buNone/>
-            </a:pPr>
-            <a:r>
-              <a:rPr b="1" lang="en"/>
+          <a:bodyPr lIns="91425" tIns="91425" rIns="91425" bIns="91425" anchor="ctr" anchorCtr="0">
+            <a:noAutofit/>
+          </a:bodyPr>
+          <a:lstStyle/>
+          <a:p>
+            <a:pPr lvl="0" algn="ctr" rtl="0">
+              <a:buNone/>
+            </a:pPr>
+            <a:r>
+              <a:rPr lang="en" b="1"/>
               <a:t>Report: The project manager assignments</a:t>
+            </a:r>
+          </a:p>
+        </p:txBody>
+      </p:sp>
+      <p:sp>
+        <p:nvSpPr>
+          <p:cNvPr id="121" name="Shape 121"/>
+          <p:cNvSpPr/>
+          <p:nvPr/>
+        </p:nvSpPr>
+        <p:spPr>
+          <a:xfrm>
+            <a:off x="1731475" y="2571925"/>
+            <a:ext cx="5627099" cy="933900"/>
+          </a:xfrm>
+          <a:prstGeom prst="rect">
+            <a:avLst/>
+          </a:prstGeom>
+          <a:solidFill>
+            <a:srgbClr val="FFFFFF"/>
+          </a:solidFill>
+          <a:ln w="28575" cap="flat">
+            <a:solidFill>
+              <a:srgbClr val="F6B26B"/>
+            </a:solidFill>
+            <a:prstDash val="solid"/>
+            <a:round/>
+            <a:headEnd type="none" w="med" len="med"/>
+            <a:tailEnd type="none" w="med" len="med"/>
+          </a:ln>
+        </p:spPr>
+        <p:txBody>
+          <a:bodyPr lIns="91425" tIns="91425" rIns="91425" bIns="91425" anchor="ctr" anchorCtr="0">
+            <a:noAutofit/>
+          </a:bodyPr>
+          <a:lstStyle/>
+          <a:p>
+            <a:pPr lvl="0" rtl="0">
+              <a:buNone/>
+            </a:pPr>
+            <a:r>
+              <a:rPr lang="en" sz="1800"/>
+              <a:t>The default access for the database owner.</a:t>
             </a:r>
           </a:p>
         </p:txBody>
@@ -3112,53 +4219,55 @@
   <p:clrMapOvr>
     <a:masterClrMapping/>
   </p:clrMapOvr>
-  <p:transition spd="slow">
+  <p:transition xmlns:p14="http://schemas.microsoft.com/office/powerpoint/2010/main" spd="slow">
     <p:cut/>
   </p:transition>
 </p:sld>
 </file>
 
 <file path=ppt/slides/slide11.xml><?xml version="1.0" encoding="utf-8"?>
-<p:sld xmlns:a="http://schemas.openxmlformats.org/drawingml/2006/main" xmlns:r="http://schemas.openxmlformats.org/officeDocument/2006/relationships" xmlns:mc="http://schemas.openxmlformats.org/markup-compatibility/2006" xmlns:mv="urn:schemas-microsoft-com:mac:vml" xmlns:p="http://schemas.openxmlformats.org/presentationml/2006/main" xmlns:c="http://schemas.openxmlformats.org/drawingml/2006/chart" xmlns:dgm="http://schemas.openxmlformats.org/drawingml/2006/diagram" xmlns:o="urn:schemas-microsoft-com:office:office" xmlns:v="urn:schemas-microsoft-com:vml" xmlns:pvml="urn:schemas-microsoft-com:office:powerpoint" xmlns:com="http://schemas.openxmlformats.org/drawingml/2006/compatibility" xmlns:p14="http://schemas.microsoft.com/office/powerpoint/2010/main">
+<p:sld xmlns:a="http://schemas.openxmlformats.org/drawingml/2006/main" xmlns:r="http://schemas.openxmlformats.org/officeDocument/2006/relationships" xmlns:p="http://schemas.openxmlformats.org/presentationml/2006/main">
   <p:cSld>
     <p:spTree>
       <p:nvGrpSpPr>
-        <p:cNvPr id="124" name="Shape 124"/>
+        <p:cNvPr id="1" name="Shape 125"/>
         <p:cNvGrpSpPr/>
         <p:nvPr/>
       </p:nvGrpSpPr>
       <p:grpSpPr>
         <a:xfrm>
-          <a:off y="0" x="0"/>
-          <a:ext cy="0" cx="0"/>
-          <a:chOff y="0" x="0"/>
-          <a:chExt cy="0" cx="0"/>
+          <a:off x="0" y="0"/>
+          <a:ext cx="0" cy="0"/>
+          <a:chOff x="0" y="0"/>
+          <a:chExt cx="0" cy="0"/>
         </a:xfrm>
       </p:grpSpPr>
       <p:sp>
         <p:nvSpPr>
-          <p:cNvPr id="125" name="Shape 125"/>
-          <p:cNvSpPr txBox="1"/>
+          <p:cNvPr id="126" name="Shape 126"/>
+          <p:cNvSpPr txBox="1">
+            <a:spLocks noGrp="1"/>
+          </p:cNvSpPr>
           <p:nvPr>
             <p:ph type="title"/>
           </p:nvPr>
         </p:nvSpPr>
         <p:spPr>
           <a:xfrm>
-            <a:off y="205978" x="457200"/>
-            <a:ext cy="857400" cx="8229600"/>
-          </a:xfrm>
-          <a:prstGeom prst="rect">
-            <a:avLst/>
-          </a:prstGeom>
-        </p:spPr>
-        <p:txBody>
-          <a:bodyPr bIns="91425" rIns="91425" lIns="91425" tIns="91425" anchor="b" anchorCtr="0">
-            <a:noAutofit/>
-          </a:bodyPr>
-          <a:lstStyle/>
-          <a:p>
-            <a:pPr rtl="0" lvl="0">
+            <a:off x="457200" y="205978"/>
+            <a:ext cx="8229600" cy="857400"/>
+          </a:xfrm>
+          <a:prstGeom prst="rect">
+            <a:avLst/>
+          </a:prstGeom>
+        </p:spPr>
+        <p:txBody>
+          <a:bodyPr lIns="91425" tIns="91425" rIns="91425" bIns="91425" anchor="b" anchorCtr="0">
+            <a:noAutofit/>
+          </a:bodyPr>
+          <a:lstStyle/>
+          <a:p>
+            <a:pPr lvl="0" rtl="0">
               <a:buNone/>
             </a:pPr>
             <a:r>
@@ -3170,14 +4279,14 @@
       </p:sp>
       <p:sp>
         <p:nvSpPr>
-          <p:cNvPr id="126" name="Shape 126"/>
+          <p:cNvPr id="127" name="Shape 127"/>
           <p:cNvSpPr txBox="1"/>
           <p:nvPr/>
         </p:nvSpPr>
         <p:spPr>
           <a:xfrm>
-            <a:off y="1420004" x="1579075"/>
-            <a:ext cy="795300" cx="2707499"/>
+            <a:off x="1731475" y="1420004"/>
+            <a:ext cx="2707499" cy="795300"/>
           </a:xfrm>
           <a:prstGeom prst="rect">
             <a:avLst/>
@@ -3187,16 +4296,16 @@
           </a:solidFill>
         </p:spPr>
         <p:txBody>
-          <a:bodyPr bIns="91425" rIns="91425" lIns="91425" tIns="91425" anchor="ctr" anchorCtr="0">
-            <a:noAutofit/>
-          </a:bodyPr>
-          <a:lstStyle/>
-          <a:p>
-            <a:pPr algn="ctr" rtl="0" lvl="0">
-              <a:buNone/>
-            </a:pPr>
-            <a:r>
-              <a:rPr b="1" lang="en"/>
+          <a:bodyPr lIns="91425" tIns="91425" rIns="91425" bIns="91425" anchor="ctr" anchorCtr="0">
+            <a:noAutofit/>
+          </a:bodyPr>
+          <a:lstStyle/>
+          <a:p>
+            <a:pPr lvl="0" algn="ctr" rtl="0">
+              <a:buNone/>
+            </a:pPr>
+            <a:r>
+              <a:rPr lang="en" b="1"/>
               <a:t>View: All empty lots</a:t>
             </a:r>
           </a:p>
@@ -3204,14 +4313,14 @@
       </p:sp>
       <p:sp>
         <p:nvSpPr>
-          <p:cNvPr id="127" name="Shape 127"/>
+          <p:cNvPr id="128" name="Shape 128"/>
           <p:cNvSpPr txBox="1"/>
           <p:nvPr/>
         </p:nvSpPr>
         <p:spPr>
           <a:xfrm>
-            <a:off y="1420004" x="4498675"/>
-            <a:ext cy="795300" cx="2707499"/>
+            <a:off x="4651075" y="1420004"/>
+            <a:ext cx="2707499" cy="795300"/>
           </a:xfrm>
           <a:prstGeom prst="rect">
             <a:avLst/>
@@ -3221,17 +4330,60 @@
           </a:solidFill>
         </p:spPr>
         <p:txBody>
-          <a:bodyPr bIns="91425" rIns="91425" lIns="91425" tIns="91425" anchor="ctr" anchorCtr="0">
-            <a:noAutofit/>
-          </a:bodyPr>
-          <a:lstStyle/>
-          <a:p>
-            <a:pPr algn="ctr" rtl="0" lvl="0">
-              <a:buNone/>
-            </a:pPr>
-            <a:r>
-              <a:rPr b="1" lang="en"/>
-              <a:t>Package: How many sales each sales agent has </a:t>
+          <a:bodyPr lIns="91425" tIns="91425" rIns="91425" bIns="91425" anchor="ctr" anchorCtr="0">
+            <a:noAutofit/>
+          </a:bodyPr>
+          <a:lstStyle/>
+          <a:p>
+            <a:pPr lvl="0" algn="ctr" rtl="0">
+              <a:buNone/>
+            </a:pPr>
+            <a:r>
+              <a:rPr lang="en" b="1"/>
+              <a:t>Package: List the sales record of each sales agent </a:t>
+            </a:r>
+          </a:p>
+        </p:txBody>
+      </p:sp>
+      <p:sp>
+        <p:nvSpPr>
+          <p:cNvPr id="129" name="Shape 129"/>
+          <p:cNvSpPr/>
+          <p:nvPr/>
+        </p:nvSpPr>
+        <p:spPr>
+          <a:xfrm>
+            <a:off x="1731475" y="2571925"/>
+            <a:ext cx="5627099" cy="1403999"/>
+          </a:xfrm>
+          <a:prstGeom prst="rect">
+            <a:avLst/>
+          </a:prstGeom>
+          <a:solidFill>
+            <a:srgbClr val="FFFFFF"/>
+          </a:solidFill>
+          <a:ln w="28575" cap="flat">
+            <a:solidFill>
+              <a:srgbClr val="C27BA0"/>
+            </a:solidFill>
+            <a:prstDash val="solid"/>
+            <a:round/>
+            <a:headEnd type="none" w="med" len="med"/>
+            <a:tailEnd type="none" w="med" len="med"/>
+          </a:ln>
+        </p:spPr>
+        <p:txBody>
+          <a:bodyPr lIns="91425" tIns="91425" rIns="91425" bIns="91425" anchor="ctr" anchorCtr="0">
+            <a:noAutofit/>
+          </a:bodyPr>
+          <a:lstStyle/>
+          <a:p>
+            <a:pPr>
+              <a:buNone/>
+            </a:pPr>
+            <a:r>
+              <a:rPr lang="en" sz="1800"/>
+              <a:t>Enforced using a ‘sales_agent’ database role. This role is designed to provide access to sales-related tables, views, and objects. </a:t>
             </a:r>
           </a:p>
         </p:txBody>
@@ -3241,53 +4393,55 @@
   <p:clrMapOvr>
     <a:masterClrMapping/>
   </p:clrMapOvr>
-  <p:transition spd="slow">
+  <p:transition xmlns:p14="http://schemas.microsoft.com/office/powerpoint/2010/main" spd="slow">
     <p:cut/>
   </p:transition>
 </p:sld>
 </file>
 
 <file path=ppt/slides/slide12.xml><?xml version="1.0" encoding="utf-8"?>
-<p:sld xmlns:a="http://schemas.openxmlformats.org/drawingml/2006/main" xmlns:r="http://schemas.openxmlformats.org/officeDocument/2006/relationships" xmlns:mc="http://schemas.openxmlformats.org/markup-compatibility/2006" xmlns:mv="urn:schemas-microsoft-com:mac:vml" xmlns:p="http://schemas.openxmlformats.org/presentationml/2006/main" xmlns:c="http://schemas.openxmlformats.org/drawingml/2006/chart" xmlns:dgm="http://schemas.openxmlformats.org/drawingml/2006/diagram" xmlns:o="urn:schemas-microsoft-com:office:office" xmlns:v="urn:schemas-microsoft-com:vml" xmlns:pvml="urn:schemas-microsoft-com:office:powerpoint" xmlns:com="http://schemas.openxmlformats.org/drawingml/2006/compatibility" xmlns:p14="http://schemas.microsoft.com/office/powerpoint/2010/main">
+<p:sld xmlns:a="http://schemas.openxmlformats.org/drawingml/2006/main" xmlns:r="http://schemas.openxmlformats.org/officeDocument/2006/relationships" xmlns:p="http://schemas.openxmlformats.org/presentationml/2006/main">
   <p:cSld>
     <p:spTree>
       <p:nvGrpSpPr>
-        <p:cNvPr id="131" name="Shape 131"/>
+        <p:cNvPr id="1" name="Shape 133"/>
         <p:cNvGrpSpPr/>
         <p:nvPr/>
       </p:nvGrpSpPr>
       <p:grpSpPr>
         <a:xfrm>
-          <a:off y="0" x="0"/>
-          <a:ext cy="0" cx="0"/>
-          <a:chOff y="0" x="0"/>
-          <a:chExt cy="0" cx="0"/>
+          <a:off x="0" y="0"/>
+          <a:ext cx="0" cy="0"/>
+          <a:chOff x="0" y="0"/>
+          <a:chExt cx="0" cy="0"/>
         </a:xfrm>
       </p:grpSpPr>
       <p:sp>
         <p:nvSpPr>
-          <p:cNvPr id="132" name="Shape 132"/>
-          <p:cNvSpPr txBox="1"/>
+          <p:cNvPr id="134" name="Shape 134"/>
+          <p:cNvSpPr txBox="1">
+            <a:spLocks noGrp="1"/>
+          </p:cNvSpPr>
           <p:nvPr>
             <p:ph type="title"/>
           </p:nvPr>
         </p:nvSpPr>
         <p:spPr>
           <a:xfrm>
-            <a:off y="205978" x="457200"/>
-            <a:ext cy="857400" cx="8229600"/>
-          </a:xfrm>
-          <a:prstGeom prst="rect">
-            <a:avLst/>
-          </a:prstGeom>
-        </p:spPr>
-        <p:txBody>
-          <a:bodyPr bIns="91425" rIns="91425" lIns="91425" tIns="91425" anchor="b" anchorCtr="0">
-            <a:noAutofit/>
-          </a:bodyPr>
-          <a:lstStyle/>
-          <a:p>
-            <a:pPr rtl="0" lvl="0">
+            <a:off x="457200" y="205978"/>
+            <a:ext cx="8229600" cy="857400"/>
+          </a:xfrm>
+          <a:prstGeom prst="rect">
+            <a:avLst/>
+          </a:prstGeom>
+        </p:spPr>
+        <p:txBody>
+          <a:bodyPr lIns="91425" tIns="91425" rIns="91425" bIns="91425" anchor="b" anchorCtr="0">
+            <a:noAutofit/>
+          </a:bodyPr>
+          <a:lstStyle/>
+          <a:p>
+            <a:pPr lvl="0" rtl="0">
               <a:buNone/>
             </a:pPr>
             <a:r>
@@ -3299,14 +4453,14 @@
       </p:sp>
       <p:sp>
         <p:nvSpPr>
-          <p:cNvPr id="133" name="Shape 133"/>
+          <p:cNvPr id="135" name="Shape 135"/>
           <p:cNvSpPr txBox="1"/>
           <p:nvPr/>
         </p:nvSpPr>
         <p:spPr>
           <a:xfrm>
-            <a:off y="1420004" x="283675"/>
-            <a:ext cy="795300" cx="2707499"/>
+            <a:off x="283675" y="1420004"/>
+            <a:ext cx="2707499" cy="795300"/>
           </a:xfrm>
           <a:prstGeom prst="rect">
             <a:avLst/>
@@ -3316,16 +4470,16 @@
           </a:solidFill>
         </p:spPr>
         <p:txBody>
-          <a:bodyPr bIns="91425" rIns="91425" lIns="91425" tIns="91425" anchor="ctr" anchorCtr="0">
-            <a:noAutofit/>
-          </a:bodyPr>
-          <a:lstStyle/>
-          <a:p>
-            <a:pPr algn="ctr" rtl="0" lvl="0">
-              <a:buNone/>
-            </a:pPr>
-            <a:r>
-              <a:rPr b="1" lang="en"/>
+          <a:bodyPr lIns="91425" tIns="91425" rIns="91425" bIns="91425" anchor="ctr" anchorCtr="0">
+            <a:noAutofit/>
+          </a:bodyPr>
+          <a:lstStyle/>
+          <a:p>
+            <a:pPr lvl="0" algn="ctr" rtl="0">
+              <a:buNone/>
+            </a:pPr>
+            <a:r>
+              <a:rPr lang="en" b="1"/>
               <a:t>Report: The construction project status for a specified house.</a:t>
             </a:r>
           </a:p>
@@ -3333,14 +4487,14 @@
       </p:sp>
       <p:sp>
         <p:nvSpPr>
-          <p:cNvPr id="134" name="Shape 134"/>
+          <p:cNvPr id="136" name="Shape 136"/>
           <p:cNvSpPr txBox="1"/>
           <p:nvPr/>
         </p:nvSpPr>
         <p:spPr>
           <a:xfrm>
-            <a:off y="1420004" x="3203275"/>
-            <a:ext cy="795300" cx="2707499"/>
+            <a:off x="3203275" y="1420004"/>
+            <a:ext cx="2707499" cy="795300"/>
           </a:xfrm>
           <a:prstGeom prst="rect">
             <a:avLst/>
@@ -3350,16 +4504,16 @@
           </a:solidFill>
         </p:spPr>
         <p:txBody>
-          <a:bodyPr bIns="91425" rIns="91425" lIns="91425" tIns="91425" anchor="ctr" anchorCtr="0">
-            <a:noAutofit/>
-          </a:bodyPr>
-          <a:lstStyle/>
-          <a:p>
-            <a:pPr algn="ctr" rtl="0" lvl="0">
-              <a:buNone/>
-            </a:pPr>
-            <a:r>
-              <a:rPr b="1" lang="en"/>
+          <a:bodyPr lIns="91425" tIns="91425" rIns="91425" bIns="91425" anchor="ctr" anchorCtr="0">
+            <a:noAutofit/>
+          </a:bodyPr>
+          <a:lstStyle/>
+          <a:p>
+            <a:pPr lvl="0" algn="ctr" rtl="0">
+              <a:buNone/>
+            </a:pPr>
+            <a:r>
+              <a:rPr lang="en" b="1"/>
               <a:t>View: All houses that are still under construction.</a:t>
             </a:r>
           </a:p>
@@ -3367,14 +4521,14 @@
       </p:sp>
       <p:sp>
         <p:nvSpPr>
-          <p:cNvPr id="135" name="Shape 135"/>
+          <p:cNvPr id="137" name="Shape 137"/>
           <p:cNvSpPr txBox="1"/>
           <p:nvPr/>
         </p:nvSpPr>
         <p:spPr>
           <a:xfrm>
-            <a:off y="1419998" x="6119750"/>
-            <a:ext cy="1000499" cx="2707499"/>
+            <a:off x="6119750" y="1419998"/>
+            <a:ext cx="2707499" cy="1000499"/>
           </a:xfrm>
           <a:prstGeom prst="rect">
             <a:avLst/>
@@ -3384,17 +4538,60 @@
           </a:solidFill>
         </p:spPr>
         <p:txBody>
-          <a:bodyPr bIns="91425" rIns="91425" lIns="91425" tIns="91425" anchor="ctr" anchorCtr="0">
-            <a:noAutofit/>
-          </a:bodyPr>
-          <a:lstStyle/>
-          <a:p>
-            <a:pPr algn="ctr" rtl="0" lvl="0">
-              <a:buNone/>
-            </a:pPr>
-            <a:r>
-              <a:rPr b="1" lang="en"/>
+          <a:bodyPr lIns="91425" tIns="91425" rIns="91425" bIns="91425" anchor="ctr" anchorCtr="0">
+            <a:noAutofit/>
+          </a:bodyPr>
+          <a:lstStyle/>
+          <a:p>
+            <a:pPr lvl="0" algn="ctr" rtl="0">
+              <a:buNone/>
+            </a:pPr>
+            <a:r>
+              <a:rPr lang="en" b="1"/>
               <a:t>Job: Receive automatic updates about which construction projects are ending today.</a:t>
+            </a:r>
+          </a:p>
+        </p:txBody>
+      </p:sp>
+      <p:sp>
+        <p:nvSpPr>
+          <p:cNvPr id="138" name="Shape 138"/>
+          <p:cNvSpPr/>
+          <p:nvPr/>
+        </p:nvSpPr>
+        <p:spPr>
+          <a:xfrm>
+            <a:off x="283675" y="2703125"/>
+            <a:ext cx="8543699" cy="1403999"/>
+          </a:xfrm>
+          <a:prstGeom prst="rect">
+            <a:avLst/>
+          </a:prstGeom>
+          <a:solidFill>
+            <a:srgbClr val="FFFFFF"/>
+          </a:solidFill>
+          <a:ln w="28575" cap="flat">
+            <a:solidFill>
+              <a:srgbClr val="8E7CC3"/>
+            </a:solidFill>
+            <a:prstDash val="solid"/>
+            <a:round/>
+            <a:headEnd type="none" w="med" len="med"/>
+            <a:tailEnd type="none" w="med" len="med"/>
+          </a:ln>
+        </p:spPr>
+        <p:txBody>
+          <a:bodyPr lIns="91425" tIns="91425" rIns="91425" bIns="91425" anchor="ctr" anchorCtr="0">
+            <a:noAutofit/>
+          </a:bodyPr>
+          <a:lstStyle/>
+          <a:p>
+            <a:pPr lvl="0" rtl="0">
+              <a:buNone/>
+            </a:pPr>
+            <a:r>
+              <a:rPr lang="en" sz="1800"/>
+              <a:t>Enforced using a ‘project_manager’ database role. This role is designed to provide access to sales-related tables, views, and objects. </a:t>
             </a:r>
           </a:p>
         </p:txBody>
@@ -3404,57 +4601,1246 @@
   <p:clrMapOvr>
     <a:masterClrMapping/>
   </p:clrMapOvr>
-  <p:transition spd="slow">
+  <p:transition xmlns:p14="http://schemas.microsoft.com/office/powerpoint/2010/main" spd="slow">
+    <p:cut/>
+  </p:transition>
+</p:sld>
+</file>
+
+<file path=ppt/slides/slide13.xml><?xml version="1.0" encoding="utf-8"?>
+<p:sld xmlns:a="http://schemas.openxmlformats.org/drawingml/2006/main" xmlns:r="http://schemas.openxmlformats.org/officeDocument/2006/relationships" xmlns:p="http://schemas.openxmlformats.org/presentationml/2006/main">
+  <p:cSld>
+    <p:spTree>
+      <p:nvGrpSpPr>
+        <p:cNvPr id="1" name="Shape 142"/>
+        <p:cNvGrpSpPr/>
+        <p:nvPr/>
+      </p:nvGrpSpPr>
+      <p:grpSpPr>
+        <a:xfrm>
+          <a:off x="0" y="0"/>
+          <a:ext cx="0" cy="0"/>
+          <a:chOff x="0" y="0"/>
+          <a:chExt cx="0" cy="0"/>
+        </a:xfrm>
+      </p:grpSpPr>
+      <p:sp>
+        <p:nvSpPr>
+          <p:cNvPr id="143" name="Shape 143"/>
+          <p:cNvSpPr txBox="1">
+            <a:spLocks noGrp="1"/>
+          </p:cNvSpPr>
+          <p:nvPr>
+            <p:ph type="title"/>
+          </p:nvPr>
+        </p:nvSpPr>
+        <p:spPr>
+          <a:xfrm>
+            <a:off x="457125" y="359375"/>
+            <a:ext cx="3408599" cy="1263600"/>
+          </a:xfrm>
+          <a:prstGeom prst="rect">
+            <a:avLst/>
+          </a:prstGeom>
+        </p:spPr>
+        <p:txBody>
+          <a:bodyPr lIns="91425" tIns="91425" rIns="91425" bIns="91425" anchor="b" anchorCtr="0">
+            <a:noAutofit/>
+          </a:bodyPr>
+          <a:lstStyle/>
+          <a:p>
+            <a:pPr lvl="0" rtl="0">
+              <a:buNone/>
+            </a:pPr>
+            <a:r>
+              <a:rPr lang="en"/>
+              <a:t>ERD Model </a:t>
+            </a:r>
+          </a:p>
+          <a:p>
+            <a:pPr>
+              <a:buNone/>
+            </a:pPr>
+            <a:r>
+              <a:rPr lang="en"/>
+              <a:t>Overview</a:t>
+            </a:r>
+          </a:p>
+        </p:txBody>
+      </p:sp>
+      <p:sp>
+        <p:nvSpPr>
+          <p:cNvPr id="144" name="Shape 144"/>
+          <p:cNvSpPr/>
+          <p:nvPr/>
+        </p:nvSpPr>
+        <p:spPr>
+          <a:xfrm>
+            <a:off x="3865725" y="359386"/>
+            <a:ext cx="4821075" cy="4424725"/>
+          </a:xfrm>
+          <a:prstGeom prst="rect">
+            <a:avLst/>
+          </a:prstGeom>
+          <a:blipFill>
+            <a:blip r:embed="rId3"/>
+            <a:stretch>
+              <a:fillRect/>
+            </a:stretch>
+          </a:blipFill>
+          <a:ln>
+            <a:noFill/>
+          </a:ln>
+        </p:spPr>
+      </p:sp>
+      <p:sp>
+        <p:nvSpPr>
+          <p:cNvPr id="145" name="Shape 145"/>
+          <p:cNvSpPr txBox="1">
+            <a:spLocks noGrp="1"/>
+          </p:cNvSpPr>
+          <p:nvPr>
+            <p:ph type="title" idx="2"/>
+          </p:nvPr>
+        </p:nvSpPr>
+        <p:spPr>
+          <a:xfrm>
+            <a:off x="457125" y="1721200"/>
+            <a:ext cx="3018300" cy="1631700"/>
+          </a:xfrm>
+          <a:prstGeom prst="rect">
+            <a:avLst/>
+          </a:prstGeom>
+        </p:spPr>
+        <p:txBody>
+          <a:bodyPr lIns="91425" tIns="91425" rIns="91425" bIns="91425" anchor="t" anchorCtr="0">
+            <a:noAutofit/>
+          </a:bodyPr>
+          <a:lstStyle/>
+          <a:p>
+            <a:pPr marL="457200" lvl="0" indent="-342900" rtl="0">
+              <a:buClr>
+                <a:schemeClr val="dk1"/>
+              </a:buClr>
+              <a:buSzPct val="100000"/>
+              <a:buFont typeface="Arial"/>
+              <a:buChar char="●"/>
+            </a:pPr>
+            <a:r>
+              <a:rPr lang="en" sz="1800"/>
+              <a:t>2 instances of denormalization (</a:t>
+            </a:r>
+            <a:r>
+              <a:rPr lang="en" sz="1800" b="0"/>
+              <a:t>Construction worker skills and layout links)</a:t>
+            </a:r>
+          </a:p>
+        </p:txBody>
+      </p:sp>
+    </p:spTree>
+  </p:cSld>
+  <p:clrMapOvr>
+    <a:masterClrMapping/>
+  </p:clrMapOvr>
+  <p:transition xmlns:p14="http://schemas.microsoft.com/office/powerpoint/2010/main" spd="slow">
+    <p:cut/>
+  </p:transition>
+</p:sld>
+</file>
+
+<file path=ppt/slides/slide14.xml><?xml version="1.0" encoding="utf-8"?>
+<p:sld xmlns:a="http://schemas.openxmlformats.org/drawingml/2006/main" xmlns:r="http://schemas.openxmlformats.org/officeDocument/2006/relationships" xmlns:p="http://schemas.openxmlformats.org/presentationml/2006/main">
+  <p:cSld>
+    <p:spTree>
+      <p:nvGrpSpPr>
+        <p:cNvPr id="1" name="Shape 149"/>
+        <p:cNvGrpSpPr/>
+        <p:nvPr/>
+      </p:nvGrpSpPr>
+      <p:grpSpPr>
+        <a:xfrm>
+          <a:off x="0" y="0"/>
+          <a:ext cx="0" cy="0"/>
+          <a:chOff x="0" y="0"/>
+          <a:chExt cx="0" cy="0"/>
+        </a:xfrm>
+      </p:grpSpPr>
+      <p:sp>
+        <p:nvSpPr>
+          <p:cNvPr id="150" name="Shape 150"/>
+          <p:cNvSpPr txBox="1">
+            <a:spLocks noGrp="1"/>
+          </p:cNvSpPr>
+          <p:nvPr>
+            <p:ph type="ctrTitle"/>
+          </p:nvPr>
+        </p:nvSpPr>
+        <p:spPr>
+          <a:xfrm>
+            <a:off x="685800" y="1828502"/>
+            <a:ext cx="7772400" cy="1486499"/>
+          </a:xfrm>
+          <a:prstGeom prst="rect">
+            <a:avLst/>
+          </a:prstGeom>
+        </p:spPr>
+        <p:txBody>
+          <a:bodyPr lIns="91425" tIns="91425" rIns="91425" bIns="91425" anchor="b" anchorCtr="0">
+            <a:noAutofit/>
+          </a:bodyPr>
+          <a:lstStyle/>
+          <a:p>
+            <a:pPr>
+              <a:buNone/>
+            </a:pPr>
+            <a:r>
+              <a:rPr lang="en"/>
+              <a:t>Enforcing Business Rules &amp; Database Constraints</a:t>
+            </a:r>
+          </a:p>
+        </p:txBody>
+      </p:sp>
+    </p:spTree>
+  </p:cSld>
+  <p:clrMapOvr>
+    <a:masterClrMapping/>
+  </p:clrMapOvr>
+  <p:transition xmlns:p14="http://schemas.microsoft.com/office/powerpoint/2010/main" spd="slow">
+    <p:cut/>
+  </p:transition>
+</p:sld>
+</file>
+
+<file path=ppt/slides/slide15.xml><?xml version="1.0" encoding="utf-8"?>
+<p:sld xmlns:a="http://schemas.openxmlformats.org/drawingml/2006/main" xmlns:r="http://schemas.openxmlformats.org/officeDocument/2006/relationships" xmlns:p="http://schemas.openxmlformats.org/presentationml/2006/main">
+  <p:cSld>
+    <p:spTree>
+      <p:nvGrpSpPr>
+        <p:cNvPr id="1" name="Shape 154"/>
+        <p:cNvGrpSpPr/>
+        <p:nvPr/>
+      </p:nvGrpSpPr>
+      <p:grpSpPr>
+        <a:xfrm>
+          <a:off x="0" y="0"/>
+          <a:ext cx="0" cy="0"/>
+          <a:chOff x="0" y="0"/>
+          <a:chExt cx="0" cy="0"/>
+        </a:xfrm>
+      </p:grpSpPr>
+      <p:sp>
+        <p:nvSpPr>
+          <p:cNvPr id="155" name="Shape 155"/>
+          <p:cNvSpPr txBox="1">
+            <a:spLocks noGrp="1"/>
+          </p:cNvSpPr>
+          <p:nvPr>
+            <p:ph type="title"/>
+          </p:nvPr>
+        </p:nvSpPr>
+        <p:spPr>
+          <a:xfrm>
+            <a:off x="457200" y="205978"/>
+            <a:ext cx="8229600" cy="857400"/>
+          </a:xfrm>
+          <a:prstGeom prst="rect">
+            <a:avLst/>
+          </a:prstGeom>
+        </p:spPr>
+        <p:txBody>
+          <a:bodyPr lIns="91425" tIns="91425" rIns="91425" bIns="91425" anchor="b" anchorCtr="0">
+            <a:noAutofit/>
+          </a:bodyPr>
+          <a:lstStyle/>
+          <a:p>
+            <a:pPr>
+              <a:buNone/>
+            </a:pPr>
+            <a:r>
+              <a:rPr lang="en"/>
+              <a:t>Option Triggers</a:t>
+            </a:r>
+          </a:p>
+        </p:txBody>
+      </p:sp>
+      <p:sp>
+        <p:nvSpPr>
+          <p:cNvPr id="156" name="Shape 156"/>
+          <p:cNvSpPr/>
+          <p:nvPr/>
+        </p:nvSpPr>
+        <p:spPr>
+          <a:xfrm>
+            <a:off x="457200" y="1132475"/>
+            <a:ext cx="8229600" cy="701399"/>
+          </a:xfrm>
+          <a:prstGeom prst="rect">
+            <a:avLst/>
+          </a:prstGeom>
+          <a:solidFill>
+            <a:schemeClr val="accent4"/>
+          </a:solidFill>
+          <a:ln>
+            <a:noFill/>
+          </a:ln>
+        </p:spPr>
+        <p:txBody>
+          <a:bodyPr lIns="91425" tIns="91425" rIns="91425" bIns="91425" anchor="ctr" anchorCtr="0">
+            <a:noAutofit/>
+          </a:bodyPr>
+          <a:lstStyle/>
+          <a:p>
+            <a:pPr>
+              <a:buNone/>
+            </a:pPr>
+            <a:r>
+              <a:rPr lang="en" sz="2000"/>
+              <a:t>Enforce timing for “Option Selection”</a:t>
+            </a:r>
+          </a:p>
+        </p:txBody>
+      </p:sp>
+      <p:sp>
+        <p:nvSpPr>
+          <p:cNvPr id="157" name="Shape 157"/>
+          <p:cNvSpPr/>
+          <p:nvPr/>
+        </p:nvSpPr>
+        <p:spPr>
+          <a:xfrm>
+            <a:off x="457200" y="1987250"/>
+            <a:ext cx="3926399" cy="2842199"/>
+          </a:xfrm>
+          <a:prstGeom prst="rect">
+            <a:avLst/>
+          </a:prstGeom>
+          <a:solidFill>
+            <a:srgbClr val="FFFFFF"/>
+          </a:solidFill>
+          <a:ln w="19050" cap="flat">
+            <a:solidFill>
+              <a:srgbClr val="45818E"/>
+            </a:solidFill>
+            <a:prstDash val="solid"/>
+            <a:round/>
+            <a:headEnd type="none" w="med" len="med"/>
+            <a:tailEnd type="none" w="med" len="med"/>
+          </a:ln>
+        </p:spPr>
+        <p:txBody>
+          <a:bodyPr lIns="91425" tIns="91425" rIns="91425" bIns="91425" anchor="t" anchorCtr="0">
+            <a:noAutofit/>
+          </a:bodyPr>
+          <a:lstStyle/>
+          <a:p>
+            <a:pPr lvl="0" rtl="0">
+              <a:buNone/>
+            </a:pPr>
+            <a:r>
+              <a:rPr lang="en" sz="1800" b="1"/>
+              <a:t>Trigger 1</a:t>
+            </a:r>
+          </a:p>
+          <a:p>
+            <a:pPr marL="457200" lvl="0" indent="-342900" rtl="0">
+              <a:buClr>
+                <a:srgbClr val="000000"/>
+              </a:buClr>
+              <a:buSzPct val="100000"/>
+              <a:buFont typeface="Arial"/>
+              <a:buChar char="●"/>
+            </a:pPr>
+            <a:r>
+              <a:rPr lang="en" sz="1800"/>
+              <a:t>Blocks options that are selected beyond the current construction stage</a:t>
+            </a:r>
+          </a:p>
+          <a:p>
+            <a:pPr marL="457200" lvl="0" indent="-342900" rtl="0">
+              <a:buClr>
+                <a:srgbClr val="000000"/>
+              </a:buClr>
+              <a:buSzPct val="100000"/>
+              <a:buFont typeface="Arial"/>
+              <a:buChar char="●"/>
+            </a:pPr>
+            <a:r>
+              <a:rPr lang="en" sz="1800"/>
+              <a:t>Blocks options that are selected too far behind the current construction stage</a:t>
+            </a:r>
+          </a:p>
+          <a:p>
+            <a:pPr marL="457200" lvl="0" indent="-342900">
+              <a:buClr>
+                <a:srgbClr val="000000"/>
+              </a:buClr>
+              <a:buSzPct val="100000"/>
+              <a:buFont typeface="Arial"/>
+              <a:buChar char="●"/>
+            </a:pPr>
+            <a:r>
+              <a:rPr lang="en" sz="1800"/>
+              <a:t>Only allows options valid for a specified construction stage</a:t>
+            </a:r>
+          </a:p>
+        </p:txBody>
+      </p:sp>
+      <p:sp>
+        <p:nvSpPr>
+          <p:cNvPr id="158" name="Shape 158"/>
+          <p:cNvSpPr/>
+          <p:nvPr/>
+        </p:nvSpPr>
+        <p:spPr>
+          <a:xfrm>
+            <a:off x="4760400" y="1987250"/>
+            <a:ext cx="3926399" cy="2842199"/>
+          </a:xfrm>
+          <a:prstGeom prst="rect">
+            <a:avLst/>
+          </a:prstGeom>
+          <a:solidFill>
+            <a:srgbClr val="FFFFFF"/>
+          </a:solidFill>
+          <a:ln w="19050" cap="flat">
+            <a:solidFill>
+              <a:srgbClr val="45818E"/>
+            </a:solidFill>
+            <a:prstDash val="solid"/>
+            <a:round/>
+            <a:headEnd type="none" w="med" len="med"/>
+            <a:tailEnd type="none" w="med" len="med"/>
+          </a:ln>
+        </p:spPr>
+        <p:txBody>
+          <a:bodyPr lIns="91425" tIns="91425" rIns="91425" bIns="91425" anchor="t" anchorCtr="0">
+            <a:noAutofit/>
+          </a:bodyPr>
+          <a:lstStyle/>
+          <a:p>
+            <a:pPr lvl="0" rtl="0">
+              <a:buNone/>
+            </a:pPr>
+            <a:r>
+              <a:rPr lang="en" sz="1800" b="1"/>
+              <a:t>Trigger 2</a:t>
+            </a:r>
+          </a:p>
+          <a:p>
+            <a:pPr marL="457200" lvl="0" indent="-342900" rtl="0">
+              <a:buClr>
+                <a:srgbClr val="000000"/>
+              </a:buClr>
+              <a:buSzPct val="100000"/>
+              <a:buFont typeface="Arial"/>
+              <a:buChar char="●"/>
+            </a:pPr>
+            <a:r>
+              <a:rPr lang="en" sz="1800"/>
+              <a:t>Sets no price markup on options selected for the appropriate stage</a:t>
+            </a:r>
+          </a:p>
+          <a:p>
+            <a:pPr marL="457200" lvl="0" indent="-342900">
+              <a:buClr>
+                <a:srgbClr val="000000"/>
+              </a:buClr>
+              <a:buSzPct val="100000"/>
+              <a:buFont typeface="Arial"/>
+              <a:buChar char="●"/>
+            </a:pPr>
+            <a:r>
+              <a:rPr lang="en" sz="1800"/>
+              <a:t>Calculates and sets 15% price markup on options selected late (for the previous construction stage)</a:t>
+            </a:r>
+          </a:p>
+        </p:txBody>
+      </p:sp>
+    </p:spTree>
+  </p:cSld>
+  <p:clrMapOvr>
+    <a:masterClrMapping/>
+  </p:clrMapOvr>
+  <p:transition xmlns:p14="http://schemas.microsoft.com/office/powerpoint/2010/main" spd="slow">
+    <p:cut/>
+  </p:transition>
+</p:sld>
+</file>
+
+<file path=ppt/slides/slide16.xml><?xml version="1.0" encoding="utf-8"?>
+<p:sld xmlns:a="http://schemas.openxmlformats.org/drawingml/2006/main" xmlns:r="http://schemas.openxmlformats.org/officeDocument/2006/relationships" xmlns:p="http://schemas.openxmlformats.org/presentationml/2006/main">
+  <p:cSld>
+    <p:spTree>
+      <p:nvGrpSpPr>
+        <p:cNvPr id="1" name="Shape 162"/>
+        <p:cNvGrpSpPr/>
+        <p:nvPr/>
+      </p:nvGrpSpPr>
+      <p:grpSpPr>
+        <a:xfrm>
+          <a:off x="0" y="0"/>
+          <a:ext cx="0" cy="0"/>
+          <a:chOff x="0" y="0"/>
+          <a:chExt cx="0" cy="0"/>
+        </a:xfrm>
+      </p:grpSpPr>
+      <p:sp>
+        <p:nvSpPr>
+          <p:cNvPr id="163" name="Shape 163"/>
+          <p:cNvSpPr txBox="1">
+            <a:spLocks noGrp="1"/>
+          </p:cNvSpPr>
+          <p:nvPr>
+            <p:ph type="title"/>
+          </p:nvPr>
+        </p:nvSpPr>
+        <p:spPr>
+          <a:xfrm>
+            <a:off x="457200" y="205975"/>
+            <a:ext cx="3754800" cy="857400"/>
+          </a:xfrm>
+          <a:prstGeom prst="rect">
+            <a:avLst/>
+          </a:prstGeom>
+        </p:spPr>
+        <p:txBody>
+          <a:bodyPr lIns="91425" tIns="91425" rIns="91425" bIns="91425" anchor="b" anchorCtr="0">
+            <a:noAutofit/>
+          </a:bodyPr>
+          <a:lstStyle/>
+          <a:p>
+            <a:pPr>
+              <a:buNone/>
+            </a:pPr>
+            <a:r>
+              <a:rPr lang="en"/>
+              <a:t>Trigger 1 Result</a:t>
+            </a:r>
+          </a:p>
+        </p:txBody>
+      </p:sp>
+      <p:sp>
+        <p:nvSpPr>
+          <p:cNvPr id="164" name="Shape 164"/>
+          <p:cNvSpPr/>
+          <p:nvPr/>
+        </p:nvSpPr>
+        <p:spPr>
+          <a:xfrm>
+            <a:off x="0" y="1178220"/>
+            <a:ext cx="9143999" cy="687658"/>
+          </a:xfrm>
+          <a:prstGeom prst="rect">
+            <a:avLst/>
+          </a:prstGeom>
+          <a:blipFill>
+            <a:blip r:embed="rId3"/>
+            <a:stretch>
+              <a:fillRect/>
+            </a:stretch>
+          </a:blipFill>
+          <a:ln>
+            <a:noFill/>
+          </a:ln>
+        </p:spPr>
+      </p:sp>
+      <p:sp>
+        <p:nvSpPr>
+          <p:cNvPr id="165" name="Shape 165"/>
+          <p:cNvSpPr txBox="1">
+            <a:spLocks noGrp="1"/>
+          </p:cNvSpPr>
+          <p:nvPr>
+            <p:ph type="title" idx="2"/>
+          </p:nvPr>
+        </p:nvSpPr>
+        <p:spPr>
+          <a:xfrm>
+            <a:off x="457200" y="2143050"/>
+            <a:ext cx="3951599" cy="857400"/>
+          </a:xfrm>
+          <a:prstGeom prst="rect">
+            <a:avLst/>
+          </a:prstGeom>
+        </p:spPr>
+        <p:txBody>
+          <a:bodyPr lIns="91425" tIns="91425" rIns="91425" bIns="91425" anchor="b" anchorCtr="0">
+            <a:noAutofit/>
+          </a:bodyPr>
+          <a:lstStyle/>
+          <a:p>
+            <a:pPr lvl="0" rtl="0">
+              <a:buNone/>
+            </a:pPr>
+            <a:r>
+              <a:rPr lang="en"/>
+              <a:t>Trigger 2 Result</a:t>
+            </a:r>
+          </a:p>
+        </p:txBody>
+      </p:sp>
+      <p:sp>
+        <p:nvSpPr>
+          <p:cNvPr id="166" name="Shape 166"/>
+          <p:cNvSpPr/>
+          <p:nvPr/>
+        </p:nvSpPr>
+        <p:spPr>
+          <a:xfrm>
+            <a:off x="0" y="3119495"/>
+            <a:ext cx="9144000" cy="767758"/>
+          </a:xfrm>
+          <a:prstGeom prst="rect">
+            <a:avLst/>
+          </a:prstGeom>
+          <a:blipFill>
+            <a:blip r:embed="rId4"/>
+            <a:stretch>
+              <a:fillRect/>
+            </a:stretch>
+          </a:blipFill>
+          <a:ln>
+            <a:noFill/>
+          </a:ln>
+        </p:spPr>
+      </p:sp>
+    </p:spTree>
+  </p:cSld>
+  <p:clrMapOvr>
+    <a:masterClrMapping/>
+  </p:clrMapOvr>
+  <p:transition xmlns:p14="http://schemas.microsoft.com/office/powerpoint/2010/main" spd="slow">
+    <p:cut/>
+  </p:transition>
+</p:sld>
+</file>
+
+<file path=ppt/slides/slide17.xml><?xml version="1.0" encoding="utf-8"?>
+<p:sld xmlns:a="http://schemas.openxmlformats.org/drawingml/2006/main" xmlns:r="http://schemas.openxmlformats.org/officeDocument/2006/relationships" xmlns:p="http://schemas.openxmlformats.org/presentationml/2006/main">
+  <p:cSld>
+    <p:spTree>
+      <p:nvGrpSpPr>
+        <p:cNvPr id="1" name="Shape 170"/>
+        <p:cNvGrpSpPr/>
+        <p:nvPr/>
+      </p:nvGrpSpPr>
+      <p:grpSpPr>
+        <a:xfrm>
+          <a:off x="0" y="0"/>
+          <a:ext cx="0" cy="0"/>
+          <a:chOff x="0" y="0"/>
+          <a:chExt cx="0" cy="0"/>
+        </a:xfrm>
+      </p:grpSpPr>
+      <p:sp>
+        <p:nvSpPr>
+          <p:cNvPr id="171" name="Shape 171"/>
+          <p:cNvSpPr txBox="1">
+            <a:spLocks noGrp="1"/>
+          </p:cNvSpPr>
+          <p:nvPr>
+            <p:ph type="title"/>
+          </p:nvPr>
+        </p:nvSpPr>
+        <p:spPr>
+          <a:xfrm>
+            <a:off x="457200" y="205978"/>
+            <a:ext cx="8229600" cy="857400"/>
+          </a:xfrm>
+          <a:prstGeom prst="rect">
+            <a:avLst/>
+          </a:prstGeom>
+        </p:spPr>
+        <p:txBody>
+          <a:bodyPr lIns="91425" tIns="91425" rIns="91425" bIns="91425" anchor="b" anchorCtr="0">
+            <a:noAutofit/>
+          </a:bodyPr>
+          <a:lstStyle/>
+          <a:p>
+            <a:pPr>
+              <a:buNone/>
+            </a:pPr>
+            <a:r>
+              <a:rPr lang="en"/>
+              <a:t>Additional Design Constraints</a:t>
+            </a:r>
+          </a:p>
+        </p:txBody>
+      </p:sp>
+      <p:sp>
+        <p:nvSpPr>
+          <p:cNvPr id="172" name="Shape 172"/>
+          <p:cNvSpPr/>
+          <p:nvPr/>
+        </p:nvSpPr>
+        <p:spPr>
+          <a:xfrm>
+            <a:off x="4712450" y="1285875"/>
+            <a:ext cx="3974400" cy="2428499"/>
+          </a:xfrm>
+          <a:prstGeom prst="rect">
+            <a:avLst/>
+          </a:prstGeom>
+          <a:solidFill>
+            <a:srgbClr val="FFFFFF"/>
+          </a:solidFill>
+          <a:ln w="19050" cap="flat">
+            <a:solidFill>
+              <a:srgbClr val="45818E"/>
+            </a:solidFill>
+            <a:prstDash val="solid"/>
+            <a:round/>
+            <a:headEnd type="none" w="med" len="med"/>
+            <a:tailEnd type="none" w="med" len="med"/>
+          </a:ln>
+        </p:spPr>
+        <p:txBody>
+          <a:bodyPr lIns="91425" tIns="91425" rIns="91425" bIns="91425" anchor="t" anchorCtr="0">
+            <a:noAutofit/>
+          </a:bodyPr>
+          <a:lstStyle/>
+          <a:p>
+            <a:pPr lvl="0" rtl="0">
+              <a:spcBef>
+                <a:spcPts val="600"/>
+              </a:spcBef>
+              <a:buClr>
+                <a:schemeClr val="dk1"/>
+              </a:buClr>
+              <a:buSzPct val="61111"/>
+              <a:buFont typeface="Arial"/>
+              <a:buNone/>
+            </a:pPr>
+            <a:r>
+              <a:rPr lang="en" sz="1800" b="1">
+                <a:solidFill>
+                  <a:schemeClr val="dk1"/>
+                </a:solidFill>
+              </a:rPr>
+              <a:t>‘Run-of-the-mill’ Check Constraints</a:t>
+            </a:r>
+          </a:p>
+          <a:p>
+            <a:pPr marL="457200" lvl="0" indent="-342900" rtl="0">
+              <a:spcBef>
+                <a:spcPts val="600"/>
+              </a:spcBef>
+              <a:buClr>
+                <a:schemeClr val="dk1"/>
+              </a:buClr>
+              <a:buSzPct val="166666"/>
+              <a:buFont typeface="Arial"/>
+              <a:buChar char="•"/>
+            </a:pPr>
+            <a:r>
+              <a:rPr lang="en" sz="1800">
+                <a:solidFill>
+                  <a:schemeClr val="dk1"/>
+                </a:solidFill>
+              </a:rPr>
+              <a:t>Validate email address format</a:t>
+            </a:r>
+          </a:p>
+          <a:p>
+            <a:pPr marL="457200" lvl="0" indent="-342900" rtl="0">
+              <a:spcBef>
+                <a:spcPts val="600"/>
+              </a:spcBef>
+              <a:buClr>
+                <a:schemeClr val="dk1"/>
+              </a:buClr>
+              <a:buSzPct val="166666"/>
+              <a:buFont typeface="Arial"/>
+              <a:buChar char="•"/>
+            </a:pPr>
+            <a:r>
+              <a:rPr lang="en" sz="1800">
+                <a:solidFill>
+                  <a:schemeClr val="dk1"/>
+                </a:solidFill>
+              </a:rPr>
+              <a:t>Validate address components</a:t>
+            </a:r>
+          </a:p>
+          <a:p>
+            <a:pPr marL="457200" lvl="0" indent="-342900" rtl="0">
+              <a:spcBef>
+                <a:spcPts val="600"/>
+              </a:spcBef>
+              <a:buClr>
+                <a:schemeClr val="dk1"/>
+              </a:buClr>
+              <a:buSzPct val="166666"/>
+              <a:buFont typeface="Arial"/>
+              <a:buChar char="•"/>
+            </a:pPr>
+            <a:r>
+              <a:rPr lang="en" sz="1800">
+                <a:solidFill>
+                  <a:schemeClr val="dk1"/>
+                </a:solidFill>
+              </a:rPr>
+              <a:t>Validate option category</a:t>
+            </a:r>
+          </a:p>
+          <a:p>
+            <a:pPr marL="457200" lvl="0" indent="-342900" rtl="0">
+              <a:spcBef>
+                <a:spcPts val="600"/>
+              </a:spcBef>
+              <a:buClr>
+                <a:schemeClr val="dk1"/>
+              </a:buClr>
+              <a:buSzPct val="166666"/>
+              <a:buFont typeface="Arial"/>
+              <a:buChar char="•"/>
+            </a:pPr>
+            <a:r>
+              <a:rPr lang="en" sz="1800">
+                <a:solidFill>
+                  <a:schemeClr val="dk1"/>
+                </a:solidFill>
+              </a:rPr>
+              <a:t>Validate room types</a:t>
+            </a:r>
+          </a:p>
+          <a:p>
+            <a:pPr marL="457200" lvl="0" indent="-342900" rtl="0">
+              <a:spcBef>
+                <a:spcPts val="600"/>
+              </a:spcBef>
+              <a:buClr>
+                <a:schemeClr val="dk1"/>
+              </a:buClr>
+              <a:buSzPct val="166666"/>
+              <a:buFont typeface="Arial"/>
+              <a:buChar char="•"/>
+            </a:pPr>
+            <a:r>
+              <a:rPr lang="en" sz="1800">
+                <a:solidFill>
+                  <a:schemeClr val="dk1"/>
+                </a:solidFill>
+              </a:rPr>
+              <a:t>Boolean fields</a:t>
+            </a:r>
+          </a:p>
+          <a:p>
+            <a:endParaRPr lang="en" sz="1800">
+              <a:solidFill>
+                <a:schemeClr val="dk1"/>
+              </a:solidFill>
+            </a:endParaRPr>
+          </a:p>
+        </p:txBody>
+      </p:sp>
+      <p:sp>
+        <p:nvSpPr>
+          <p:cNvPr id="173" name="Shape 173"/>
+          <p:cNvSpPr/>
+          <p:nvPr/>
+        </p:nvSpPr>
+        <p:spPr>
+          <a:xfrm>
+            <a:off x="457200" y="1285875"/>
+            <a:ext cx="3875400" cy="2108699"/>
+          </a:xfrm>
+          <a:prstGeom prst="rect">
+            <a:avLst/>
+          </a:prstGeom>
+          <a:solidFill>
+            <a:srgbClr val="FFFFFF"/>
+          </a:solidFill>
+          <a:ln w="19050" cap="flat">
+            <a:solidFill>
+              <a:srgbClr val="45818E"/>
+            </a:solidFill>
+            <a:prstDash val="solid"/>
+            <a:round/>
+            <a:headEnd type="none" w="med" len="med"/>
+            <a:tailEnd type="none" w="med" len="med"/>
+          </a:ln>
+        </p:spPr>
+        <p:txBody>
+          <a:bodyPr lIns="91425" tIns="91425" rIns="91425" bIns="91425" anchor="t" anchorCtr="0">
+            <a:noAutofit/>
+          </a:bodyPr>
+          <a:lstStyle/>
+          <a:p>
+            <a:pPr lvl="0" rtl="0">
+              <a:spcBef>
+                <a:spcPts val="600"/>
+              </a:spcBef>
+              <a:buNone/>
+            </a:pPr>
+            <a:r>
+              <a:rPr lang="en" sz="1800" b="1">
+                <a:solidFill>
+                  <a:schemeClr val="dk1"/>
+                </a:solidFill>
+              </a:rPr>
+              <a:t>Design Constraints</a:t>
+            </a:r>
+          </a:p>
+          <a:p>
+            <a:pPr marL="457200" lvl="0" indent="-342900" rtl="0">
+              <a:spcBef>
+                <a:spcPts val="600"/>
+              </a:spcBef>
+              <a:buClr>
+                <a:schemeClr val="dk1"/>
+              </a:buClr>
+              <a:buSzPct val="166666"/>
+              <a:buFont typeface="Arial"/>
+              <a:buChar char="•"/>
+            </a:pPr>
+            <a:r>
+              <a:rPr lang="en" sz="1800">
+                <a:solidFill>
+                  <a:schemeClr val="dk1"/>
+                </a:solidFill>
+              </a:rPr>
+              <a:t>Ensure subdivision only allows certain styles</a:t>
+            </a:r>
+          </a:p>
+          <a:p>
+            <a:pPr marL="457200" lvl="0" indent="-342900" rtl="0">
+              <a:spcBef>
+                <a:spcPts val="600"/>
+              </a:spcBef>
+              <a:buClr>
+                <a:schemeClr val="dk1"/>
+              </a:buClr>
+              <a:buSzPct val="166666"/>
+              <a:buFont typeface="Arial"/>
+              <a:buChar char="•"/>
+            </a:pPr>
+            <a:r>
+              <a:rPr lang="en" sz="1800">
+                <a:solidFill>
+                  <a:schemeClr val="dk1"/>
+                </a:solidFill>
+              </a:rPr>
+              <a:t>Ensure construction crew membership</a:t>
+            </a:r>
+          </a:p>
+          <a:p>
+            <a:endParaRPr lang="en" sz="1800">
+              <a:solidFill>
+                <a:schemeClr val="dk1"/>
+              </a:solidFill>
+            </a:endParaRPr>
+          </a:p>
+        </p:txBody>
+      </p:sp>
+    </p:spTree>
+  </p:cSld>
+  <p:clrMapOvr>
+    <a:masterClrMapping/>
+  </p:clrMapOvr>
+  <p:transition xmlns:p14="http://schemas.microsoft.com/office/powerpoint/2010/main" spd="slow">
+    <p:cut/>
+  </p:transition>
+</p:sld>
+</file>
+
+<file path=ppt/slides/slide18.xml><?xml version="1.0" encoding="utf-8"?>
+<p:sld xmlns:a="http://schemas.openxmlformats.org/drawingml/2006/main" xmlns:r="http://schemas.openxmlformats.org/officeDocument/2006/relationships" xmlns:p="http://schemas.openxmlformats.org/presentationml/2006/main">
+  <p:cSld>
+    <p:spTree>
+      <p:nvGrpSpPr>
+        <p:cNvPr id="1" name="Shape 177"/>
+        <p:cNvGrpSpPr/>
+        <p:nvPr/>
+      </p:nvGrpSpPr>
+      <p:grpSpPr>
+        <a:xfrm>
+          <a:off x="0" y="0"/>
+          <a:ext cx="0" cy="0"/>
+          <a:chOff x="0" y="0"/>
+          <a:chExt cx="0" cy="0"/>
+        </a:xfrm>
+      </p:grpSpPr>
+      <p:sp>
+        <p:nvSpPr>
+          <p:cNvPr id="178" name="Shape 178"/>
+          <p:cNvSpPr txBox="1">
+            <a:spLocks noGrp="1"/>
+          </p:cNvSpPr>
+          <p:nvPr>
+            <p:ph type="title"/>
+          </p:nvPr>
+        </p:nvSpPr>
+        <p:spPr>
+          <a:xfrm>
+            <a:off x="457200" y="205978"/>
+            <a:ext cx="8229600" cy="857400"/>
+          </a:xfrm>
+          <a:prstGeom prst="rect">
+            <a:avLst/>
+          </a:prstGeom>
+        </p:spPr>
+        <p:txBody>
+          <a:bodyPr lIns="91425" tIns="91425" rIns="91425" bIns="91425" anchor="b" anchorCtr="0">
+            <a:noAutofit/>
+          </a:bodyPr>
+          <a:lstStyle/>
+          <a:p>
+            <a:pPr>
+              <a:buNone/>
+            </a:pPr>
+            <a:r>
+              <a:rPr lang="en"/>
+              <a:t>Report 1</a:t>
+            </a:r>
+          </a:p>
+        </p:txBody>
+      </p:sp>
+      <p:sp>
+        <p:nvSpPr>
+          <p:cNvPr id="179" name="Shape 179"/>
+          <p:cNvSpPr/>
+          <p:nvPr/>
+        </p:nvSpPr>
+        <p:spPr>
+          <a:xfrm>
+            <a:off x="945225" y="1964625"/>
+            <a:ext cx="7129399" cy="2401224"/>
+          </a:xfrm>
+          <a:prstGeom prst="rect">
+            <a:avLst/>
+          </a:prstGeom>
+          <a:blipFill>
+            <a:blip r:embed="rId3"/>
+            <a:stretch>
+              <a:fillRect/>
+            </a:stretch>
+          </a:blipFill>
+          <a:ln>
+            <a:noFill/>
+          </a:ln>
+        </p:spPr>
+      </p:sp>
+      <p:sp>
+        <p:nvSpPr>
+          <p:cNvPr id="180" name="Shape 180"/>
+          <p:cNvSpPr/>
+          <p:nvPr/>
+        </p:nvSpPr>
+        <p:spPr>
+          <a:xfrm>
+            <a:off x="958325" y="1282375"/>
+            <a:ext cx="7116300" cy="642900"/>
+          </a:xfrm>
+          <a:prstGeom prst="rect">
+            <a:avLst/>
+          </a:prstGeom>
+          <a:solidFill>
+            <a:schemeClr val="accent4"/>
+          </a:solidFill>
+          <a:ln>
+            <a:noFill/>
+          </a:ln>
+        </p:spPr>
+        <p:txBody>
+          <a:bodyPr lIns="91425" tIns="91425" rIns="91425" bIns="91425" anchor="ctr" anchorCtr="0">
+            <a:noAutofit/>
+          </a:bodyPr>
+          <a:lstStyle/>
+          <a:p>
+            <a:pPr>
+              <a:buNone/>
+            </a:pPr>
+            <a:r>
+              <a:rPr lang="en" sz="2000"/>
+              <a:t>DIsplays the assignment of project managers to projects. </a:t>
+            </a:r>
+          </a:p>
+        </p:txBody>
+      </p:sp>
+    </p:spTree>
+  </p:cSld>
+  <p:clrMapOvr>
+    <a:masterClrMapping/>
+  </p:clrMapOvr>
+  <p:transition xmlns:p14="http://schemas.microsoft.com/office/powerpoint/2010/main" spd="slow">
+    <p:cut/>
+  </p:transition>
+</p:sld>
+</file>
+
+<file path=ppt/slides/slide19.xml><?xml version="1.0" encoding="utf-8"?>
+<p:sld xmlns:a="http://schemas.openxmlformats.org/drawingml/2006/main" xmlns:r="http://schemas.openxmlformats.org/officeDocument/2006/relationships" xmlns:p="http://schemas.openxmlformats.org/presentationml/2006/main">
+  <p:cSld>
+    <p:spTree>
+      <p:nvGrpSpPr>
+        <p:cNvPr id="1" name="Shape 184"/>
+        <p:cNvGrpSpPr/>
+        <p:nvPr/>
+      </p:nvGrpSpPr>
+      <p:grpSpPr>
+        <a:xfrm>
+          <a:off x="0" y="0"/>
+          <a:ext cx="0" cy="0"/>
+          <a:chOff x="0" y="0"/>
+          <a:chExt cx="0" cy="0"/>
+        </a:xfrm>
+      </p:grpSpPr>
+      <p:sp>
+        <p:nvSpPr>
+          <p:cNvPr id="185" name="Shape 185"/>
+          <p:cNvSpPr txBox="1">
+            <a:spLocks noGrp="1"/>
+          </p:cNvSpPr>
+          <p:nvPr>
+            <p:ph type="title"/>
+          </p:nvPr>
+        </p:nvSpPr>
+        <p:spPr>
+          <a:xfrm>
+            <a:off x="457200" y="205978"/>
+            <a:ext cx="8229600" cy="857400"/>
+          </a:xfrm>
+          <a:prstGeom prst="rect">
+            <a:avLst/>
+          </a:prstGeom>
+        </p:spPr>
+        <p:txBody>
+          <a:bodyPr lIns="91425" tIns="91425" rIns="91425" bIns="91425" anchor="b" anchorCtr="0">
+            <a:noAutofit/>
+          </a:bodyPr>
+          <a:lstStyle/>
+          <a:p>
+            <a:pPr>
+              <a:buNone/>
+            </a:pPr>
+            <a:r>
+              <a:rPr lang="en"/>
+              <a:t>Report 2</a:t>
+            </a:r>
+          </a:p>
+        </p:txBody>
+      </p:sp>
+      <p:sp>
+        <p:nvSpPr>
+          <p:cNvPr id="186" name="Shape 186"/>
+          <p:cNvSpPr/>
+          <p:nvPr/>
+        </p:nvSpPr>
+        <p:spPr>
+          <a:xfrm>
+            <a:off x="1034525" y="1282375"/>
+            <a:ext cx="6967200" cy="642900"/>
+          </a:xfrm>
+          <a:prstGeom prst="rect">
+            <a:avLst/>
+          </a:prstGeom>
+          <a:solidFill>
+            <a:schemeClr val="accent4"/>
+          </a:solidFill>
+          <a:ln>
+            <a:noFill/>
+          </a:ln>
+        </p:spPr>
+        <p:txBody>
+          <a:bodyPr lIns="91425" tIns="91425" rIns="91425" bIns="91425" anchor="ctr" anchorCtr="0">
+            <a:noAutofit/>
+          </a:bodyPr>
+          <a:lstStyle/>
+          <a:p>
+            <a:pPr lvl="0" rtl="0">
+              <a:buNone/>
+            </a:pPr>
+            <a:r>
+              <a:rPr lang="en" sz="2000"/>
+              <a:t>Displays the construction project status of a house. </a:t>
+            </a:r>
+          </a:p>
+        </p:txBody>
+      </p:sp>
+      <p:sp>
+        <p:nvSpPr>
+          <p:cNvPr id="187" name="Shape 187"/>
+          <p:cNvSpPr/>
+          <p:nvPr/>
+        </p:nvSpPr>
+        <p:spPr>
+          <a:xfrm>
+            <a:off x="1034525" y="1964625"/>
+            <a:ext cx="6967350" cy="2380700"/>
+          </a:xfrm>
+          <a:prstGeom prst="rect">
+            <a:avLst/>
+          </a:prstGeom>
+          <a:blipFill>
+            <a:blip r:embed="rId3"/>
+            <a:stretch>
+              <a:fillRect/>
+            </a:stretch>
+          </a:blipFill>
+          <a:ln>
+            <a:noFill/>
+          </a:ln>
+        </p:spPr>
+      </p:sp>
+    </p:spTree>
+  </p:cSld>
+  <p:clrMapOvr>
+    <a:masterClrMapping/>
+  </p:clrMapOvr>
+  <p:transition xmlns:p14="http://schemas.microsoft.com/office/powerpoint/2010/main" spd="slow">
     <p:cut/>
   </p:transition>
 </p:sld>
 </file>
 
 <file path=ppt/slides/slide2.xml><?xml version="1.0" encoding="utf-8"?>
-<p:sld xmlns:a="http://schemas.openxmlformats.org/drawingml/2006/main" xmlns:r="http://schemas.openxmlformats.org/officeDocument/2006/relationships" xmlns:mc="http://schemas.openxmlformats.org/markup-compatibility/2006" xmlns:mv="urn:schemas-microsoft-com:mac:vml" xmlns:p="http://schemas.openxmlformats.org/presentationml/2006/main" xmlns:c="http://schemas.openxmlformats.org/drawingml/2006/chart" xmlns:dgm="http://schemas.openxmlformats.org/drawingml/2006/diagram" xmlns:o="urn:schemas-microsoft-com:office:office" xmlns:v="urn:schemas-microsoft-com:vml" xmlns:pvml="urn:schemas-microsoft-com:office:powerpoint" xmlns:com="http://schemas.openxmlformats.org/drawingml/2006/compatibility" xmlns:p14="http://schemas.microsoft.com/office/powerpoint/2010/main">
+<p:sld xmlns:a="http://schemas.openxmlformats.org/drawingml/2006/main" xmlns:r="http://schemas.openxmlformats.org/officeDocument/2006/relationships" xmlns:p="http://schemas.openxmlformats.org/presentationml/2006/main">
   <p:cSld>
     <p:spTree>
       <p:nvGrpSpPr>
-        <p:cNvPr id="28" name="Shape 28"/>
+        <p:cNvPr id="1" name="Shape 28"/>
         <p:cNvGrpSpPr/>
         <p:nvPr/>
       </p:nvGrpSpPr>
       <p:grpSpPr>
         <a:xfrm>
-          <a:off y="0" x="0"/>
-          <a:ext cy="0" cx="0"/>
-          <a:chOff y="0" x="0"/>
-          <a:chExt cy="0" cx="0"/>
+          <a:off x="0" y="0"/>
+          <a:ext cx="0" cy="0"/>
+          <a:chOff x="0" y="0"/>
+          <a:chExt cx="0" cy="0"/>
         </a:xfrm>
       </p:grpSpPr>
       <p:sp>
         <p:nvSpPr>
           <p:cNvPr id="29" name="Shape 29"/>
-          <p:cNvSpPr txBox="1"/>
+          <p:cNvSpPr txBox="1">
+            <a:spLocks noGrp="1"/>
+          </p:cNvSpPr>
           <p:nvPr>
             <p:ph type="title"/>
           </p:nvPr>
         </p:nvSpPr>
         <p:spPr>
           <a:xfrm>
-            <a:off y="205978" x="457200"/>
-            <a:ext cy="857400" cx="8229600"/>
-          </a:xfrm>
-          <a:prstGeom prst="rect">
-            <a:avLst/>
-          </a:prstGeom>
-        </p:spPr>
-        <p:txBody>
-          <a:bodyPr bIns="91425" rIns="91425" lIns="91425" tIns="91425" anchor="b" anchorCtr="0">
-            <a:noAutofit/>
-          </a:bodyPr>
-          <a:lstStyle/>
-          <a:p>
-            <a:pPr rtl="0" lvl="0">
-              <a:buNone/>
-            </a:pPr>
-            <a:r>
-              <a:rPr lang="en"/>
+            <a:off x="457200" y="205978"/>
+            <a:ext cx="8229600" cy="857400"/>
+          </a:xfrm>
+          <a:prstGeom prst="rect">
+            <a:avLst/>
+          </a:prstGeom>
+        </p:spPr>
+        <p:txBody>
+          <a:bodyPr lIns="91425" tIns="91425" rIns="91425" bIns="91425" anchor="b" anchorCtr="0">
+            <a:noAutofit/>
+          </a:bodyPr>
+          <a:lstStyle/>
+          <a:p>
+            <a:pPr lvl="0" rtl="0">
+              <a:buNone/>
+            </a:pPr>
+            <a:r>
+              <a:rPr lang="en" dirty="0"/>
               <a:t>Meet William and Kate...</a:t>
             </a:r>
           </a:p>
@@ -3463,27 +5849,29 @@
       <p:sp>
         <p:nvSpPr>
           <p:cNvPr id="30" name="Shape 30"/>
-          <p:cNvSpPr txBox="1"/>
+          <p:cNvSpPr txBox="1">
+            <a:spLocks noGrp="1"/>
+          </p:cNvSpPr>
           <p:nvPr>
-            <p:ph idx="1" type="body"/>
+            <p:ph type="body" idx="1"/>
           </p:nvPr>
         </p:nvSpPr>
         <p:spPr>
           <a:xfrm>
-            <a:off y="1200150" x="457200"/>
-            <a:ext cy="3725699" cx="8229600"/>
-          </a:xfrm>
-          <a:prstGeom prst="rect">
-            <a:avLst/>
-          </a:prstGeom>
-        </p:spPr>
-        <p:txBody>
-          <a:bodyPr bIns="91425" rIns="91425" lIns="91425" tIns="91425" anchor="t" anchorCtr="0">
-            <a:noAutofit/>
-          </a:bodyPr>
-          <a:lstStyle/>
-          <a:p>
-            <a:pPr rtl="0" lvl="0">
+            <a:off x="457200" y="1200150"/>
+            <a:ext cx="8229600" cy="3725699"/>
+          </a:xfrm>
+          <a:prstGeom prst="rect">
+            <a:avLst/>
+          </a:prstGeom>
+        </p:spPr>
+        <p:txBody>
+          <a:bodyPr lIns="91425" tIns="91425" rIns="91425" bIns="91425" anchor="t" anchorCtr="0">
+            <a:noAutofit/>
+          </a:bodyPr>
+          <a:lstStyle/>
+          <a:p>
+            <a:pPr lvl="0" rtl="0">
               <a:buNone/>
             </a:pPr>
             <a:r>
@@ -3502,8 +5890,8 @@
         </p:nvSpPr>
         <p:spPr>
           <a:xfrm>
-            <a:off y="1032800" x="3314525"/>
-            <a:ext cy="2351350" cx="2330850"/>
+            <a:off x="3314525" y="1032800"/>
+            <a:ext cx="2330850" cy="2351350"/>
           </a:xfrm>
           <a:prstGeom prst="rect">
             <a:avLst/>
@@ -3519,31 +5907,33 @@
       <p:sp>
         <p:nvSpPr>
           <p:cNvPr id="32" name="Shape 32"/>
-          <p:cNvSpPr txBox="1"/>
+          <p:cNvSpPr txBox="1">
+            <a:spLocks noGrp="1"/>
+          </p:cNvSpPr>
           <p:nvPr>
-            <p:ph idx="2" type="title"/>
+            <p:ph type="title" idx="2"/>
           </p:nvPr>
         </p:nvSpPr>
         <p:spPr>
           <a:xfrm>
-            <a:off y="3844078" x="506950"/>
-            <a:ext cy="857400" cx="8229600"/>
-          </a:xfrm>
-          <a:prstGeom prst="rect">
-            <a:avLst/>
-          </a:prstGeom>
-        </p:spPr>
-        <p:txBody>
-          <a:bodyPr bIns="91425" rIns="91425" lIns="91425" tIns="91425" anchor="b" anchorCtr="0">
-            <a:noAutofit/>
-          </a:bodyPr>
-          <a:lstStyle/>
-          <a:p>
-            <a:pPr rtl="0" lvl="0">
-              <a:buNone/>
-            </a:pPr>
-            <a:r>
-              <a:rPr lang="en"/>
+            <a:off x="506950" y="3844078"/>
+            <a:ext cx="8229600" cy="857400"/>
+          </a:xfrm>
+          <a:prstGeom prst="rect">
+            <a:avLst/>
+          </a:prstGeom>
+        </p:spPr>
+        <p:txBody>
+          <a:bodyPr lIns="91425" tIns="91425" rIns="91425" bIns="91425" anchor="b" anchorCtr="0">
+            <a:noAutofit/>
+          </a:bodyPr>
+          <a:lstStyle/>
+          <a:p>
+            <a:pPr lvl="0" rtl="0">
+              <a:buNone/>
+            </a:pPr>
+            <a:r>
+              <a:rPr lang="en" sz="3600" b="1" dirty="0"/>
               <a:t>They just got married, and he wants to surprise her with a dream home.</a:t>
             </a:r>
           </a:p>
@@ -3554,48 +5944,159 @@
   <p:clrMapOvr>
     <a:masterClrMapping/>
   </p:clrMapOvr>
-  <p:transition spd="slow">
+  <p:transition xmlns:p14="http://schemas.microsoft.com/office/powerpoint/2010/main" spd="slow">
+    <p:cut/>
+  </p:transition>
+</p:sld>
+</file>
+
+<file path=ppt/slides/slide20.xml><?xml version="1.0" encoding="utf-8"?>
+<p:sld xmlns:a="http://schemas.openxmlformats.org/drawingml/2006/main" xmlns:r="http://schemas.openxmlformats.org/officeDocument/2006/relationships" xmlns:p="http://schemas.openxmlformats.org/presentationml/2006/main">
+  <p:cSld>
+    <p:spTree>
+      <p:nvGrpSpPr>
+        <p:cNvPr id="1" name="Shape 191"/>
+        <p:cNvGrpSpPr/>
+        <p:nvPr/>
+      </p:nvGrpSpPr>
+      <p:grpSpPr>
+        <a:xfrm>
+          <a:off x="0" y="0"/>
+          <a:ext cx="0" cy="0"/>
+          <a:chOff x="0" y="0"/>
+          <a:chExt cx="0" cy="0"/>
+        </a:xfrm>
+      </p:grpSpPr>
+      <p:sp>
+        <p:nvSpPr>
+          <p:cNvPr id="192" name="Shape 192"/>
+          <p:cNvSpPr/>
+          <p:nvPr/>
+        </p:nvSpPr>
+        <p:spPr>
+          <a:xfrm>
+            <a:off x="-7200" y="6700"/>
+            <a:ext cx="9144000" cy="5715000"/>
+          </a:xfrm>
+          <a:prstGeom prst="rect">
+            <a:avLst/>
+          </a:prstGeom>
+          <a:blipFill>
+            <a:blip r:embed="rId3"/>
+            <a:stretch>
+              <a:fillRect/>
+            </a:stretch>
+          </a:blipFill>
+        </p:spPr>
+      </p:sp>
+      <p:sp>
+        <p:nvSpPr>
+          <p:cNvPr id="193" name="Shape 193"/>
+          <p:cNvSpPr txBox="1">
+            <a:spLocks noGrp="1"/>
+          </p:cNvSpPr>
+          <p:nvPr>
+            <p:ph type="title"/>
+          </p:nvPr>
+        </p:nvSpPr>
+        <p:spPr>
+          <a:xfrm>
+            <a:off x="457200" y="205950"/>
+            <a:ext cx="8384099" cy="2604900"/>
+          </a:xfrm>
+          <a:prstGeom prst="rect">
+            <a:avLst/>
+          </a:prstGeom>
+        </p:spPr>
+        <p:txBody>
+          <a:bodyPr lIns="91425" tIns="91425" rIns="91425" bIns="91425" anchor="ctr" anchorCtr="0">
+            <a:noAutofit/>
+          </a:bodyPr>
+          <a:lstStyle/>
+          <a:p>
+            <a:pPr lvl="0" algn="ctr" rtl="0">
+              <a:buNone/>
+            </a:pPr>
+            <a:r>
+              <a:rPr lang="en" sz="4800"/>
+              <a:t>Happy Holidays!</a:t>
+            </a:r>
+          </a:p>
+          <a:p>
+            <a:endParaRPr lang="en" sz="4800"/>
+          </a:p>
+          <a:p>
+            <a:pPr lvl="0" rtl="0">
+              <a:buNone/>
+            </a:pPr>
+            <a:r>
+              <a:rPr lang="en" sz="3000"/>
+              <a:t>Like William, we hope that all of </a:t>
+            </a:r>
+            <a:r>
+              <a:rPr lang="en" sz="3000" i="1" u="sng"/>
+              <a:t>your</a:t>
+            </a:r>
+            <a:r>
+              <a:rPr lang="en" sz="3000" b="0"/>
+              <a:t> </a:t>
+            </a:r>
+            <a:r>
+              <a:rPr lang="en" sz="3000"/>
+              <a:t>dreams come true.</a:t>
+            </a:r>
+          </a:p>
+        </p:txBody>
+      </p:sp>
+    </p:spTree>
+  </p:cSld>
+  <p:clrMapOvr>
+    <a:masterClrMapping/>
+  </p:clrMapOvr>
+  <p:transition xmlns:p14="http://schemas.microsoft.com/office/powerpoint/2010/main" spd="slow">
     <p:cut/>
   </p:transition>
 </p:sld>
 </file>
 
 <file path=ppt/slides/slide3.xml><?xml version="1.0" encoding="utf-8"?>
-<p:sld xmlns:a="http://schemas.openxmlformats.org/drawingml/2006/main" xmlns:r="http://schemas.openxmlformats.org/officeDocument/2006/relationships" xmlns:mc="http://schemas.openxmlformats.org/markup-compatibility/2006" xmlns:mv="urn:schemas-microsoft-com:mac:vml" xmlns:p="http://schemas.openxmlformats.org/presentationml/2006/main" xmlns:c="http://schemas.openxmlformats.org/drawingml/2006/chart" xmlns:dgm="http://schemas.openxmlformats.org/drawingml/2006/diagram" xmlns:o="urn:schemas-microsoft-com:office:office" xmlns:v="urn:schemas-microsoft-com:vml" xmlns:pvml="urn:schemas-microsoft-com:office:powerpoint" xmlns:com="http://schemas.openxmlformats.org/drawingml/2006/compatibility" xmlns:p14="http://schemas.microsoft.com/office/powerpoint/2010/main">
+<p:sld xmlns:a="http://schemas.openxmlformats.org/drawingml/2006/main" xmlns:r="http://schemas.openxmlformats.org/officeDocument/2006/relationships" xmlns:p="http://schemas.openxmlformats.org/presentationml/2006/main">
   <p:cSld>
     <p:spTree>
       <p:nvGrpSpPr>
-        <p:cNvPr id="36" name="Shape 36"/>
+        <p:cNvPr id="1" name="Shape 36"/>
         <p:cNvGrpSpPr/>
         <p:nvPr/>
       </p:nvGrpSpPr>
       <p:grpSpPr>
         <a:xfrm>
-          <a:off y="0" x="0"/>
-          <a:ext cy="0" cx="0"/>
-          <a:chOff y="0" x="0"/>
-          <a:chExt cy="0" cx="0"/>
+          <a:off x="0" y="0"/>
+          <a:ext cx="0" cy="0"/>
+          <a:chOff x="0" y="0"/>
+          <a:chExt cx="0" cy="0"/>
         </a:xfrm>
       </p:grpSpPr>
       <p:sp>
         <p:nvSpPr>
           <p:cNvPr id="37" name="Shape 37"/>
-          <p:cNvSpPr txBox="1"/>
+          <p:cNvSpPr txBox="1">
+            <a:spLocks noGrp="1"/>
+          </p:cNvSpPr>
           <p:nvPr>
             <p:ph type="title"/>
           </p:nvPr>
         </p:nvSpPr>
         <p:spPr>
           <a:xfrm>
-            <a:off y="205973" x="457200"/>
-            <a:ext cy="1152600" cx="8229600"/>
-          </a:xfrm>
-          <a:prstGeom prst="rect">
-            <a:avLst/>
-          </a:prstGeom>
-        </p:spPr>
-        <p:txBody>
-          <a:bodyPr bIns="91425" rIns="91425" lIns="91425" tIns="91425" anchor="b" anchorCtr="0">
+            <a:off x="457200" y="205973"/>
+            <a:ext cx="8229600" cy="1152600"/>
+          </a:xfrm>
+          <a:prstGeom prst="rect">
+            <a:avLst/>
+          </a:prstGeom>
+        </p:spPr>
+        <p:txBody>
+          <a:bodyPr lIns="91425" tIns="91425" rIns="91425" bIns="91425" anchor="b" anchorCtr="0">
             <a:noAutofit/>
           </a:bodyPr>
           <a:lstStyle/>
@@ -3618,8 +6119,8 @@
         </p:nvSpPr>
         <p:spPr>
           <a:xfrm>
-            <a:off y="1358575" x="1861125"/>
-            <a:ext cy="3488000" cx="5421750"/>
+            <a:off x="1861125" y="1358575"/>
+            <a:ext cx="5421750" cy="3488000"/>
           </a:xfrm>
           <a:prstGeom prst="rect">
             <a:avLst/>
@@ -3637,53 +6138,55 @@
   <p:clrMapOvr>
     <a:masterClrMapping/>
   </p:clrMapOvr>
-  <p:transition spd="slow">
+  <p:transition xmlns:p14="http://schemas.microsoft.com/office/powerpoint/2010/main" spd="slow">
     <p:cut/>
   </p:transition>
 </p:sld>
 </file>
 
 <file path=ppt/slides/slide4.xml><?xml version="1.0" encoding="utf-8"?>
-<p:sld xmlns:a="http://schemas.openxmlformats.org/drawingml/2006/main" xmlns:r="http://schemas.openxmlformats.org/officeDocument/2006/relationships" xmlns:mc="http://schemas.openxmlformats.org/markup-compatibility/2006" xmlns:mv="urn:schemas-microsoft-com:mac:vml" xmlns:p="http://schemas.openxmlformats.org/presentationml/2006/main" xmlns:c="http://schemas.openxmlformats.org/drawingml/2006/chart" xmlns:dgm="http://schemas.openxmlformats.org/drawingml/2006/diagram" xmlns:o="urn:schemas-microsoft-com:office:office" xmlns:v="urn:schemas-microsoft-com:vml" xmlns:pvml="urn:schemas-microsoft-com:office:powerpoint" xmlns:com="http://schemas.openxmlformats.org/drawingml/2006/compatibility" xmlns:p14="http://schemas.microsoft.com/office/powerpoint/2010/main">
+<p:sld xmlns:a="http://schemas.openxmlformats.org/drawingml/2006/main" xmlns:r="http://schemas.openxmlformats.org/officeDocument/2006/relationships" xmlns:p="http://schemas.openxmlformats.org/presentationml/2006/main">
   <p:cSld>
     <p:spTree>
       <p:nvGrpSpPr>
-        <p:cNvPr id="42" name="Shape 42"/>
+        <p:cNvPr id="1" name="Shape 42"/>
         <p:cNvGrpSpPr/>
         <p:nvPr/>
       </p:nvGrpSpPr>
       <p:grpSpPr>
         <a:xfrm>
-          <a:off y="0" x="0"/>
-          <a:ext cy="0" cx="0"/>
-          <a:chOff y="0" x="0"/>
-          <a:chExt cy="0" cx="0"/>
+          <a:off x="0" y="0"/>
+          <a:ext cx="0" cy="0"/>
+          <a:chOff x="0" y="0"/>
+          <a:chExt cx="0" cy="0"/>
         </a:xfrm>
       </p:grpSpPr>
       <p:sp>
         <p:nvSpPr>
           <p:cNvPr id="43" name="Shape 43"/>
-          <p:cNvSpPr txBox="1"/>
+          <p:cNvSpPr txBox="1">
+            <a:spLocks noGrp="1"/>
+          </p:cNvSpPr>
           <p:nvPr>
             <p:ph type="title"/>
           </p:nvPr>
         </p:nvSpPr>
         <p:spPr>
           <a:xfrm>
-            <a:off y="205974" x="457200"/>
-            <a:ext cy="4323900" cx="8229600"/>
-          </a:xfrm>
-          <a:prstGeom prst="rect">
-            <a:avLst/>
-          </a:prstGeom>
-        </p:spPr>
-        <p:txBody>
-          <a:bodyPr bIns="91425" rIns="91425" lIns="91425" tIns="91425" anchor="ctr" anchorCtr="0">
-            <a:noAutofit/>
-          </a:bodyPr>
-          <a:lstStyle/>
-          <a:p>
-            <a:pPr rtl="0" lvl="0">
+            <a:off x="457200" y="205974"/>
+            <a:ext cx="8229600" cy="4323900"/>
+          </a:xfrm>
+          <a:prstGeom prst="rect">
+            <a:avLst/>
+          </a:prstGeom>
+        </p:spPr>
+        <p:txBody>
+          <a:bodyPr lIns="91425" tIns="91425" rIns="91425" bIns="91425" anchor="ctr" anchorCtr="0">
+            <a:noAutofit/>
+          </a:bodyPr>
+          <a:lstStyle/>
+          <a:p>
+            <a:pPr lvl="0" rtl="0">
               <a:buNone/>
             </a:pPr>
             <a:r>
@@ -3691,12 +6194,12 @@
               <a:t>William can do much of the planning </a:t>
             </a:r>
             <a:r>
-              <a:rPr u="sng" lang="en" i="1"/>
+              <a:rPr lang="en" i="1" u="sng"/>
               <a:t>without</a:t>
             </a:r>
             <a:r>
               <a:rPr lang="en"/>
-              <a:t> stopping by the Eggshell offices</a:t>
+              <a:t> stopping by the Eggshell Homebuilder offices</a:t>
             </a:r>
           </a:p>
         </p:txBody>
@@ -3706,27 +6209,27 @@
   <p:clrMapOvr>
     <a:masterClrMapping/>
   </p:clrMapOvr>
-  <p:transition spd="slow">
+  <p:transition xmlns:p14="http://schemas.microsoft.com/office/powerpoint/2010/main" spd="slow">
     <p:cut/>
   </p:transition>
 </p:sld>
 </file>
 
 <file path=ppt/slides/slide5.xml><?xml version="1.0" encoding="utf-8"?>
-<p:sld xmlns:a="http://schemas.openxmlformats.org/drawingml/2006/main" xmlns:r="http://schemas.openxmlformats.org/officeDocument/2006/relationships" xmlns:mc="http://schemas.openxmlformats.org/markup-compatibility/2006" xmlns:mv="urn:schemas-microsoft-com:mac:vml" xmlns:p="http://schemas.openxmlformats.org/presentationml/2006/main" xmlns:c="http://schemas.openxmlformats.org/drawingml/2006/chart" xmlns:dgm="http://schemas.openxmlformats.org/drawingml/2006/diagram" xmlns:o="urn:schemas-microsoft-com:office:office" xmlns:v="urn:schemas-microsoft-com:vml" xmlns:pvml="urn:schemas-microsoft-com:office:powerpoint" xmlns:com="http://schemas.openxmlformats.org/drawingml/2006/compatibility" xmlns:p14="http://schemas.microsoft.com/office/powerpoint/2010/main">
+<p:sld xmlns:a="http://schemas.openxmlformats.org/drawingml/2006/main" xmlns:r="http://schemas.openxmlformats.org/officeDocument/2006/relationships" xmlns:p="http://schemas.openxmlformats.org/presentationml/2006/main">
   <p:cSld>
     <p:spTree>
       <p:nvGrpSpPr>
-        <p:cNvPr id="47" name="Shape 47"/>
+        <p:cNvPr id="1" name="Shape 47"/>
         <p:cNvGrpSpPr/>
         <p:nvPr/>
       </p:nvGrpSpPr>
       <p:grpSpPr>
         <a:xfrm>
-          <a:off y="0" x="0"/>
-          <a:ext cy="0" cx="0"/>
-          <a:chOff y="0" x="0"/>
-          <a:chExt cy="0" cx="0"/>
+          <a:off x="0" y="0"/>
+          <a:ext cx="0" cy="0"/>
+          <a:chOff x="0" y="0"/>
+          <a:chExt cx="0" cy="0"/>
         </a:xfrm>
       </p:grpSpPr>
       <p:sp>
@@ -3737,8 +6240,8 @@
         </p:nvSpPr>
         <p:spPr>
           <a:xfrm>
-            <a:off y="1063375" x="121375"/>
-            <a:ext cy="3786299" cx="1592399"/>
+            <a:off x="121375" y="1063375"/>
+            <a:ext cx="1592399" cy="3786299"/>
           </a:xfrm>
           <a:prstGeom prst="rect">
             <a:avLst/>
@@ -3752,21 +6255,21 @@
             </a:solidFill>
             <a:prstDash val="solid"/>
             <a:round/>
-            <a:headEnd w="med" len="med" type="none"/>
-            <a:tailEnd w="med" len="med" type="none"/>
+            <a:headEnd type="none" w="med" len="med"/>
+            <a:tailEnd type="none" w="med" len="med"/>
           </a:ln>
         </p:spPr>
         <p:txBody>
-          <a:bodyPr bIns="91425" rIns="91425" lIns="91425" tIns="91425" anchor="t" anchorCtr="0">
-            <a:noAutofit/>
-          </a:bodyPr>
-          <a:lstStyle/>
-          <a:p>
-            <a:pPr algn="ctr" rtl="0" lvl="0">
-              <a:buNone/>
-            </a:pPr>
-            <a:r>
-              <a:rPr b="1" lang="en"/>
+          <a:bodyPr lIns="91425" tIns="91425" rIns="91425" bIns="91425" anchor="t" anchorCtr="0">
+            <a:noAutofit/>
+          </a:bodyPr>
+          <a:lstStyle/>
+          <a:p>
+            <a:pPr lvl="0" algn="ctr" rtl="0">
+              <a:buNone/>
+            </a:pPr>
+            <a:r>
+              <a:rPr lang="en" b="1"/>
               <a:t>Becomes a Customer</a:t>
             </a:r>
           </a:p>
@@ -3780,8 +6283,8 @@
         </p:nvSpPr>
         <p:spPr>
           <a:xfrm>
-            <a:off y="1063375" x="1863935"/>
-            <a:ext cy="3786299" cx="1592399"/>
+            <a:off x="1863935" y="1063375"/>
+            <a:ext cx="1592399" cy="3786299"/>
           </a:xfrm>
           <a:prstGeom prst="rect">
             <a:avLst/>
@@ -3795,12 +6298,12 @@
             </a:solidFill>
             <a:prstDash val="solid"/>
             <a:round/>
-            <a:headEnd w="med" len="med" type="none"/>
-            <a:tailEnd w="med" len="med" type="none"/>
+            <a:headEnd type="none" w="med" len="med"/>
+            <a:tailEnd type="none" w="med" len="med"/>
           </a:ln>
         </p:spPr>
         <p:txBody>
-          <a:bodyPr bIns="91425" rIns="91425" lIns="91425" tIns="91425" anchor="t" anchorCtr="0">
+          <a:bodyPr lIns="91425" tIns="91425" rIns="91425" bIns="91425" anchor="t" anchorCtr="0">
             <a:noAutofit/>
           </a:bodyPr>
           <a:lstStyle/>
@@ -3809,7 +6312,7 @@
               <a:buNone/>
             </a:pPr>
             <a:r>
-              <a:rPr b="1" lang="en"/>
+              <a:rPr lang="en" b="1"/>
               <a:t>Researches Locations</a:t>
             </a:r>
           </a:p>
@@ -3818,22 +6321,24 @@
       <p:sp>
         <p:nvSpPr>
           <p:cNvPr id="50" name="Shape 50"/>
-          <p:cNvSpPr txBox="1"/>
+          <p:cNvSpPr txBox="1">
+            <a:spLocks noGrp="1"/>
+          </p:cNvSpPr>
           <p:nvPr>
             <p:ph type="title"/>
           </p:nvPr>
         </p:nvSpPr>
         <p:spPr>
           <a:xfrm>
-            <a:off y="205978" x="457200"/>
-            <a:ext cy="857400" cx="8229600"/>
-          </a:xfrm>
-          <a:prstGeom prst="rect">
-            <a:avLst/>
-          </a:prstGeom>
-        </p:spPr>
-        <p:txBody>
-          <a:bodyPr bIns="91425" rIns="91425" lIns="91425" tIns="91425" anchor="b" anchorCtr="0">
+            <a:off x="457200" y="205978"/>
+            <a:ext cx="8229600" cy="857400"/>
+          </a:xfrm>
+          <a:prstGeom prst="rect">
+            <a:avLst/>
+          </a:prstGeom>
+        </p:spPr>
+        <p:txBody>
+          <a:bodyPr lIns="91425" tIns="91425" rIns="91425" bIns="91425" anchor="b" anchorCtr="0">
             <a:noAutofit/>
           </a:bodyPr>
           <a:lstStyle/>
@@ -3856,8 +6361,8 @@
         </p:nvSpPr>
         <p:spPr>
           <a:xfrm>
-            <a:off y="2753800" x="246325"/>
-            <a:ext cy="857400" cx="1345799"/>
+            <a:off x="246325" y="2753800"/>
+            <a:ext cx="1345799" cy="857400"/>
           </a:xfrm>
           <a:prstGeom prst="rect">
             <a:avLst/>
@@ -3867,7 +6372,7 @@
           </a:solidFill>
         </p:spPr>
         <p:txBody>
-          <a:bodyPr bIns="91425" rIns="91425" lIns="91425" tIns="91425" anchor="ctr" anchorCtr="0">
+          <a:bodyPr lIns="91425" tIns="91425" rIns="91425" bIns="91425" anchor="ctr" anchorCtr="0">
             <a:noAutofit/>
           </a:bodyPr>
           <a:lstStyle/>
@@ -3876,7 +6381,7 @@
               <a:buNone/>
             </a:pPr>
             <a:r>
-              <a:rPr b="1" lang="en"/>
+              <a:rPr lang="en" b="1"/>
               <a:t>Logs on</a:t>
             </a:r>
           </a:p>
@@ -3890,8 +6395,8 @@
         </p:nvSpPr>
         <p:spPr>
           <a:xfrm>
-            <a:off y="3835575" x="1980350"/>
-            <a:ext cy="857400" cx="1345799"/>
+            <a:off x="1980350" y="3835575"/>
+            <a:ext cx="1345799" cy="857400"/>
           </a:xfrm>
           <a:prstGeom prst="rect">
             <a:avLst/>
@@ -3901,16 +6406,16 @@
           </a:solidFill>
         </p:spPr>
         <p:txBody>
-          <a:bodyPr bIns="91425" rIns="91425" lIns="91425" tIns="91425" anchor="ctr" anchorCtr="0">
-            <a:noAutofit/>
-          </a:bodyPr>
-          <a:lstStyle/>
-          <a:p>
-            <a:pPr algn="ctr" rtl="0" lvl="0">
-              <a:buNone/>
-            </a:pPr>
-            <a:r>
-              <a:rPr b="1" lang="en"/>
+          <a:bodyPr lIns="91425" tIns="91425" rIns="91425" bIns="91425" anchor="ctr" anchorCtr="0">
+            <a:noAutofit/>
+          </a:bodyPr>
+          <a:lstStyle/>
+          <a:p>
+            <a:pPr lvl="0" algn="ctr" rtl="0">
+              <a:buNone/>
+            </a:pPr>
+            <a:r>
+              <a:rPr lang="en" b="1"/>
               <a:t>Views available lots</a:t>
             </a:r>
           </a:p>
@@ -3924,8 +6429,8 @@
         </p:nvSpPr>
         <p:spPr>
           <a:xfrm>
-            <a:off y="1672025" x="1980350"/>
-            <a:ext cy="857400" cx="1345799"/>
+            <a:off x="1980350" y="1672025"/>
+            <a:ext cx="1345799" cy="857400"/>
           </a:xfrm>
           <a:prstGeom prst="rect">
             <a:avLst/>
@@ -3935,16 +6440,16 @@
           </a:solidFill>
         </p:spPr>
         <p:txBody>
-          <a:bodyPr bIns="91425" rIns="91425" lIns="91425" tIns="91425" anchor="ctr" anchorCtr="0">
-            <a:noAutofit/>
-          </a:bodyPr>
-          <a:lstStyle/>
-          <a:p>
-            <a:pPr algn="ctr" rtl="0" lvl="0">
-              <a:buNone/>
-            </a:pPr>
-            <a:r>
-              <a:rPr b="1" lang="en"/>
+          <a:bodyPr lIns="91425" tIns="91425" rIns="91425" bIns="91425" anchor="ctr" anchorCtr="0">
+            <a:noAutofit/>
+          </a:bodyPr>
+          <a:lstStyle/>
+          <a:p>
+            <a:pPr lvl="0" algn="ctr" rtl="0">
+              <a:buNone/>
+            </a:pPr>
+            <a:r>
+              <a:rPr lang="en" b="1"/>
               <a:t>Researches schools</a:t>
             </a:r>
           </a:p>
@@ -3958,8 +6463,8 @@
         </p:nvSpPr>
         <p:spPr>
           <a:xfrm>
-            <a:off y="2753800" x="1980350"/>
-            <a:ext cy="857400" cx="1345799"/>
+            <a:off x="1980350" y="2753800"/>
+            <a:ext cx="1345799" cy="857400"/>
           </a:xfrm>
           <a:prstGeom prst="rect">
             <a:avLst/>
@@ -3969,16 +6474,16 @@
           </a:solidFill>
         </p:spPr>
         <p:txBody>
-          <a:bodyPr bIns="91425" rIns="91425" lIns="91425" tIns="91425" anchor="ctr" anchorCtr="0">
-            <a:noAutofit/>
-          </a:bodyPr>
-          <a:lstStyle/>
-          <a:p>
-            <a:pPr algn="ctr" rtl="0" lvl="0">
-              <a:buNone/>
-            </a:pPr>
-            <a:r>
-              <a:rPr b="1" lang="en"/>
+          <a:bodyPr lIns="91425" tIns="91425" rIns="91425" bIns="91425" anchor="ctr" anchorCtr="0">
+            <a:noAutofit/>
+          </a:bodyPr>
+          <a:lstStyle/>
+          <a:p>
+            <a:pPr lvl="0" algn="ctr" rtl="0">
+              <a:buNone/>
+            </a:pPr>
+            <a:r>
+              <a:rPr lang="en" b="1"/>
               <a:t>Views subdivisions</a:t>
             </a:r>
           </a:p>
@@ -3992,8 +6497,8 @@
         </p:nvSpPr>
         <p:spPr>
           <a:xfrm>
-            <a:off y="1670387" x="246325"/>
-            <a:ext cy="857400" cx="1345799"/>
+            <a:off x="246325" y="1670387"/>
+            <a:ext cx="1345799" cy="857400"/>
           </a:xfrm>
           <a:prstGeom prst="rect">
             <a:avLst/>
@@ -4003,16 +6508,16 @@
           </a:solidFill>
         </p:spPr>
         <p:txBody>
-          <a:bodyPr bIns="91425" rIns="91425" lIns="91425" tIns="91425" anchor="ctr" anchorCtr="0">
-            <a:noAutofit/>
-          </a:bodyPr>
-          <a:lstStyle/>
-          <a:p>
-            <a:pPr algn="ctr" rtl="0" lvl="0">
-              <a:buNone/>
-            </a:pPr>
-            <a:r>
-              <a:rPr b="1" lang="en"/>
+          <a:bodyPr lIns="91425" tIns="91425" rIns="91425" bIns="91425" anchor="ctr" anchorCtr="0">
+            <a:noAutofit/>
+          </a:bodyPr>
+          <a:lstStyle/>
+          <a:p>
+            <a:pPr lvl="0" algn="ctr" rtl="0">
+              <a:buNone/>
+            </a:pPr>
+            <a:r>
+              <a:rPr lang="en" b="1"/>
               <a:t>Creates user account</a:t>
             </a:r>
           </a:p>
@@ -4023,27 +6528,27 @@
   <p:clrMapOvr>
     <a:masterClrMapping/>
   </p:clrMapOvr>
-  <p:transition spd="slow">
+  <p:transition xmlns:p14="http://schemas.microsoft.com/office/powerpoint/2010/main" spd="slow">
     <p:cut/>
   </p:transition>
 </p:sld>
 </file>
 
 <file path=ppt/slides/slide6.xml><?xml version="1.0" encoding="utf-8"?>
-<p:sld xmlns:a="http://schemas.openxmlformats.org/drawingml/2006/main" xmlns:r="http://schemas.openxmlformats.org/officeDocument/2006/relationships" xmlns:mc="http://schemas.openxmlformats.org/markup-compatibility/2006" xmlns:mv="urn:schemas-microsoft-com:mac:vml" xmlns:p="http://schemas.openxmlformats.org/presentationml/2006/main" xmlns:c="http://schemas.openxmlformats.org/drawingml/2006/chart" xmlns:dgm="http://schemas.openxmlformats.org/drawingml/2006/diagram" xmlns:o="urn:schemas-microsoft-com:office:office" xmlns:v="urn:schemas-microsoft-com:vml" xmlns:pvml="urn:schemas-microsoft-com:office:powerpoint" xmlns:com="http://schemas.openxmlformats.org/drawingml/2006/compatibility" xmlns:p14="http://schemas.microsoft.com/office/powerpoint/2010/main">
+<p:sld xmlns:a="http://schemas.openxmlformats.org/drawingml/2006/main" xmlns:r="http://schemas.openxmlformats.org/officeDocument/2006/relationships" xmlns:p="http://schemas.openxmlformats.org/presentationml/2006/main">
   <p:cSld>
     <p:spTree>
       <p:nvGrpSpPr>
-        <p:cNvPr id="59" name="Shape 59"/>
+        <p:cNvPr id="1" name="Shape 59"/>
         <p:cNvGrpSpPr/>
         <p:nvPr/>
       </p:nvGrpSpPr>
       <p:grpSpPr>
         <a:xfrm>
-          <a:off y="0" x="0"/>
-          <a:ext cy="0" cx="0"/>
-          <a:chOff y="0" x="0"/>
-          <a:chExt cy="0" cx="0"/>
+          <a:off x="0" y="0"/>
+          <a:ext cx="0" cy="0"/>
+          <a:chOff x="0" y="0"/>
+          <a:chExt cx="0" cy="0"/>
         </a:xfrm>
       </p:grpSpPr>
       <p:sp>
@@ -4054,8 +6559,8 @@
         </p:nvSpPr>
         <p:spPr>
           <a:xfrm>
-            <a:off y="1063375" x="121375"/>
-            <a:ext cy="3786299" cx="1592399"/>
+            <a:off x="121375" y="1063375"/>
+            <a:ext cx="1592399" cy="3786299"/>
           </a:xfrm>
           <a:prstGeom prst="rect">
             <a:avLst/>
@@ -4069,21 +6574,21 @@
             </a:solidFill>
             <a:prstDash val="solid"/>
             <a:round/>
-            <a:headEnd w="med" len="med" type="none"/>
-            <a:tailEnd w="med" len="med" type="none"/>
+            <a:headEnd type="none" w="med" len="med"/>
+            <a:tailEnd type="none" w="med" len="med"/>
           </a:ln>
         </p:spPr>
         <p:txBody>
-          <a:bodyPr bIns="91425" rIns="91425" lIns="91425" tIns="91425" anchor="t" anchorCtr="0">
-            <a:noAutofit/>
-          </a:bodyPr>
-          <a:lstStyle/>
-          <a:p>
-            <a:pPr algn="ctr" rtl="0" lvl="0">
-              <a:buNone/>
-            </a:pPr>
-            <a:r>
-              <a:rPr b="1" lang="en"/>
+          <a:bodyPr lIns="91425" tIns="91425" rIns="91425" bIns="91425" anchor="t" anchorCtr="0">
+            <a:noAutofit/>
+          </a:bodyPr>
+          <a:lstStyle/>
+          <a:p>
+            <a:pPr lvl="0" algn="ctr" rtl="0">
+              <a:buNone/>
+            </a:pPr>
+            <a:r>
+              <a:rPr lang="en" b="1"/>
               <a:t>Becomes a Customer</a:t>
             </a:r>
           </a:p>
@@ -4097,8 +6602,8 @@
         </p:nvSpPr>
         <p:spPr>
           <a:xfrm>
-            <a:off y="1063375" x="1863935"/>
-            <a:ext cy="3786299" cx="1592399"/>
+            <a:off x="1863935" y="1063375"/>
+            <a:ext cx="1592399" cy="3786299"/>
           </a:xfrm>
           <a:prstGeom prst="rect">
             <a:avLst/>
@@ -4112,21 +6617,21 @@
             </a:solidFill>
             <a:prstDash val="solid"/>
             <a:round/>
-            <a:headEnd w="med" len="med" type="none"/>
-            <a:tailEnd w="med" len="med" type="none"/>
+            <a:headEnd type="none" w="med" len="med"/>
+            <a:tailEnd type="none" w="med" len="med"/>
           </a:ln>
         </p:spPr>
         <p:txBody>
-          <a:bodyPr bIns="91425" rIns="91425" lIns="91425" tIns="91425" anchor="t" anchorCtr="0">
-            <a:noAutofit/>
-          </a:bodyPr>
-          <a:lstStyle/>
-          <a:p>
-            <a:pPr algn="ctr" rtl="0" lvl="0">
-              <a:buNone/>
-            </a:pPr>
-            <a:r>
-              <a:rPr b="1" lang="en"/>
+          <a:bodyPr lIns="91425" tIns="91425" rIns="91425" bIns="91425" anchor="t" anchorCtr="0">
+            <a:noAutofit/>
+          </a:bodyPr>
+          <a:lstStyle/>
+          <a:p>
+            <a:pPr lvl="0" algn="ctr" rtl="0">
+              <a:buNone/>
+            </a:pPr>
+            <a:r>
+              <a:rPr lang="en" b="1"/>
               <a:t>Researches Locations</a:t>
             </a:r>
           </a:p>
@@ -4135,32 +6640,34 @@
       <p:sp>
         <p:nvSpPr>
           <p:cNvPr id="62" name="Shape 62"/>
-          <p:cNvSpPr txBox="1"/>
+          <p:cNvSpPr txBox="1">
+            <a:spLocks noGrp="1"/>
+          </p:cNvSpPr>
           <p:nvPr>
             <p:ph type="title"/>
           </p:nvPr>
         </p:nvSpPr>
         <p:spPr>
           <a:xfrm>
-            <a:off y="205978" x="457200"/>
-            <a:ext cy="857400" cx="8229600"/>
-          </a:xfrm>
-          <a:prstGeom prst="rect">
-            <a:avLst/>
-          </a:prstGeom>
-        </p:spPr>
-        <p:txBody>
-          <a:bodyPr bIns="91425" rIns="91425" lIns="91425" tIns="91425" anchor="b" anchorCtr="0">
-            <a:noAutofit/>
-          </a:bodyPr>
-          <a:lstStyle/>
-          <a:p>
-            <a:pPr rtl="0" lvl="0">
+            <a:off x="457200" y="205978"/>
+            <a:ext cx="8229600" cy="857400"/>
+          </a:xfrm>
+          <a:prstGeom prst="rect">
+            <a:avLst/>
+          </a:prstGeom>
+        </p:spPr>
+        <p:txBody>
+          <a:bodyPr lIns="91425" tIns="91425" rIns="91425" bIns="91425" anchor="b" anchorCtr="0">
+            <a:noAutofit/>
+          </a:bodyPr>
+          <a:lstStyle/>
+          <a:p>
+            <a:pPr lvl="0" rtl="0">
               <a:buNone/>
             </a:pPr>
             <a:r>
               <a:rPr lang="en"/>
-              <a:t>After work William visits Eggshell</a:t>
+              <a:t>After work, William visits Eggshell</a:t>
             </a:r>
           </a:p>
         </p:txBody>
@@ -4173,8 +6680,8 @@
         </p:nvSpPr>
         <p:spPr>
           <a:xfrm>
-            <a:off y="2753800" x="246325"/>
-            <a:ext cy="857400" cx="1345799"/>
+            <a:off x="246325" y="2753800"/>
+            <a:ext cx="1345799" cy="857400"/>
           </a:xfrm>
           <a:prstGeom prst="rect">
             <a:avLst/>
@@ -4184,16 +6691,16 @@
           </a:solidFill>
         </p:spPr>
         <p:txBody>
-          <a:bodyPr bIns="91425" rIns="91425" lIns="91425" tIns="91425" anchor="ctr" anchorCtr="0">
-            <a:noAutofit/>
-          </a:bodyPr>
-          <a:lstStyle/>
-          <a:p>
-            <a:pPr algn="ctr" rtl="0" lvl="0">
-              <a:buNone/>
-            </a:pPr>
-            <a:r>
-              <a:rPr b="1" lang="en"/>
+          <a:bodyPr lIns="91425" tIns="91425" rIns="91425" bIns="91425" anchor="ctr" anchorCtr="0">
+            <a:noAutofit/>
+          </a:bodyPr>
+          <a:lstStyle/>
+          <a:p>
+            <a:pPr lvl="0" algn="ctr" rtl="0">
+              <a:buNone/>
+            </a:pPr>
+            <a:r>
+              <a:rPr lang="en" b="1"/>
               <a:t>Logs on</a:t>
             </a:r>
           </a:p>
@@ -4207,8 +6714,8 @@
         </p:nvSpPr>
         <p:spPr>
           <a:xfrm>
-            <a:off y="3835575" x="1980350"/>
-            <a:ext cy="857400" cx="1345799"/>
+            <a:off x="1980350" y="3835575"/>
+            <a:ext cx="1345799" cy="857400"/>
           </a:xfrm>
           <a:prstGeom prst="rect">
             <a:avLst/>
@@ -4218,16 +6725,16 @@
           </a:solidFill>
         </p:spPr>
         <p:txBody>
-          <a:bodyPr bIns="91425" rIns="91425" lIns="91425" tIns="91425" anchor="ctr" anchorCtr="0">
-            <a:noAutofit/>
-          </a:bodyPr>
-          <a:lstStyle/>
-          <a:p>
-            <a:pPr algn="ctr" rtl="0" lvl="0">
-              <a:buNone/>
-            </a:pPr>
-            <a:r>
-              <a:rPr b="1" lang="en"/>
+          <a:bodyPr lIns="91425" tIns="91425" rIns="91425" bIns="91425" anchor="ctr" anchorCtr="0">
+            <a:noAutofit/>
+          </a:bodyPr>
+          <a:lstStyle/>
+          <a:p>
+            <a:pPr lvl="0" algn="ctr" rtl="0">
+              <a:buNone/>
+            </a:pPr>
+            <a:r>
+              <a:rPr lang="en" b="1"/>
               <a:t>Views available lots</a:t>
             </a:r>
           </a:p>
@@ -4241,8 +6748,8 @@
         </p:nvSpPr>
         <p:spPr>
           <a:xfrm>
-            <a:off y="1672025" x="1980350"/>
-            <a:ext cy="857400" cx="1345799"/>
+            <a:off x="1980350" y="1672025"/>
+            <a:ext cx="1345799" cy="857400"/>
           </a:xfrm>
           <a:prstGeom prst="rect">
             <a:avLst/>
@@ -4252,16 +6759,16 @@
           </a:solidFill>
         </p:spPr>
         <p:txBody>
-          <a:bodyPr bIns="91425" rIns="91425" lIns="91425" tIns="91425" anchor="ctr" anchorCtr="0">
-            <a:noAutofit/>
-          </a:bodyPr>
-          <a:lstStyle/>
-          <a:p>
-            <a:pPr algn="ctr" rtl="0" lvl="0">
-              <a:buNone/>
-            </a:pPr>
-            <a:r>
-              <a:rPr b="1" lang="en"/>
+          <a:bodyPr lIns="91425" tIns="91425" rIns="91425" bIns="91425" anchor="ctr" anchorCtr="0">
+            <a:noAutofit/>
+          </a:bodyPr>
+          <a:lstStyle/>
+          <a:p>
+            <a:pPr lvl="0" algn="ctr" rtl="0">
+              <a:buNone/>
+            </a:pPr>
+            <a:r>
+              <a:rPr lang="en" b="1"/>
               <a:t>Researches schools</a:t>
             </a:r>
           </a:p>
@@ -4275,8 +6782,8 @@
         </p:nvSpPr>
         <p:spPr>
           <a:xfrm>
-            <a:off y="2753800" x="1980350"/>
-            <a:ext cy="857400" cx="1345799"/>
+            <a:off x="1980350" y="2753800"/>
+            <a:ext cx="1345799" cy="857400"/>
           </a:xfrm>
           <a:prstGeom prst="rect">
             <a:avLst/>
@@ -4286,16 +6793,16 @@
           </a:solidFill>
         </p:spPr>
         <p:txBody>
-          <a:bodyPr bIns="91425" rIns="91425" lIns="91425" tIns="91425" anchor="ctr" anchorCtr="0">
-            <a:noAutofit/>
-          </a:bodyPr>
-          <a:lstStyle/>
-          <a:p>
-            <a:pPr algn="ctr" rtl="0" lvl="0">
-              <a:buNone/>
-            </a:pPr>
-            <a:r>
-              <a:rPr b="1" lang="en"/>
+          <a:bodyPr lIns="91425" tIns="91425" rIns="91425" bIns="91425" anchor="ctr" anchorCtr="0">
+            <a:noAutofit/>
+          </a:bodyPr>
+          <a:lstStyle/>
+          <a:p>
+            <a:pPr lvl="0" algn="ctr" rtl="0">
+              <a:buNone/>
+            </a:pPr>
+            <a:r>
+              <a:rPr lang="en" b="1"/>
               <a:t>Views subdivisions</a:t>
             </a:r>
           </a:p>
@@ -4309,8 +6816,8 @@
         </p:nvSpPr>
         <p:spPr>
           <a:xfrm>
-            <a:off y="1670387" x="246325"/>
-            <a:ext cy="857400" cx="1345799"/>
+            <a:off x="246325" y="1670387"/>
+            <a:ext cx="1345799" cy="857400"/>
           </a:xfrm>
           <a:prstGeom prst="rect">
             <a:avLst/>
@@ -4320,16 +6827,16 @@
           </a:solidFill>
         </p:spPr>
         <p:txBody>
-          <a:bodyPr bIns="91425" rIns="91425" lIns="91425" tIns="91425" anchor="ctr" anchorCtr="0">
-            <a:noAutofit/>
-          </a:bodyPr>
-          <a:lstStyle/>
-          <a:p>
-            <a:pPr algn="ctr" rtl="0" lvl="0">
-              <a:buNone/>
-            </a:pPr>
-            <a:r>
-              <a:rPr b="1" lang="en"/>
+          <a:bodyPr lIns="91425" tIns="91425" rIns="91425" bIns="91425" anchor="ctr" anchorCtr="0">
+            <a:noAutofit/>
+          </a:bodyPr>
+          <a:lstStyle/>
+          <a:p>
+            <a:pPr lvl="0" algn="ctr" rtl="0">
+              <a:buNone/>
+            </a:pPr>
+            <a:r>
+              <a:rPr lang="en" b="1"/>
               <a:t>Creates user account</a:t>
             </a:r>
           </a:p>
@@ -4343,8 +6850,8 @@
         </p:nvSpPr>
         <p:spPr>
           <a:xfrm>
-            <a:off y="1063375" x="3606500"/>
-            <a:ext cy="3786299" cx="1690199"/>
+            <a:off x="3606500" y="1063375"/>
+            <a:ext cx="1690199" cy="3786299"/>
           </a:xfrm>
           <a:prstGeom prst="rect">
             <a:avLst/>
@@ -4358,21 +6865,21 @@
             </a:solidFill>
             <a:prstDash val="solid"/>
             <a:round/>
-            <a:headEnd w="med" len="med" type="none"/>
-            <a:tailEnd w="med" len="med" type="none"/>
+            <a:headEnd type="none" w="med" len="med"/>
+            <a:tailEnd type="none" w="med" len="med"/>
           </a:ln>
         </p:spPr>
         <p:txBody>
-          <a:bodyPr bIns="91425" rIns="91425" lIns="91425" tIns="91425" anchor="t" anchorCtr="0">
-            <a:noAutofit/>
-          </a:bodyPr>
-          <a:lstStyle/>
-          <a:p>
-            <a:pPr algn="ctr" rtl="0" lvl="0">
-              <a:buNone/>
-            </a:pPr>
-            <a:r>
-              <a:rPr b="1" lang="en"/>
+          <a:bodyPr lIns="91425" tIns="91425" rIns="91425" bIns="91425" anchor="t" anchorCtr="0">
+            <a:noAutofit/>
+          </a:bodyPr>
+          <a:lstStyle/>
+          <a:p>
+            <a:pPr lvl="0" algn="ctr" rtl="0">
+              <a:buNone/>
+            </a:pPr>
+            <a:r>
+              <a:rPr lang="en" b="1"/>
               <a:t>Purchases a House</a:t>
             </a:r>
           </a:p>
@@ -4386,8 +6893,8 @@
         </p:nvSpPr>
         <p:spPr>
           <a:xfrm>
-            <a:off y="1670400" x="3775425"/>
-            <a:ext cy="857400" cx="1345799"/>
+            <a:off x="3775425" y="1670400"/>
+            <a:ext cx="1345799" cy="857400"/>
           </a:xfrm>
           <a:prstGeom prst="rect">
             <a:avLst/>
@@ -4397,16 +6904,16 @@
           </a:solidFill>
         </p:spPr>
         <p:txBody>
-          <a:bodyPr bIns="91425" rIns="91425" lIns="91425" tIns="91425" anchor="ctr" anchorCtr="0">
-            <a:noAutofit/>
-          </a:bodyPr>
-          <a:lstStyle/>
-          <a:p>
-            <a:pPr algn="ctr" rtl="0" lvl="0">
-              <a:buNone/>
-            </a:pPr>
-            <a:r>
-              <a:rPr b="1" lang="en"/>
+          <a:bodyPr lIns="91425" tIns="91425" rIns="91425" bIns="91425" anchor="ctr" anchorCtr="0">
+            <a:noAutofit/>
+          </a:bodyPr>
+          <a:lstStyle/>
+          <a:p>
+            <a:pPr lvl="0" algn="ctr" rtl="0">
+              <a:buNone/>
+            </a:pPr>
+            <a:r>
+              <a:rPr lang="en" b="1"/>
               <a:t>Chooses lot</a:t>
             </a:r>
           </a:p>
@@ -4420,8 +6927,8 @@
         </p:nvSpPr>
         <p:spPr>
           <a:xfrm>
-            <a:off y="2755450" x="3767887"/>
-            <a:ext cy="857400" cx="1345799"/>
+            <a:off x="3767887" y="2755450"/>
+            <a:ext cx="1345799" cy="857400"/>
           </a:xfrm>
           <a:prstGeom prst="rect">
             <a:avLst/>
@@ -4431,16 +6938,16 @@
           </a:solidFill>
         </p:spPr>
         <p:txBody>
-          <a:bodyPr bIns="91425" rIns="91425" lIns="91425" tIns="91425" anchor="ctr" anchorCtr="0">
-            <a:noAutofit/>
-          </a:bodyPr>
-          <a:lstStyle/>
-          <a:p>
-            <a:pPr algn="ctr" rtl="0" lvl="0">
-              <a:buNone/>
-            </a:pPr>
-            <a:r>
-              <a:rPr b="1" lang="en"/>
+          <a:bodyPr lIns="91425" tIns="91425" rIns="91425" bIns="91425" anchor="ctr" anchorCtr="0">
+            <a:noAutofit/>
+          </a:bodyPr>
+          <a:lstStyle/>
+          <a:p>
+            <a:pPr lvl="0" algn="ctr" rtl="0">
+              <a:buNone/>
+            </a:pPr>
+            <a:r>
+              <a:rPr lang="en" b="1"/>
               <a:t>Submits forms and agreements</a:t>
             </a:r>
           </a:p>
@@ -4454,8 +6961,8 @@
         </p:nvSpPr>
         <p:spPr>
           <a:xfrm>
-            <a:off y="3837750" x="3767875"/>
-            <a:ext cy="857400" cx="1345799"/>
+            <a:off x="3767875" y="3837750"/>
+            <a:ext cx="1345799" cy="857400"/>
           </a:xfrm>
           <a:prstGeom prst="rect">
             <a:avLst/>
@@ -4465,16 +6972,16 @@
           </a:solidFill>
         </p:spPr>
         <p:txBody>
-          <a:bodyPr bIns="91425" rIns="91425" lIns="91425" tIns="91425" anchor="ctr" anchorCtr="0">
-            <a:noAutofit/>
-          </a:bodyPr>
-          <a:lstStyle/>
-          <a:p>
-            <a:pPr algn="ctr" rtl="0" lvl="0">
-              <a:buNone/>
-            </a:pPr>
-            <a:r>
-              <a:rPr b="1" lang="en"/>
+          <a:bodyPr lIns="91425" tIns="91425" rIns="91425" bIns="91425" anchor="ctr" anchorCtr="0">
+            <a:noAutofit/>
+          </a:bodyPr>
+          <a:lstStyle/>
+          <a:p>
+            <a:pPr lvl="0" algn="ctr" rtl="0">
+              <a:buNone/>
+            </a:pPr>
+            <a:r>
+              <a:rPr lang="en" b="1"/>
               <a:t>Submits contract</a:t>
             </a:r>
           </a:p>
@@ -4485,27 +6992,27 @@
   <p:clrMapOvr>
     <a:masterClrMapping/>
   </p:clrMapOvr>
-  <p:transition spd="slow">
+  <p:transition xmlns:p14="http://schemas.microsoft.com/office/powerpoint/2010/main" spd="slow">
     <p:cut/>
   </p:transition>
 </p:sld>
 </file>
 
 <file path=ppt/slides/slide7.xml><?xml version="1.0" encoding="utf-8"?>
-<p:sld xmlns:a="http://schemas.openxmlformats.org/drawingml/2006/main" xmlns:r="http://schemas.openxmlformats.org/officeDocument/2006/relationships" xmlns:mc="http://schemas.openxmlformats.org/markup-compatibility/2006" xmlns:mv="urn:schemas-microsoft-com:mac:vml" xmlns:p="http://schemas.openxmlformats.org/presentationml/2006/main" xmlns:c="http://schemas.openxmlformats.org/drawingml/2006/chart" xmlns:dgm="http://schemas.openxmlformats.org/drawingml/2006/diagram" xmlns:o="urn:schemas-microsoft-com:office:office" xmlns:v="urn:schemas-microsoft-com:vml" xmlns:pvml="urn:schemas-microsoft-com:office:powerpoint" xmlns:com="http://schemas.openxmlformats.org/drawingml/2006/compatibility" xmlns:p14="http://schemas.microsoft.com/office/powerpoint/2010/main">
+<p:sld xmlns:a="http://schemas.openxmlformats.org/drawingml/2006/main" xmlns:r="http://schemas.openxmlformats.org/officeDocument/2006/relationships" xmlns:p="http://schemas.openxmlformats.org/presentationml/2006/main">
   <p:cSld>
     <p:spTree>
       <p:nvGrpSpPr>
-        <p:cNvPr id="75" name="Shape 75"/>
+        <p:cNvPr id="1" name="Shape 75"/>
         <p:cNvGrpSpPr/>
         <p:nvPr/>
       </p:nvGrpSpPr>
       <p:grpSpPr>
         <a:xfrm>
-          <a:off y="0" x="0"/>
-          <a:ext cy="0" cx="0"/>
-          <a:chOff y="0" x="0"/>
-          <a:chExt cy="0" cx="0"/>
+          <a:off x="0" y="0"/>
+          <a:ext cx="0" cy="0"/>
+          <a:chOff x="0" y="0"/>
+          <a:chExt cx="0" cy="0"/>
         </a:xfrm>
       </p:grpSpPr>
       <p:sp>
@@ -4516,8 +7023,8 @@
         </p:nvSpPr>
         <p:spPr>
           <a:xfrm>
-            <a:off y="1063375" x="121375"/>
-            <a:ext cy="3786299" cx="1592399"/>
+            <a:off x="121375" y="1063375"/>
+            <a:ext cx="1592399" cy="3786299"/>
           </a:xfrm>
           <a:prstGeom prst="rect">
             <a:avLst/>
@@ -4531,21 +7038,21 @@
             </a:solidFill>
             <a:prstDash val="solid"/>
             <a:round/>
-            <a:headEnd w="med" len="med" type="none"/>
-            <a:tailEnd w="med" len="med" type="none"/>
+            <a:headEnd type="none" w="med" len="med"/>
+            <a:tailEnd type="none" w="med" len="med"/>
           </a:ln>
         </p:spPr>
         <p:txBody>
-          <a:bodyPr bIns="91425" rIns="91425" lIns="91425" tIns="91425" anchor="t" anchorCtr="0">
-            <a:noAutofit/>
-          </a:bodyPr>
-          <a:lstStyle/>
-          <a:p>
-            <a:pPr algn="ctr" rtl="0" lvl="0">
-              <a:buNone/>
-            </a:pPr>
-            <a:r>
-              <a:rPr b="1" lang="en"/>
+          <a:bodyPr lIns="91425" tIns="91425" rIns="91425" bIns="91425" anchor="t" anchorCtr="0">
+            <a:noAutofit/>
+          </a:bodyPr>
+          <a:lstStyle/>
+          <a:p>
+            <a:pPr lvl="0" algn="ctr" rtl="0">
+              <a:buNone/>
+            </a:pPr>
+            <a:r>
+              <a:rPr lang="en" b="1"/>
               <a:t>Becomes a Customer</a:t>
             </a:r>
           </a:p>
@@ -4559,8 +7066,8 @@
         </p:nvSpPr>
         <p:spPr>
           <a:xfrm>
-            <a:off y="1063375" x="1863935"/>
-            <a:ext cy="3786299" cx="1592399"/>
+            <a:off x="1863935" y="1063375"/>
+            <a:ext cx="1592399" cy="3786299"/>
           </a:xfrm>
           <a:prstGeom prst="rect">
             <a:avLst/>
@@ -4574,21 +7081,21 @@
             </a:solidFill>
             <a:prstDash val="solid"/>
             <a:round/>
-            <a:headEnd w="med" len="med" type="none"/>
-            <a:tailEnd w="med" len="med" type="none"/>
+            <a:headEnd type="none" w="med" len="med"/>
+            <a:tailEnd type="none" w="med" len="med"/>
           </a:ln>
         </p:spPr>
         <p:txBody>
-          <a:bodyPr bIns="91425" rIns="91425" lIns="91425" tIns="91425" anchor="t" anchorCtr="0">
-            <a:noAutofit/>
-          </a:bodyPr>
-          <a:lstStyle/>
-          <a:p>
-            <a:pPr algn="ctr" rtl="0" lvl="0">
-              <a:buNone/>
-            </a:pPr>
-            <a:r>
-              <a:rPr b="1" lang="en"/>
+          <a:bodyPr lIns="91425" tIns="91425" rIns="91425" bIns="91425" anchor="t" anchorCtr="0">
+            <a:noAutofit/>
+          </a:bodyPr>
+          <a:lstStyle/>
+          <a:p>
+            <a:pPr lvl="0" algn="ctr" rtl="0">
+              <a:buNone/>
+            </a:pPr>
+            <a:r>
+              <a:rPr lang="en" b="1"/>
               <a:t>Researches Locations</a:t>
             </a:r>
           </a:p>
@@ -4597,27 +7104,29 @@
       <p:sp>
         <p:nvSpPr>
           <p:cNvPr id="78" name="Shape 78"/>
-          <p:cNvSpPr txBox="1"/>
+          <p:cNvSpPr txBox="1">
+            <a:spLocks noGrp="1"/>
+          </p:cNvSpPr>
           <p:nvPr>
             <p:ph type="title"/>
           </p:nvPr>
         </p:nvSpPr>
         <p:spPr>
           <a:xfrm>
-            <a:off y="205978" x="457200"/>
-            <a:ext cy="857400" cx="8229600"/>
-          </a:xfrm>
-          <a:prstGeom prst="rect">
-            <a:avLst/>
-          </a:prstGeom>
-        </p:spPr>
-        <p:txBody>
-          <a:bodyPr bIns="91425" rIns="91425" lIns="91425" tIns="91425" anchor="b" anchorCtr="0">
-            <a:noAutofit/>
-          </a:bodyPr>
-          <a:lstStyle/>
-          <a:p>
-            <a:pPr rtl="0" lvl="0">
+            <a:off x="457200" y="205978"/>
+            <a:ext cx="8229600" cy="857400"/>
+          </a:xfrm>
+          <a:prstGeom prst="rect">
+            <a:avLst/>
+          </a:prstGeom>
+        </p:spPr>
+        <p:txBody>
+          <a:bodyPr lIns="91425" tIns="91425" rIns="91425" bIns="91425" anchor="b" anchorCtr="0">
+            <a:noAutofit/>
+          </a:bodyPr>
+          <a:lstStyle/>
+          <a:p>
+            <a:pPr lvl="0" rtl="0">
               <a:buNone/>
             </a:pPr>
             <a:r>
@@ -4635,8 +7144,8 @@
         </p:nvSpPr>
         <p:spPr>
           <a:xfrm>
-            <a:off y="2753800" x="246325"/>
-            <a:ext cy="857400" cx="1345799"/>
+            <a:off x="246325" y="2753800"/>
+            <a:ext cx="1345799" cy="857400"/>
           </a:xfrm>
           <a:prstGeom prst="rect">
             <a:avLst/>
@@ -4646,16 +7155,16 @@
           </a:solidFill>
         </p:spPr>
         <p:txBody>
-          <a:bodyPr bIns="91425" rIns="91425" lIns="91425" tIns="91425" anchor="ctr" anchorCtr="0">
-            <a:noAutofit/>
-          </a:bodyPr>
-          <a:lstStyle/>
-          <a:p>
-            <a:pPr algn="ctr" rtl="0" lvl="0">
-              <a:buNone/>
-            </a:pPr>
-            <a:r>
-              <a:rPr b="1" lang="en"/>
+          <a:bodyPr lIns="91425" tIns="91425" rIns="91425" bIns="91425" anchor="ctr" anchorCtr="0">
+            <a:noAutofit/>
+          </a:bodyPr>
+          <a:lstStyle/>
+          <a:p>
+            <a:pPr lvl="0" algn="ctr" rtl="0">
+              <a:buNone/>
+            </a:pPr>
+            <a:r>
+              <a:rPr lang="en" b="1"/>
               <a:t>Logs on</a:t>
             </a:r>
           </a:p>
@@ -4669,8 +7178,8 @@
         </p:nvSpPr>
         <p:spPr>
           <a:xfrm>
-            <a:off y="3835575" x="1980350"/>
-            <a:ext cy="857400" cx="1345799"/>
+            <a:off x="1980350" y="3835575"/>
+            <a:ext cx="1345799" cy="857400"/>
           </a:xfrm>
           <a:prstGeom prst="rect">
             <a:avLst/>
@@ -4680,16 +7189,16 @@
           </a:solidFill>
         </p:spPr>
         <p:txBody>
-          <a:bodyPr bIns="91425" rIns="91425" lIns="91425" tIns="91425" anchor="ctr" anchorCtr="0">
-            <a:noAutofit/>
-          </a:bodyPr>
-          <a:lstStyle/>
-          <a:p>
-            <a:pPr algn="ctr" rtl="0" lvl="0">
-              <a:buNone/>
-            </a:pPr>
-            <a:r>
-              <a:rPr b="1" lang="en"/>
+          <a:bodyPr lIns="91425" tIns="91425" rIns="91425" bIns="91425" anchor="ctr" anchorCtr="0">
+            <a:noAutofit/>
+          </a:bodyPr>
+          <a:lstStyle/>
+          <a:p>
+            <a:pPr lvl="0" algn="ctr" rtl="0">
+              <a:buNone/>
+            </a:pPr>
+            <a:r>
+              <a:rPr lang="en" b="1"/>
               <a:t>Views available lots</a:t>
             </a:r>
           </a:p>
@@ -4703,8 +7212,8 @@
         </p:nvSpPr>
         <p:spPr>
           <a:xfrm>
-            <a:off y="1672025" x="1980350"/>
-            <a:ext cy="857400" cx="1345799"/>
+            <a:off x="1980350" y="1672025"/>
+            <a:ext cx="1345799" cy="857400"/>
           </a:xfrm>
           <a:prstGeom prst="rect">
             <a:avLst/>
@@ -4714,16 +7223,16 @@
           </a:solidFill>
         </p:spPr>
         <p:txBody>
-          <a:bodyPr bIns="91425" rIns="91425" lIns="91425" tIns="91425" anchor="ctr" anchorCtr="0">
-            <a:noAutofit/>
-          </a:bodyPr>
-          <a:lstStyle/>
-          <a:p>
-            <a:pPr algn="ctr" rtl="0" lvl="0">
-              <a:buNone/>
-            </a:pPr>
-            <a:r>
-              <a:rPr b="1" lang="en"/>
+          <a:bodyPr lIns="91425" tIns="91425" rIns="91425" bIns="91425" anchor="ctr" anchorCtr="0">
+            <a:noAutofit/>
+          </a:bodyPr>
+          <a:lstStyle/>
+          <a:p>
+            <a:pPr lvl="0" algn="ctr" rtl="0">
+              <a:buNone/>
+            </a:pPr>
+            <a:r>
+              <a:rPr lang="en" b="1"/>
               <a:t>Researches schools</a:t>
             </a:r>
           </a:p>
@@ -4737,8 +7246,8 @@
         </p:nvSpPr>
         <p:spPr>
           <a:xfrm>
-            <a:off y="2753800" x="1980350"/>
-            <a:ext cy="857400" cx="1345799"/>
+            <a:off x="1980350" y="2753800"/>
+            <a:ext cx="1345799" cy="857400"/>
           </a:xfrm>
           <a:prstGeom prst="rect">
             <a:avLst/>
@@ -4748,16 +7257,16 @@
           </a:solidFill>
         </p:spPr>
         <p:txBody>
-          <a:bodyPr bIns="91425" rIns="91425" lIns="91425" tIns="91425" anchor="ctr" anchorCtr="0">
-            <a:noAutofit/>
-          </a:bodyPr>
-          <a:lstStyle/>
-          <a:p>
-            <a:pPr algn="ctr" rtl="0" lvl="0">
-              <a:buNone/>
-            </a:pPr>
-            <a:r>
-              <a:rPr b="1" lang="en"/>
+          <a:bodyPr lIns="91425" tIns="91425" rIns="91425" bIns="91425" anchor="ctr" anchorCtr="0">
+            <a:noAutofit/>
+          </a:bodyPr>
+          <a:lstStyle/>
+          <a:p>
+            <a:pPr lvl="0" algn="ctr" rtl="0">
+              <a:buNone/>
+            </a:pPr>
+            <a:r>
+              <a:rPr lang="en" b="1"/>
               <a:t>Views subdivisions</a:t>
             </a:r>
           </a:p>
@@ -4771,8 +7280,8 @@
         </p:nvSpPr>
         <p:spPr>
           <a:xfrm>
-            <a:off y="1670387" x="246325"/>
-            <a:ext cy="857400" cx="1345799"/>
+            <a:off x="246325" y="1670387"/>
+            <a:ext cx="1345799" cy="857400"/>
           </a:xfrm>
           <a:prstGeom prst="rect">
             <a:avLst/>
@@ -4782,16 +7291,16 @@
           </a:solidFill>
         </p:spPr>
         <p:txBody>
-          <a:bodyPr bIns="91425" rIns="91425" lIns="91425" tIns="91425" anchor="ctr" anchorCtr="0">
-            <a:noAutofit/>
-          </a:bodyPr>
-          <a:lstStyle/>
-          <a:p>
-            <a:pPr algn="ctr" rtl="0" lvl="0">
-              <a:buNone/>
-            </a:pPr>
-            <a:r>
-              <a:rPr b="1" lang="en"/>
+          <a:bodyPr lIns="91425" tIns="91425" rIns="91425" bIns="91425" anchor="ctr" anchorCtr="0">
+            <a:noAutofit/>
+          </a:bodyPr>
+          <a:lstStyle/>
+          <a:p>
+            <a:pPr lvl="0" algn="ctr" rtl="0">
+              <a:buNone/>
+            </a:pPr>
+            <a:r>
+              <a:rPr lang="en" b="1"/>
               <a:t>Creates user account</a:t>
             </a:r>
           </a:p>
@@ -4805,8 +7314,8 @@
         </p:nvSpPr>
         <p:spPr>
           <a:xfrm>
-            <a:off y="1063375" x="3606500"/>
-            <a:ext cy="3786299" cx="1690199"/>
+            <a:off x="3606500" y="1063375"/>
+            <a:ext cx="1690199" cy="3786299"/>
           </a:xfrm>
           <a:prstGeom prst="rect">
             <a:avLst/>
@@ -4820,21 +7329,21 @@
             </a:solidFill>
             <a:prstDash val="solid"/>
             <a:round/>
-            <a:headEnd w="med" len="med" type="none"/>
-            <a:tailEnd w="med" len="med" type="none"/>
+            <a:headEnd type="none" w="med" len="med"/>
+            <a:tailEnd type="none" w="med" len="med"/>
           </a:ln>
         </p:spPr>
         <p:txBody>
-          <a:bodyPr bIns="91425" rIns="91425" lIns="91425" tIns="91425" anchor="t" anchorCtr="0">
-            <a:noAutofit/>
-          </a:bodyPr>
-          <a:lstStyle/>
-          <a:p>
-            <a:pPr algn="ctr" rtl="0" lvl="0">
-              <a:buNone/>
-            </a:pPr>
-            <a:r>
-              <a:rPr b="1" lang="en"/>
+          <a:bodyPr lIns="91425" tIns="91425" rIns="91425" bIns="91425" anchor="t" anchorCtr="0">
+            <a:noAutofit/>
+          </a:bodyPr>
+          <a:lstStyle/>
+          <a:p>
+            <a:pPr lvl="0" algn="ctr" rtl="0">
+              <a:buNone/>
+            </a:pPr>
+            <a:r>
+              <a:rPr lang="en" b="1"/>
               <a:t>Purchases a House</a:t>
             </a:r>
           </a:p>
@@ -4848,8 +7357,8 @@
         </p:nvSpPr>
         <p:spPr>
           <a:xfrm>
-            <a:off y="1063375" x="5425249"/>
-            <a:ext cy="3786299" cx="1629299"/>
+            <a:off x="5425249" y="1063375"/>
+            <a:ext cx="1629299" cy="3786299"/>
           </a:xfrm>
           <a:prstGeom prst="rect">
             <a:avLst/>
@@ -4863,21 +7372,21 @@
             </a:solidFill>
             <a:prstDash val="solid"/>
             <a:round/>
-            <a:headEnd w="med" len="med" type="none"/>
-            <a:tailEnd w="med" len="med" type="none"/>
+            <a:headEnd type="none" w="med" len="med"/>
+            <a:tailEnd type="none" w="med" len="med"/>
           </a:ln>
         </p:spPr>
         <p:txBody>
-          <a:bodyPr bIns="91425" rIns="91425" lIns="91425" tIns="91425" anchor="t" anchorCtr="0">
-            <a:noAutofit/>
-          </a:bodyPr>
-          <a:lstStyle/>
-          <a:p>
-            <a:pPr algn="ctr" rtl="0" lvl="0">
-              <a:buNone/>
-            </a:pPr>
-            <a:r>
-              <a:rPr b="1" lang="en"/>
+          <a:bodyPr lIns="91425" tIns="91425" rIns="91425" bIns="91425" anchor="t" anchorCtr="0">
+            <a:noAutofit/>
+          </a:bodyPr>
+          <a:lstStyle/>
+          <a:p>
+            <a:pPr lvl="0" algn="ctr" rtl="0">
+              <a:buNone/>
+            </a:pPr>
+            <a:r>
+              <a:rPr lang="en" b="1"/>
               <a:t>Customizes Home</a:t>
             </a:r>
           </a:p>
@@ -4891,8 +7400,8 @@
         </p:nvSpPr>
         <p:spPr>
           <a:xfrm>
-            <a:off y="1670400" x="3775425"/>
-            <a:ext cy="857400" cx="1345799"/>
+            <a:off x="3775425" y="1670400"/>
+            <a:ext cx="1345799" cy="857400"/>
           </a:xfrm>
           <a:prstGeom prst="rect">
             <a:avLst/>
@@ -4902,16 +7411,16 @@
           </a:solidFill>
         </p:spPr>
         <p:txBody>
-          <a:bodyPr bIns="91425" rIns="91425" lIns="91425" tIns="91425" anchor="ctr" anchorCtr="0">
-            <a:noAutofit/>
-          </a:bodyPr>
-          <a:lstStyle/>
-          <a:p>
-            <a:pPr algn="ctr" rtl="0" lvl="0">
-              <a:buNone/>
-            </a:pPr>
-            <a:r>
-              <a:rPr b="1" lang="en"/>
+          <a:bodyPr lIns="91425" tIns="91425" rIns="91425" bIns="91425" anchor="ctr" anchorCtr="0">
+            <a:noAutofit/>
+          </a:bodyPr>
+          <a:lstStyle/>
+          <a:p>
+            <a:pPr lvl="0" algn="ctr" rtl="0">
+              <a:buNone/>
+            </a:pPr>
+            <a:r>
+              <a:rPr lang="en" b="1"/>
               <a:t>Chooses lot</a:t>
             </a:r>
           </a:p>
@@ -4925,8 +7434,8 @@
         </p:nvSpPr>
         <p:spPr>
           <a:xfrm>
-            <a:off y="1672025" x="5570162"/>
-            <a:ext cy="857400" cx="1345799"/>
+            <a:off x="5570162" y="1672025"/>
+            <a:ext cx="1345799" cy="857400"/>
           </a:xfrm>
           <a:prstGeom prst="rect">
             <a:avLst/>
@@ -4936,16 +7445,16 @@
           </a:solidFill>
         </p:spPr>
         <p:txBody>
-          <a:bodyPr bIns="91425" rIns="91425" lIns="91425" tIns="91425" anchor="ctr" anchorCtr="0">
-            <a:noAutofit/>
-          </a:bodyPr>
-          <a:lstStyle/>
-          <a:p>
-            <a:pPr algn="ctr" rtl="0" lvl="0">
-              <a:buNone/>
-            </a:pPr>
-            <a:r>
-              <a:rPr b="1" lang="en"/>
+          <a:bodyPr lIns="91425" tIns="91425" rIns="91425" bIns="91425" anchor="ctr" anchorCtr="0">
+            <a:noAutofit/>
+          </a:bodyPr>
+          <a:lstStyle/>
+          <a:p>
+            <a:pPr lvl="0" algn="ctr" rtl="0">
+              <a:buNone/>
+            </a:pPr>
+            <a:r>
+              <a:rPr lang="en" b="1"/>
               <a:t>Selects house layout</a:t>
             </a:r>
           </a:p>
@@ -4959,8 +7468,8 @@
         </p:nvSpPr>
         <p:spPr>
           <a:xfrm>
-            <a:off y="1063375" x="7189425"/>
-            <a:ext cy="3786299" cx="1755600"/>
+            <a:off x="7189425" y="1063375"/>
+            <a:ext cx="1755600" cy="3786299"/>
           </a:xfrm>
           <a:prstGeom prst="rect">
             <a:avLst/>
@@ -4974,21 +7483,21 @@
             </a:solidFill>
             <a:prstDash val="solid"/>
             <a:round/>
-            <a:headEnd w="med" len="med" type="none"/>
-            <a:tailEnd w="med" len="med" type="none"/>
+            <a:headEnd type="none" w="med" len="med"/>
+            <a:tailEnd type="none" w="med" len="med"/>
           </a:ln>
         </p:spPr>
         <p:txBody>
-          <a:bodyPr bIns="91425" rIns="91425" lIns="91425" tIns="91425" anchor="t" anchorCtr="0">
-            <a:noAutofit/>
-          </a:bodyPr>
-          <a:lstStyle/>
-          <a:p>
-            <a:pPr algn="ctr" rtl="0" lvl="0">
-              <a:buNone/>
-            </a:pPr>
-            <a:r>
-              <a:rPr b="1" lang="en"/>
+          <a:bodyPr lIns="91425" tIns="91425" rIns="91425" bIns="91425" anchor="t" anchorCtr="0">
+            <a:noAutofit/>
+          </a:bodyPr>
+          <a:lstStyle/>
+          <a:p>
+            <a:pPr lvl="0" algn="ctr" rtl="0">
+              <a:buNone/>
+            </a:pPr>
+            <a:r>
+              <a:rPr lang="en" b="1"/>
               <a:t>Views Progress</a:t>
             </a:r>
           </a:p>
@@ -5002,8 +7511,8 @@
         </p:nvSpPr>
         <p:spPr>
           <a:xfrm>
-            <a:off y="2755450" x="5570162"/>
-            <a:ext cy="857400" cx="1345799"/>
+            <a:off x="5570162" y="2755450"/>
+            <a:ext cx="1345799" cy="857400"/>
           </a:xfrm>
           <a:prstGeom prst="rect">
             <a:avLst/>
@@ -5013,25 +7522,25 @@
           </a:solidFill>
         </p:spPr>
         <p:txBody>
-          <a:bodyPr bIns="91425" rIns="91425" lIns="91425" tIns="91425" anchor="ctr" anchorCtr="0">
-            <a:noAutofit/>
-          </a:bodyPr>
-          <a:lstStyle/>
-          <a:p>
-            <a:pPr algn="ctr" rtl="0" lvl="0">
-              <a:buNone/>
-            </a:pPr>
-            <a:r>
-              <a:rPr b="1" lang="en"/>
+          <a:bodyPr lIns="91425" tIns="91425" rIns="91425" bIns="91425" anchor="ctr" anchorCtr="0">
+            <a:noAutofit/>
+          </a:bodyPr>
+          <a:lstStyle/>
+          <a:p>
+            <a:pPr lvl="0" algn="ctr" rtl="0">
+              <a:buNone/>
+            </a:pPr>
+            <a:r>
+              <a:rPr lang="en" b="1"/>
               <a:t>Selects options/</a:t>
             </a:r>
           </a:p>
           <a:p>
-            <a:pPr algn="ctr" rtl="0" lvl="0">
-              <a:buNone/>
-            </a:pPr>
-            <a:r>
-              <a:rPr b="1" lang="en"/>
+            <a:pPr lvl="0" algn="ctr" rtl="0">
+              <a:buNone/>
+            </a:pPr>
+            <a:r>
+              <a:rPr lang="en" b="1"/>
               <a:t>upgrades</a:t>
             </a:r>
           </a:p>
@@ -5045,8 +7554,8 @@
         </p:nvSpPr>
         <p:spPr>
           <a:xfrm>
-            <a:off y="1672025" x="7387262"/>
-            <a:ext cy="857400" cx="1345799"/>
+            <a:off x="7387262" y="1672025"/>
+            <a:ext cx="1345799" cy="857400"/>
           </a:xfrm>
           <a:prstGeom prst="rect">
             <a:avLst/>
@@ -5056,16 +7565,16 @@
           </a:solidFill>
         </p:spPr>
         <p:txBody>
-          <a:bodyPr bIns="91425" rIns="91425" lIns="91425" tIns="91425" anchor="ctr" anchorCtr="0">
-            <a:noAutofit/>
-          </a:bodyPr>
-          <a:lstStyle/>
-          <a:p>
-            <a:pPr algn="ctr" rtl="0" lvl="0">
-              <a:buNone/>
-            </a:pPr>
-            <a:r>
-              <a:rPr b="1" lang="en"/>
+          <a:bodyPr lIns="91425" tIns="91425" rIns="91425" bIns="91425" anchor="ctr" anchorCtr="0">
+            <a:noAutofit/>
+          </a:bodyPr>
+          <a:lstStyle/>
+          <a:p>
+            <a:pPr lvl="0" algn="ctr" rtl="0">
+              <a:buNone/>
+            </a:pPr>
+            <a:r>
+              <a:rPr lang="en" b="1"/>
               <a:t>Views current stage</a:t>
             </a:r>
           </a:p>
@@ -5079,8 +7588,8 @@
         </p:nvSpPr>
         <p:spPr>
           <a:xfrm>
-            <a:off y="2716787" x="7394312"/>
-            <a:ext cy="857400" cx="1345799"/>
+            <a:off x="7394312" y="2716787"/>
+            <a:ext cx="1345799" cy="857400"/>
           </a:xfrm>
           <a:prstGeom prst="rect">
             <a:avLst/>
@@ -5090,16 +7599,16 @@
           </a:solidFill>
         </p:spPr>
         <p:txBody>
-          <a:bodyPr bIns="91425" rIns="91425" lIns="91425" tIns="91425" anchor="ctr" anchorCtr="0">
-            <a:noAutofit/>
-          </a:bodyPr>
-          <a:lstStyle/>
-          <a:p>
-            <a:pPr algn="ctr" rtl="0" lvl="0">
-              <a:buNone/>
-            </a:pPr>
-            <a:r>
-              <a:rPr b="1" lang="en"/>
+          <a:bodyPr lIns="91425" tIns="91425" rIns="91425" bIns="91425" anchor="ctr" anchorCtr="0">
+            <a:noAutofit/>
+          </a:bodyPr>
+          <a:lstStyle/>
+          <a:p>
+            <a:pPr lvl="0" algn="ctr" rtl="0">
+              <a:buNone/>
+            </a:pPr>
+            <a:r>
+              <a:rPr lang="en" b="1"/>
               <a:t>Views task completion percentage</a:t>
             </a:r>
           </a:p>
@@ -5113,8 +7622,8 @@
         </p:nvSpPr>
         <p:spPr>
           <a:xfrm>
-            <a:off y="3761550" x="7394312"/>
-            <a:ext cy="857400" cx="1345799"/>
+            <a:off x="7394312" y="3761550"/>
+            <a:ext cx="1345799" cy="857400"/>
           </a:xfrm>
           <a:prstGeom prst="rect">
             <a:avLst/>
@@ -5124,16 +7633,16 @@
           </a:solidFill>
         </p:spPr>
         <p:txBody>
-          <a:bodyPr bIns="91425" rIns="91425" lIns="91425" tIns="91425" anchor="ctr" anchorCtr="0">
-            <a:noAutofit/>
-          </a:bodyPr>
-          <a:lstStyle/>
-          <a:p>
-            <a:pPr algn="ctr" rtl="0" lvl="0">
-              <a:buNone/>
-            </a:pPr>
-            <a:r>
-              <a:rPr b="1" lang="en"/>
+          <a:bodyPr lIns="91425" tIns="91425" rIns="91425" bIns="91425" anchor="ctr" anchorCtr="0">
+            <a:noAutofit/>
+          </a:bodyPr>
+          <a:lstStyle/>
+          <a:p>
+            <a:pPr lvl="0" algn="ctr" rtl="0">
+              <a:buNone/>
+            </a:pPr>
+            <a:r>
+              <a:rPr lang="en" b="1"/>
               <a:t>Views task status updates</a:t>
             </a:r>
           </a:p>
@@ -5147,8 +7656,8 @@
         </p:nvSpPr>
         <p:spPr>
           <a:xfrm>
-            <a:off y="2755450" x="3767887"/>
-            <a:ext cy="857400" cx="1345799"/>
+            <a:off x="3767887" y="2755450"/>
+            <a:ext cx="1345799" cy="857400"/>
           </a:xfrm>
           <a:prstGeom prst="rect">
             <a:avLst/>
@@ -5158,16 +7667,16 @@
           </a:solidFill>
         </p:spPr>
         <p:txBody>
-          <a:bodyPr bIns="91425" rIns="91425" lIns="91425" tIns="91425" anchor="ctr" anchorCtr="0">
-            <a:noAutofit/>
-          </a:bodyPr>
-          <a:lstStyle/>
-          <a:p>
-            <a:pPr algn="ctr" rtl="0" lvl="0">
-              <a:buNone/>
-            </a:pPr>
-            <a:r>
-              <a:rPr b="1" lang="en"/>
+          <a:bodyPr lIns="91425" tIns="91425" rIns="91425" bIns="91425" anchor="ctr" anchorCtr="0">
+            <a:noAutofit/>
+          </a:bodyPr>
+          <a:lstStyle/>
+          <a:p>
+            <a:pPr lvl="0" algn="ctr" rtl="0">
+              <a:buNone/>
+            </a:pPr>
+            <a:r>
+              <a:rPr lang="en" b="1"/>
               <a:t>Submits forms and agreements</a:t>
             </a:r>
           </a:p>
@@ -5181,8 +7690,8 @@
         </p:nvSpPr>
         <p:spPr>
           <a:xfrm>
-            <a:off y="3837750" x="3767875"/>
-            <a:ext cy="857400" cx="1345799"/>
+            <a:off x="3767875" y="3837750"/>
+            <a:ext cx="1345799" cy="857400"/>
           </a:xfrm>
           <a:prstGeom prst="rect">
             <a:avLst/>
@@ -5192,16 +7701,16 @@
           </a:solidFill>
         </p:spPr>
         <p:txBody>
-          <a:bodyPr bIns="91425" rIns="91425" lIns="91425" tIns="91425" anchor="ctr" anchorCtr="0">
-            <a:noAutofit/>
-          </a:bodyPr>
-          <a:lstStyle/>
-          <a:p>
-            <a:pPr algn="ctr" rtl="0" lvl="0">
-              <a:buNone/>
-            </a:pPr>
-            <a:r>
-              <a:rPr b="1" lang="en"/>
+          <a:bodyPr lIns="91425" tIns="91425" rIns="91425" bIns="91425" anchor="ctr" anchorCtr="0">
+            <a:noAutofit/>
+          </a:bodyPr>
+          <a:lstStyle/>
+          <a:p>
+            <a:pPr lvl="0" algn="ctr" rtl="0">
+              <a:buNone/>
+            </a:pPr>
+            <a:r>
+              <a:rPr lang="en" b="1"/>
               <a:t>Submits contract</a:t>
             </a:r>
           </a:p>
@@ -5212,53 +7721,55 @@
   <p:clrMapOvr>
     <a:masterClrMapping/>
   </p:clrMapOvr>
-  <p:transition spd="slow">
+  <p:transition xmlns:p14="http://schemas.microsoft.com/office/powerpoint/2010/main" spd="slow">
     <p:cut/>
   </p:transition>
 </p:sld>
 </file>
 
 <file path=ppt/slides/slide8.xml><?xml version="1.0" encoding="utf-8"?>
-<p:sld xmlns:a="http://schemas.openxmlformats.org/drawingml/2006/main" xmlns:r="http://schemas.openxmlformats.org/officeDocument/2006/relationships" xmlns:mc="http://schemas.openxmlformats.org/markup-compatibility/2006" xmlns:mv="urn:schemas-microsoft-com:mac:vml" xmlns:p="http://schemas.openxmlformats.org/presentationml/2006/main" xmlns:c="http://schemas.openxmlformats.org/drawingml/2006/chart" xmlns:dgm="http://schemas.openxmlformats.org/drawingml/2006/diagram" xmlns:o="urn:schemas-microsoft-com:office:office" xmlns:v="urn:schemas-microsoft-com:vml" xmlns:pvml="urn:schemas-microsoft-com:office:powerpoint" xmlns:com="http://schemas.openxmlformats.org/drawingml/2006/compatibility" xmlns:p14="http://schemas.microsoft.com/office/powerpoint/2010/main">
+<p:sld xmlns:a="http://schemas.openxmlformats.org/drawingml/2006/main" xmlns:r="http://schemas.openxmlformats.org/officeDocument/2006/relationships" xmlns:p="http://schemas.openxmlformats.org/presentationml/2006/main">
   <p:cSld>
     <p:spTree>
       <p:nvGrpSpPr>
-        <p:cNvPr id="98" name="Shape 98"/>
+        <p:cNvPr id="1" name="Shape 98"/>
         <p:cNvGrpSpPr/>
         <p:nvPr/>
       </p:nvGrpSpPr>
       <p:grpSpPr>
         <a:xfrm>
-          <a:off y="0" x="0"/>
-          <a:ext cy="0" cx="0"/>
-          <a:chOff y="0" x="0"/>
-          <a:chExt cy="0" cx="0"/>
+          <a:off x="0" y="0"/>
+          <a:ext cx="0" cy="0"/>
+          <a:chOff x="0" y="0"/>
+          <a:chExt cx="0" cy="0"/>
         </a:xfrm>
       </p:grpSpPr>
       <p:sp>
         <p:nvSpPr>
           <p:cNvPr id="99" name="Shape 99"/>
-          <p:cNvSpPr txBox="1"/>
+          <p:cNvSpPr txBox="1">
+            <a:spLocks noGrp="1"/>
+          </p:cNvSpPr>
           <p:nvPr>
             <p:ph type="title"/>
           </p:nvPr>
         </p:nvSpPr>
         <p:spPr>
           <a:xfrm>
-            <a:off y="205978" x="457200"/>
-            <a:ext cy="3890700" cx="8229600"/>
-          </a:xfrm>
-          <a:prstGeom prst="rect">
-            <a:avLst/>
-          </a:prstGeom>
-        </p:spPr>
-        <p:txBody>
-          <a:bodyPr bIns="91425" rIns="91425" lIns="91425" tIns="91425" anchor="ctr" anchorCtr="0">
-            <a:noAutofit/>
-          </a:bodyPr>
-          <a:lstStyle/>
-          <a:p>
-            <a:pPr rtl="0" lvl="0">
+            <a:off x="457200" y="205978"/>
+            <a:ext cx="8229600" cy="3890700"/>
+          </a:xfrm>
+          <a:prstGeom prst="rect">
+            <a:avLst/>
+          </a:prstGeom>
+        </p:spPr>
+        <p:txBody>
+          <a:bodyPr lIns="91425" tIns="91425" rIns="91425" bIns="91425" anchor="ctr" anchorCtr="0">
+            <a:noAutofit/>
+          </a:bodyPr>
+          <a:lstStyle/>
+          <a:p>
+            <a:pPr lvl="0" rtl="0">
               <a:buNone/>
             </a:pPr>
             <a:r>
@@ -5267,12 +7778,10 @@
             </a:r>
           </a:p>
           <a:p>
-            <a:r>
-              <a:t/>
-            </a:r>
-          </a:p>
-          <a:p>
-            <a:pPr rtl="0" lvl="0" indent="0" marL="3657600">
+            <a:endParaRPr lang="en"/>
+          </a:p>
+          <a:p>
+            <a:pPr marL="3657600" lvl="0" indent="0" rtl="0">
               <a:buNone/>
             </a:pPr>
             <a:r>
@@ -5287,48 +7796,50 @@
   <p:clrMapOvr>
     <a:masterClrMapping/>
   </p:clrMapOvr>
-  <p:transition spd="slow">
+  <p:transition xmlns:p14="http://schemas.microsoft.com/office/powerpoint/2010/main" spd="slow">
     <p:cut/>
   </p:transition>
 </p:sld>
 </file>
 
 <file path=ppt/slides/slide9.xml><?xml version="1.0" encoding="utf-8"?>
-<p:sld xmlns:a="http://schemas.openxmlformats.org/drawingml/2006/main" xmlns:r="http://schemas.openxmlformats.org/officeDocument/2006/relationships" xmlns:mc="http://schemas.openxmlformats.org/markup-compatibility/2006" xmlns:mv="urn:schemas-microsoft-com:mac:vml" xmlns:p="http://schemas.openxmlformats.org/presentationml/2006/main" xmlns:c="http://schemas.openxmlformats.org/drawingml/2006/chart" xmlns:dgm="http://schemas.openxmlformats.org/drawingml/2006/diagram" xmlns:o="urn:schemas-microsoft-com:office:office" xmlns:v="urn:schemas-microsoft-com:vml" xmlns:pvml="urn:schemas-microsoft-com:office:powerpoint" xmlns:com="http://schemas.openxmlformats.org/drawingml/2006/compatibility" xmlns:p14="http://schemas.microsoft.com/office/powerpoint/2010/main">
+<p:sld xmlns:a="http://schemas.openxmlformats.org/drawingml/2006/main" xmlns:r="http://schemas.openxmlformats.org/officeDocument/2006/relationships" xmlns:p="http://schemas.openxmlformats.org/presentationml/2006/main">
   <p:cSld>
     <p:spTree>
       <p:nvGrpSpPr>
-        <p:cNvPr id="103" name="Shape 103"/>
+        <p:cNvPr id="1" name="Shape 103"/>
         <p:cNvGrpSpPr/>
         <p:nvPr/>
       </p:nvGrpSpPr>
       <p:grpSpPr>
         <a:xfrm>
-          <a:off y="0" x="0"/>
-          <a:ext cy="0" cx="0"/>
-          <a:chOff y="0" x="0"/>
-          <a:chExt cy="0" cx="0"/>
+          <a:off x="0" y="0"/>
+          <a:ext cx="0" cy="0"/>
+          <a:chOff x="0" y="0"/>
+          <a:chExt cx="0" cy="0"/>
         </a:xfrm>
       </p:grpSpPr>
       <p:sp>
         <p:nvSpPr>
           <p:cNvPr id="104" name="Shape 104"/>
-          <p:cNvSpPr txBox="1"/>
+          <p:cNvSpPr txBox="1">
+            <a:spLocks noGrp="1"/>
+          </p:cNvSpPr>
           <p:nvPr>
             <p:ph type="title"/>
           </p:nvPr>
         </p:nvSpPr>
         <p:spPr>
           <a:xfrm>
-            <a:off y="205978" x="457200"/>
-            <a:ext cy="857400" cx="8229600"/>
-          </a:xfrm>
-          <a:prstGeom prst="rect">
-            <a:avLst/>
-          </a:prstGeom>
-        </p:spPr>
-        <p:txBody>
-          <a:bodyPr bIns="91425" rIns="91425" lIns="91425" tIns="91425" anchor="b" anchorCtr="0">
+            <a:off x="457200" y="205978"/>
+            <a:ext cx="8229600" cy="857400"/>
+          </a:xfrm>
+          <a:prstGeom prst="rect">
+            <a:avLst/>
+          </a:prstGeom>
+        </p:spPr>
+        <p:txBody>
+          <a:bodyPr lIns="91425" tIns="91425" rIns="91425" bIns="91425" anchor="b" anchorCtr="0">
             <a:noAutofit/>
           </a:bodyPr>
           <a:lstStyle/>
@@ -5338,7 +7849,7 @@
             </a:pPr>
             <a:r>
               <a:rPr lang="en"/>
-              <a:t>Roles</a:t>
+              <a:t>Employee Roles</a:t>
             </a:r>
           </a:p>
         </p:txBody>
@@ -5351,8 +7862,8 @@
         </p:nvSpPr>
         <p:spPr>
           <a:xfrm>
-            <a:off y="3345401" x="1973500"/>
-            <a:ext cy="923248" cx="923251"/>
+            <a:off x="3802300" y="3421601"/>
+            <a:ext cx="923251" cy="923248"/>
           </a:xfrm>
           <a:prstGeom prst="rect">
             <a:avLst/>
@@ -5373,8 +7884,8 @@
         </p:nvSpPr>
         <p:spPr>
           <a:xfrm>
-            <a:off y="1122300" x="1973500"/>
-            <a:ext cy="923248" cx="923251"/>
+            <a:off x="3802300" y="1198500"/>
+            <a:ext cx="923251" cy="923248"/>
           </a:xfrm>
           <a:prstGeom prst="rect">
             <a:avLst/>
@@ -5395,8 +7906,8 @@
         </p:nvSpPr>
         <p:spPr>
           <a:xfrm>
-            <a:off y="2233926" x="1973500"/>
-            <a:ext cy="923248" cx="923251"/>
+            <a:off x="3802300" y="2310126"/>
+            <a:ext cx="923251" cy="923248"/>
           </a:xfrm>
           <a:prstGeom prst="rect">
             <a:avLst/>
@@ -5417,8 +7928,8 @@
         </p:nvSpPr>
         <p:spPr>
           <a:xfrm>
-            <a:off y="2233926" x="2964865"/>
-            <a:ext cy="923248" cx="923251"/>
+            <a:off x="4793665" y="2310126"/>
+            <a:ext cx="923251" cy="923248"/>
           </a:xfrm>
           <a:prstGeom prst="rect">
             <a:avLst/>
@@ -5439,8 +7950,8 @@
         </p:nvSpPr>
         <p:spPr>
           <a:xfrm>
-            <a:off y="2233926" x="3946048"/>
-            <a:ext cy="923248" cx="923251"/>
+            <a:off x="5774848" y="2310126"/>
+            <a:ext cx="923251" cy="923248"/>
           </a:xfrm>
           <a:prstGeom prst="rect">
             <a:avLst/>
@@ -5461,8 +7972,8 @@
         </p:nvSpPr>
         <p:spPr>
           <a:xfrm>
-            <a:off y="3345401" x="2964865"/>
-            <a:ext cy="923248" cx="923251"/>
+            <a:off x="4793665" y="3421601"/>
+            <a:ext cx="923251" cy="923248"/>
           </a:xfrm>
           <a:prstGeom prst="rect">
             <a:avLst/>
@@ -5483,8 +7994,8 @@
         </p:nvSpPr>
         <p:spPr>
           <a:xfrm>
-            <a:off y="1122300" x="457200"/>
-            <a:ext cy="923399" cx="1441500"/>
+            <a:off x="2286000" y="1198500"/>
+            <a:ext cx="1441500" cy="923399"/>
           </a:xfrm>
           <a:prstGeom prst="rect">
             <a:avLst/>
@@ -5494,16 +8005,16 @@
           </a:solidFill>
         </p:spPr>
         <p:txBody>
-          <a:bodyPr bIns="91425" rIns="91425" lIns="91425" tIns="91425" anchor="ctr" anchorCtr="0">
-            <a:noAutofit/>
-          </a:bodyPr>
-          <a:lstStyle/>
-          <a:p>
-            <a:pPr algn="ctr" rtl="0" lvl="0">
-              <a:buNone/>
-            </a:pPr>
-            <a:r>
-              <a:rPr b="1" lang="en"/>
+          <a:bodyPr lIns="91425" tIns="91425" rIns="91425" bIns="91425" anchor="ctr" anchorCtr="0">
+            <a:noAutofit/>
+          </a:bodyPr>
+          <a:lstStyle/>
+          <a:p>
+            <a:pPr lvl="0" algn="ctr" rtl="0">
+              <a:buNone/>
+            </a:pPr>
+            <a:r>
+              <a:rPr lang="en" b="1"/>
               <a:t>Admin</a:t>
             </a:r>
           </a:p>
@@ -5517,8 +8028,8 @@
         </p:nvSpPr>
         <p:spPr>
           <a:xfrm>
-            <a:off y="2233775" x="469100"/>
-            <a:ext cy="923399" cx="1441500"/>
+            <a:off x="2297900" y="2309975"/>
+            <a:ext cx="1441500" cy="923399"/>
           </a:xfrm>
           <a:prstGeom prst="rect">
             <a:avLst/>
@@ -5528,16 +8039,16 @@
           </a:solidFill>
         </p:spPr>
         <p:txBody>
-          <a:bodyPr bIns="91425" rIns="91425" lIns="91425" tIns="91425" anchor="ctr" anchorCtr="0">
-            <a:noAutofit/>
-          </a:bodyPr>
-          <a:lstStyle/>
-          <a:p>
-            <a:pPr algn="ctr" rtl="0" lvl="0">
-              <a:buNone/>
-            </a:pPr>
-            <a:r>
-              <a:rPr b="1" lang="en"/>
+          <a:bodyPr lIns="91425" tIns="91425" rIns="91425" bIns="91425" anchor="ctr" anchorCtr="0">
+            <a:noAutofit/>
+          </a:bodyPr>
+          <a:lstStyle/>
+          <a:p>
+            <a:pPr lvl="0" algn="ctr" rtl="0">
+              <a:buNone/>
+            </a:pPr>
+            <a:r>
+              <a:rPr lang="en" b="1"/>
               <a:t>Sales Manager</a:t>
             </a:r>
           </a:p>
@@ -5551,8 +8062,8 @@
         </p:nvSpPr>
         <p:spPr>
           <a:xfrm>
-            <a:off y="3345250" x="469100"/>
-            <a:ext cy="923399" cx="1441500"/>
+            <a:off x="2297900" y="3421450"/>
+            <a:ext cx="1441500" cy="923399"/>
           </a:xfrm>
           <a:prstGeom prst="rect">
             <a:avLst/>
@@ -5562,16 +8073,16 @@
           </a:solidFill>
         </p:spPr>
         <p:txBody>
-          <a:bodyPr bIns="91425" rIns="91425" lIns="91425" tIns="91425" anchor="ctr" anchorCtr="0">
-            <a:noAutofit/>
-          </a:bodyPr>
-          <a:lstStyle/>
-          <a:p>
-            <a:pPr algn="ctr" rtl="0" lvl="0">
-              <a:buNone/>
-            </a:pPr>
-            <a:r>
-              <a:rPr b="1" lang="en"/>
+          <a:bodyPr lIns="91425" tIns="91425" rIns="91425" bIns="91425" anchor="ctr" anchorCtr="0">
+            <a:noAutofit/>
+          </a:bodyPr>
+          <a:lstStyle/>
+          <a:p>
+            <a:pPr lvl="0" algn="ctr" rtl="0">
+              <a:buNone/>
+            </a:pPr>
+            <a:r>
+              <a:rPr lang="en" b="1"/>
               <a:t>Construction Manager</a:t>
             </a:r>
           </a:p>
@@ -5582,16 +8093,16 @@
   <p:clrMapOvr>
     <a:masterClrMapping/>
   </p:clrMapOvr>
-  <p:transition spd="slow">
+  <p:transition xmlns:p14="http://schemas.microsoft.com/office/powerpoint/2010/main" spd="slow">
     <p:cut/>
   </p:transition>
 </p:sld>
 </file>
 
 <file path=ppt/theme/theme1.xml><?xml version="1.0" encoding="utf-8"?>
-<a:theme xmlns:a="http://schemas.openxmlformats.org/drawingml/2006/main" xmlns:r="http://schemas.openxmlformats.org/officeDocument/2006/relationships" name="Custom Theme">
+<a:theme xmlns:a="http://schemas.openxmlformats.org/drawingml/2006/main" name="light-gradient">
   <a:themeElements>
-    <a:clrScheme name="Default">
+    <a:clrScheme name="Custom 347">
       <a:dk1>
         <a:srgbClr val="000000"/>
       </a:dk1>
@@ -5599,34 +8110,34 @@
         <a:srgbClr val="FFFFFF"/>
       </a:lt1>
       <a:dk2>
-        <a:srgbClr val="158158"/>
+        <a:srgbClr val="666666"/>
       </a:dk2>
       <a:lt2>
-        <a:srgbClr val="F3F3F3"/>
+        <a:srgbClr val="CCCCCC"/>
       </a:lt2>
       <a:accent1>
-        <a:srgbClr val="058DC7"/>
+        <a:srgbClr val="3A81BA"/>
       </a:accent1>
       <a:accent2>
-        <a:srgbClr val="50B432"/>
+        <a:srgbClr val="D89F39"/>
       </a:accent2>
       <a:accent3>
-        <a:srgbClr val="ED561B"/>
+        <a:srgbClr val="8BAB42"/>
       </a:accent3>
       <a:accent4>
-        <a:srgbClr val="EDEF00"/>
+        <a:srgbClr val="57A7B5"/>
       </a:accent4>
       <a:accent5>
-        <a:srgbClr val="24CBE5"/>
+        <a:srgbClr val="8B81D2"/>
       </a:accent5>
       <a:accent6>
-        <a:srgbClr val="64E572"/>
+        <a:srgbClr val="963334"/>
       </a:accent6>
       <a:hlink>
-        <a:srgbClr val="2200CC"/>
+        <a:srgbClr val="1155CC"/>
       </a:hlink>
       <a:folHlink>
-        <a:srgbClr val="551A8B"/>
+        <a:srgbClr val="6611CC"/>
       </a:folHlink>
     </a:clrScheme>
     <a:fontScheme name="Office">
@@ -5634,69 +8145,69 @@
         <a:latin typeface="Arial"/>
         <a:ea typeface=""/>
         <a:cs typeface=""/>
-        <a:font typeface="ＭＳ Ｐゴシック" script="Jpan"/>
-        <a:font typeface="맑은 고딕" script="Hang"/>
-        <a:font typeface="宋体" script="Hans"/>
-        <a:font typeface="新細明體" script="Hant"/>
-        <a:font typeface="Times New Roman" script="Arab"/>
-        <a:font typeface="Times New Roman" script="Hebr"/>
-        <a:font typeface="Angsana New" script="Thai"/>
-        <a:font typeface="Nyala" script="Ethi"/>
-        <a:font typeface="Vrinda" script="Beng"/>
-        <a:font typeface="Shruti" script="Gujr"/>
-        <a:font typeface="MoolBoran" script="Khmr"/>
-        <a:font typeface="Tunga" script="Knda"/>
-        <a:font typeface="Raavi" script="Guru"/>
-        <a:font typeface="Euphemia" script="Cans"/>
-        <a:font typeface="Plantagenet Cherokee" script="Cher"/>
-        <a:font typeface="Microsoft Yi Baiti" script="Yiii"/>
-        <a:font typeface="Microsoft Himalaya" script="Tibt"/>
-        <a:font typeface="MV Boli" script="Thaa"/>
-        <a:font typeface="Mangal" script="Deva"/>
-        <a:font typeface="Gautami" script="Telu"/>
-        <a:font typeface="Latha" script="Taml"/>
-        <a:font typeface="Estrangelo Edessa" script="Syrc"/>
-        <a:font typeface="Kalinga" script="Orya"/>
-        <a:font typeface="Kartika" script="Mlym"/>
-        <a:font typeface="DokChampa" script="Laoo"/>
-        <a:font typeface="Iskoola Pota" script="Sinh"/>
-        <a:font typeface="Mongolian Baiti" script="Mong"/>
-        <a:font typeface="Times New Roman" script="Viet"/>
-        <a:font typeface="Microsoft Uighur" script="Uigh"/>
+        <a:font script="Jpan" typeface="ＭＳ Ｐゴシック"/>
+        <a:font script="Hang" typeface="맑은 고딕"/>
+        <a:font script="Hans" typeface="宋体"/>
+        <a:font script="Hant" typeface="新細明體"/>
+        <a:font script="Arab" typeface="Times New Roman"/>
+        <a:font script="Hebr" typeface="Times New Roman"/>
+        <a:font script="Thai" typeface="Angsana New"/>
+        <a:font script="Ethi" typeface="Nyala"/>
+        <a:font script="Beng" typeface="Vrinda"/>
+        <a:font script="Gujr" typeface="Shruti"/>
+        <a:font script="Khmr" typeface="MoolBoran"/>
+        <a:font script="Knda" typeface="Tunga"/>
+        <a:font script="Guru" typeface="Raavi"/>
+        <a:font script="Cans" typeface="Euphemia"/>
+        <a:font script="Cher" typeface="Plantagenet Cherokee"/>
+        <a:font script="Yiii" typeface="Microsoft Yi Baiti"/>
+        <a:font script="Tibt" typeface="Microsoft Himalaya"/>
+        <a:font script="Thaa" typeface="MV Boli"/>
+        <a:font script="Deva" typeface="Mangal"/>
+        <a:font script="Telu" typeface="Gautami"/>
+        <a:font script="Taml" typeface="Latha"/>
+        <a:font script="Syrc" typeface="Estrangelo Edessa"/>
+        <a:font script="Orya" typeface="Kalinga"/>
+        <a:font script="Mlym" typeface="Kartika"/>
+        <a:font script="Laoo" typeface="DokChampa"/>
+        <a:font script="Sinh" typeface="Iskoola Pota"/>
+        <a:font script="Mong" typeface="Mongolian Baiti"/>
+        <a:font script="Viet" typeface="Times New Roman"/>
+        <a:font script="Uigh" typeface="Microsoft Uighur"/>
       </a:majorFont>
       <a:minorFont>
         <a:latin typeface="Arial"/>
         <a:ea typeface=""/>
         <a:cs typeface=""/>
-        <a:font typeface="ＭＳ Ｐゴシック" script="Jpan"/>
-        <a:font typeface="맑은 고딕" script="Hang"/>
-        <a:font typeface="宋体" script="Hans"/>
-        <a:font typeface="新細明體" script="Hant"/>
-        <a:font typeface="Arial" script="Arab"/>
-        <a:font typeface="Arial" script="Hebr"/>
-        <a:font typeface="Cordia New" script="Thai"/>
-        <a:font typeface="Nyala" script="Ethi"/>
-        <a:font typeface="Vrinda" script="Beng"/>
-        <a:font typeface="Shruti" script="Gujr"/>
-        <a:font typeface="DaunPenh" script="Khmr"/>
-        <a:font typeface="Tunga" script="Knda"/>
-        <a:font typeface="Raavi" script="Guru"/>
-        <a:font typeface="Euphemia" script="Cans"/>
-        <a:font typeface="Plantagenet Cherokee" script="Cher"/>
-        <a:font typeface="Microsoft Yi Baiti" script="Yiii"/>
-        <a:font typeface="Microsoft Himalaya" script="Tibt"/>
-        <a:font typeface="MV Boli" script="Thaa"/>
-        <a:font typeface="Mangal" script="Deva"/>
-        <a:font typeface="Gautami" script="Telu"/>
-        <a:font typeface="Latha" script="Taml"/>
-        <a:font typeface="Estrangelo Edessa" script="Syrc"/>
-        <a:font typeface="Kalinga" script="Orya"/>
-        <a:font typeface="Kartika" script="Mlym"/>
-        <a:font typeface="DokChampa" script="Laoo"/>
-        <a:font typeface="Iskoola Pota" script="Sinh"/>
-        <a:font typeface="Mongolian Baiti" script="Mong"/>
-        <a:font typeface="Arial" script="Viet"/>
-        <a:font typeface="Microsoft Uighur" script="Uigh"/>
+        <a:font script="Jpan" typeface="ＭＳ Ｐゴシック"/>
+        <a:font script="Hang" typeface="맑은 고딕"/>
+        <a:font script="Hans" typeface="宋体"/>
+        <a:font script="Hant" typeface="新細明體"/>
+        <a:font script="Arab" typeface="Arial"/>
+        <a:font script="Hebr" typeface="Arial"/>
+        <a:font script="Thai" typeface="Cordia New"/>
+        <a:font script="Ethi" typeface="Nyala"/>
+        <a:font script="Beng" typeface="Vrinda"/>
+        <a:font script="Gujr" typeface="Shruti"/>
+        <a:font script="Khmr" typeface="DaunPenh"/>
+        <a:font script="Knda" typeface="Tunga"/>
+        <a:font script="Guru" typeface="Raavi"/>
+        <a:font script="Cans" typeface="Euphemia"/>
+        <a:font script="Cher" typeface="Plantagenet Cherokee"/>
+        <a:font script="Yiii" typeface="Microsoft Yi Baiti"/>
+        <a:font script="Tibt" typeface="Microsoft Himalaya"/>
+        <a:font script="Thaa" typeface="MV Boli"/>
+        <a:font script="Deva" typeface="Mangal"/>
+        <a:font script="Telu" typeface="Gautami"/>
+        <a:font script="Taml" typeface="Latha"/>
+        <a:font script="Syrc" typeface="Estrangelo Edessa"/>
+        <a:font script="Orya" typeface="Kalinga"/>
+        <a:font script="Mlym" typeface="Kartika"/>
+        <a:font script="Laoo" typeface="DokChampa"/>
+        <a:font script="Sinh" typeface="Iskoola Pota"/>
+        <a:font script="Mong" typeface="Mongolian Baiti"/>
+        <a:font script="Viet" typeface="Arial"/>
+        <a:font script="Uigh" typeface="Microsoft Uighur"/>
       </a:minorFont>
     </a:fontScheme>
     <a:fmtScheme name="Office">
@@ -5748,7 +8259,7 @@
         </a:gradFill>
       </a:fillStyleLst>
       <a:lnStyleLst>
-        <a:ln w="9525" algn="ctr" cap="flat" cmpd="sng">
+        <a:ln w="9525" cap="flat" cmpd="sng" algn="ctr">
           <a:solidFill>
             <a:schemeClr val="phClr">
               <a:shade val="95000"/>
@@ -5757,13 +8268,13 @@
           </a:solidFill>
           <a:prstDash val="solid"/>
         </a:ln>
-        <a:ln w="25400" algn="ctr" cap="flat" cmpd="sng">
+        <a:ln w="25400" cap="flat" cmpd="sng" algn="ctr">
           <a:solidFill>
             <a:schemeClr val="phClr"/>
           </a:solidFill>
           <a:prstDash val="solid"/>
         </a:ln>
-        <a:ln w="38100" algn="ctr" cap="flat" cmpd="sng">
+        <a:ln w="38100" cap="flat" cmpd="sng" algn="ctr">
           <a:solidFill>
             <a:schemeClr val="phClr"/>
           </a:solidFill>
@@ -5773,7 +8284,7 @@
       <a:effectStyleLst>
         <a:effectStyle>
           <a:effectLst>
-            <a:outerShdw rotWithShape="0" dir="5400000" blurRad="40000" dist="20000">
+            <a:outerShdw blurRad="40000" dist="20000" dir="5400000" rotWithShape="0">
               <a:srgbClr val="000000">
                 <a:alpha val="38000"/>
               </a:srgbClr>
@@ -5782,7 +8293,7 @@
         </a:effectStyle>
         <a:effectStyle>
           <a:effectLst>
-            <a:outerShdw rotWithShape="0" dir="5400000" blurRad="40000" dist="23000">
+            <a:outerShdw blurRad="40000" dist="23000" dir="5400000" rotWithShape="0">
               <a:srgbClr val="000000">
                 <a:alpha val="35000"/>
               </a:srgbClr>
@@ -5791,7 +8302,7 @@
         </a:effectStyle>
         <a:effectStyle>
           <a:effectLst>
-            <a:outerShdw rotWithShape="0" dir="5400000" blurRad="40000" dist="23000">
+            <a:outerShdw blurRad="40000" dist="23000" dir="5400000" rotWithShape="0">
               <a:srgbClr val="000000">
                 <a:alpha val="35000"/>
               </a:srgbClr>
@@ -5799,10 +8310,10 @@
           </a:effectLst>
           <a:scene3d>
             <a:camera prst="orthographicFront">
-              <a:rot rev="0" lon="0" lat="0"/>
+              <a:rot lat="0" lon="0" rev="0"/>
             </a:camera>
-            <a:lightRig dir="t" rig="threePt">
-              <a:rot rev="1200000" lon="0" lat="0"/>
+            <a:lightRig rig="threePt" dir="t">
+              <a:rot lat="0" lon="0" rev="1200000"/>
             </a:lightRig>
           </a:scene3d>
           <a:sp3d>
@@ -5837,7 +8348,7 @@
             </a:gs>
           </a:gsLst>
           <a:path path="circle">
-            <a:fillToRect t="-80000" b="180000" r="50000" l="50000"/>
+            <a:fillToRect l="50000" t="-80000" r="50000" b="180000"/>
           </a:path>
         </a:gradFill>
         <a:gradFill rotWithShape="1">
@@ -5856,54 +8367,56 @@
             </a:gs>
           </a:gsLst>
           <a:path path="circle">
-            <a:fillToRect t="50000" b="50000" r="50000" l="50000"/>
+            <a:fillToRect l="50000" t="50000" r="50000" b="50000"/>
           </a:path>
         </a:gradFill>
       </a:bgFillStyleLst>
     </a:fmtScheme>
   </a:themeElements>
+  <a:objectDefaults/>
+  <a:extraClrSchemeLst/>
 </a:theme>
 </file>
 
 <file path=ppt/theme/theme2.xml><?xml version="1.0" encoding="utf-8"?>
-<a:theme xmlns:a="http://schemas.openxmlformats.org/drawingml/2006/main" xmlns:r="http://schemas.openxmlformats.org/officeDocument/2006/relationships" name="Office Theme">
+<a:theme xmlns:a="http://schemas.openxmlformats.org/drawingml/2006/main" name="Custom Theme">
   <a:themeElements>
-    <a:clrScheme name="Office">
+    <a:clrScheme name="Default">
       <a:dk1>
-        <a:sysClr val="windowText" lastClr="000000"/>
+        <a:srgbClr val="000000"/>
       </a:dk1>
       <a:lt1>
-        <a:sysClr val="window" lastClr="FFFFFF"/>
+        <a:srgbClr val="FFFFFF"/>
       </a:lt1>
       <a:dk2>
-        <a:srgbClr val="1F497D"/>
+        <a:srgbClr val="158158"/>
       </a:dk2>
       <a:lt2>
-        <a:srgbClr val="EEECE1"/>
+        <a:srgbClr val="F3F3F3"/>
       </a:lt2>
       <a:accent1>
-        <a:srgbClr val="4F81BD"/>
+        <a:srgbClr val="058DC7"/>
       </a:accent1>
       <a:accent2>
-        <a:srgbClr val="C0504D"/>
+        <a:srgbClr val="50B432"/>
       </a:accent2>
       <a:accent3>
-        <a:srgbClr val="9BBB59"/>
+        <a:srgbClr val="ED561B"/>
       </a:accent3>
       <a:accent4>
-        <a:srgbClr val="8064A2"/>
+        <a:srgbClr val="EDEF00"/>
       </a:accent4>
       <a:accent5>
-        <a:srgbClr val="4BACC6"/>
+        <a:srgbClr val="24CBE5"/>
       </a:accent5>
       <a:accent6>
-        <a:srgbClr val="F79646"/>
+        <a:srgbClr val="64E572"/>
       </a:accent6>
       <a:hlink>
-        <a:srgbClr val="0000FF"/>
+        <a:srgbClr val="2200CC"/>
       </a:hlink>
       <a:folHlink>
-        <a:srgbClr val="800080"/>
+        <a:srgbClr val="551A8B"/>
       </a:folHlink>
     </a:clrScheme>
     <a:fontScheme name="Office">
@@ -5911,69 +8424,69 @@
         <a:latin typeface="Arial"/>
         <a:ea typeface=""/>
         <a:cs typeface=""/>
-        <a:font typeface="ＭＳ Ｐゴシック" script="Jpan"/>
-        <a:font typeface="맑은 고딕" script="Hang"/>
-        <a:font typeface="宋体" script="Hans"/>
-        <a:font typeface="新細明體" script="Hant"/>
-        <a:font typeface="Times New Roman" script="Arab"/>
-        <a:font typeface="Times New Roman" script="Hebr"/>
-        <a:font typeface="Angsana New" script="Thai"/>
-        <a:font typeface="Nyala" script="Ethi"/>
-        <a:font typeface="Vrinda" script="Beng"/>
-        <a:font typeface="Shruti" script="Gujr"/>
-        <a:font typeface="MoolBoran" script="Khmr"/>
-        <a:font typeface="Tunga" script="Knda"/>
-        <a:font typeface="Raavi" script="Guru"/>
-        <a:font typeface="Euphemia" script="Cans"/>
-        <a:font typeface="Plantagenet Cherokee" script="Cher"/>
-        <a:font typeface="Microsoft Yi Baiti" script="Yiii"/>
-        <a:font typeface="Microsoft Himalaya" script="Tibt"/>
-        <a:font typeface="MV Boli" script="Thaa"/>
-        <a:font typeface="Mangal" script="Deva"/>
-        <a:font typeface="Gautami" script="Telu"/>
-        <a:font typeface="Latha" script="Taml"/>
-        <a:font typeface="Estrangelo Edessa" script="Syrc"/>
-        <a:font typeface="Kalinga" script="Orya"/>
-        <a:font typeface="Kartika" script="Mlym"/>
-        <a:font typeface="DokChampa" script="Laoo"/>
-        <a:font typeface="Iskoola Pota" script="Sinh"/>
-        <a:font typeface="Mongolian Baiti" script="Mong"/>
-        <a:font typeface="Times New Roman" script="Viet"/>
-        <a:font typeface="Microsoft Uighur" script="Uigh"/>
+        <a:font script="Jpan" typeface="ＭＳ Ｐゴシック"/>
+        <a:font script="Hang" typeface="맑은 고딕"/>
+        <a:font script="Hans" typeface="宋体"/>
+        <a:font script="Hant" typeface="新細明體"/>
+        <a:font script="Arab" typeface="Times New Roman"/>
+        <a:font script="Hebr" typeface="Times New Roman"/>
+        <a:font script="Thai" typeface="Angsana New"/>
+        <a:font script="Ethi" typeface="Nyala"/>
+        <a:font script="Beng" typeface="Vrinda"/>
+        <a:font script="Gujr" typeface="Shruti"/>
+        <a:font script="Khmr" typeface="MoolBoran"/>
+        <a:font script="Knda" typeface="Tunga"/>
+        <a:font script="Guru" typeface="Raavi"/>
+        <a:font script="Cans" typeface="Euphemia"/>
+        <a:font script="Cher" typeface="Plantagenet Cherokee"/>
+        <a:font script="Yiii" typeface="Microsoft Yi Baiti"/>
+        <a:font script="Tibt" typeface="Microsoft Himalaya"/>
+        <a:font script="Thaa" typeface="MV Boli"/>
+        <a:font script="Deva" typeface="Mangal"/>
+        <a:font script="Telu" typeface="Gautami"/>
+        <a:font script="Taml" typeface="Latha"/>
+        <a:font script="Syrc" typeface="Estrangelo Edessa"/>
+        <a:font script="Orya" typeface="Kalinga"/>
+        <a:font script="Mlym" typeface="Kartika"/>
+        <a:font script="Laoo" typeface="DokChampa"/>
+        <a:font script="Sinh" typeface="Iskoola Pota"/>
+        <a:font script="Mong" typeface="Mongolian Baiti"/>
+        <a:font script="Viet" typeface="Times New Roman"/>
+        <a:font script="Uigh" typeface="Microsoft Uighur"/>
       </a:majorFont>
       <a:minorFont>
         <a:latin typeface="Arial"/>
         <a:ea typeface=""/>
         <a:cs typeface=""/>
-        <a:font typeface="ＭＳ Ｐゴシック" script="Jpan"/>
-        <a:font typeface="맑은 고딕" script="Hang"/>
-        <a:font typeface="宋体" script="Hans"/>
-        <a:font typeface="新細明體" script="Hant"/>
-        <a:font typeface="Arial" script="Arab"/>
-        <a:font typeface="Arial" script="Hebr"/>
-        <a:font typeface="Cordia New" script="Thai"/>
-        <a:font typeface="Nyala" script="Ethi"/>
-        <a:font typeface="Vrinda" script="Beng"/>
-        <a:font typeface="Shruti" script="Gujr"/>
-        <a:font typeface="DaunPenh" script="Khmr"/>
-        <a:font typeface="Tunga" script="Knda"/>
-        <a:font typeface="Raavi" script="Guru"/>
-        <a:font typeface="Euphemia" script="Cans"/>
-        <a:font typeface="Plantagenet Cherokee" script="Cher"/>
-        <a:font typeface="Microsoft Yi Baiti" script="Yiii"/>
-        <a:font typeface="Microsoft Himalaya" script="Tibt"/>
-        <a:font typeface="MV Boli" script="Thaa"/>
-        <a:font typeface="Mangal" script="Deva"/>
-        <a:font typeface="Gautami" script="Telu"/>
-        <a:font typeface="Latha" script="Taml"/>
-        <a:font typeface="Estrangelo Edessa" script="Syrc"/>
-        <a:font typeface="Kalinga" script="Orya"/>
-        <a:font typeface="Kartika" script="Mlym"/>
-        <a:font typeface="DokChampa" script="Laoo"/>
-        <a:font typeface="Iskoola Pota" script="Sinh"/>
-        <a:font typeface="Mongolian Baiti" script="Mong"/>
-        <a:font typeface="Arial" script="Viet"/>
-        <a:font typeface="Microsoft Uighur" script="Uigh"/>
+        <a:font script="Jpan" typeface="ＭＳ Ｐゴシック"/>
+        <a:font script="Hang" typeface="맑은 고딕"/>
+        <a:font script="Hans" typeface="宋体"/>
+        <a:font script="Hant" typeface="新細明體"/>
+        <a:font script="Arab" typeface="Arial"/>
+        <a:font script="Hebr" typeface="Arial"/>
+        <a:font script="Thai" typeface="Cordia New"/>
+        <a:font script="Ethi" typeface="Nyala"/>
+        <a:font script="Beng" typeface="Vrinda"/>
+        <a:font script="Gujr" typeface="Shruti"/>
+        <a:font script="Khmr" typeface="DaunPenh"/>
+        <a:font script="Knda" typeface="Tunga"/>
+        <a:font script="Guru" typeface="Raavi"/>
+        <a:font script="Cans" typeface="Euphemia"/>
+        <a:font script="Cher" typeface="Plantagenet Cherokee"/>
+        <a:font script="Yiii" typeface="Microsoft Yi Baiti"/>
+        <a:font script="Tibt" typeface="Microsoft Himalaya"/>
+        <a:font script="Thaa" typeface="MV Boli"/>
+        <a:font script="Deva" typeface="Mangal"/>
+        <a:font script="Telu" typeface="Gautami"/>
+        <a:font script="Taml" typeface="Latha"/>
+        <a:font script="Syrc" typeface="Estrangelo Edessa"/>
+        <a:font script="Orya" typeface="Kalinga"/>
+        <a:font script="Mlym" typeface="Kartika"/>
+        <a:font script="Laoo" typeface="DokChampa"/>
+        <a:font script="Sinh" typeface="Iskoola Pota"/>
+        <a:font script="Mong" typeface="Mongolian Baiti"/>
+        <a:font script="Viet" typeface="Arial"/>
+        <a:font script="Uigh" typeface="Microsoft Uighur"/>
       </a:minorFont>
     </a:fontScheme>
     <a:fmtScheme name="Office">
@@ -6025,7 +8538,7 @@
         </a:gradFill>
       </a:fillStyleLst>
       <a:lnStyleLst>
-        <a:ln w="9525" algn="ctr" cap="flat" cmpd="sng">
+        <a:ln w="9525" cap="flat" cmpd="sng" algn="ctr">
           <a:solidFill>
             <a:schemeClr val="phClr">
               <a:shade val="95000"/>
@@ -6034,13 +8547,13 @@
           </a:solidFill>
           <a:prstDash val="solid"/>
         </a:ln>
-        <a:ln w="25400" algn="ctr" cap="flat" cmpd="sng">
+        <a:ln w="25400" cap="flat" cmpd="sng" algn="ctr">
           <a:solidFill>
             <a:schemeClr val="phClr"/>
           </a:solidFill>
           <a:prstDash val="solid"/>
         </a:ln>
-        <a:ln w="38100" algn="ctr" cap="flat" cmpd="sng">
+        <a:ln w="38100" cap="flat" cmpd="sng" algn="ctr">
           <a:solidFill>
             <a:schemeClr val="phClr"/>
           </a:solidFill>
@@ -6050,7 +8563,7 @@
       <a:effectStyleLst>
         <a:effectStyle>
           <a:effectLst>
-            <a:outerShdw rotWithShape="0" dir="5400000" blurRad="40000" dist="20000">
+            <a:outerShdw blurRad="40000" dist="20000" dir="5400000" rotWithShape="0">
               <a:srgbClr val="000000">
                 <a:alpha val="38000"/>
               </a:srgbClr>
@@ -6059,7 +8572,7 @@
         </a:effectStyle>
         <a:effectStyle>
           <a:effectLst>
-            <a:outerShdw rotWithShape="0" dir="5400000" blurRad="40000" dist="23000">
+            <a:outerShdw blurRad="40000" dist="23000" dir="5400000" rotWithShape="0">
               <a:srgbClr val="000000">
                 <a:alpha val="35000"/>
               </a:srgbClr>
@@ -6068,7 +8581,7 @@
         </a:effectStyle>
         <a:effectStyle>
           <a:effectLst>
-            <a:outerShdw rotWithShape="0" dir="5400000" blurRad="40000" dist="23000">
+            <a:outerShdw blurRad="40000" dist="23000" dir="5400000" rotWithShape="0">
               <a:srgbClr val="000000">
                 <a:alpha val="35000"/>
               </a:srgbClr>
@@ -6076,10 +8589,10 @@
           </a:effectLst>
           <a:scene3d>
             <a:camera prst="orthographicFront">
-              <a:rot rev="0" lon="0" lat="0"/>
+              <a:rot lat="0" lon="0" rev="0"/>
             </a:camera>
-            <a:lightRig dir="t" rig="threePt">
-              <a:rot rev="1200000" lon="0" lat="0"/>
+            <a:lightRig rig="threePt" dir="t">
+              <a:rot lat="0" lon="0" rev="1200000"/>
             </a:lightRig>
           </a:scene3d>
           <a:sp3d>
@@ -6114,7 +8627,7 @@
             </a:gs>
           </a:gsLst>
           <a:path path="circle">
-            <a:fillToRect t="-80000" b="180000" r="50000" l="50000"/>
+            <a:fillToRect l="50000" t="-80000" r="50000" b="180000"/>
           </a:path>
         </a:gradFill>
         <a:gradFill rotWithShape="1">
@@ -6133,329 +8646,13 @@
             </a:gs>
           </a:gsLst>
           <a:path path="circle">
-            <a:fillToRect t="50000" b="50000" r="50000" l="50000"/>
+            <a:fillToRect l="50000" t="50000" r="50000" b="50000"/>
           </a:path>
         </a:gradFill>
       </a:bgFillStyleLst>
     </a:fmtScheme>
   </a:themeElements>
-  <a:objectDefaults>
-    <a:spDef>
-      <a:spPr/>
-      <a:bodyPr/>
-      <a:lstStyle/>
-      <a:style>
-        <a:lnRef idx="1">
-          <a:schemeClr val="accent1"/>
-        </a:lnRef>
-        <a:fillRef idx="3">
-          <a:schemeClr val="accent1"/>
-        </a:fillRef>
-        <a:effectRef idx="2">
-          <a:schemeClr val="accent1"/>
-        </a:effectRef>
-        <a:fontRef idx="minor">
-          <a:schemeClr val="lt1"/>
-        </a:fontRef>
-      </a:style>
-    </a:spDef>
-    <a:lnDef>
-      <a:spPr/>
-      <a:bodyPr/>
-      <a:lstStyle/>
-      <a:style>
-        <a:lnRef idx="2">
-          <a:schemeClr val="accent1"/>
-        </a:lnRef>
-        <a:fillRef idx="0">
-          <a:schemeClr val="accent1"/>
-        </a:fillRef>
-        <a:effectRef idx="1">
-          <a:schemeClr val="accent1"/>
-        </a:effectRef>
-        <a:fontRef idx="minor">
-          <a:schemeClr val="tx1"/>
-        </a:fontRef>
-      </a:style>
-    </a:lnDef>
-  </a:objectDefaults>
+  <a:objectDefaults/>
   <a:extraClrSchemeLst/>
 </a:theme>
-</file>
-
-<file path=ppt/theme/theme3.xml><?xml version="1.0" encoding="utf-8"?>
-<a:theme xmlns:a="http://schemas.openxmlformats.org/drawingml/2006/main" xmlns:r="http://schemas.openxmlformats.org/officeDocument/2006/relationships" name="light-gradient">
-  <a:themeElements>
-    <a:clrScheme name="Custom 347">
-      <a:dk1>
-        <a:srgbClr val="000000"/>
-      </a:dk1>
-      <a:lt1>
-        <a:srgbClr val="FFFFFF"/>
-      </a:lt1>
-      <a:dk2>
-        <a:srgbClr val="666666"/>
-      </a:dk2>
-      <a:lt2>
-        <a:srgbClr val="CCCCCC"/>
-      </a:lt2>
-      <a:accent1>
-        <a:srgbClr val="3A81BA"/>
-      </a:accent1>
-      <a:accent2>
-        <a:srgbClr val="D89F39"/>
-      </a:accent2>
-      <a:accent3>
-        <a:srgbClr val="8BAB42"/>
-      </a:accent3>
-      <a:accent4>
-        <a:srgbClr val="57A7B5"/>
-      </a:accent4>
-      <a:accent5>
-        <a:srgbClr val="8B81D2"/>
-      </a:accent5>
-      <a:accent6>
-        <a:srgbClr val="963334"/>
-      </a:accent6>
-      <a:hlink>
-        <a:srgbClr val="1155CC"/>
-      </a:hlink>
-      <a:folHlink>
-        <a:srgbClr val="6611CC"/>
-      </a:folHlink>
-    </a:clrScheme>
-    <a:fontScheme name="Office">
-      <a:majorFont>
-        <a:latin typeface="Arial"/>
-        <a:ea typeface=""/>
-        <a:cs typeface=""/>
-        <a:font typeface="ＭＳ Ｐゴシック" script="Jpan"/>
-        <a:font typeface="맑은 고딕" script="Hang"/>
-        <a:font typeface="宋体" script="Hans"/>
-        <a:font typeface="新細明體" script="Hant"/>
-        <a:font typeface="Times New Roman" script="Arab"/>
-        <a:font typeface="Times New Roman" script="Hebr"/>
-        <a:font typeface="Angsana New" script="Thai"/>
-        <a:font typeface="Nyala" script="Ethi"/>
-        <a:font typeface="Vrinda" script="Beng"/>
-        <a:font typeface="Shruti" script="Gujr"/>
-        <a:font typeface="MoolBoran" script="Khmr"/>
-        <a:font typeface="Tunga" script="Knda"/>
-        <a:font typeface="Raavi" script="Guru"/>
-        <a:font typeface="Euphemia" script="Cans"/>
-        <a:font typeface="Plantagenet Cherokee" script="Cher"/>
-        <a:font typeface="Microsoft Yi Baiti" script="Yiii"/>
-        <a:font typeface="Microsoft Himalaya" script="Tibt"/>
-        <a:font typeface="MV Boli" script="Thaa"/>
-        <a:font typeface="Mangal" script="Deva"/>
-        <a:font typeface="Gautami" script="Telu"/>
-        <a:font typeface="Latha" script="Taml"/>
-        <a:font typeface="Estrangelo Edessa" script="Syrc"/>
-        <a:font typeface="Kalinga" script="Orya"/>
-        <a:font typeface="Kartika" script="Mlym"/>
-        <a:font typeface="DokChampa" script="Laoo"/>
-        <a:font typeface="Iskoola Pota" script="Sinh"/>
-        <a:font typeface="Mongolian Baiti" script="Mong"/>
-        <a:font typeface="Times New Roman" script="Viet"/>
-        <a:font typeface="Microsoft Uighur" script="Uigh"/>
-      </a:majorFont>
-      <a:minorFont>
-        <a:latin typeface="Arial"/>
-        <a:ea typeface=""/>
-        <a:cs typeface=""/>
-        <a:font typeface="ＭＳ Ｐゴシック" script="Jpan"/>
-        <a:font typeface="맑은 고딕" script="Hang"/>
-        <a:font typeface="宋体" script="Hans"/>
-        <a:font typeface="新細明體" script="Hant"/>
-        <a:font typeface="Arial" script="Arab"/>
-        <a:font typeface="Arial" script="Hebr"/>
-        <a:font typeface="Cordia New" script="Thai"/>
-        <a:font typeface="Nyala" script="Ethi"/>
-        <a:font typeface="Vrinda" script="Beng"/>
-        <a:font typeface="Shruti" script="Gujr"/>
-        <a:font typeface="DaunPenh" script="Khmr"/>
-        <a:font typeface="Tunga" script="Knda"/>
-        <a:font typeface="Raavi" script="Guru"/>
-        <a:font typeface="Euphemia" script="Cans"/>
-        <a:font typeface="Plantagenet Cherokee" script="Cher"/>
-        <a:font typeface="Microsoft Yi Baiti" script="Yiii"/>
-        <a:font typeface="Microsoft Himalaya" script="Tibt"/>
-        <a:font typeface="MV Boli" script="Thaa"/>
-        <a:font typeface="Mangal" script="Deva"/>
-        <a:font typeface="Gautami" script="Telu"/>
-        <a:font typeface="Latha" script="Taml"/>
-        <a:font typeface="Estrangelo Edessa" script="Syrc"/>
-        <a:font typeface="Kalinga" script="Orya"/>
-        <a:font typeface="Kartika" script="Mlym"/>
-        <a:font typeface="DokChampa" script="Laoo"/>
-        <a:font typeface="Iskoola Pota" script="Sinh"/>
-        <a:font typeface="Mongolian Baiti" script="Mong"/>
-        <a:font typeface="Arial" script="Viet"/>
-        <a:font typeface="Microsoft Uighur" script="Uigh"/>
-      </a:minorFont>
-    </a:fontScheme>
-    <a:fmtScheme name="Office">
-      <a:fillStyleLst>
-        <a:solidFill>
-          <a:schemeClr val="phClr"/>
-        </a:solidFill>
-        <a:gradFill rotWithShape="1">
-          <a:gsLst>
-            <a:gs pos="0">
-              <a:schemeClr val="phClr">
-                <a:tint val="50000"/>
-                <a:satMod val="300000"/>
-              </a:schemeClr>
-            </a:gs>
-            <a:gs pos="35000">
-              <a:schemeClr val="phClr">
-                <a:tint val="37000"/>
-                <a:satMod val="300000"/>
-              </a:schemeClr>
-            </a:gs>
-            <a:gs pos="100000">
-              <a:schemeClr val="phClr">
-                <a:tint val="15000"/>
-                <a:satMod val="350000"/>
-              </a:schemeClr>
-            </a:gs>
-          </a:gsLst>
-          <a:lin ang="16200000" scaled="1"/>
-        </a:gradFill>
-        <a:gradFill rotWithShape="1">
-          <a:gsLst>
-            <a:gs pos="0">
-              <a:schemeClr val="phClr">
-                <a:tint val="100000"/>
-                <a:shade val="100000"/>
-                <a:satMod val="130000"/>
-              </a:schemeClr>
-            </a:gs>
-            <a:gs pos="100000">
-              <a:schemeClr val="phClr">
-                <a:tint val="50000"/>
-                <a:shade val="100000"/>
-                <a:satMod val="350000"/>
-              </a:schemeClr>
-            </a:gs>
-          </a:gsLst>
-          <a:lin ang="16200000" scaled="0"/>
-        </a:gradFill>
-      </a:fillStyleLst>
-      <a:lnStyleLst>
-        <a:ln w="9525" algn="ctr" cap="flat" cmpd="sng">
-          <a:solidFill>
-            <a:schemeClr val="phClr">
-              <a:shade val="95000"/>
-              <a:satMod val="105000"/>
-            </a:schemeClr>
-          </a:solidFill>
-          <a:prstDash val="solid"/>
-        </a:ln>
-        <a:ln w="25400" algn="ctr" cap="flat" cmpd="sng">
-          <a:solidFill>
-            <a:schemeClr val="phClr"/>
-          </a:solidFill>
-          <a:prstDash val="solid"/>
-        </a:ln>
-        <a:ln w="38100" algn="ctr" cap="flat" cmpd="sng">
-          <a:solidFill>
-            <a:schemeClr val="phClr"/>
-          </a:solidFill>
-          <a:prstDash val="solid"/>
-        </a:ln>
-      </a:lnStyleLst>
-      <a:effectStyleLst>
-        <a:effectStyle>
-          <a:effectLst>
-            <a:outerShdw rotWithShape="0" dir="5400000" blurRad="40000" dist="20000">
-              <a:srgbClr val="000000">
-                <a:alpha val="38000"/>
-              </a:srgbClr>
-            </a:outerShdw>
-          </a:effectLst>
-        </a:effectStyle>
-        <a:effectStyle>
-          <a:effectLst>
-            <a:outerShdw rotWithShape="0" dir="5400000" blurRad="40000" dist="23000">
-              <a:srgbClr val="000000">
-                <a:alpha val="35000"/>
-              </a:srgbClr>
-            </a:outerShdw>
-          </a:effectLst>
-        </a:effectStyle>
-        <a:effectStyle>
-          <a:effectLst>
-            <a:outerShdw rotWithShape="0" dir="5400000" blurRad="40000" dist="23000">
-              <a:srgbClr val="000000">
-                <a:alpha val="35000"/>
-              </a:srgbClr>
-            </a:outerShdw>
-          </a:effectLst>
-          <a:scene3d>
-            <a:camera prst="orthographicFront">
-              <a:rot rev="0" lon="0" lat="0"/>
-            </a:camera>
-            <a:lightRig dir="t" rig="threePt">
-              <a:rot rev="1200000" lon="0" lat="0"/>
-            </a:lightRig>
-          </a:scene3d>
-          <a:sp3d>
-            <a:bevelT w="63500" h="25400"/>
-          </a:sp3d>
-        </a:effectStyle>
-      </a:effectStyleLst>
-      <a:bgFillStyleLst>
-        <a:solidFill>
-          <a:schemeClr val="phClr"/>
-        </a:solidFill>
-        <a:gradFill rotWithShape="1">
-          <a:gsLst>
-            <a:gs pos="0">
-              <a:schemeClr val="phClr">
-                <a:tint val="40000"/>
-                <a:satMod val="350000"/>
-              </a:schemeClr>
-            </a:gs>
-            <a:gs pos="40000">
-              <a:schemeClr val="phClr">
-                <a:tint val="45000"/>
-                <a:shade val="99000"/>
-                <a:satMod val="350000"/>
-              </a:schemeClr>
-            </a:gs>
-            <a:gs pos="100000">
-              <a:schemeClr val="phClr">
-                <a:shade val="20000"/>
-                <a:satMod val="255000"/>
-              </a:schemeClr>
-            </a:gs>
-          </a:gsLst>
-          <a:path path="circle">
-            <a:fillToRect t="-80000" b="180000" r="50000" l="50000"/>
-          </a:path>
-        </a:gradFill>
-        <a:gradFill rotWithShape="1">
-          <a:gsLst>
-            <a:gs pos="0">
-              <a:schemeClr val="phClr">
-                <a:tint val="80000"/>
-                <a:satMod val="300000"/>
-              </a:schemeClr>
-            </a:gs>
-            <a:gs pos="100000">
-              <a:schemeClr val="phClr">
-                <a:shade val="30000"/>
-                <a:satMod val="200000"/>
-              </a:schemeClr>
-            </a:gs>
-          </a:gsLst>
-          <a:path path="circle">
-            <a:fillToRect t="50000" b="50000" r="50000" l="50000"/>
-          </a:path>
-        </a:gradFill>
-      </a:bgFillStyleLst>
-    </a:fmtScheme>
-  </a:themeElements>
-</a:theme>
 </file>